--- a/SBOM.pptx
+++ b/SBOM.pptx
@@ -5,23 +5,24 @@
     <p:sldMasterId id="2147483648" r:id="rId1"/>
   </p:sldMasterIdLst>
   <p:notesMasterIdLst>
-    <p:notesMasterId r:id="rId16"/>
+    <p:notesMasterId r:id="rId17"/>
   </p:notesMasterIdLst>
   <p:sldIdLst>
     <p:sldId id="262" r:id="rId2"/>
     <p:sldId id="263" r:id="rId3"/>
-    <p:sldId id="264" r:id="rId4"/>
-    <p:sldId id="267" r:id="rId5"/>
-    <p:sldId id="260" r:id="rId6"/>
-    <p:sldId id="261" r:id="rId7"/>
-    <p:sldId id="256" r:id="rId8"/>
-    <p:sldId id="257" r:id="rId9"/>
-    <p:sldId id="259" r:id="rId10"/>
-    <p:sldId id="270" r:id="rId11"/>
-    <p:sldId id="265" r:id="rId12"/>
-    <p:sldId id="266" r:id="rId13"/>
-    <p:sldId id="268" r:id="rId14"/>
-    <p:sldId id="269" r:id="rId15"/>
+    <p:sldId id="271" r:id="rId4"/>
+    <p:sldId id="264" r:id="rId5"/>
+    <p:sldId id="267" r:id="rId6"/>
+    <p:sldId id="260" r:id="rId7"/>
+    <p:sldId id="261" r:id="rId8"/>
+    <p:sldId id="256" r:id="rId9"/>
+    <p:sldId id="257" r:id="rId10"/>
+    <p:sldId id="259" r:id="rId11"/>
+    <p:sldId id="270" r:id="rId12"/>
+    <p:sldId id="265" r:id="rId13"/>
+    <p:sldId id="266" r:id="rId14"/>
+    <p:sldId id="268" r:id="rId15"/>
+    <p:sldId id="269" r:id="rId16"/>
   </p:sldIdLst>
   <p:sldSz cx="12192000" cy="6858000"/>
   <p:notesSz cx="6858000" cy="9144000"/>
@@ -542,7 +543,7 @@
           <a:p>
             <a:fld id="{7CCB60AB-D80B-41E5-945E-FBDC6A21DB68}" type="slidenum">
               <a:rPr lang="fr-FR" smtClean="0"/>
-              <a:t>10</a:t>
+              <a:t>11</a:t>
             </a:fld>
             <a:endParaRPr lang="fr-FR"/>
           </a:p>
@@ -708,7 +709,7 @@
           <a:p>
             <a:fld id="{B47C19A2-FEF7-4D78-8061-DDAEFB11027D}" type="datetimeFigureOut">
               <a:rPr lang="fr-FR" smtClean="0"/>
-              <a:t>26/04/2025</a:t>
+              <a:t>27/04/2025</a:t>
             </a:fld>
             <a:endParaRPr lang="fr-FR"/>
           </a:p>
@@ -906,7 +907,7 @@
           <a:p>
             <a:fld id="{B47C19A2-FEF7-4D78-8061-DDAEFB11027D}" type="datetimeFigureOut">
               <a:rPr lang="fr-FR" smtClean="0"/>
-              <a:t>26/04/2025</a:t>
+              <a:t>27/04/2025</a:t>
             </a:fld>
             <a:endParaRPr lang="fr-FR"/>
           </a:p>
@@ -1114,7 +1115,7 @@
           <a:p>
             <a:fld id="{B47C19A2-FEF7-4D78-8061-DDAEFB11027D}" type="datetimeFigureOut">
               <a:rPr lang="fr-FR" smtClean="0"/>
-              <a:t>26/04/2025</a:t>
+              <a:t>27/04/2025</a:t>
             </a:fld>
             <a:endParaRPr lang="fr-FR"/>
           </a:p>
@@ -1312,7 +1313,7 @@
           <a:p>
             <a:fld id="{B47C19A2-FEF7-4D78-8061-DDAEFB11027D}" type="datetimeFigureOut">
               <a:rPr lang="fr-FR" smtClean="0"/>
-              <a:t>26/04/2025</a:t>
+              <a:t>27/04/2025</a:t>
             </a:fld>
             <a:endParaRPr lang="fr-FR"/>
           </a:p>
@@ -1587,7 +1588,7 @@
           <a:p>
             <a:fld id="{B47C19A2-FEF7-4D78-8061-DDAEFB11027D}" type="datetimeFigureOut">
               <a:rPr lang="fr-FR" smtClean="0"/>
-              <a:t>26/04/2025</a:t>
+              <a:t>27/04/2025</a:t>
             </a:fld>
             <a:endParaRPr lang="fr-FR"/>
           </a:p>
@@ -1852,7 +1853,7 @@
           <a:p>
             <a:fld id="{B47C19A2-FEF7-4D78-8061-DDAEFB11027D}" type="datetimeFigureOut">
               <a:rPr lang="fr-FR" smtClean="0"/>
-              <a:t>26/04/2025</a:t>
+              <a:t>27/04/2025</a:t>
             </a:fld>
             <a:endParaRPr lang="fr-FR"/>
           </a:p>
@@ -2264,7 +2265,7 @@
           <a:p>
             <a:fld id="{B47C19A2-FEF7-4D78-8061-DDAEFB11027D}" type="datetimeFigureOut">
               <a:rPr lang="fr-FR" smtClean="0"/>
-              <a:t>26/04/2025</a:t>
+              <a:t>27/04/2025</a:t>
             </a:fld>
             <a:endParaRPr lang="fr-FR"/>
           </a:p>
@@ -2405,7 +2406,7 @@
           <a:p>
             <a:fld id="{B47C19A2-FEF7-4D78-8061-DDAEFB11027D}" type="datetimeFigureOut">
               <a:rPr lang="fr-FR" smtClean="0"/>
-              <a:t>26/04/2025</a:t>
+              <a:t>27/04/2025</a:t>
             </a:fld>
             <a:endParaRPr lang="fr-FR"/>
           </a:p>
@@ -2518,7 +2519,7 @@
           <a:p>
             <a:fld id="{B47C19A2-FEF7-4D78-8061-DDAEFB11027D}" type="datetimeFigureOut">
               <a:rPr lang="fr-FR" smtClean="0"/>
-              <a:t>26/04/2025</a:t>
+              <a:t>27/04/2025</a:t>
             </a:fld>
             <a:endParaRPr lang="fr-FR"/>
           </a:p>
@@ -2829,7 +2830,7 @@
           <a:p>
             <a:fld id="{B47C19A2-FEF7-4D78-8061-DDAEFB11027D}" type="datetimeFigureOut">
               <a:rPr lang="fr-FR" smtClean="0"/>
-              <a:t>26/04/2025</a:t>
+              <a:t>27/04/2025</a:t>
             </a:fld>
             <a:endParaRPr lang="fr-FR"/>
           </a:p>
@@ -3117,7 +3118,7 @@
           <a:p>
             <a:fld id="{B47C19A2-FEF7-4D78-8061-DDAEFB11027D}" type="datetimeFigureOut">
               <a:rPr lang="fr-FR" smtClean="0"/>
-              <a:t>26/04/2025</a:t>
+              <a:t>27/04/2025</a:t>
             </a:fld>
             <a:endParaRPr lang="fr-FR"/>
           </a:p>
@@ -3358,7 +3359,7 @@
           <a:p>
             <a:fld id="{B47C19A2-FEF7-4D78-8061-DDAEFB11027D}" type="datetimeFigureOut">
               <a:rPr lang="fr-FR" smtClean="0"/>
-              <a:t>26/04/2025</a:t>
+              <a:t>27/04/2025</a:t>
             </a:fld>
             <a:endParaRPr lang="fr-FR"/>
           </a:p>
@@ -3944,46 +3945,47 @@
                   <a:srgbClr val="FFFF00"/>
                 </a:highlight>
               </a:rPr>
-              <a:t>Dev </a:t>
-            </a:r>
-            <a:r>
-              <a:rPr lang="fr-FR" dirty="0" err="1">
-                <a:highlight>
-                  <a:srgbClr val="FFFF00"/>
-                </a:highlight>
-              </a:rPr>
-              <a:t>dependencies</a:t>
-            </a:r>
-            <a:r>
-              <a:rPr lang="fr-FR" dirty="0">
-                <a:highlight>
-                  <a:srgbClr val="FFFF00"/>
-                </a:highlight>
-              </a:rPr>
-              <a:t> vs production </a:t>
-            </a:r>
-            <a:r>
-              <a:rPr lang="fr-FR" dirty="0" err="1">
-                <a:highlight>
-                  <a:srgbClr val="FFFF00"/>
-                </a:highlight>
-              </a:rPr>
-              <a:t>dependencies</a:t>
-            </a:r>
-            <a:endParaRPr lang="fr-FR" dirty="0">
-              <a:highlight>
-                <a:srgbClr val="FFFF00"/>
-              </a:highlight>
-            </a:endParaRPr>
-          </a:p>
-        </p:txBody>
-      </p:sp>
-      <p:sp>
-        <p:nvSpPr>
-          <p:cNvPr id="19" name="ZoneTexte 18">
-            <a:extLst>
-              <a:ext uri="{FF2B5EF4-FFF2-40B4-BE49-F238E27FC236}">
-                <a16:creationId xmlns:a16="http://schemas.microsoft.com/office/drawing/2014/main" id="{B3BF7D86-4053-C382-FF57-72EA75E65C1B}"/>
+              <a:t>Scans dépendances vs scans de conteneurs</a:t>
+            </a:r>
+          </a:p>
+        </p:txBody>
+      </p:sp>
+      <p:pic>
+        <p:nvPicPr>
+          <p:cNvPr id="4" name="Image 3">
+            <a:extLst>
+              <a:ext uri="{FF2B5EF4-FFF2-40B4-BE49-F238E27FC236}">
+                <a16:creationId xmlns:a16="http://schemas.microsoft.com/office/drawing/2014/main" id="{AA36139E-0C05-DBBD-4118-4332D5B8B480}"/>
+              </a:ext>
+            </a:extLst>
+          </p:cNvPr>
+          <p:cNvPicPr>
+            <a:picLocks noChangeAspect="1"/>
+          </p:cNvPicPr>
+          <p:nvPr/>
+        </p:nvPicPr>
+        <p:blipFill>
+          <a:blip r:embed="rId2"/>
+          <a:stretch>
+            <a:fillRect/>
+          </a:stretch>
+        </p:blipFill>
+        <p:spPr>
+          <a:xfrm>
+            <a:off x="910595" y="1148476"/>
+            <a:ext cx="7033870" cy="1257409"/>
+          </a:xfrm>
+          <a:prstGeom prst="rect">
+            <a:avLst/>
+          </a:prstGeom>
+        </p:spPr>
+      </p:pic>
+      <p:sp>
+        <p:nvSpPr>
+          <p:cNvPr id="5" name="ZoneTexte 4">
+            <a:extLst>
+              <a:ext uri="{FF2B5EF4-FFF2-40B4-BE49-F238E27FC236}">
+                <a16:creationId xmlns:a16="http://schemas.microsoft.com/office/drawing/2014/main" id="{38AA057C-8ADD-DBDD-DD9A-80F5C65E178C}"/>
               </a:ext>
             </a:extLst>
           </p:cNvPr>
@@ -3992,8 +3994,8 @@
         </p:nvSpPr>
         <p:spPr>
           <a:xfrm>
-            <a:off x="1120876" y="4963153"/>
-            <a:ext cx="8190270" cy="369332"/>
+            <a:off x="910595" y="2567518"/>
+            <a:ext cx="6096000" cy="369332"/>
           </a:xfrm>
           <a:prstGeom prst="rect">
             <a:avLst/>
@@ -4007,6 +4009,385 @@
           <a:lstStyle/>
           <a:p>
             <a:r>
+              <a:rPr lang="fr-FR" dirty="0"/>
+              <a:t>…</a:t>
+            </a:r>
+          </a:p>
+        </p:txBody>
+      </p:sp>
+      <p:pic>
+        <p:nvPicPr>
+          <p:cNvPr id="9" name="Image 8">
+            <a:extLst>
+              <a:ext uri="{FF2B5EF4-FFF2-40B4-BE49-F238E27FC236}">
+                <a16:creationId xmlns:a16="http://schemas.microsoft.com/office/drawing/2014/main" id="{92D8D691-901D-BA5A-278A-E025438E7931}"/>
+              </a:ext>
+            </a:extLst>
+          </p:cNvPr>
+          <p:cNvPicPr>
+            <a:picLocks noChangeAspect="1"/>
+          </p:cNvPicPr>
+          <p:nvPr/>
+        </p:nvPicPr>
+        <p:blipFill>
+          <a:blip r:embed="rId3"/>
+          <a:stretch>
+            <a:fillRect/>
+          </a:stretch>
+        </p:blipFill>
+        <p:spPr>
+          <a:xfrm>
+            <a:off x="910595" y="3098483"/>
+            <a:ext cx="7049111" cy="937341"/>
+          </a:xfrm>
+          <a:prstGeom prst="rect">
+            <a:avLst/>
+          </a:prstGeom>
+        </p:spPr>
+      </p:pic>
+      <p:sp>
+        <p:nvSpPr>
+          <p:cNvPr id="10" name="ZoneTexte 9">
+            <a:extLst>
+              <a:ext uri="{FF2B5EF4-FFF2-40B4-BE49-F238E27FC236}">
+                <a16:creationId xmlns:a16="http://schemas.microsoft.com/office/drawing/2014/main" id="{3FC58421-6198-EBBD-5A85-0F8A38DC89A4}"/>
+              </a:ext>
+            </a:extLst>
+          </p:cNvPr>
+          <p:cNvSpPr txBox="1"/>
+          <p:nvPr/>
+        </p:nvSpPr>
+        <p:spPr>
+          <a:xfrm>
+            <a:off x="910595" y="4197457"/>
+            <a:ext cx="6096000" cy="369332"/>
+          </a:xfrm>
+          <a:prstGeom prst="rect">
+            <a:avLst/>
+          </a:prstGeom>
+          <a:noFill/>
+        </p:spPr>
+        <p:txBody>
+          <a:bodyPr wrap="square">
+            <a:spAutoFit/>
+          </a:bodyPr>
+          <a:lstStyle/>
+          <a:p>
+            <a:r>
+              <a:rPr lang="fr-FR" dirty="0"/>
+              <a:t>…</a:t>
+            </a:r>
+          </a:p>
+        </p:txBody>
+      </p:sp>
+      <p:pic>
+        <p:nvPicPr>
+          <p:cNvPr id="12" name="Image 11">
+            <a:extLst>
+              <a:ext uri="{FF2B5EF4-FFF2-40B4-BE49-F238E27FC236}">
+                <a16:creationId xmlns:a16="http://schemas.microsoft.com/office/drawing/2014/main" id="{1A17F1EC-A935-FA65-9204-CDFE91EA03A7}"/>
+              </a:ext>
+            </a:extLst>
+          </p:cNvPr>
+          <p:cNvPicPr>
+            <a:picLocks noChangeAspect="1"/>
+          </p:cNvPicPr>
+          <p:nvPr/>
+        </p:nvPicPr>
+        <p:blipFill>
+          <a:blip r:embed="rId4"/>
+          <a:stretch>
+            <a:fillRect/>
+          </a:stretch>
+        </p:blipFill>
+        <p:spPr>
+          <a:xfrm>
+            <a:off x="910595" y="4728422"/>
+            <a:ext cx="7064352" cy="739204"/>
+          </a:xfrm>
+          <a:prstGeom prst="rect">
+            <a:avLst/>
+          </a:prstGeom>
+        </p:spPr>
+      </p:pic>
+      <p:sp>
+        <p:nvSpPr>
+          <p:cNvPr id="13" name="Accolade fermante 12">
+            <a:extLst>
+              <a:ext uri="{FF2B5EF4-FFF2-40B4-BE49-F238E27FC236}">
+                <a16:creationId xmlns:a16="http://schemas.microsoft.com/office/drawing/2014/main" id="{A4ACB707-4B4E-F231-8BFF-005465E8BCEB}"/>
+              </a:ext>
+            </a:extLst>
+          </p:cNvPr>
+          <p:cNvSpPr/>
+          <p:nvPr/>
+        </p:nvSpPr>
+        <p:spPr>
+          <a:xfrm>
+            <a:off x="8303341" y="1052051"/>
+            <a:ext cx="403123" cy="1353833"/>
+          </a:xfrm>
+          <a:prstGeom prst="rightBrace">
+            <a:avLst/>
+          </a:prstGeom>
+        </p:spPr>
+        <p:style>
+          <a:lnRef idx="2">
+            <a:schemeClr val="accent1"/>
+          </a:lnRef>
+          <a:fillRef idx="0">
+            <a:schemeClr val="accent1"/>
+          </a:fillRef>
+          <a:effectRef idx="1">
+            <a:schemeClr val="accent1"/>
+          </a:effectRef>
+          <a:fontRef idx="minor">
+            <a:schemeClr val="tx1"/>
+          </a:fontRef>
+        </p:style>
+        <p:txBody>
+          <a:bodyPr rtlCol="0" anchor="ctr"/>
+          <a:lstStyle/>
+          <a:p>
+            <a:pPr algn="ctr"/>
+            <a:endParaRPr lang="fr-FR"/>
+          </a:p>
+        </p:txBody>
+      </p:sp>
+      <p:sp>
+        <p:nvSpPr>
+          <p:cNvPr id="14" name="Accolade fermante 13">
+            <a:extLst>
+              <a:ext uri="{FF2B5EF4-FFF2-40B4-BE49-F238E27FC236}">
+                <a16:creationId xmlns:a16="http://schemas.microsoft.com/office/drawing/2014/main" id="{A7182EEC-74DE-1E9F-1D40-EC06FA759E09}"/>
+              </a:ext>
+            </a:extLst>
+          </p:cNvPr>
+          <p:cNvSpPr/>
+          <p:nvPr/>
+        </p:nvSpPr>
+        <p:spPr>
+          <a:xfrm>
+            <a:off x="8303341" y="2843624"/>
+            <a:ext cx="403123" cy="1353833"/>
+          </a:xfrm>
+          <a:prstGeom prst="rightBrace">
+            <a:avLst/>
+          </a:prstGeom>
+        </p:spPr>
+        <p:style>
+          <a:lnRef idx="2">
+            <a:schemeClr val="accent1"/>
+          </a:lnRef>
+          <a:fillRef idx="0">
+            <a:schemeClr val="accent1"/>
+          </a:fillRef>
+          <a:effectRef idx="1">
+            <a:schemeClr val="accent1"/>
+          </a:effectRef>
+          <a:fontRef idx="minor">
+            <a:schemeClr val="tx1"/>
+          </a:fontRef>
+        </p:style>
+        <p:txBody>
+          <a:bodyPr rtlCol="0" anchor="ctr"/>
+          <a:lstStyle/>
+          <a:p>
+            <a:pPr algn="ctr"/>
+            <a:endParaRPr lang="fr-FR"/>
+          </a:p>
+        </p:txBody>
+      </p:sp>
+      <p:sp>
+        <p:nvSpPr>
+          <p:cNvPr id="15" name="Accolade fermante 14">
+            <a:extLst>
+              <a:ext uri="{FF2B5EF4-FFF2-40B4-BE49-F238E27FC236}">
+                <a16:creationId xmlns:a16="http://schemas.microsoft.com/office/drawing/2014/main" id="{7C0F2BD6-BD4D-5C2E-4059-5780286D5268}"/>
+              </a:ext>
+            </a:extLst>
+          </p:cNvPr>
+          <p:cNvSpPr/>
+          <p:nvPr/>
+        </p:nvSpPr>
+        <p:spPr>
+          <a:xfrm>
+            <a:off x="8303341" y="4421107"/>
+            <a:ext cx="403123" cy="1353833"/>
+          </a:xfrm>
+          <a:prstGeom prst="rightBrace">
+            <a:avLst/>
+          </a:prstGeom>
+        </p:spPr>
+        <p:style>
+          <a:lnRef idx="2">
+            <a:schemeClr val="accent1"/>
+          </a:lnRef>
+          <a:fillRef idx="0">
+            <a:schemeClr val="accent1"/>
+          </a:fillRef>
+          <a:effectRef idx="1">
+            <a:schemeClr val="accent1"/>
+          </a:effectRef>
+          <a:fontRef idx="minor">
+            <a:schemeClr val="tx1"/>
+          </a:fontRef>
+        </p:style>
+        <p:txBody>
+          <a:bodyPr rtlCol="0" anchor="ctr"/>
+          <a:lstStyle/>
+          <a:p>
+            <a:pPr algn="ctr"/>
+            <a:endParaRPr lang="fr-FR"/>
+          </a:p>
+        </p:txBody>
+      </p:sp>
+      <p:sp>
+        <p:nvSpPr>
+          <p:cNvPr id="16" name="ZoneTexte 15">
+            <a:extLst>
+              <a:ext uri="{FF2B5EF4-FFF2-40B4-BE49-F238E27FC236}">
+                <a16:creationId xmlns:a16="http://schemas.microsoft.com/office/drawing/2014/main" id="{32B1ACC3-6F1C-2965-17E7-9F71B7FAA4F3}"/>
+              </a:ext>
+            </a:extLst>
+          </p:cNvPr>
+          <p:cNvSpPr txBox="1"/>
+          <p:nvPr/>
+        </p:nvSpPr>
+        <p:spPr>
+          <a:xfrm>
+            <a:off x="9065340" y="1544301"/>
+            <a:ext cx="2448234" cy="369332"/>
+          </a:xfrm>
+          <a:prstGeom prst="rect">
+            <a:avLst/>
+          </a:prstGeom>
+          <a:noFill/>
+        </p:spPr>
+        <p:txBody>
+          <a:bodyPr wrap="square">
+            <a:spAutoFit/>
+          </a:bodyPr>
+          <a:lstStyle/>
+          <a:p>
+            <a:r>
+              <a:rPr lang="fr-FR" dirty="0"/>
+              <a:t>«  application BOM »</a:t>
+            </a:r>
+          </a:p>
+        </p:txBody>
+      </p:sp>
+      <p:sp>
+        <p:nvSpPr>
+          <p:cNvPr id="17" name="ZoneTexte 16">
+            <a:extLst>
+              <a:ext uri="{FF2B5EF4-FFF2-40B4-BE49-F238E27FC236}">
+                <a16:creationId xmlns:a16="http://schemas.microsoft.com/office/drawing/2014/main" id="{B174EE1E-AD51-5E1A-C35D-036F7A989B8C}"/>
+              </a:ext>
+            </a:extLst>
+          </p:cNvPr>
+          <p:cNvSpPr txBox="1"/>
+          <p:nvPr/>
+        </p:nvSpPr>
+        <p:spPr>
+          <a:xfrm>
+            <a:off x="8962101" y="4913357"/>
+            <a:ext cx="2448234" cy="369332"/>
+          </a:xfrm>
+          <a:prstGeom prst="rect">
+            <a:avLst/>
+          </a:prstGeom>
+          <a:noFill/>
+        </p:spPr>
+        <p:txBody>
+          <a:bodyPr wrap="square">
+            <a:spAutoFit/>
+          </a:bodyPr>
+          <a:lstStyle/>
+          <a:p>
+            <a:r>
+              <a:rPr lang="fr-FR" dirty="0"/>
+              <a:t>«  container BOM »</a:t>
+            </a:r>
+          </a:p>
+        </p:txBody>
+      </p:sp>
+      <p:sp>
+        <p:nvSpPr>
+          <p:cNvPr id="18" name="ZoneTexte 17">
+            <a:extLst>
+              <a:ext uri="{FF2B5EF4-FFF2-40B4-BE49-F238E27FC236}">
+                <a16:creationId xmlns:a16="http://schemas.microsoft.com/office/drawing/2014/main" id="{CDC8ED83-3E95-071F-255F-254F3B5E61A7}"/>
+              </a:ext>
+            </a:extLst>
+          </p:cNvPr>
+          <p:cNvSpPr txBox="1"/>
+          <p:nvPr/>
+        </p:nvSpPr>
+        <p:spPr>
+          <a:xfrm>
+            <a:off x="8962101" y="3335874"/>
+            <a:ext cx="2448234" cy="923330"/>
+          </a:xfrm>
+          <a:prstGeom prst="rect">
+            <a:avLst/>
+          </a:prstGeom>
+          <a:noFill/>
+        </p:spPr>
+        <p:txBody>
+          <a:bodyPr wrap="square">
+            <a:spAutoFit/>
+          </a:bodyPr>
+          <a:lstStyle/>
+          <a:p>
+            <a:r>
+              <a:rPr lang="fr-FR" dirty="0"/>
+              <a:t>« application BOM »</a:t>
+            </a:r>
+          </a:p>
+          <a:p>
+            <a:r>
+              <a:rPr lang="fr-FR" dirty="0"/>
+              <a:t>ET (!)</a:t>
+            </a:r>
+          </a:p>
+          <a:p>
+            <a:r>
+              <a:rPr lang="fr-FR" dirty="0"/>
+              <a:t>«  container BOM »</a:t>
+            </a:r>
+          </a:p>
+        </p:txBody>
+      </p:sp>
+      <p:sp>
+        <p:nvSpPr>
+          <p:cNvPr id="19" name="ZoneTexte 18">
+            <a:extLst>
+              <a:ext uri="{FF2B5EF4-FFF2-40B4-BE49-F238E27FC236}">
+                <a16:creationId xmlns:a16="http://schemas.microsoft.com/office/drawing/2014/main" id="{B3BF7D86-4053-C382-FF57-72EA75E65C1B}"/>
+              </a:ext>
+            </a:extLst>
+          </p:cNvPr>
+          <p:cNvSpPr txBox="1"/>
+          <p:nvPr/>
+        </p:nvSpPr>
+        <p:spPr>
+          <a:xfrm>
+            <a:off x="801330" y="6044701"/>
+            <a:ext cx="8190270" cy="369332"/>
+          </a:xfrm>
+          <a:prstGeom prst="rect">
+            <a:avLst/>
+          </a:prstGeom>
+          <a:noFill/>
+        </p:spPr>
+        <p:txBody>
+          <a:bodyPr wrap="square">
+            <a:spAutoFit/>
+          </a:bodyPr>
+          <a:lstStyle/>
+          <a:p>
+            <a:r>
               <a:rPr lang="fr-FR" dirty="0">
                 <a:sym typeface="Wingdings" panose="05000000000000000000" pitchFamily="2" charset="2"/>
               </a:rPr>
@@ -4028,85 +4409,10 @@
           </a:p>
         </p:txBody>
       </p:sp>
-      <p:sp>
-        <p:nvSpPr>
-          <p:cNvPr id="6" name="ZoneTexte 5">
-            <a:extLst>
-              <a:ext uri="{FF2B5EF4-FFF2-40B4-BE49-F238E27FC236}">
-                <a16:creationId xmlns:a16="http://schemas.microsoft.com/office/drawing/2014/main" id="{8EFB6E95-C4DB-CC81-5DEF-7883A76B1420}"/>
-              </a:ext>
-            </a:extLst>
-          </p:cNvPr>
-          <p:cNvSpPr txBox="1"/>
-          <p:nvPr/>
-        </p:nvSpPr>
-        <p:spPr>
-          <a:xfrm>
-            <a:off x="1120877" y="1624469"/>
-            <a:ext cx="6096000" cy="369332"/>
-          </a:xfrm>
-          <a:prstGeom prst="rect">
-            <a:avLst/>
-          </a:prstGeom>
-          <a:noFill/>
-        </p:spPr>
-        <p:txBody>
-          <a:bodyPr wrap="square">
-            <a:spAutoFit/>
-          </a:bodyPr>
-          <a:lstStyle/>
-          <a:p>
-            <a:r>
-              <a:rPr lang="fr-FR" dirty="0"/>
-              <a:t>https://github.com/CycloneDX/cdxgen</a:t>
-            </a:r>
-          </a:p>
-        </p:txBody>
-      </p:sp>
-      <p:sp>
-        <p:nvSpPr>
-          <p:cNvPr id="8" name="ZoneTexte 7">
-            <a:extLst>
-              <a:ext uri="{FF2B5EF4-FFF2-40B4-BE49-F238E27FC236}">
-                <a16:creationId xmlns:a16="http://schemas.microsoft.com/office/drawing/2014/main" id="{A3E71C09-0495-7C35-4E57-7312D84E80A3}"/>
-              </a:ext>
-            </a:extLst>
-          </p:cNvPr>
-          <p:cNvSpPr txBox="1"/>
-          <p:nvPr/>
-        </p:nvSpPr>
-        <p:spPr>
-          <a:xfrm>
-            <a:off x="1120876" y="2367031"/>
-            <a:ext cx="9379975" cy="830997"/>
-          </a:xfrm>
-          <a:prstGeom prst="rect">
-            <a:avLst/>
-          </a:prstGeom>
-          <a:noFill/>
-        </p:spPr>
-        <p:txBody>
-          <a:bodyPr wrap="square">
-            <a:spAutoFit/>
-          </a:bodyPr>
-          <a:lstStyle/>
-          <a:p>
-            <a:r>
-              <a:rPr lang="en-US" dirty="0"/>
-              <a:t>With the argument --required-only, you can limit the SBOM only to include packages with the scope "required", commonly called production or non-dev dependencies. </a:t>
-            </a:r>
-            <a:r>
-              <a:rPr lang="en-US" sz="1200" dirty="0"/>
-              <a:t>(Combine with --no-babel to limit this list to only non-dev dependencies based on the dev attribute being false in the lock files.)</a:t>
-            </a:r>
-            <a:endParaRPr lang="fr-FR" sz="1200" dirty="0"/>
-          </a:p>
-        </p:txBody>
-      </p:sp>
     </p:spTree>
     <p:extLst>
       <p:ext uri="{BB962C8B-B14F-4D97-AF65-F5344CB8AC3E}">
-        <p14:creationId xmlns:p14="http://schemas.microsoft.com/office/powerpoint/2010/main" val="3901385023"/>
+        <p14:creationId xmlns:p14="http://schemas.microsoft.com/office/powerpoint/2010/main" val="1495783257"/>
       </p:ext>
     </p:extLst>
   </p:cSld>
@@ -4135,10 +4441,10 @@
       </p:grpSpPr>
       <p:sp>
         <p:nvSpPr>
-          <p:cNvPr id="2" name="ZoneTexte 1">
-            <a:extLst>
-              <a:ext uri="{FF2B5EF4-FFF2-40B4-BE49-F238E27FC236}">
-                <a16:creationId xmlns:a16="http://schemas.microsoft.com/office/drawing/2014/main" id="{1B4E4D6B-0658-6F40-8E41-935019B56265}"/>
+          <p:cNvPr id="3" name="ZoneTexte 2">
+            <a:extLst>
+              <a:ext uri="{FF2B5EF4-FFF2-40B4-BE49-F238E27FC236}">
+                <a16:creationId xmlns:a16="http://schemas.microsoft.com/office/drawing/2014/main" id="{0297286C-0F92-6A93-E325-CE426B4FA2DC}"/>
               </a:ext>
             </a:extLst>
           </p:cNvPr>
@@ -4147,7 +4453,7 @@
         </p:nvSpPr>
         <p:spPr>
           <a:xfrm>
-            <a:off x="1651820" y="1809136"/>
+            <a:off x="1848465" y="512575"/>
             <a:ext cx="6096000" cy="369332"/>
           </a:xfrm>
           <a:prstGeom prst="rect">
@@ -4162,18 +4468,51 @@
           <a:lstStyle/>
           <a:p>
             <a:r>
-              <a:rPr lang="fr-FR" dirty="0"/>
-              <a:t>! SBOM vs « formulation »</a:t>
-            </a:r>
-          </a:p>
-        </p:txBody>
-      </p:sp>
-      <p:sp>
-        <p:nvSpPr>
-          <p:cNvPr id="4" name="ZoneTexte 3">
-            <a:extLst>
-              <a:ext uri="{FF2B5EF4-FFF2-40B4-BE49-F238E27FC236}">
-                <a16:creationId xmlns:a16="http://schemas.microsoft.com/office/drawing/2014/main" id="{89AD204F-5B5B-4F7F-BA72-2899CE4ECFB8}"/>
+              <a:rPr lang="fr-FR" dirty="0">
+                <a:highlight>
+                  <a:srgbClr val="FFFF00"/>
+                </a:highlight>
+              </a:rPr>
+              <a:t>Dev </a:t>
+            </a:r>
+            <a:r>
+              <a:rPr lang="fr-FR" dirty="0" err="1">
+                <a:highlight>
+                  <a:srgbClr val="FFFF00"/>
+                </a:highlight>
+              </a:rPr>
+              <a:t>dependencies</a:t>
+            </a:r>
+            <a:r>
+              <a:rPr lang="fr-FR" dirty="0">
+                <a:highlight>
+                  <a:srgbClr val="FFFF00"/>
+                </a:highlight>
+              </a:rPr>
+              <a:t> vs production </a:t>
+            </a:r>
+            <a:r>
+              <a:rPr lang="fr-FR" dirty="0" err="1">
+                <a:highlight>
+                  <a:srgbClr val="FFFF00"/>
+                </a:highlight>
+              </a:rPr>
+              <a:t>dependencies</a:t>
+            </a:r>
+            <a:endParaRPr lang="fr-FR" dirty="0">
+              <a:highlight>
+                <a:srgbClr val="FFFF00"/>
+              </a:highlight>
+            </a:endParaRPr>
+          </a:p>
+        </p:txBody>
+      </p:sp>
+      <p:sp>
+        <p:nvSpPr>
+          <p:cNvPr id="19" name="ZoneTexte 18">
+            <a:extLst>
+              <a:ext uri="{FF2B5EF4-FFF2-40B4-BE49-F238E27FC236}">
+                <a16:creationId xmlns:a16="http://schemas.microsoft.com/office/drawing/2014/main" id="{B3BF7D86-4053-C382-FF57-72EA75E65C1B}"/>
               </a:ext>
             </a:extLst>
           </p:cNvPr>
@@ -4182,8 +4521,8 @@
         </p:nvSpPr>
         <p:spPr>
           <a:xfrm>
-            <a:off x="3048000" y="3108293"/>
-            <a:ext cx="6096000" cy="923330"/>
+            <a:off x="1120876" y="5840234"/>
+            <a:ext cx="8190270" cy="369332"/>
           </a:xfrm>
           <a:prstGeom prst="rect">
             <a:avLst/>
@@ -4197,36 +4536,211 @@
           <a:lstStyle/>
           <a:p>
             <a:r>
-              <a:rPr lang="en-US" b="1" dirty="0"/>
-              <a:t>Formulation (new to </a:t>
-            </a:r>
-            <a:r>
-              <a:rPr lang="en-US" b="1" dirty="0" err="1"/>
-              <a:t>CycloneDX</a:t>
-            </a:r>
-            <a:r>
-              <a:rPr lang="en-US" b="1" dirty="0"/>
-              <a:t> v1.5)</a:t>
-            </a:r>
+              <a:rPr lang="fr-FR" dirty="0">
+                <a:sym typeface="Wingdings" panose="05000000000000000000" pitchFamily="2" charset="2"/>
+              </a:rPr>
+              <a:t> </a:t>
+            </a:r>
+            <a:r>
+              <a:rPr lang="fr-FR" dirty="0" err="1">
+                <a:sym typeface="Wingdings" panose="05000000000000000000" pitchFamily="2" charset="2"/>
+              </a:rPr>
+              <a:t>préco</a:t>
+            </a:r>
+            <a:r>
+              <a:rPr lang="fr-FR" dirty="0">
+                <a:sym typeface="Wingdings" panose="05000000000000000000" pitchFamily="2" charset="2"/>
+              </a:rPr>
+              <a:t>, séparer et faire les deux (?)</a:t>
+            </a:r>
+            <a:endParaRPr lang="fr-FR" dirty="0"/>
+          </a:p>
+        </p:txBody>
+      </p:sp>
+      <p:sp>
+        <p:nvSpPr>
+          <p:cNvPr id="6" name="ZoneTexte 5">
+            <a:extLst>
+              <a:ext uri="{FF2B5EF4-FFF2-40B4-BE49-F238E27FC236}">
+                <a16:creationId xmlns:a16="http://schemas.microsoft.com/office/drawing/2014/main" id="{8EFB6E95-C4DB-CC81-5DEF-7883A76B1420}"/>
+              </a:ext>
+            </a:extLst>
+          </p:cNvPr>
+          <p:cNvSpPr txBox="1"/>
+          <p:nvPr/>
+        </p:nvSpPr>
+        <p:spPr>
+          <a:xfrm>
+            <a:off x="1120877" y="1624469"/>
+            <a:ext cx="6096000" cy="369332"/>
+          </a:xfrm>
+          <a:prstGeom prst="rect">
+            <a:avLst/>
+          </a:prstGeom>
+          <a:noFill/>
+        </p:spPr>
+        <p:txBody>
+          <a:bodyPr wrap="square">
+            <a:spAutoFit/>
+          </a:bodyPr>
+          <a:lstStyle/>
+          <a:p>
+            <a:r>
+              <a:rPr lang="fr-FR" dirty="0"/>
+              <a:t>https://github.com/CycloneDX/cdxgen</a:t>
+            </a:r>
+          </a:p>
+        </p:txBody>
+      </p:sp>
+      <p:sp>
+        <p:nvSpPr>
+          <p:cNvPr id="8" name="ZoneTexte 7">
+            <a:extLst>
+              <a:ext uri="{FF2B5EF4-FFF2-40B4-BE49-F238E27FC236}">
+                <a16:creationId xmlns:a16="http://schemas.microsoft.com/office/drawing/2014/main" id="{A3E71C09-0495-7C35-4E57-7312D84E80A3}"/>
+              </a:ext>
+            </a:extLst>
+          </p:cNvPr>
+          <p:cNvSpPr txBox="1"/>
+          <p:nvPr/>
+        </p:nvSpPr>
+        <p:spPr>
+          <a:xfrm>
+            <a:off x="1120876" y="2367031"/>
+            <a:ext cx="9379975" cy="830997"/>
+          </a:xfrm>
+          <a:prstGeom prst="rect">
+            <a:avLst/>
+          </a:prstGeom>
+          <a:noFill/>
+        </p:spPr>
+        <p:txBody>
+          <a:bodyPr wrap="square">
+            <a:spAutoFit/>
+          </a:bodyPr>
+          <a:lstStyle/>
+          <a:p>
             <a:r>
               <a:rPr lang="en-US" dirty="0"/>
-              <a:t>: Describes how something was deployed or manufactured</a:t>
-            </a:r>
-          </a:p>
-          <a:p>
-            <a:r>
-              <a:rPr lang="en-US" dirty="0"/>
-              <a:t>(</a:t>
-            </a:r>
-            <a:r>
-              <a:rPr lang="en-US" dirty="0">
-                <a:hlinkClick r:id="rId2"/>
-              </a:rPr>
-              <a:t>src</a:t>
-            </a:r>
-            <a:r>
-              <a:rPr lang="en-US" dirty="0"/>
-              <a:t>)</a:t>
+              <a:t>With the argument --required-only, you can limit the SBOM only to include packages with the scope "required", commonly called production or non-dev dependencies. </a:t>
+            </a:r>
+            <a:r>
+              <a:rPr lang="en-US" sz="1200" dirty="0"/>
+              <a:t>(Combine with --no-babel to limit this list to only non-dev dependencies based on the dev attribute being false in the lock files.)</a:t>
+            </a:r>
+            <a:endParaRPr lang="fr-FR" sz="1200" dirty="0"/>
+          </a:p>
+        </p:txBody>
+      </p:sp>
+      <p:pic>
+        <p:nvPicPr>
+          <p:cNvPr id="4" name="Image 3">
+            <a:extLst>
+              <a:ext uri="{FF2B5EF4-FFF2-40B4-BE49-F238E27FC236}">
+                <a16:creationId xmlns:a16="http://schemas.microsoft.com/office/drawing/2014/main" id="{C9B6CAE9-ABCE-236F-EB96-460B8D1DBB67}"/>
+              </a:ext>
+            </a:extLst>
+          </p:cNvPr>
+          <p:cNvPicPr>
+            <a:picLocks noChangeAspect="1"/>
+          </p:cNvPicPr>
+          <p:nvPr/>
+        </p:nvPicPr>
+        <p:blipFill>
+          <a:blip r:embed="rId3"/>
+          <a:stretch>
+            <a:fillRect/>
+          </a:stretch>
+        </p:blipFill>
+        <p:spPr>
+          <a:xfrm>
+            <a:off x="1120876" y="3659973"/>
+            <a:ext cx="5281118" cy="1272650"/>
+          </a:xfrm>
+          <a:prstGeom prst="rect">
+            <a:avLst/>
+          </a:prstGeom>
+        </p:spPr>
+      </p:pic>
+      <p:sp>
+        <p:nvSpPr>
+          <p:cNvPr id="5" name="Accolade fermante 4">
+            <a:extLst>
+              <a:ext uri="{FF2B5EF4-FFF2-40B4-BE49-F238E27FC236}">
+                <a16:creationId xmlns:a16="http://schemas.microsoft.com/office/drawing/2014/main" id="{8ABF1BA2-22EF-518E-676F-82DF10482AD7}"/>
+              </a:ext>
+            </a:extLst>
+          </p:cNvPr>
+          <p:cNvSpPr/>
+          <p:nvPr/>
+        </p:nvSpPr>
+        <p:spPr>
+          <a:xfrm>
+            <a:off x="6829105" y="3591837"/>
+            <a:ext cx="403123" cy="1353833"/>
+          </a:xfrm>
+          <a:prstGeom prst="rightBrace">
+            <a:avLst/>
+          </a:prstGeom>
+        </p:spPr>
+        <p:style>
+          <a:lnRef idx="2">
+            <a:schemeClr val="accent1"/>
+          </a:lnRef>
+          <a:fillRef idx="0">
+            <a:schemeClr val="accent1"/>
+          </a:fillRef>
+          <a:effectRef idx="1">
+            <a:schemeClr val="accent1"/>
+          </a:effectRef>
+          <a:fontRef idx="minor">
+            <a:schemeClr val="tx1"/>
+          </a:fontRef>
+        </p:style>
+        <p:txBody>
+          <a:bodyPr rtlCol="0" anchor="ctr"/>
+          <a:lstStyle/>
+          <a:p>
+            <a:pPr algn="ctr"/>
+            <a:endParaRPr lang="fr-FR"/>
+          </a:p>
+        </p:txBody>
+      </p:sp>
+      <p:sp>
+        <p:nvSpPr>
+          <p:cNvPr id="7" name="ZoneTexte 6">
+            <a:extLst>
+              <a:ext uri="{FF2B5EF4-FFF2-40B4-BE49-F238E27FC236}">
+                <a16:creationId xmlns:a16="http://schemas.microsoft.com/office/drawing/2014/main" id="{6B30B2D9-D2C2-8BC8-E4B6-4296973072B7}"/>
+              </a:ext>
+            </a:extLst>
+          </p:cNvPr>
+          <p:cNvSpPr txBox="1"/>
+          <p:nvPr/>
+        </p:nvSpPr>
+        <p:spPr>
+          <a:xfrm>
+            <a:off x="7591104" y="4084087"/>
+            <a:ext cx="2448234" cy="369332"/>
+          </a:xfrm>
+          <a:prstGeom prst="rect">
+            <a:avLst/>
+          </a:prstGeom>
+          <a:noFill/>
+        </p:spPr>
+        <p:txBody>
+          <a:bodyPr wrap="square">
+            <a:spAutoFit/>
+          </a:bodyPr>
+          <a:lstStyle/>
+          <a:p>
+            <a:r>
+              <a:rPr lang="fr-FR" dirty="0"/>
+              <a:t>100% </a:t>
+            </a:r>
+            <a:r>
+              <a:rPr lang="fr-FR" dirty="0" err="1"/>
+              <a:t>present</a:t>
             </a:r>
             <a:endParaRPr lang="fr-FR" dirty="0"/>
           </a:p>
@@ -4235,7 +4749,7 @@
     </p:spTree>
     <p:extLst>
       <p:ext uri="{BB962C8B-B14F-4D97-AF65-F5344CB8AC3E}">
-        <p14:creationId xmlns:p14="http://schemas.microsoft.com/office/powerpoint/2010/main" val="2513760589"/>
+        <p14:creationId xmlns:p14="http://schemas.microsoft.com/office/powerpoint/2010/main" val="3901385023"/>
       </p:ext>
     </p:extLst>
   </p:cSld>
@@ -4267,7 +4781,7 @@
           <p:cNvPr id="2" name="ZoneTexte 1">
             <a:extLst>
               <a:ext uri="{FF2B5EF4-FFF2-40B4-BE49-F238E27FC236}">
-                <a16:creationId xmlns:a16="http://schemas.microsoft.com/office/drawing/2014/main" id="{4D064E9D-C4AC-4B5D-2B29-EEA0E904000A}"/>
+                <a16:creationId xmlns:a16="http://schemas.microsoft.com/office/drawing/2014/main" id="{1B4E4D6B-0658-6F40-8E41-935019B56265}"/>
               </a:ext>
             </a:extLst>
           </p:cNvPr>
@@ -4291,20 +4805,80 @@
           <a:lstStyle/>
           <a:p>
             <a:r>
-              <a:rPr lang="fr-FR" dirty="0" err="1"/>
-              <a:t>Dependency</a:t>
-            </a:r>
-            <a:r>
               <a:rPr lang="fr-FR" dirty="0"/>
-              <a:t>-Track, use cases…</a:t>
-            </a:r>
+              <a:t>! SBOM vs « formulation »</a:t>
+            </a:r>
+          </a:p>
+        </p:txBody>
+      </p:sp>
+      <p:sp>
+        <p:nvSpPr>
+          <p:cNvPr id="4" name="ZoneTexte 3">
+            <a:extLst>
+              <a:ext uri="{FF2B5EF4-FFF2-40B4-BE49-F238E27FC236}">
+                <a16:creationId xmlns:a16="http://schemas.microsoft.com/office/drawing/2014/main" id="{89AD204F-5B5B-4F7F-BA72-2899CE4ECFB8}"/>
+              </a:ext>
+            </a:extLst>
+          </p:cNvPr>
+          <p:cNvSpPr txBox="1"/>
+          <p:nvPr/>
+        </p:nvSpPr>
+        <p:spPr>
+          <a:xfrm>
+            <a:off x="3048000" y="3108293"/>
+            <a:ext cx="6096000" cy="923330"/>
+          </a:xfrm>
+          <a:prstGeom prst="rect">
+            <a:avLst/>
+          </a:prstGeom>
+          <a:noFill/>
+        </p:spPr>
+        <p:txBody>
+          <a:bodyPr wrap="square">
+            <a:spAutoFit/>
+          </a:bodyPr>
+          <a:lstStyle/>
+          <a:p>
+            <a:r>
+              <a:rPr lang="en-US" b="1" dirty="0"/>
+              <a:t>Formulation (new to </a:t>
+            </a:r>
+            <a:r>
+              <a:rPr lang="en-US" b="1" dirty="0" err="1"/>
+              <a:t>CycloneDX</a:t>
+            </a:r>
+            <a:r>
+              <a:rPr lang="en-US" b="1" dirty="0"/>
+              <a:t> v1.5)</a:t>
+            </a:r>
+            <a:r>
+              <a:rPr lang="en-US" dirty="0"/>
+              <a:t>: Describes how something was deployed or manufactured</a:t>
+            </a:r>
+          </a:p>
+          <a:p>
+            <a:r>
+              <a:rPr lang="en-US" dirty="0"/>
+              <a:t>(</a:t>
+            </a:r>
+            <a:r>
+              <a:rPr lang="en-US" dirty="0">
+                <a:hlinkClick r:id="rId2"/>
+              </a:rPr>
+              <a:t>src</a:t>
+            </a:r>
+            <a:r>
+              <a:rPr lang="en-US" dirty="0"/>
+              <a:t>)</a:t>
+            </a:r>
+            <a:endParaRPr lang="fr-FR" dirty="0"/>
           </a:p>
         </p:txBody>
       </p:sp>
     </p:spTree>
     <p:extLst>
       <p:ext uri="{BB962C8B-B14F-4D97-AF65-F5344CB8AC3E}">
-        <p14:creationId xmlns:p14="http://schemas.microsoft.com/office/powerpoint/2010/main" val="3755981226"/>
+        <p14:creationId xmlns:p14="http://schemas.microsoft.com/office/powerpoint/2010/main" val="2513760589"/>
       </p:ext>
     </p:extLst>
   </p:cSld>
@@ -4333,6 +4907,75 @@
       </p:grpSpPr>
       <p:sp>
         <p:nvSpPr>
+          <p:cNvPr id="2" name="ZoneTexte 1">
+            <a:extLst>
+              <a:ext uri="{FF2B5EF4-FFF2-40B4-BE49-F238E27FC236}">
+                <a16:creationId xmlns:a16="http://schemas.microsoft.com/office/drawing/2014/main" id="{4D064E9D-C4AC-4B5D-2B29-EEA0E904000A}"/>
+              </a:ext>
+            </a:extLst>
+          </p:cNvPr>
+          <p:cNvSpPr txBox="1"/>
+          <p:nvPr/>
+        </p:nvSpPr>
+        <p:spPr>
+          <a:xfrm>
+            <a:off x="1651820" y="1809136"/>
+            <a:ext cx="6096000" cy="369332"/>
+          </a:xfrm>
+          <a:prstGeom prst="rect">
+            <a:avLst/>
+          </a:prstGeom>
+          <a:noFill/>
+        </p:spPr>
+        <p:txBody>
+          <a:bodyPr wrap="square">
+            <a:spAutoFit/>
+          </a:bodyPr>
+          <a:lstStyle/>
+          <a:p>
+            <a:r>
+              <a:rPr lang="fr-FR" dirty="0" err="1"/>
+              <a:t>Dependency</a:t>
+            </a:r>
+            <a:r>
+              <a:rPr lang="fr-FR" dirty="0"/>
+              <a:t>-Track, use cases…</a:t>
+            </a:r>
+          </a:p>
+        </p:txBody>
+      </p:sp>
+    </p:spTree>
+    <p:extLst>
+      <p:ext uri="{BB962C8B-B14F-4D97-AF65-F5344CB8AC3E}">
+        <p14:creationId xmlns:p14="http://schemas.microsoft.com/office/powerpoint/2010/main" val="3755981226"/>
+      </p:ext>
+    </p:extLst>
+  </p:cSld>
+  <p:clrMapOvr>
+    <a:masterClrMapping/>
+  </p:clrMapOvr>
+</p:sld>
+</file>
+
+<file path=ppt/slides/slide14.xml><?xml version="1.0" encoding="utf-8"?>
+<p:sld xmlns:a="http://schemas.openxmlformats.org/drawingml/2006/main" xmlns:r="http://schemas.openxmlformats.org/officeDocument/2006/relationships" xmlns:p="http://schemas.openxmlformats.org/presentationml/2006/main">
+  <p:cSld>
+    <p:spTree>
+      <p:nvGrpSpPr>
+        <p:cNvPr id="1" name=""/>
+        <p:cNvGrpSpPr/>
+        <p:nvPr/>
+      </p:nvGrpSpPr>
+      <p:grpSpPr>
+        <a:xfrm>
+          <a:off x="0" y="0"/>
+          <a:ext cx="0" cy="0"/>
+          <a:chOff x="0" y="0"/>
+          <a:chExt cx="0" cy="0"/>
+        </a:xfrm>
+      </p:grpSpPr>
+      <p:sp>
+        <p:nvSpPr>
           <p:cNvPr id="2" name="Titre 1">
             <a:extLst>
               <a:ext uri="{FF2B5EF4-FFF2-40B4-BE49-F238E27FC236}">
@@ -4400,7 +5043,7 @@
 </p:sld>
 </file>
 
-<file path=ppt/slides/slide14.xml><?xml version="1.0" encoding="utf-8"?>
+<file path=ppt/slides/slide15.xml><?xml version="1.0" encoding="utf-8"?>
 <p:sld xmlns:a="http://schemas.openxmlformats.org/drawingml/2006/main" xmlns:r="http://schemas.openxmlformats.org/officeDocument/2006/relationships" xmlns:p="http://schemas.openxmlformats.org/presentationml/2006/main">
   <p:cSld>
     <p:spTree>
@@ -4904,64 +5547,186 @@
       </p:grpSpPr>
       <p:sp>
         <p:nvSpPr>
-          <p:cNvPr id="2" name="Titre 1">
-            <a:extLst>
-              <a:ext uri="{FF2B5EF4-FFF2-40B4-BE49-F238E27FC236}">
-                <a16:creationId xmlns:a16="http://schemas.microsoft.com/office/drawing/2014/main" id="{6A64B89D-CCF4-D906-7DEA-1879B71A475E}"/>
-              </a:ext>
-            </a:extLst>
-          </p:cNvPr>
-          <p:cNvSpPr>
-            <a:spLocks noGrp="1"/>
-          </p:cNvSpPr>
-          <p:nvPr>
-            <p:ph type="title"/>
-          </p:nvPr>
-        </p:nvSpPr>
-        <p:spPr/>
-        <p:txBody>
-          <a:bodyPr/>
+          <p:cNvPr id="4" name="ZoneTexte 3">
+            <a:extLst>
+              <a:ext uri="{FF2B5EF4-FFF2-40B4-BE49-F238E27FC236}">
+                <a16:creationId xmlns:a16="http://schemas.microsoft.com/office/drawing/2014/main" id="{7F0C5016-1A34-7068-15EC-42003DA9FDEC}"/>
+              </a:ext>
+            </a:extLst>
+          </p:cNvPr>
+          <p:cNvSpPr txBox="1"/>
+          <p:nvPr/>
+        </p:nvSpPr>
+        <p:spPr>
+          <a:xfrm>
+            <a:off x="776748" y="1033686"/>
+            <a:ext cx="9704439" cy="369332"/>
+          </a:xfrm>
+          <a:prstGeom prst="rect">
+            <a:avLst/>
+          </a:prstGeom>
+          <a:noFill/>
+        </p:spPr>
+        <p:txBody>
+          <a:bodyPr wrap="square">
+            <a:spAutoFit/>
+          </a:bodyPr>
           <a:lstStyle/>
           <a:p>
             <a:r>
               <a:rPr lang="fr-FR" dirty="0"/>
-              <a:t>2. Analyse, POC</a:t>
-            </a:r>
-          </a:p>
-        </p:txBody>
-      </p:sp>
-      <p:sp>
-        <p:nvSpPr>
-          <p:cNvPr id="3" name="Espace réservé du texte 2">
-            <a:extLst>
-              <a:ext uri="{FF2B5EF4-FFF2-40B4-BE49-F238E27FC236}">
-                <a16:creationId xmlns:a16="http://schemas.microsoft.com/office/drawing/2014/main" id="{E23DCB19-E38E-ABB7-E1F3-9112A1290E0C}"/>
-              </a:ext>
-            </a:extLst>
-          </p:cNvPr>
-          <p:cNvSpPr>
-            <a:spLocks noGrp="1"/>
-          </p:cNvSpPr>
-          <p:nvPr>
-            <p:ph type="body" idx="1"/>
-          </p:nvPr>
-        </p:nvSpPr>
-        <p:spPr/>
-        <p:txBody>
-          <a:bodyPr/>
+              <a:t>Pourquoi les SBOM</a:t>
+            </a:r>
+          </a:p>
+        </p:txBody>
+      </p:sp>
+      <p:sp>
+        <p:nvSpPr>
+          <p:cNvPr id="6" name="ZoneTexte 5">
+            <a:extLst>
+              <a:ext uri="{FF2B5EF4-FFF2-40B4-BE49-F238E27FC236}">
+                <a16:creationId xmlns:a16="http://schemas.microsoft.com/office/drawing/2014/main" id="{A4B26934-92D1-CBBB-AB49-B73B5C6B1360}"/>
+              </a:ext>
+            </a:extLst>
+          </p:cNvPr>
+          <p:cNvSpPr txBox="1"/>
+          <p:nvPr/>
+        </p:nvSpPr>
+        <p:spPr>
+          <a:xfrm>
+            <a:off x="776748" y="1995492"/>
+            <a:ext cx="8287916" cy="369332"/>
+          </a:xfrm>
+          <a:prstGeom prst="rect">
+            <a:avLst/>
+          </a:prstGeom>
+          <a:noFill/>
+        </p:spPr>
+        <p:txBody>
+          <a:bodyPr wrap="square">
+            <a:spAutoFit/>
+          </a:bodyPr>
           <a:lstStyle/>
           <a:p>
             <a:r>
               <a:rPr lang="fr-FR" dirty="0"/>
-              <a:t>… contexte BNP PF</a:t>
-            </a:r>
+              <a:t>https://worklifenotes.com/2025/01/14/why-a-single-sbom-is-never-enough/</a:t>
+            </a:r>
+          </a:p>
+        </p:txBody>
+      </p:sp>
+      <p:pic>
+        <p:nvPicPr>
+          <p:cNvPr id="8" name="Image 7">
+            <a:extLst>
+              <a:ext uri="{FF2B5EF4-FFF2-40B4-BE49-F238E27FC236}">
+                <a16:creationId xmlns:a16="http://schemas.microsoft.com/office/drawing/2014/main" id="{815C5B30-0C47-F796-0B13-4C94CD43B075}"/>
+              </a:ext>
+            </a:extLst>
+          </p:cNvPr>
+          <p:cNvPicPr>
+            <a:picLocks noChangeAspect="1"/>
+          </p:cNvPicPr>
+          <p:nvPr/>
+        </p:nvPicPr>
+        <p:blipFill>
+          <a:blip r:embed="rId2"/>
+          <a:stretch>
+            <a:fillRect/>
+          </a:stretch>
+        </p:blipFill>
+        <p:spPr>
+          <a:xfrm>
+            <a:off x="776748" y="2798675"/>
+            <a:ext cx="4551097" cy="1740806"/>
+          </a:xfrm>
+          <a:prstGeom prst="rect">
+            <a:avLst/>
+          </a:prstGeom>
+        </p:spPr>
+      </p:pic>
+      <p:pic>
+        <p:nvPicPr>
+          <p:cNvPr id="10" name="Image 9">
+            <a:extLst>
+              <a:ext uri="{FF2B5EF4-FFF2-40B4-BE49-F238E27FC236}">
+                <a16:creationId xmlns:a16="http://schemas.microsoft.com/office/drawing/2014/main" id="{E52F2649-BACD-4503-57BE-4A39505FC12B}"/>
+              </a:ext>
+            </a:extLst>
+          </p:cNvPr>
+          <p:cNvPicPr>
+            <a:picLocks noChangeAspect="1"/>
+          </p:cNvPicPr>
+          <p:nvPr/>
+        </p:nvPicPr>
+        <p:blipFill>
+          <a:blip r:embed="rId3"/>
+          <a:stretch>
+            <a:fillRect/>
+          </a:stretch>
+        </p:blipFill>
+        <p:spPr>
+          <a:xfrm>
+            <a:off x="6102157" y="4106243"/>
+            <a:ext cx="4551097" cy="2224587"/>
+          </a:xfrm>
+          <a:prstGeom prst="rect">
+            <a:avLst/>
+          </a:prstGeom>
+        </p:spPr>
+      </p:pic>
+      <p:sp>
+        <p:nvSpPr>
+          <p:cNvPr id="11" name="ZoneTexte 10">
+            <a:extLst>
+              <a:ext uri="{FF2B5EF4-FFF2-40B4-BE49-F238E27FC236}">
+                <a16:creationId xmlns:a16="http://schemas.microsoft.com/office/drawing/2014/main" id="{2047110B-844F-D181-6A0E-2A839F397291}"/>
+              </a:ext>
+            </a:extLst>
+          </p:cNvPr>
+          <p:cNvSpPr txBox="1"/>
+          <p:nvPr/>
+        </p:nvSpPr>
+        <p:spPr>
+          <a:xfrm>
+            <a:off x="6027576" y="3643035"/>
+            <a:ext cx="4001252" cy="369332"/>
+          </a:xfrm>
+          <a:prstGeom prst="rect">
+            <a:avLst/>
+          </a:prstGeom>
+          <a:noFill/>
+        </p:spPr>
+        <p:txBody>
+          <a:bodyPr wrap="square">
+            <a:spAutoFit/>
+          </a:bodyPr>
+          <a:lstStyle/>
+          <a:p>
+            <a:r>
+              <a:rPr lang="fr-FR" dirty="0"/>
+              <a:t>Cyber </a:t>
+            </a:r>
+            <a:r>
+              <a:rPr lang="fr-FR" dirty="0" err="1"/>
+              <a:t>Resilience</a:t>
+            </a:r>
+            <a:r>
+              <a:rPr lang="fr-FR" dirty="0"/>
+              <a:t> </a:t>
+            </a:r>
+            <a:r>
+              <a:rPr lang="fr-FR" dirty="0" err="1"/>
+              <a:t>Act</a:t>
+            </a:r>
+            <a:endParaRPr lang="fr-FR" dirty="0"/>
           </a:p>
         </p:txBody>
       </p:sp>
     </p:spTree>
     <p:extLst>
       <p:ext uri="{BB962C8B-B14F-4D97-AF65-F5344CB8AC3E}">
-        <p14:creationId xmlns:p14="http://schemas.microsoft.com/office/powerpoint/2010/main" val="3131077612"/>
+        <p14:creationId xmlns:p14="http://schemas.microsoft.com/office/powerpoint/2010/main" val="3728564838"/>
       </p:ext>
     </p:extLst>
   </p:cSld>
@@ -4990,127 +5755,56 @@
       </p:grpSpPr>
       <p:sp>
         <p:nvSpPr>
-          <p:cNvPr id="4" name="ZoneTexte 3">
-            <a:extLst>
-              <a:ext uri="{FF2B5EF4-FFF2-40B4-BE49-F238E27FC236}">
-                <a16:creationId xmlns:a16="http://schemas.microsoft.com/office/drawing/2014/main" id="{2AE31DD2-FA51-9E04-1100-7153D91AA77B}"/>
-              </a:ext>
-            </a:extLst>
-          </p:cNvPr>
-          <p:cNvSpPr txBox="1"/>
-          <p:nvPr/>
-        </p:nvSpPr>
-        <p:spPr>
-          <a:xfrm>
-            <a:off x="1700981" y="2133600"/>
-            <a:ext cx="6096000" cy="1477328"/>
-          </a:xfrm>
-          <a:prstGeom prst="rect">
-            <a:avLst/>
-          </a:prstGeom>
-          <a:noFill/>
-        </p:spPr>
-        <p:txBody>
-          <a:bodyPr wrap="square">
-            <a:spAutoFit/>
-          </a:bodyPr>
+          <p:cNvPr id="2" name="Titre 1">
+            <a:extLst>
+              <a:ext uri="{FF2B5EF4-FFF2-40B4-BE49-F238E27FC236}">
+                <a16:creationId xmlns:a16="http://schemas.microsoft.com/office/drawing/2014/main" id="{6A64B89D-CCF4-D906-7DEA-1879B71A475E}"/>
+              </a:ext>
+            </a:extLst>
+          </p:cNvPr>
+          <p:cNvSpPr>
+            <a:spLocks noGrp="1"/>
+          </p:cNvSpPr>
+          <p:nvPr>
+            <p:ph type="title"/>
+          </p:nvPr>
+        </p:nvSpPr>
+        <p:spPr/>
+        <p:txBody>
+          <a:bodyPr/>
           <a:lstStyle/>
           <a:p>
             <a:r>
               <a:rPr lang="fr-FR" dirty="0"/>
-              <a:t>SPDX</a:t>
-            </a:r>
-          </a:p>
+              <a:t>2. Analyse, POC</a:t>
+            </a:r>
+          </a:p>
+        </p:txBody>
+      </p:sp>
+      <p:sp>
+        <p:nvSpPr>
+          <p:cNvPr id="3" name="Espace réservé du texte 2">
+            <a:extLst>
+              <a:ext uri="{FF2B5EF4-FFF2-40B4-BE49-F238E27FC236}">
+                <a16:creationId xmlns:a16="http://schemas.microsoft.com/office/drawing/2014/main" id="{E23DCB19-E38E-ABB7-E1F3-9112A1290E0C}"/>
+              </a:ext>
+            </a:extLst>
+          </p:cNvPr>
+          <p:cNvSpPr>
+            <a:spLocks noGrp="1"/>
+          </p:cNvSpPr>
+          <p:nvPr>
+            <p:ph type="body" idx="1"/>
+          </p:nvPr>
+        </p:nvSpPr>
+        <p:spPr/>
+        <p:txBody>
+          <a:bodyPr/>
+          <a:lstStyle/>
           <a:p>
             <a:r>
               <a:rPr lang="fr-FR" dirty="0"/>
-              <a:t>Vs</a:t>
-            </a:r>
-          </a:p>
-          <a:p>
-            <a:r>
-              <a:rPr lang="fr-FR" dirty="0" err="1"/>
-              <a:t>CycloneDX</a:t>
-            </a:r>
-            <a:endParaRPr lang="fr-FR" dirty="0"/>
-          </a:p>
-          <a:p>
-            <a:endParaRPr lang="fr-FR" dirty="0"/>
-          </a:p>
-          <a:p>
-            <a:r>
-              <a:rPr lang="fr-FR" dirty="0"/>
-              <a:t>https://scvs.owasp.org/bom-maturity-model/</a:t>
-            </a:r>
-          </a:p>
-        </p:txBody>
-      </p:sp>
-      <p:sp>
-        <p:nvSpPr>
-          <p:cNvPr id="6" name="ZoneTexte 5">
-            <a:extLst>
-              <a:ext uri="{FF2B5EF4-FFF2-40B4-BE49-F238E27FC236}">
-                <a16:creationId xmlns:a16="http://schemas.microsoft.com/office/drawing/2014/main" id="{F5DB0E2B-45A4-713E-CE39-71D5DB4EAE22}"/>
-              </a:ext>
-            </a:extLst>
-          </p:cNvPr>
-          <p:cNvSpPr txBox="1"/>
-          <p:nvPr/>
-        </p:nvSpPr>
-        <p:spPr>
-          <a:xfrm>
-            <a:off x="1700981" y="3983364"/>
-            <a:ext cx="6096000" cy="646331"/>
-          </a:xfrm>
-          <a:prstGeom prst="rect">
-            <a:avLst/>
-          </a:prstGeom>
-          <a:noFill/>
-        </p:spPr>
-        <p:txBody>
-          <a:bodyPr wrap="square">
-            <a:spAutoFit/>
-          </a:bodyPr>
-          <a:lstStyle/>
-          <a:p>
-            <a:r>
-              <a:rPr lang="fr-FR" dirty="0"/>
-              <a:t>https://nexusconnect.io/articles/spdx-cyclonedx-or-swid-navigating-the-sbom-standard-landscape</a:t>
-            </a:r>
-          </a:p>
-        </p:txBody>
-      </p:sp>
-      <p:sp>
-        <p:nvSpPr>
-          <p:cNvPr id="8" name="ZoneTexte 7">
-            <a:extLst>
-              <a:ext uri="{FF2B5EF4-FFF2-40B4-BE49-F238E27FC236}">
-                <a16:creationId xmlns:a16="http://schemas.microsoft.com/office/drawing/2014/main" id="{84B4ADA9-7B08-3788-7895-EF1534329BD6}"/>
-              </a:ext>
-            </a:extLst>
-          </p:cNvPr>
-          <p:cNvSpPr txBox="1"/>
-          <p:nvPr/>
-        </p:nvSpPr>
-        <p:spPr>
-          <a:xfrm>
-            <a:off x="1700981" y="4848603"/>
-            <a:ext cx="6096000" cy="646331"/>
-          </a:xfrm>
-          <a:prstGeom prst="rect">
-            <a:avLst/>
-          </a:prstGeom>
-          <a:noFill/>
-        </p:spPr>
-        <p:txBody>
-          <a:bodyPr wrap="square">
-            <a:spAutoFit/>
-          </a:bodyPr>
-          <a:lstStyle/>
-          <a:p>
-            <a:r>
-              <a:rPr lang="fr-FR" dirty="0"/>
-              <a:t>https://worklifenotes.com/2025/01/21/why-we-chose-cyclonedx-over-spdx/</a:t>
+              <a:t>… contexte BNP PF</a:t>
             </a:r>
           </a:p>
         </p:txBody>
@@ -5118,7 +5812,7 @@
     </p:spTree>
     <p:extLst>
       <p:ext uri="{BB962C8B-B14F-4D97-AF65-F5344CB8AC3E}">
-        <p14:creationId xmlns:p14="http://schemas.microsoft.com/office/powerpoint/2010/main" val="3193183728"/>
+        <p14:creationId xmlns:p14="http://schemas.microsoft.com/office/powerpoint/2010/main" val="3131077612"/>
       </p:ext>
     </p:extLst>
   </p:cSld>
@@ -5145,42 +5839,12 @@
           <a:chExt cx="0" cy="0"/>
         </a:xfrm>
       </p:grpSpPr>
-      <p:pic>
-        <p:nvPicPr>
-          <p:cNvPr id="5" name="Image 4">
-            <a:extLst>
-              <a:ext uri="{FF2B5EF4-FFF2-40B4-BE49-F238E27FC236}">
-                <a16:creationId xmlns:a16="http://schemas.microsoft.com/office/drawing/2014/main" id="{63EF9FAC-1610-7127-CD78-B72A579B9890}"/>
-              </a:ext>
-            </a:extLst>
-          </p:cNvPr>
-          <p:cNvPicPr>
-            <a:picLocks noChangeAspect="1"/>
-          </p:cNvPicPr>
-          <p:nvPr/>
-        </p:nvPicPr>
-        <p:blipFill>
-          <a:blip r:embed="rId2"/>
-          <a:stretch>
-            <a:fillRect/>
-          </a:stretch>
-        </p:blipFill>
-        <p:spPr>
-          <a:xfrm>
-            <a:off x="1237908" y="822440"/>
-            <a:ext cx="7887383" cy="3482642"/>
-          </a:xfrm>
-          <a:prstGeom prst="rect">
-            <a:avLst/>
-          </a:prstGeom>
-        </p:spPr>
-      </p:pic>
-      <p:sp>
-        <p:nvSpPr>
-          <p:cNvPr id="6" name="ZoneTexte 5">
-            <a:extLst>
-              <a:ext uri="{FF2B5EF4-FFF2-40B4-BE49-F238E27FC236}">
-                <a16:creationId xmlns:a16="http://schemas.microsoft.com/office/drawing/2014/main" id="{5D393DD0-C07F-A0BC-604B-6629B62362BB}"/>
+      <p:sp>
+        <p:nvSpPr>
+          <p:cNvPr id="4" name="ZoneTexte 3">
+            <a:extLst>
+              <a:ext uri="{FF2B5EF4-FFF2-40B4-BE49-F238E27FC236}">
+                <a16:creationId xmlns:a16="http://schemas.microsoft.com/office/drawing/2014/main" id="{2AE31DD2-FA51-9E04-1100-7153D91AA77B}"/>
               </a:ext>
             </a:extLst>
           </p:cNvPr>
@@ -5189,8 +5853,8 @@
         </p:nvSpPr>
         <p:spPr>
           <a:xfrm>
-            <a:off x="1347020" y="4996086"/>
-            <a:ext cx="6096000" cy="923330"/>
+            <a:off x="1700981" y="2133600"/>
+            <a:ext cx="6096000" cy="1477328"/>
           </a:xfrm>
           <a:prstGeom prst="rect">
             <a:avLst/>
@@ -5204,45 +5868,100 @@
           <a:lstStyle/>
           <a:p>
             <a:r>
-              <a:rPr lang="fr-FR" dirty="0">
-                <a:sym typeface="Wingdings" panose="05000000000000000000" pitchFamily="2" charset="2"/>
-              </a:rPr>
-              <a:t>Contexte BNP PF  </a:t>
-            </a:r>
+              <a:rPr lang="fr-FR" dirty="0"/>
+              <a:t>SPDX</a:t>
+            </a:r>
+          </a:p>
+          <a:p>
+            <a:r>
+              <a:rPr lang="fr-FR" dirty="0"/>
+              <a:t>Vs</a:t>
+            </a:r>
+          </a:p>
+          <a:p>
             <a:r>
               <a:rPr lang="fr-FR" dirty="0" err="1"/>
-              <a:t>GitLab</a:t>
-            </a:r>
+              <a:t>CycloneDX</a:t>
+            </a:r>
+            <a:endParaRPr lang="fr-FR" dirty="0"/>
+          </a:p>
+          <a:p>
+            <a:endParaRPr lang="fr-FR" dirty="0"/>
+          </a:p>
+          <a:p>
             <a:r>
               <a:rPr lang="fr-FR" dirty="0"/>
-              <a:t>, </a:t>
-            </a:r>
-            <a:r>
-              <a:rPr lang="fr-FR" dirty="0" err="1"/>
-              <a:t>gitlab</a:t>
-            </a:r>
+              <a:t>https://scvs.owasp.org/bom-maturity-model/</a:t>
+            </a:r>
+          </a:p>
+        </p:txBody>
+      </p:sp>
+      <p:sp>
+        <p:nvSpPr>
+          <p:cNvPr id="6" name="ZoneTexte 5">
+            <a:extLst>
+              <a:ext uri="{FF2B5EF4-FFF2-40B4-BE49-F238E27FC236}">
+                <a16:creationId xmlns:a16="http://schemas.microsoft.com/office/drawing/2014/main" id="{F5DB0E2B-45A4-713E-CE39-71D5DB4EAE22}"/>
+              </a:ext>
+            </a:extLst>
+          </p:cNvPr>
+          <p:cNvSpPr txBox="1"/>
+          <p:nvPr/>
+        </p:nvSpPr>
+        <p:spPr>
+          <a:xfrm>
+            <a:off x="1700981" y="3983364"/>
+            <a:ext cx="6096000" cy="646331"/>
+          </a:xfrm>
+          <a:prstGeom prst="rect">
+            <a:avLst/>
+          </a:prstGeom>
+          <a:noFill/>
+        </p:spPr>
+        <p:txBody>
+          <a:bodyPr wrap="square">
+            <a:spAutoFit/>
+          </a:bodyPr>
+          <a:lstStyle/>
+          <a:p>
             <a:r>
               <a:rPr lang="fr-FR" dirty="0"/>
-              <a:t>-ci</a:t>
-            </a:r>
-          </a:p>
-          <a:p>
-            <a:endParaRPr lang="fr-FR" dirty="0"/>
-          </a:p>
+              <a:t>https://nexusconnect.io/articles/spdx-cyclonedx-or-swid-navigating-the-sbom-standard-landscape</a:t>
+            </a:r>
+          </a:p>
+        </p:txBody>
+      </p:sp>
+      <p:sp>
+        <p:nvSpPr>
+          <p:cNvPr id="8" name="ZoneTexte 7">
+            <a:extLst>
+              <a:ext uri="{FF2B5EF4-FFF2-40B4-BE49-F238E27FC236}">
+                <a16:creationId xmlns:a16="http://schemas.microsoft.com/office/drawing/2014/main" id="{84B4ADA9-7B08-3788-7895-EF1534329BD6}"/>
+              </a:ext>
+            </a:extLst>
+          </p:cNvPr>
+          <p:cNvSpPr txBox="1"/>
+          <p:nvPr/>
+        </p:nvSpPr>
+        <p:spPr>
+          <a:xfrm>
+            <a:off x="1700981" y="4848603"/>
+            <a:ext cx="6096000" cy="646331"/>
+          </a:xfrm>
+          <a:prstGeom prst="rect">
+            <a:avLst/>
+          </a:prstGeom>
+          <a:noFill/>
+        </p:spPr>
+        <p:txBody>
+          <a:bodyPr wrap="square">
+            <a:spAutoFit/>
+          </a:bodyPr>
+          <a:lstStyle/>
           <a:p>
             <a:r>
               <a:rPr lang="fr-FR" dirty="0"/>
-              <a:t>Reproductibilité </a:t>
-            </a:r>
-            <a:r>
-              <a:rPr lang="fr-FR" dirty="0">
-                <a:sym typeface="Wingdings" panose="05000000000000000000" pitchFamily="2" charset="2"/>
-              </a:rPr>
-              <a:t> </a:t>
-            </a:r>
-            <a:r>
-              <a:rPr lang="fr-FR" dirty="0"/>
-              <a:t>Docker</a:t>
+              <a:t>https://worklifenotes.com/2025/01/21/why-we-chose-cyclonedx-over-spdx/</a:t>
             </a:r>
           </a:p>
         </p:txBody>
@@ -5250,7 +5969,7 @@
     </p:spTree>
     <p:extLst>
       <p:ext uri="{BB962C8B-B14F-4D97-AF65-F5344CB8AC3E}">
-        <p14:creationId xmlns:p14="http://schemas.microsoft.com/office/powerpoint/2010/main" val="4170334686"/>
+        <p14:creationId xmlns:p14="http://schemas.microsoft.com/office/powerpoint/2010/main" val="3193183728"/>
       </p:ext>
     </p:extLst>
   </p:cSld>
@@ -5279,10 +5998,10 @@
       </p:grpSpPr>
       <p:pic>
         <p:nvPicPr>
-          <p:cNvPr id="3" name="Image 2">
-            <a:extLst>
-              <a:ext uri="{FF2B5EF4-FFF2-40B4-BE49-F238E27FC236}">
-                <a16:creationId xmlns:a16="http://schemas.microsoft.com/office/drawing/2014/main" id="{660B18C7-E99F-DD32-BBA9-2B1843F444B1}"/>
+          <p:cNvPr id="5" name="Image 4">
+            <a:extLst>
+              <a:ext uri="{FF2B5EF4-FFF2-40B4-BE49-F238E27FC236}">
+                <a16:creationId xmlns:a16="http://schemas.microsoft.com/office/drawing/2014/main" id="{63EF9FAC-1610-7127-CD78-B72A579B9890}"/>
               </a:ext>
             </a:extLst>
           </p:cNvPr>
@@ -5299,18 +6018,90 @@
         </p:blipFill>
         <p:spPr>
           <a:xfrm>
-            <a:off x="2068481" y="1542886"/>
-            <a:ext cx="8055038" cy="3772227"/>
+            <a:off x="1237908" y="822440"/>
+            <a:ext cx="7887383" cy="3482642"/>
           </a:xfrm>
           <a:prstGeom prst="rect">
             <a:avLst/>
           </a:prstGeom>
         </p:spPr>
       </p:pic>
+      <p:sp>
+        <p:nvSpPr>
+          <p:cNvPr id="6" name="ZoneTexte 5">
+            <a:extLst>
+              <a:ext uri="{FF2B5EF4-FFF2-40B4-BE49-F238E27FC236}">
+                <a16:creationId xmlns:a16="http://schemas.microsoft.com/office/drawing/2014/main" id="{5D393DD0-C07F-A0BC-604B-6629B62362BB}"/>
+              </a:ext>
+            </a:extLst>
+          </p:cNvPr>
+          <p:cNvSpPr txBox="1"/>
+          <p:nvPr/>
+        </p:nvSpPr>
+        <p:spPr>
+          <a:xfrm>
+            <a:off x="1347020" y="4996086"/>
+            <a:ext cx="6096000" cy="923330"/>
+          </a:xfrm>
+          <a:prstGeom prst="rect">
+            <a:avLst/>
+          </a:prstGeom>
+          <a:noFill/>
+        </p:spPr>
+        <p:txBody>
+          <a:bodyPr wrap="square">
+            <a:spAutoFit/>
+          </a:bodyPr>
+          <a:lstStyle/>
+          <a:p>
+            <a:r>
+              <a:rPr lang="fr-FR" dirty="0">
+                <a:sym typeface="Wingdings" panose="05000000000000000000" pitchFamily="2" charset="2"/>
+              </a:rPr>
+              <a:t>Contexte BNP PF  </a:t>
+            </a:r>
+            <a:r>
+              <a:rPr lang="fr-FR" dirty="0" err="1"/>
+              <a:t>GitLab</a:t>
+            </a:r>
+            <a:r>
+              <a:rPr lang="fr-FR" dirty="0"/>
+              <a:t>, </a:t>
+            </a:r>
+            <a:r>
+              <a:rPr lang="fr-FR" dirty="0" err="1"/>
+              <a:t>gitlab</a:t>
+            </a:r>
+            <a:r>
+              <a:rPr lang="fr-FR" dirty="0"/>
+              <a:t>-ci</a:t>
+            </a:r>
+          </a:p>
+          <a:p>
+            <a:endParaRPr lang="fr-FR" dirty="0"/>
+          </a:p>
+          <a:p>
+            <a:r>
+              <a:rPr lang="fr-FR" dirty="0"/>
+              <a:t>Reproductibilité </a:t>
+            </a:r>
+            <a:r>
+              <a:rPr lang="fr-FR" dirty="0">
+                <a:sym typeface="Wingdings" panose="05000000000000000000" pitchFamily="2" charset="2"/>
+              </a:rPr>
+              <a:t> </a:t>
+            </a:r>
+            <a:r>
+              <a:rPr lang="fr-FR" dirty="0"/>
+              <a:t>Docker</a:t>
+            </a:r>
+          </a:p>
+        </p:txBody>
+      </p:sp>
     </p:spTree>
     <p:extLst>
       <p:ext uri="{BB962C8B-B14F-4D97-AF65-F5344CB8AC3E}">
-        <p14:creationId xmlns:p14="http://schemas.microsoft.com/office/powerpoint/2010/main" val="3213758159"/>
+        <p14:creationId xmlns:p14="http://schemas.microsoft.com/office/powerpoint/2010/main" val="4170334686"/>
       </p:ext>
     </p:extLst>
   </p:cSld>
@@ -5337,523 +6128,40 @@
           <a:chExt cx="0" cy="0"/>
         </a:xfrm>
       </p:grpSpPr>
-      <p:sp>
-        <p:nvSpPr>
-          <p:cNvPr id="5" name="ZoneTexte 4">
-            <a:extLst>
-              <a:ext uri="{FF2B5EF4-FFF2-40B4-BE49-F238E27FC236}">
-                <a16:creationId xmlns:a16="http://schemas.microsoft.com/office/drawing/2014/main" id="{E96A7969-8ED7-E84B-6D5B-ABFAA0C884EF}"/>
-              </a:ext>
-            </a:extLst>
-          </p:cNvPr>
-          <p:cNvSpPr txBox="1"/>
+      <p:pic>
+        <p:nvPicPr>
+          <p:cNvPr id="3" name="Image 2">
+            <a:extLst>
+              <a:ext uri="{FF2B5EF4-FFF2-40B4-BE49-F238E27FC236}">
+                <a16:creationId xmlns:a16="http://schemas.microsoft.com/office/drawing/2014/main" id="{660B18C7-E99F-DD32-BBA9-2B1843F444B1}"/>
+              </a:ext>
+            </a:extLst>
+          </p:cNvPr>
+          <p:cNvPicPr>
+            <a:picLocks noChangeAspect="1"/>
+          </p:cNvPicPr>
           <p:nvPr/>
-        </p:nvSpPr>
-        <p:spPr>
-          <a:xfrm>
-            <a:off x="1199182" y="1746129"/>
-            <a:ext cx="1346907" cy="369332"/>
+        </p:nvPicPr>
+        <p:blipFill>
+          <a:blip r:embed="rId2"/>
+          <a:stretch>
+            <a:fillRect/>
+          </a:stretch>
+        </p:blipFill>
+        <p:spPr>
+          <a:xfrm>
+            <a:off x="2068481" y="1542886"/>
+            <a:ext cx="8055038" cy="3772227"/>
           </a:xfrm>
           <a:prstGeom prst="rect">
             <a:avLst/>
           </a:prstGeom>
-          <a:noFill/>
-        </p:spPr>
-        <p:txBody>
-          <a:bodyPr wrap="none" rtlCol="0">
-            <a:spAutoFit/>
-          </a:bodyPr>
-          <a:lstStyle/>
-          <a:p>
-            <a:r>
-              <a:rPr lang="fr-FR" dirty="0"/>
-              <a:t>GitLab.com</a:t>
-            </a:r>
-          </a:p>
-        </p:txBody>
-      </p:sp>
-      <p:sp>
-        <p:nvSpPr>
-          <p:cNvPr id="6" name="ZoneTexte 5">
-            <a:extLst>
-              <a:ext uri="{FF2B5EF4-FFF2-40B4-BE49-F238E27FC236}">
-                <a16:creationId xmlns:a16="http://schemas.microsoft.com/office/drawing/2014/main" id="{8849C785-B586-8BEE-413E-901C3A071AEB}"/>
-              </a:ext>
-            </a:extLst>
-          </p:cNvPr>
-          <p:cNvSpPr txBox="1"/>
-          <p:nvPr/>
-        </p:nvSpPr>
-        <p:spPr>
-          <a:xfrm>
-            <a:off x="3909805" y="3429000"/>
-            <a:ext cx="2638479" cy="646331"/>
-          </a:xfrm>
-          <a:prstGeom prst="rect">
-            <a:avLst/>
-          </a:prstGeom>
-          <a:noFill/>
-        </p:spPr>
-        <p:txBody>
-          <a:bodyPr wrap="none" rtlCol="0">
-            <a:spAutoFit/>
-          </a:bodyPr>
-          <a:lstStyle/>
-          <a:p>
-            <a:r>
-              <a:rPr lang="fr-FR" dirty="0" err="1"/>
-              <a:t>cdxgen</a:t>
-            </a:r>
-            <a:r>
-              <a:rPr lang="fr-FR" dirty="0"/>
-              <a:t> </a:t>
-            </a:r>
-            <a:r>
-              <a:rPr lang="fr-FR" strike="sngStrike" dirty="0"/>
-              <a:t>server</a:t>
-            </a:r>
-          </a:p>
-          <a:p>
-            <a:r>
-              <a:rPr lang="fr-FR" strike="sngStrike" dirty="0" err="1"/>
-              <a:t>Listens</a:t>
-            </a:r>
-            <a:r>
-              <a:rPr lang="fr-FR" strike="sngStrike" dirty="0"/>
-              <a:t> on localhost </a:t>
-            </a:r>
-            <a:r>
-              <a:rPr lang="fr-FR" strike="sngStrike" dirty="0" err="1"/>
-              <a:t>only</a:t>
-            </a:r>
-            <a:endParaRPr lang="fr-FR" strike="sngStrike" dirty="0"/>
-          </a:p>
-        </p:txBody>
-      </p:sp>
-      <p:sp>
-        <p:nvSpPr>
-          <p:cNvPr id="7" name="ZoneTexte 6">
-            <a:extLst>
-              <a:ext uri="{FF2B5EF4-FFF2-40B4-BE49-F238E27FC236}">
-                <a16:creationId xmlns:a16="http://schemas.microsoft.com/office/drawing/2014/main" id="{383A96C4-163D-8B8C-B562-937B2BFF7322}"/>
-              </a:ext>
-            </a:extLst>
-          </p:cNvPr>
-          <p:cNvSpPr txBox="1"/>
-          <p:nvPr/>
-        </p:nvSpPr>
-        <p:spPr>
-          <a:xfrm>
-            <a:off x="8538717" y="1746129"/>
-            <a:ext cx="1996637" cy="369332"/>
-          </a:xfrm>
-          <a:prstGeom prst="rect">
-            <a:avLst/>
-          </a:prstGeom>
-          <a:noFill/>
-        </p:spPr>
-        <p:txBody>
-          <a:bodyPr wrap="none" rtlCol="0">
-            <a:spAutoFit/>
-          </a:bodyPr>
-          <a:lstStyle/>
-          <a:p>
-            <a:r>
-              <a:rPr lang="fr-FR" dirty="0" err="1"/>
-              <a:t>Dependency</a:t>
-            </a:r>
-            <a:r>
-              <a:rPr lang="fr-FR" dirty="0"/>
-              <a:t> </a:t>
-            </a:r>
-            <a:r>
-              <a:rPr lang="fr-FR" dirty="0" err="1"/>
-              <a:t>track</a:t>
-            </a:r>
-            <a:endParaRPr lang="fr-FR" dirty="0"/>
-          </a:p>
-        </p:txBody>
-      </p:sp>
-      <p:sp>
-        <p:nvSpPr>
-          <p:cNvPr id="9" name="ZoneTexte 8">
-            <a:extLst>
-              <a:ext uri="{FF2B5EF4-FFF2-40B4-BE49-F238E27FC236}">
-                <a16:creationId xmlns:a16="http://schemas.microsoft.com/office/drawing/2014/main" id="{C7CB557F-1586-909E-AF96-5C75DA8A5591}"/>
-              </a:ext>
-            </a:extLst>
-          </p:cNvPr>
-          <p:cNvSpPr txBox="1"/>
-          <p:nvPr/>
-        </p:nvSpPr>
-        <p:spPr>
-          <a:xfrm>
-            <a:off x="4481039" y="1746129"/>
-            <a:ext cx="1494320" cy="369332"/>
-          </a:xfrm>
-          <a:prstGeom prst="rect">
-            <a:avLst/>
-          </a:prstGeom>
-          <a:noFill/>
-        </p:spPr>
-        <p:txBody>
-          <a:bodyPr wrap="none" rtlCol="0">
-            <a:spAutoFit/>
-          </a:bodyPr>
-          <a:lstStyle/>
-          <a:p>
-            <a:r>
-              <a:rPr lang="fr-FR" dirty="0" err="1"/>
-              <a:t>Gitlab</a:t>
-            </a:r>
-            <a:r>
-              <a:rPr lang="fr-FR" dirty="0"/>
-              <a:t> </a:t>
-            </a:r>
-            <a:r>
-              <a:rPr lang="fr-FR" dirty="0" err="1"/>
-              <a:t>runner</a:t>
-            </a:r>
-            <a:endParaRPr lang="fr-FR" dirty="0"/>
-          </a:p>
-        </p:txBody>
-      </p:sp>
-      <p:cxnSp>
-        <p:nvCxnSpPr>
-          <p:cNvPr id="11" name="Connecteur droit avec flèche 10">
-            <a:extLst>
-              <a:ext uri="{FF2B5EF4-FFF2-40B4-BE49-F238E27FC236}">
-                <a16:creationId xmlns:a16="http://schemas.microsoft.com/office/drawing/2014/main" id="{E83A9019-04D0-5895-884F-181A035311AD}"/>
-              </a:ext>
-            </a:extLst>
-          </p:cNvPr>
-          <p:cNvCxnSpPr>
-            <a:cxnSpLocks/>
-            <a:stCxn id="9" idx="1"/>
-            <a:endCxn id="5" idx="3"/>
-          </p:cNvCxnSpPr>
-          <p:nvPr/>
-        </p:nvCxnSpPr>
-        <p:spPr>
-          <a:xfrm flipH="1">
-            <a:off x="2546089" y="1930795"/>
-            <a:ext cx="1934950" cy="0"/>
-          </a:xfrm>
-          <a:prstGeom prst="straightConnector1">
-            <a:avLst/>
-          </a:prstGeom>
-          <a:ln>
-            <a:tailEnd type="triangle"/>
-          </a:ln>
-        </p:spPr>
-        <p:style>
-          <a:lnRef idx="2">
-            <a:schemeClr val="accent1"/>
-          </a:lnRef>
-          <a:fillRef idx="0">
-            <a:schemeClr val="accent1"/>
-          </a:fillRef>
-          <a:effectRef idx="1">
-            <a:schemeClr val="accent1"/>
-          </a:effectRef>
-          <a:fontRef idx="minor">
-            <a:schemeClr val="tx1"/>
-          </a:fontRef>
-        </p:style>
-      </p:cxnSp>
-      <p:cxnSp>
-        <p:nvCxnSpPr>
-          <p:cNvPr id="17" name="Connecteur droit avec flèche 16">
-            <a:extLst>
-              <a:ext uri="{FF2B5EF4-FFF2-40B4-BE49-F238E27FC236}">
-                <a16:creationId xmlns:a16="http://schemas.microsoft.com/office/drawing/2014/main" id="{CE9CEE6F-5099-3E02-31F1-D42079ECAC87}"/>
-              </a:ext>
-            </a:extLst>
-          </p:cNvPr>
-          <p:cNvCxnSpPr>
-            <a:cxnSpLocks/>
-            <a:stCxn id="9" idx="3"/>
-            <a:endCxn id="7" idx="1"/>
-          </p:cNvCxnSpPr>
-          <p:nvPr/>
-        </p:nvCxnSpPr>
-        <p:spPr>
-          <a:xfrm>
-            <a:off x="5975359" y="1930795"/>
-            <a:ext cx="2563358" cy="0"/>
-          </a:xfrm>
-          <a:prstGeom prst="straightConnector1">
-            <a:avLst/>
-          </a:prstGeom>
-          <a:ln>
-            <a:tailEnd type="triangle"/>
-          </a:ln>
-        </p:spPr>
-        <p:style>
-          <a:lnRef idx="2">
-            <a:schemeClr val="accent1"/>
-          </a:lnRef>
-          <a:fillRef idx="0">
-            <a:schemeClr val="accent1"/>
-          </a:fillRef>
-          <a:effectRef idx="1">
-            <a:schemeClr val="accent1"/>
-          </a:effectRef>
-          <a:fontRef idx="minor">
-            <a:schemeClr val="tx1"/>
-          </a:fontRef>
-        </p:style>
-      </p:cxnSp>
-      <p:cxnSp>
-        <p:nvCxnSpPr>
-          <p:cNvPr id="19" name="Connecteur droit avec flèche 18">
-            <a:extLst>
-              <a:ext uri="{FF2B5EF4-FFF2-40B4-BE49-F238E27FC236}">
-                <a16:creationId xmlns:a16="http://schemas.microsoft.com/office/drawing/2014/main" id="{03CA1387-50CF-AF97-F053-1C97EB551336}"/>
-              </a:ext>
-            </a:extLst>
-          </p:cNvPr>
-          <p:cNvCxnSpPr>
-            <a:cxnSpLocks/>
-            <a:stCxn id="9" idx="2"/>
-            <a:endCxn id="6" idx="0"/>
-          </p:cNvCxnSpPr>
-          <p:nvPr/>
-        </p:nvCxnSpPr>
-        <p:spPr>
-          <a:xfrm>
-            <a:off x="5228199" y="2115461"/>
-            <a:ext cx="846" cy="1313539"/>
-          </a:xfrm>
-          <a:prstGeom prst="straightConnector1">
-            <a:avLst/>
-          </a:prstGeom>
-          <a:ln>
-            <a:tailEnd type="triangle"/>
-          </a:ln>
-        </p:spPr>
-        <p:style>
-          <a:lnRef idx="2">
-            <a:schemeClr val="accent1"/>
-          </a:lnRef>
-          <a:fillRef idx="0">
-            <a:schemeClr val="accent1"/>
-          </a:fillRef>
-          <a:effectRef idx="1">
-            <a:schemeClr val="accent1"/>
-          </a:effectRef>
-          <a:fontRef idx="minor">
-            <a:schemeClr val="tx1"/>
-          </a:fontRef>
-        </p:style>
-      </p:cxnSp>
-      <p:sp>
-        <p:nvSpPr>
-          <p:cNvPr id="22" name="ZoneTexte 21">
-            <a:extLst>
-              <a:ext uri="{FF2B5EF4-FFF2-40B4-BE49-F238E27FC236}">
-                <a16:creationId xmlns:a16="http://schemas.microsoft.com/office/drawing/2014/main" id="{B608BD25-14A0-CAF0-BA1B-3AACAB8A8864}"/>
-              </a:ext>
-            </a:extLst>
-          </p:cNvPr>
-          <p:cNvSpPr txBox="1"/>
-          <p:nvPr/>
-        </p:nvSpPr>
-        <p:spPr>
-          <a:xfrm>
-            <a:off x="5391345" y="2589104"/>
-            <a:ext cx="308098" cy="369332"/>
-          </a:xfrm>
-          <a:prstGeom prst="rect">
-            <a:avLst/>
-          </a:prstGeom>
-          <a:noFill/>
-        </p:spPr>
-        <p:txBody>
-          <a:bodyPr wrap="none" rtlCol="0">
-            <a:spAutoFit/>
-          </a:bodyPr>
-          <a:lstStyle/>
-          <a:p>
-            <a:r>
-              <a:rPr lang="fr-FR" dirty="0"/>
-              <a:t>1</a:t>
-            </a:r>
-          </a:p>
-        </p:txBody>
-      </p:sp>
-      <p:sp>
-        <p:nvSpPr>
-          <p:cNvPr id="23" name="ZoneTexte 22">
-            <a:extLst>
-              <a:ext uri="{FF2B5EF4-FFF2-40B4-BE49-F238E27FC236}">
-                <a16:creationId xmlns:a16="http://schemas.microsoft.com/office/drawing/2014/main" id="{A077DC13-C75A-A0B4-3DE2-7562A4938CD2}"/>
-              </a:ext>
-            </a:extLst>
-          </p:cNvPr>
-          <p:cNvSpPr txBox="1"/>
-          <p:nvPr/>
-        </p:nvSpPr>
-        <p:spPr>
-          <a:xfrm>
-            <a:off x="7114696" y="2115461"/>
-            <a:ext cx="308098" cy="369332"/>
-          </a:xfrm>
-          <a:prstGeom prst="rect">
-            <a:avLst/>
-          </a:prstGeom>
-          <a:noFill/>
-        </p:spPr>
-        <p:txBody>
-          <a:bodyPr wrap="square" rtlCol="0">
-            <a:spAutoFit/>
-          </a:bodyPr>
-          <a:lstStyle/>
-          <a:p>
-            <a:r>
-              <a:rPr lang="fr-FR" dirty="0"/>
-              <a:t>2</a:t>
-            </a:r>
-          </a:p>
-        </p:txBody>
-      </p:sp>
-      <p:sp>
-        <p:nvSpPr>
-          <p:cNvPr id="30" name="ZoneTexte 29">
-            <a:extLst>
-              <a:ext uri="{FF2B5EF4-FFF2-40B4-BE49-F238E27FC236}">
-                <a16:creationId xmlns:a16="http://schemas.microsoft.com/office/drawing/2014/main" id="{8D458BBA-D2DC-D8CE-CAA6-133001DFE478}"/>
-              </a:ext>
-            </a:extLst>
-          </p:cNvPr>
-          <p:cNvSpPr txBox="1"/>
-          <p:nvPr/>
-        </p:nvSpPr>
-        <p:spPr>
-          <a:xfrm>
-            <a:off x="6519426" y="1537675"/>
-            <a:ext cx="1546129" cy="369332"/>
-          </a:xfrm>
-          <a:prstGeom prst="rect">
-            <a:avLst/>
-          </a:prstGeom>
-          <a:noFill/>
-        </p:spPr>
-        <p:txBody>
-          <a:bodyPr wrap="none" rtlCol="0">
-            <a:spAutoFit/>
-          </a:bodyPr>
-          <a:lstStyle/>
-          <a:p>
-            <a:r>
-              <a:rPr lang="fr-FR" i="1" dirty="0" err="1"/>
-              <a:t>curl</a:t>
-            </a:r>
-            <a:r>
-              <a:rPr lang="fr-FR" i="1" dirty="0"/>
-              <a:t> localhost</a:t>
-            </a:r>
-          </a:p>
-        </p:txBody>
-      </p:sp>
-      <p:sp>
-        <p:nvSpPr>
-          <p:cNvPr id="31" name="Rectangle 30">
-            <a:extLst>
-              <a:ext uri="{FF2B5EF4-FFF2-40B4-BE49-F238E27FC236}">
-                <a16:creationId xmlns:a16="http://schemas.microsoft.com/office/drawing/2014/main" id="{AA1B25AC-8A00-2FC3-E344-9D77D069BD24}"/>
-              </a:ext>
-            </a:extLst>
-          </p:cNvPr>
-          <p:cNvSpPr/>
-          <p:nvPr/>
-        </p:nvSpPr>
-        <p:spPr>
-          <a:xfrm>
-            <a:off x="3729322" y="1288026"/>
-            <a:ext cx="7046835" cy="2995759"/>
-          </a:xfrm>
-          <a:prstGeom prst="rect">
-            <a:avLst/>
-          </a:prstGeom>
-          <a:noFill/>
-        </p:spPr>
-        <p:style>
-          <a:lnRef idx="2">
-            <a:schemeClr val="accent1">
-              <a:shade val="15000"/>
-            </a:schemeClr>
-          </a:lnRef>
-          <a:fillRef idx="1">
-            <a:schemeClr val="accent1"/>
-          </a:fillRef>
-          <a:effectRef idx="0">
-            <a:schemeClr val="accent1"/>
-          </a:effectRef>
-          <a:fontRef idx="minor">
-            <a:schemeClr val="lt1"/>
-          </a:fontRef>
-        </p:style>
-        <p:txBody>
-          <a:bodyPr rtlCol="0" anchor="ctr"/>
-          <a:lstStyle/>
-          <a:p>
-            <a:pPr algn="ctr"/>
-            <a:endParaRPr lang="fr-FR"/>
-          </a:p>
-        </p:txBody>
-      </p:sp>
-      <p:sp>
-        <p:nvSpPr>
-          <p:cNvPr id="10" name="Nuage 9">
-            <a:extLst>
-              <a:ext uri="{FF2B5EF4-FFF2-40B4-BE49-F238E27FC236}">
-                <a16:creationId xmlns:a16="http://schemas.microsoft.com/office/drawing/2014/main" id="{95C6DCEF-69C0-2D5A-B4AF-36EA8F503950}"/>
-              </a:ext>
-            </a:extLst>
-          </p:cNvPr>
-          <p:cNvSpPr/>
-          <p:nvPr/>
-        </p:nvSpPr>
-        <p:spPr>
-          <a:xfrm>
-            <a:off x="-2261418" y="-157316"/>
-            <a:ext cx="5446674" cy="5378245"/>
-          </a:xfrm>
-          <a:prstGeom prst="cloud">
-            <a:avLst/>
-          </a:prstGeom>
-          <a:noFill/>
-        </p:spPr>
-        <p:style>
-          <a:lnRef idx="2">
-            <a:schemeClr val="accent1">
-              <a:shade val="15000"/>
-            </a:schemeClr>
-          </a:lnRef>
-          <a:fillRef idx="1">
-            <a:schemeClr val="accent1"/>
-          </a:fillRef>
-          <a:effectRef idx="0">
-            <a:schemeClr val="accent1"/>
-          </a:effectRef>
-          <a:fontRef idx="minor">
-            <a:schemeClr val="lt1"/>
-          </a:fontRef>
-        </p:style>
-        <p:txBody>
-          <a:bodyPr rtlCol="0" anchor="ctr"/>
-          <a:lstStyle/>
-          <a:p>
-            <a:pPr algn="ctr"/>
-            <a:endParaRPr lang="fr-FR"/>
-          </a:p>
-        </p:txBody>
-      </p:sp>
+        </p:spPr>
+      </p:pic>
     </p:spTree>
     <p:extLst>
       <p:ext uri="{BB962C8B-B14F-4D97-AF65-F5344CB8AC3E}">
-        <p14:creationId xmlns:p14="http://schemas.microsoft.com/office/powerpoint/2010/main" val="972507685"/>
+        <p14:creationId xmlns:p14="http://schemas.microsoft.com/office/powerpoint/2010/main" val="3213758159"/>
       </p:ext>
     </p:extLst>
   </p:cSld>
@@ -5882,10 +6190,10 @@
       </p:grpSpPr>
       <p:sp>
         <p:nvSpPr>
-          <p:cNvPr id="3" name="ZoneTexte 2">
-            <a:extLst>
-              <a:ext uri="{FF2B5EF4-FFF2-40B4-BE49-F238E27FC236}">
-                <a16:creationId xmlns:a16="http://schemas.microsoft.com/office/drawing/2014/main" id="{0297286C-0F92-6A93-E325-CE426B4FA2DC}"/>
+          <p:cNvPr id="5" name="ZoneTexte 4">
+            <a:extLst>
+              <a:ext uri="{FF2B5EF4-FFF2-40B4-BE49-F238E27FC236}">
+                <a16:creationId xmlns:a16="http://schemas.microsoft.com/office/drawing/2014/main" id="{E96A7969-8ED7-E84B-6D5B-ABFAA0C884EF}"/>
               </a:ext>
             </a:extLst>
           </p:cNvPr>
@@ -5894,8 +6202,8 @@
         </p:nvSpPr>
         <p:spPr>
           <a:xfrm>
-            <a:off x="1848465" y="1210667"/>
-            <a:ext cx="6096000" cy="646331"/>
+            <a:off x="1199182" y="1746129"/>
+            <a:ext cx="1346907" cy="369332"/>
           </a:xfrm>
           <a:prstGeom prst="rect">
             <a:avLst/>
@@ -5903,37 +6211,24 @@
           <a:noFill/>
         </p:spPr>
         <p:txBody>
-          <a:bodyPr wrap="square">
+          <a:bodyPr wrap="none" rtlCol="0">
             <a:spAutoFit/>
           </a:bodyPr>
           <a:lstStyle/>
           <a:p>
             <a:r>
               <a:rPr lang="fr-FR" dirty="0"/>
-              <a:t>docker run -p 80:8080 docker.swagger.io/</a:t>
-            </a:r>
-            <a:r>
-              <a:rPr lang="fr-FR" dirty="0" err="1"/>
-              <a:t>swaggerapi</a:t>
-            </a:r>
-            <a:r>
-              <a:rPr lang="fr-FR" dirty="0"/>
-              <a:t>/</a:t>
-            </a:r>
-            <a:r>
-              <a:rPr lang="fr-FR" dirty="0" err="1"/>
-              <a:t>swagger-ui</a:t>
-            </a:r>
-            <a:endParaRPr lang="fr-FR" dirty="0"/>
-          </a:p>
-        </p:txBody>
-      </p:sp>
-      <p:sp>
-        <p:nvSpPr>
-          <p:cNvPr id="5" name="ZoneTexte 4">
-            <a:extLst>
-              <a:ext uri="{FF2B5EF4-FFF2-40B4-BE49-F238E27FC236}">
-                <a16:creationId xmlns:a16="http://schemas.microsoft.com/office/drawing/2014/main" id="{49235465-AB8C-2BCE-99FA-05B7471D98A9}"/>
+              <a:t>GitLab.com</a:t>
+            </a:r>
+          </a:p>
+        </p:txBody>
+      </p:sp>
+      <p:sp>
+        <p:nvSpPr>
+          <p:cNvPr id="6" name="ZoneTexte 5">
+            <a:extLst>
+              <a:ext uri="{FF2B5EF4-FFF2-40B4-BE49-F238E27FC236}">
+                <a16:creationId xmlns:a16="http://schemas.microsoft.com/office/drawing/2014/main" id="{8849C785-B586-8BEE-413E-901C3A071AEB}"/>
               </a:ext>
             </a:extLst>
           </p:cNvPr>
@@ -5942,8 +6237,8 @@
         </p:nvSpPr>
         <p:spPr>
           <a:xfrm>
-            <a:off x="1966451" y="2155412"/>
-            <a:ext cx="6096000" cy="369332"/>
+            <a:off x="3909805" y="3429000"/>
+            <a:ext cx="2638479" cy="646331"/>
           </a:xfrm>
           <a:prstGeom prst="rect">
             <a:avLst/>
@@ -5951,15 +6246,38 @@
           <a:noFill/>
         </p:spPr>
         <p:txBody>
-          <a:bodyPr wrap="square">
+          <a:bodyPr wrap="none" rtlCol="0">
             <a:spAutoFit/>
           </a:bodyPr>
           <a:lstStyle/>
           <a:p>
             <a:r>
+              <a:rPr lang="fr-FR" dirty="0" err="1"/>
+              <a:t>cdxgen</a:t>
+            </a:r>
+            <a:r>
               <a:rPr lang="fr-FR" dirty="0"/>
-              <a:t>http://localhost/</a:t>
-            </a:r>
+              <a:t> </a:t>
+            </a:r>
+            <a:r>
+              <a:rPr lang="fr-FR" strike="sngStrike" dirty="0"/>
+              <a:t>server</a:t>
+            </a:r>
+          </a:p>
+          <a:p>
+            <a:r>
+              <a:rPr lang="fr-FR" strike="sngStrike" dirty="0" err="1"/>
+              <a:t>Listens</a:t>
+            </a:r>
+            <a:r>
+              <a:rPr lang="fr-FR" strike="sngStrike" dirty="0"/>
+              <a:t> on localhost </a:t>
+            </a:r>
+            <a:r>
+              <a:rPr lang="fr-FR" strike="sngStrike" dirty="0" err="1"/>
+              <a:t>only</a:t>
+            </a:r>
+            <a:endParaRPr lang="fr-FR" strike="sngStrike" dirty="0"/>
           </a:p>
         </p:txBody>
       </p:sp>
@@ -5968,7 +6286,7 @@
           <p:cNvPr id="7" name="ZoneTexte 6">
             <a:extLst>
               <a:ext uri="{FF2B5EF4-FFF2-40B4-BE49-F238E27FC236}">
-                <a16:creationId xmlns:a16="http://schemas.microsoft.com/office/drawing/2014/main" id="{7F9BDB1D-231A-9C37-5615-DF13F7065327}"/>
+                <a16:creationId xmlns:a16="http://schemas.microsoft.com/office/drawing/2014/main" id="{383A96C4-163D-8B8C-B562-937B2BFF7322}"/>
               </a:ext>
             </a:extLst>
           </p:cNvPr>
@@ -5977,8 +6295,8 @@
         </p:nvSpPr>
         <p:spPr>
           <a:xfrm>
-            <a:off x="1799304" y="2823158"/>
-            <a:ext cx="6096000" cy="369332"/>
+            <a:off x="8538717" y="1746129"/>
+            <a:ext cx="1996637" cy="369332"/>
           </a:xfrm>
           <a:prstGeom prst="rect">
             <a:avLst/>
@@ -5986,24 +6304,33 @@
           <a:noFill/>
         </p:spPr>
         <p:txBody>
-          <a:bodyPr wrap="square">
+          <a:bodyPr wrap="none" rtlCol="0">
             <a:spAutoFit/>
           </a:bodyPr>
           <a:lstStyle/>
           <a:p>
             <a:r>
+              <a:rPr lang="fr-FR" dirty="0" err="1"/>
+              <a:t>Dependency</a:t>
+            </a:r>
+            <a:r>
               <a:rPr lang="fr-FR" dirty="0"/>
-              <a:t>http://138.68.93.168:8080/api/openapi.json</a:t>
-            </a:r>
-          </a:p>
-        </p:txBody>
-      </p:sp>
-      <p:sp>
-        <p:nvSpPr>
-          <p:cNvPr id="2" name="ZoneTexte 1">
-            <a:extLst>
-              <a:ext uri="{FF2B5EF4-FFF2-40B4-BE49-F238E27FC236}">
-                <a16:creationId xmlns:a16="http://schemas.microsoft.com/office/drawing/2014/main" id="{43C9D213-72F0-F084-60C3-53F8E12D839F}"/>
+              <a:t> </a:t>
+            </a:r>
+            <a:r>
+              <a:rPr lang="fr-FR" dirty="0" err="1"/>
+              <a:t>track</a:t>
+            </a:r>
+            <a:endParaRPr lang="fr-FR" dirty="0"/>
+          </a:p>
+        </p:txBody>
+      </p:sp>
+      <p:sp>
+        <p:nvSpPr>
+          <p:cNvPr id="9" name="ZoneTexte 8">
+            <a:extLst>
+              <a:ext uri="{FF2B5EF4-FFF2-40B4-BE49-F238E27FC236}">
+                <a16:creationId xmlns:a16="http://schemas.microsoft.com/office/drawing/2014/main" id="{C7CB557F-1586-909E-AF96-5C75DA8A5591}"/>
               </a:ext>
             </a:extLst>
           </p:cNvPr>
@@ -6012,8 +6339,8 @@
         </p:nvSpPr>
         <p:spPr>
           <a:xfrm>
-            <a:off x="1799304" y="727587"/>
-            <a:ext cx="6096000" cy="369332"/>
+            <a:off x="4481039" y="1746129"/>
+            <a:ext cx="1494320" cy="369332"/>
           </a:xfrm>
           <a:prstGeom prst="rect">
             <a:avLst/>
@@ -6021,24 +6348,162 @@
           <a:noFill/>
         </p:spPr>
         <p:txBody>
-          <a:bodyPr wrap="square">
+          <a:bodyPr wrap="none" rtlCol="0">
             <a:spAutoFit/>
           </a:bodyPr>
           <a:lstStyle/>
           <a:p>
             <a:r>
+              <a:rPr lang="fr-FR" dirty="0" err="1"/>
+              <a:t>Gitlab</a:t>
+            </a:r>
+            <a:r>
               <a:rPr lang="fr-FR" dirty="0"/>
-              <a:t>API</a:t>
-            </a:r>
-          </a:p>
-        </p:txBody>
-      </p:sp>
-      <p:sp>
-        <p:nvSpPr>
-          <p:cNvPr id="6" name="ZoneTexte 5">
-            <a:extLst>
-              <a:ext uri="{FF2B5EF4-FFF2-40B4-BE49-F238E27FC236}">
-                <a16:creationId xmlns:a16="http://schemas.microsoft.com/office/drawing/2014/main" id="{877B1438-7E7B-C99C-8E8E-36BEAA992A0F}"/>
+              <a:t> </a:t>
+            </a:r>
+            <a:r>
+              <a:rPr lang="fr-FR" dirty="0" err="1"/>
+              <a:t>runner</a:t>
+            </a:r>
+            <a:endParaRPr lang="fr-FR" dirty="0"/>
+          </a:p>
+        </p:txBody>
+      </p:sp>
+      <p:cxnSp>
+        <p:nvCxnSpPr>
+          <p:cNvPr id="11" name="Connecteur droit avec flèche 10">
+            <a:extLst>
+              <a:ext uri="{FF2B5EF4-FFF2-40B4-BE49-F238E27FC236}">
+                <a16:creationId xmlns:a16="http://schemas.microsoft.com/office/drawing/2014/main" id="{E83A9019-04D0-5895-884F-181A035311AD}"/>
+              </a:ext>
+            </a:extLst>
+          </p:cNvPr>
+          <p:cNvCxnSpPr>
+            <a:cxnSpLocks/>
+            <a:stCxn id="9" idx="1"/>
+            <a:endCxn id="5" idx="3"/>
+          </p:cNvCxnSpPr>
+          <p:nvPr/>
+        </p:nvCxnSpPr>
+        <p:spPr>
+          <a:xfrm flipH="1">
+            <a:off x="2546089" y="1930795"/>
+            <a:ext cx="1934950" cy="0"/>
+          </a:xfrm>
+          <a:prstGeom prst="straightConnector1">
+            <a:avLst/>
+          </a:prstGeom>
+          <a:ln>
+            <a:tailEnd type="triangle"/>
+          </a:ln>
+        </p:spPr>
+        <p:style>
+          <a:lnRef idx="2">
+            <a:schemeClr val="accent1"/>
+          </a:lnRef>
+          <a:fillRef idx="0">
+            <a:schemeClr val="accent1"/>
+          </a:fillRef>
+          <a:effectRef idx="1">
+            <a:schemeClr val="accent1"/>
+          </a:effectRef>
+          <a:fontRef idx="minor">
+            <a:schemeClr val="tx1"/>
+          </a:fontRef>
+        </p:style>
+      </p:cxnSp>
+      <p:cxnSp>
+        <p:nvCxnSpPr>
+          <p:cNvPr id="17" name="Connecteur droit avec flèche 16">
+            <a:extLst>
+              <a:ext uri="{FF2B5EF4-FFF2-40B4-BE49-F238E27FC236}">
+                <a16:creationId xmlns:a16="http://schemas.microsoft.com/office/drawing/2014/main" id="{CE9CEE6F-5099-3E02-31F1-D42079ECAC87}"/>
+              </a:ext>
+            </a:extLst>
+          </p:cNvPr>
+          <p:cNvCxnSpPr>
+            <a:cxnSpLocks/>
+            <a:stCxn id="9" idx="3"/>
+            <a:endCxn id="7" idx="1"/>
+          </p:cNvCxnSpPr>
+          <p:nvPr/>
+        </p:nvCxnSpPr>
+        <p:spPr>
+          <a:xfrm>
+            <a:off x="5975359" y="1930795"/>
+            <a:ext cx="2563358" cy="0"/>
+          </a:xfrm>
+          <a:prstGeom prst="straightConnector1">
+            <a:avLst/>
+          </a:prstGeom>
+          <a:ln>
+            <a:tailEnd type="triangle"/>
+          </a:ln>
+        </p:spPr>
+        <p:style>
+          <a:lnRef idx="2">
+            <a:schemeClr val="accent1"/>
+          </a:lnRef>
+          <a:fillRef idx="0">
+            <a:schemeClr val="accent1"/>
+          </a:fillRef>
+          <a:effectRef idx="1">
+            <a:schemeClr val="accent1"/>
+          </a:effectRef>
+          <a:fontRef idx="minor">
+            <a:schemeClr val="tx1"/>
+          </a:fontRef>
+        </p:style>
+      </p:cxnSp>
+      <p:cxnSp>
+        <p:nvCxnSpPr>
+          <p:cNvPr id="19" name="Connecteur droit avec flèche 18">
+            <a:extLst>
+              <a:ext uri="{FF2B5EF4-FFF2-40B4-BE49-F238E27FC236}">
+                <a16:creationId xmlns:a16="http://schemas.microsoft.com/office/drawing/2014/main" id="{03CA1387-50CF-AF97-F053-1C97EB551336}"/>
+              </a:ext>
+            </a:extLst>
+          </p:cNvPr>
+          <p:cNvCxnSpPr>
+            <a:cxnSpLocks/>
+            <a:stCxn id="9" idx="2"/>
+            <a:endCxn id="6" idx="0"/>
+          </p:cNvCxnSpPr>
+          <p:nvPr/>
+        </p:nvCxnSpPr>
+        <p:spPr>
+          <a:xfrm>
+            <a:off x="5228199" y="2115461"/>
+            <a:ext cx="846" cy="1313539"/>
+          </a:xfrm>
+          <a:prstGeom prst="straightConnector1">
+            <a:avLst/>
+          </a:prstGeom>
+          <a:ln>
+            <a:tailEnd type="triangle"/>
+          </a:ln>
+        </p:spPr>
+        <p:style>
+          <a:lnRef idx="2">
+            <a:schemeClr val="accent1"/>
+          </a:lnRef>
+          <a:fillRef idx="0">
+            <a:schemeClr val="accent1"/>
+          </a:fillRef>
+          <a:effectRef idx="1">
+            <a:schemeClr val="accent1"/>
+          </a:effectRef>
+          <a:fontRef idx="minor">
+            <a:schemeClr val="tx1"/>
+          </a:fontRef>
+        </p:style>
+      </p:cxnSp>
+      <p:sp>
+        <p:nvSpPr>
+          <p:cNvPr id="22" name="ZoneTexte 21">
+            <a:extLst>
+              <a:ext uri="{FF2B5EF4-FFF2-40B4-BE49-F238E27FC236}">
+                <a16:creationId xmlns:a16="http://schemas.microsoft.com/office/drawing/2014/main" id="{B608BD25-14A0-CAF0-BA1B-3AACAB8A8864}"/>
               </a:ext>
             </a:extLst>
           </p:cNvPr>
@@ -6047,8 +6512,8 @@
         </p:nvSpPr>
         <p:spPr>
           <a:xfrm>
-            <a:off x="1848465" y="3789318"/>
-            <a:ext cx="8190270" cy="369332"/>
+            <a:off x="5391345" y="2589104"/>
+            <a:ext cx="308098" cy="369332"/>
           </a:xfrm>
           <a:prstGeom prst="rect">
             <a:avLst/>
@@ -6056,22 +6521,190 @@
           <a:noFill/>
         </p:spPr>
         <p:txBody>
-          <a:bodyPr wrap="square">
+          <a:bodyPr wrap="none" rtlCol="0">
             <a:spAutoFit/>
           </a:bodyPr>
           <a:lstStyle/>
           <a:p>
             <a:r>
               <a:rPr lang="fr-FR" dirty="0"/>
-              <a:t>Exemple : https://gitlab.com/sbom-demo/dependency-track-export</a:t>
-            </a:r>
+              <a:t>1</a:t>
+            </a:r>
+          </a:p>
+        </p:txBody>
+      </p:sp>
+      <p:sp>
+        <p:nvSpPr>
+          <p:cNvPr id="23" name="ZoneTexte 22">
+            <a:extLst>
+              <a:ext uri="{FF2B5EF4-FFF2-40B4-BE49-F238E27FC236}">
+                <a16:creationId xmlns:a16="http://schemas.microsoft.com/office/drawing/2014/main" id="{A077DC13-C75A-A0B4-3DE2-7562A4938CD2}"/>
+              </a:ext>
+            </a:extLst>
+          </p:cNvPr>
+          <p:cNvSpPr txBox="1"/>
+          <p:nvPr/>
+        </p:nvSpPr>
+        <p:spPr>
+          <a:xfrm>
+            <a:off x="7114696" y="2115461"/>
+            <a:ext cx="308098" cy="369332"/>
+          </a:xfrm>
+          <a:prstGeom prst="rect">
+            <a:avLst/>
+          </a:prstGeom>
+          <a:noFill/>
+        </p:spPr>
+        <p:txBody>
+          <a:bodyPr wrap="square" rtlCol="0">
+            <a:spAutoFit/>
+          </a:bodyPr>
+          <a:lstStyle/>
+          <a:p>
+            <a:r>
+              <a:rPr lang="fr-FR" dirty="0"/>
+              <a:t>2</a:t>
+            </a:r>
+          </a:p>
+        </p:txBody>
+      </p:sp>
+      <p:sp>
+        <p:nvSpPr>
+          <p:cNvPr id="30" name="ZoneTexte 29">
+            <a:extLst>
+              <a:ext uri="{FF2B5EF4-FFF2-40B4-BE49-F238E27FC236}">
+                <a16:creationId xmlns:a16="http://schemas.microsoft.com/office/drawing/2014/main" id="{8D458BBA-D2DC-D8CE-CAA6-133001DFE478}"/>
+              </a:ext>
+            </a:extLst>
+          </p:cNvPr>
+          <p:cNvSpPr txBox="1"/>
+          <p:nvPr/>
+        </p:nvSpPr>
+        <p:spPr>
+          <a:xfrm>
+            <a:off x="6519426" y="1537675"/>
+            <a:ext cx="1546129" cy="369332"/>
+          </a:xfrm>
+          <a:prstGeom prst="rect">
+            <a:avLst/>
+          </a:prstGeom>
+          <a:noFill/>
+        </p:spPr>
+        <p:txBody>
+          <a:bodyPr wrap="none" rtlCol="0">
+            <a:spAutoFit/>
+          </a:bodyPr>
+          <a:lstStyle/>
+          <a:p>
+            <a:r>
+              <a:rPr lang="fr-FR" i="1" dirty="0" err="1"/>
+              <a:t>curl</a:t>
+            </a:r>
+            <a:r>
+              <a:rPr lang="fr-FR" i="1" dirty="0"/>
+              <a:t> localhost</a:t>
+            </a:r>
+          </a:p>
+        </p:txBody>
+      </p:sp>
+      <p:sp>
+        <p:nvSpPr>
+          <p:cNvPr id="31" name="Rectangle 30">
+            <a:extLst>
+              <a:ext uri="{FF2B5EF4-FFF2-40B4-BE49-F238E27FC236}">
+                <a16:creationId xmlns:a16="http://schemas.microsoft.com/office/drawing/2014/main" id="{AA1B25AC-8A00-2FC3-E344-9D77D069BD24}"/>
+              </a:ext>
+            </a:extLst>
+          </p:cNvPr>
+          <p:cNvSpPr/>
+          <p:nvPr/>
+        </p:nvSpPr>
+        <p:spPr>
+          <a:xfrm>
+            <a:off x="3729322" y="1288026"/>
+            <a:ext cx="7046835" cy="2995759"/>
+          </a:xfrm>
+          <a:prstGeom prst="rect">
+            <a:avLst/>
+          </a:prstGeom>
+          <a:noFill/>
+        </p:spPr>
+        <p:style>
+          <a:lnRef idx="2">
+            <a:schemeClr val="accent1">
+              <a:shade val="15000"/>
+            </a:schemeClr>
+          </a:lnRef>
+          <a:fillRef idx="1">
+            <a:schemeClr val="accent1"/>
+          </a:fillRef>
+          <a:effectRef idx="0">
+            <a:schemeClr val="accent1"/>
+          </a:effectRef>
+          <a:fontRef idx="minor">
+            <a:schemeClr val="lt1"/>
+          </a:fontRef>
+        </p:style>
+        <p:txBody>
+          <a:bodyPr rtlCol="0" anchor="ctr"/>
+          <a:lstStyle/>
+          <a:p>
+            <a:pPr algn="ctr"/>
+            <a:endParaRPr lang="fr-FR"/>
+          </a:p>
+        </p:txBody>
+      </p:sp>
+      <p:sp>
+        <p:nvSpPr>
+          <p:cNvPr id="10" name="Nuage 9">
+            <a:extLst>
+              <a:ext uri="{FF2B5EF4-FFF2-40B4-BE49-F238E27FC236}">
+                <a16:creationId xmlns:a16="http://schemas.microsoft.com/office/drawing/2014/main" id="{95C6DCEF-69C0-2D5A-B4AF-36EA8F503950}"/>
+              </a:ext>
+            </a:extLst>
+          </p:cNvPr>
+          <p:cNvSpPr/>
+          <p:nvPr/>
+        </p:nvSpPr>
+        <p:spPr>
+          <a:xfrm>
+            <a:off x="-2261418" y="-157316"/>
+            <a:ext cx="5446674" cy="5378245"/>
+          </a:xfrm>
+          <a:prstGeom prst="cloud">
+            <a:avLst/>
+          </a:prstGeom>
+          <a:noFill/>
+        </p:spPr>
+        <p:style>
+          <a:lnRef idx="2">
+            <a:schemeClr val="accent1">
+              <a:shade val="15000"/>
+            </a:schemeClr>
+          </a:lnRef>
+          <a:fillRef idx="1">
+            <a:schemeClr val="accent1"/>
+          </a:fillRef>
+          <a:effectRef idx="0">
+            <a:schemeClr val="accent1"/>
+          </a:effectRef>
+          <a:fontRef idx="minor">
+            <a:schemeClr val="lt1"/>
+          </a:fontRef>
+        </p:style>
+        <p:txBody>
+          <a:bodyPr rtlCol="0" anchor="ctr"/>
+          <a:lstStyle/>
+          <a:p>
+            <a:pPr algn="ctr"/>
+            <a:endParaRPr lang="fr-FR"/>
           </a:p>
         </p:txBody>
       </p:sp>
     </p:spTree>
     <p:extLst>
       <p:ext uri="{BB962C8B-B14F-4D97-AF65-F5344CB8AC3E}">
-        <p14:creationId xmlns:p14="http://schemas.microsoft.com/office/powerpoint/2010/main" val="3623553007"/>
+        <p14:creationId xmlns:p14="http://schemas.microsoft.com/office/powerpoint/2010/main" val="972507685"/>
       </p:ext>
     </p:extLst>
   </p:cSld>
@@ -6112,8 +6745,8 @@
         </p:nvSpPr>
         <p:spPr>
           <a:xfrm>
-            <a:off x="1848465" y="512575"/>
-            <a:ext cx="6096000" cy="369332"/>
+            <a:off x="1848465" y="1210667"/>
+            <a:ext cx="8405878" cy="369332"/>
           </a:xfrm>
           <a:prstGeom prst="rect">
             <a:avLst/>
@@ -6127,52 +6760,31 @@
           <a:lstStyle/>
           <a:p>
             <a:r>
-              <a:rPr lang="fr-FR" dirty="0">
-                <a:highlight>
-                  <a:srgbClr val="FFFF00"/>
-                </a:highlight>
-              </a:rPr>
-              <a:t>Scans dépendances vs scans de conteneurs</a:t>
-            </a:r>
-          </a:p>
-        </p:txBody>
-      </p:sp>
-      <p:pic>
-        <p:nvPicPr>
-          <p:cNvPr id="4" name="Image 3">
-            <a:extLst>
-              <a:ext uri="{FF2B5EF4-FFF2-40B4-BE49-F238E27FC236}">
-                <a16:creationId xmlns:a16="http://schemas.microsoft.com/office/drawing/2014/main" id="{AA36139E-0C05-DBBD-4118-4332D5B8B480}"/>
-              </a:ext>
-            </a:extLst>
-          </p:cNvPr>
-          <p:cNvPicPr>
-            <a:picLocks noChangeAspect="1"/>
-          </p:cNvPicPr>
-          <p:nvPr/>
-        </p:nvPicPr>
-        <p:blipFill>
-          <a:blip r:embed="rId2"/>
-          <a:stretch>
-            <a:fillRect/>
-          </a:stretch>
-        </p:blipFill>
-        <p:spPr>
-          <a:xfrm>
-            <a:off x="910595" y="1148476"/>
-            <a:ext cx="7033870" cy="1257409"/>
-          </a:xfrm>
-          <a:prstGeom prst="rect">
-            <a:avLst/>
-          </a:prstGeom>
-        </p:spPr>
-      </p:pic>
+              <a:rPr lang="fr-FR" dirty="0"/>
+              <a:t>docker run -p 80:8080 docker.swagger.io/</a:t>
+            </a:r>
+            <a:r>
+              <a:rPr lang="fr-FR" dirty="0" err="1"/>
+              <a:t>swaggerapi</a:t>
+            </a:r>
+            <a:r>
+              <a:rPr lang="fr-FR" dirty="0"/>
+              <a:t>/</a:t>
+            </a:r>
+            <a:r>
+              <a:rPr lang="fr-FR" dirty="0" err="1"/>
+              <a:t>swagger-ui</a:t>
+            </a:r>
+            <a:endParaRPr lang="fr-FR" dirty="0"/>
+          </a:p>
+        </p:txBody>
+      </p:sp>
       <p:sp>
         <p:nvSpPr>
           <p:cNvPr id="5" name="ZoneTexte 4">
             <a:extLst>
               <a:ext uri="{FF2B5EF4-FFF2-40B4-BE49-F238E27FC236}">
-                <a16:creationId xmlns:a16="http://schemas.microsoft.com/office/drawing/2014/main" id="{38AA057C-8ADD-DBDD-DD9A-80F5C65E178C}"/>
+                <a16:creationId xmlns:a16="http://schemas.microsoft.com/office/drawing/2014/main" id="{49235465-AB8C-2BCE-99FA-05B7471D98A9}"/>
               </a:ext>
             </a:extLst>
           </p:cNvPr>
@@ -6181,7 +6793,7 @@
         </p:nvSpPr>
         <p:spPr>
           <a:xfrm>
-            <a:off x="910595" y="2567518"/>
+            <a:off x="1966451" y="2155412"/>
             <a:ext cx="6096000" cy="369332"/>
           </a:xfrm>
           <a:prstGeom prst="rect">
@@ -6197,47 +6809,17 @@
           <a:p>
             <a:r>
               <a:rPr lang="fr-FR" dirty="0"/>
-              <a:t>…</a:t>
-            </a:r>
-          </a:p>
-        </p:txBody>
-      </p:sp>
-      <p:pic>
-        <p:nvPicPr>
-          <p:cNvPr id="9" name="Image 8">
-            <a:extLst>
-              <a:ext uri="{FF2B5EF4-FFF2-40B4-BE49-F238E27FC236}">
-                <a16:creationId xmlns:a16="http://schemas.microsoft.com/office/drawing/2014/main" id="{92D8D691-901D-BA5A-278A-E025438E7931}"/>
-              </a:ext>
-            </a:extLst>
-          </p:cNvPr>
-          <p:cNvPicPr>
-            <a:picLocks noChangeAspect="1"/>
-          </p:cNvPicPr>
-          <p:nvPr/>
-        </p:nvPicPr>
-        <p:blipFill>
-          <a:blip r:embed="rId3"/>
-          <a:stretch>
-            <a:fillRect/>
-          </a:stretch>
-        </p:blipFill>
-        <p:spPr>
-          <a:xfrm>
-            <a:off x="910595" y="3098483"/>
-            <a:ext cx="7049111" cy="937341"/>
-          </a:xfrm>
-          <a:prstGeom prst="rect">
-            <a:avLst/>
-          </a:prstGeom>
-        </p:spPr>
-      </p:pic>
-      <p:sp>
-        <p:nvSpPr>
-          <p:cNvPr id="10" name="ZoneTexte 9">
-            <a:extLst>
-              <a:ext uri="{FF2B5EF4-FFF2-40B4-BE49-F238E27FC236}">
-                <a16:creationId xmlns:a16="http://schemas.microsoft.com/office/drawing/2014/main" id="{3FC58421-6198-EBBD-5A85-0F8A38DC89A4}"/>
+              <a:t>http://localhost/</a:t>
+            </a:r>
+          </a:p>
+        </p:txBody>
+      </p:sp>
+      <p:sp>
+        <p:nvSpPr>
+          <p:cNvPr id="7" name="ZoneTexte 6">
+            <a:extLst>
+              <a:ext uri="{FF2B5EF4-FFF2-40B4-BE49-F238E27FC236}">
+                <a16:creationId xmlns:a16="http://schemas.microsoft.com/office/drawing/2014/main" id="{7F9BDB1D-231A-9C37-5615-DF13F7065327}"/>
               </a:ext>
             </a:extLst>
           </p:cNvPr>
@@ -6246,7 +6828,7 @@
         </p:nvSpPr>
         <p:spPr>
           <a:xfrm>
-            <a:off x="910595" y="4197457"/>
+            <a:off x="1799304" y="2823158"/>
             <a:ext cx="6096000" cy="369332"/>
           </a:xfrm>
           <a:prstGeom prst="rect">
@@ -6262,179 +6844,17 @@
           <a:p>
             <a:r>
               <a:rPr lang="fr-FR" dirty="0"/>
-              <a:t>…</a:t>
-            </a:r>
-          </a:p>
-        </p:txBody>
-      </p:sp>
-      <p:pic>
-        <p:nvPicPr>
-          <p:cNvPr id="12" name="Image 11">
-            <a:extLst>
-              <a:ext uri="{FF2B5EF4-FFF2-40B4-BE49-F238E27FC236}">
-                <a16:creationId xmlns:a16="http://schemas.microsoft.com/office/drawing/2014/main" id="{1A17F1EC-A935-FA65-9204-CDFE91EA03A7}"/>
-              </a:ext>
-            </a:extLst>
-          </p:cNvPr>
-          <p:cNvPicPr>
-            <a:picLocks noChangeAspect="1"/>
-          </p:cNvPicPr>
-          <p:nvPr/>
-        </p:nvPicPr>
-        <p:blipFill>
-          <a:blip r:embed="rId4"/>
-          <a:stretch>
-            <a:fillRect/>
-          </a:stretch>
-        </p:blipFill>
-        <p:spPr>
-          <a:xfrm>
-            <a:off x="910595" y="4728422"/>
-            <a:ext cx="7064352" cy="739204"/>
-          </a:xfrm>
-          <a:prstGeom prst="rect">
-            <a:avLst/>
-          </a:prstGeom>
-        </p:spPr>
-      </p:pic>
-      <p:sp>
-        <p:nvSpPr>
-          <p:cNvPr id="13" name="Accolade fermante 12">
-            <a:extLst>
-              <a:ext uri="{FF2B5EF4-FFF2-40B4-BE49-F238E27FC236}">
-                <a16:creationId xmlns:a16="http://schemas.microsoft.com/office/drawing/2014/main" id="{A4ACB707-4B4E-F231-8BFF-005465E8BCEB}"/>
-              </a:ext>
-            </a:extLst>
-          </p:cNvPr>
-          <p:cNvSpPr/>
-          <p:nvPr/>
-        </p:nvSpPr>
-        <p:spPr>
-          <a:xfrm>
-            <a:off x="8303341" y="1052051"/>
-            <a:ext cx="403123" cy="1353833"/>
-          </a:xfrm>
-          <a:prstGeom prst="rightBrace">
-            <a:avLst/>
-          </a:prstGeom>
-        </p:spPr>
-        <p:style>
-          <a:lnRef idx="2">
-            <a:schemeClr val="accent1"/>
-          </a:lnRef>
-          <a:fillRef idx="0">
-            <a:schemeClr val="accent1"/>
-          </a:fillRef>
-          <a:effectRef idx="1">
-            <a:schemeClr val="accent1"/>
-          </a:effectRef>
-          <a:fontRef idx="minor">
-            <a:schemeClr val="tx1"/>
-          </a:fontRef>
-        </p:style>
-        <p:txBody>
-          <a:bodyPr rtlCol="0" anchor="ctr"/>
-          <a:lstStyle/>
-          <a:p>
-            <a:pPr algn="ctr"/>
-            <a:endParaRPr lang="fr-FR"/>
-          </a:p>
-        </p:txBody>
-      </p:sp>
-      <p:sp>
-        <p:nvSpPr>
-          <p:cNvPr id="14" name="Accolade fermante 13">
-            <a:extLst>
-              <a:ext uri="{FF2B5EF4-FFF2-40B4-BE49-F238E27FC236}">
-                <a16:creationId xmlns:a16="http://schemas.microsoft.com/office/drawing/2014/main" id="{A7182EEC-74DE-1E9F-1D40-EC06FA759E09}"/>
-              </a:ext>
-            </a:extLst>
-          </p:cNvPr>
-          <p:cNvSpPr/>
-          <p:nvPr/>
-        </p:nvSpPr>
-        <p:spPr>
-          <a:xfrm>
-            <a:off x="8303341" y="2843624"/>
-            <a:ext cx="403123" cy="1353833"/>
-          </a:xfrm>
-          <a:prstGeom prst="rightBrace">
-            <a:avLst/>
-          </a:prstGeom>
-        </p:spPr>
-        <p:style>
-          <a:lnRef idx="2">
-            <a:schemeClr val="accent1"/>
-          </a:lnRef>
-          <a:fillRef idx="0">
-            <a:schemeClr val="accent1"/>
-          </a:fillRef>
-          <a:effectRef idx="1">
-            <a:schemeClr val="accent1"/>
-          </a:effectRef>
-          <a:fontRef idx="minor">
-            <a:schemeClr val="tx1"/>
-          </a:fontRef>
-        </p:style>
-        <p:txBody>
-          <a:bodyPr rtlCol="0" anchor="ctr"/>
-          <a:lstStyle/>
-          <a:p>
-            <a:pPr algn="ctr"/>
-            <a:endParaRPr lang="fr-FR"/>
-          </a:p>
-        </p:txBody>
-      </p:sp>
-      <p:sp>
-        <p:nvSpPr>
-          <p:cNvPr id="15" name="Accolade fermante 14">
-            <a:extLst>
-              <a:ext uri="{FF2B5EF4-FFF2-40B4-BE49-F238E27FC236}">
-                <a16:creationId xmlns:a16="http://schemas.microsoft.com/office/drawing/2014/main" id="{7C0F2BD6-BD4D-5C2E-4059-5780286D5268}"/>
-              </a:ext>
-            </a:extLst>
-          </p:cNvPr>
-          <p:cNvSpPr/>
-          <p:nvPr/>
-        </p:nvSpPr>
-        <p:spPr>
-          <a:xfrm>
-            <a:off x="8303341" y="4421107"/>
-            <a:ext cx="403123" cy="1353833"/>
-          </a:xfrm>
-          <a:prstGeom prst="rightBrace">
-            <a:avLst/>
-          </a:prstGeom>
-        </p:spPr>
-        <p:style>
-          <a:lnRef idx="2">
-            <a:schemeClr val="accent1"/>
-          </a:lnRef>
-          <a:fillRef idx="0">
-            <a:schemeClr val="accent1"/>
-          </a:fillRef>
-          <a:effectRef idx="1">
-            <a:schemeClr val="accent1"/>
-          </a:effectRef>
-          <a:fontRef idx="minor">
-            <a:schemeClr val="tx1"/>
-          </a:fontRef>
-        </p:style>
-        <p:txBody>
-          <a:bodyPr rtlCol="0" anchor="ctr"/>
-          <a:lstStyle/>
-          <a:p>
-            <a:pPr algn="ctr"/>
-            <a:endParaRPr lang="fr-FR"/>
-          </a:p>
-        </p:txBody>
-      </p:sp>
-      <p:sp>
-        <p:nvSpPr>
-          <p:cNvPr id="16" name="ZoneTexte 15">
-            <a:extLst>
-              <a:ext uri="{FF2B5EF4-FFF2-40B4-BE49-F238E27FC236}">
-                <a16:creationId xmlns:a16="http://schemas.microsoft.com/office/drawing/2014/main" id="{32B1ACC3-6F1C-2965-17E7-9F71B7FAA4F3}"/>
+              <a:t>http://138.68.93.168:8080/api/openapi.json</a:t>
+            </a:r>
+          </a:p>
+        </p:txBody>
+      </p:sp>
+      <p:sp>
+        <p:nvSpPr>
+          <p:cNvPr id="2" name="ZoneTexte 1">
+            <a:extLst>
+              <a:ext uri="{FF2B5EF4-FFF2-40B4-BE49-F238E27FC236}">
+                <a16:creationId xmlns:a16="http://schemas.microsoft.com/office/drawing/2014/main" id="{43C9D213-72F0-F084-60C3-53F8E12D839F}"/>
               </a:ext>
             </a:extLst>
           </p:cNvPr>
@@ -6443,8 +6863,8 @@
         </p:nvSpPr>
         <p:spPr>
           <a:xfrm>
-            <a:off x="9065340" y="1544301"/>
-            <a:ext cx="2448234" cy="369332"/>
+            <a:off x="1799304" y="727587"/>
+            <a:ext cx="6096000" cy="369332"/>
           </a:xfrm>
           <a:prstGeom prst="rect">
             <a:avLst/>
@@ -6459,17 +6879,17 @@
           <a:p>
             <a:r>
               <a:rPr lang="fr-FR" dirty="0"/>
-              <a:t>«  application BOM »</a:t>
-            </a:r>
-          </a:p>
-        </p:txBody>
-      </p:sp>
-      <p:sp>
-        <p:nvSpPr>
-          <p:cNvPr id="17" name="ZoneTexte 16">
-            <a:extLst>
-              <a:ext uri="{FF2B5EF4-FFF2-40B4-BE49-F238E27FC236}">
-                <a16:creationId xmlns:a16="http://schemas.microsoft.com/office/drawing/2014/main" id="{B174EE1E-AD51-5E1A-C35D-036F7A989B8C}"/>
+              <a:t>API</a:t>
+            </a:r>
+          </a:p>
+        </p:txBody>
+      </p:sp>
+      <p:sp>
+        <p:nvSpPr>
+          <p:cNvPr id="6" name="ZoneTexte 5">
+            <a:extLst>
+              <a:ext uri="{FF2B5EF4-FFF2-40B4-BE49-F238E27FC236}">
+                <a16:creationId xmlns:a16="http://schemas.microsoft.com/office/drawing/2014/main" id="{877B1438-7E7B-C99C-8E8E-36BEAA992A0F}"/>
               </a:ext>
             </a:extLst>
           </p:cNvPr>
@@ -6478,8 +6898,8 @@
         </p:nvSpPr>
         <p:spPr>
           <a:xfrm>
-            <a:off x="8962101" y="4913357"/>
-            <a:ext cx="2448234" cy="369332"/>
+            <a:off x="1848465" y="3789318"/>
+            <a:ext cx="8190270" cy="369332"/>
           </a:xfrm>
           <a:prstGeom prst="rect">
             <a:avLst/>
@@ -6494,17 +6914,17 @@
           <a:p>
             <a:r>
               <a:rPr lang="fr-FR" dirty="0"/>
-              <a:t>«  container BOM »</a:t>
-            </a:r>
-          </a:p>
-        </p:txBody>
-      </p:sp>
-      <p:sp>
-        <p:nvSpPr>
-          <p:cNvPr id="18" name="ZoneTexte 17">
-            <a:extLst>
-              <a:ext uri="{FF2B5EF4-FFF2-40B4-BE49-F238E27FC236}">
-                <a16:creationId xmlns:a16="http://schemas.microsoft.com/office/drawing/2014/main" id="{CDC8ED83-3E95-071F-255F-254F3B5E61A7}"/>
+              <a:t>Exemple : https://gitlab.com/sbom-demo/dependency-track-export</a:t>
+            </a:r>
+          </a:p>
+        </p:txBody>
+      </p:sp>
+      <p:sp>
+        <p:nvSpPr>
+          <p:cNvPr id="8" name="ZoneTexte 7">
+            <a:extLst>
+              <a:ext uri="{FF2B5EF4-FFF2-40B4-BE49-F238E27FC236}">
+                <a16:creationId xmlns:a16="http://schemas.microsoft.com/office/drawing/2014/main" id="{61A7900A-F4A7-60ED-8967-7EDC246E8E09}"/>
               </a:ext>
             </a:extLst>
           </p:cNvPr>
@@ -6513,8 +6933,8 @@
         </p:nvSpPr>
         <p:spPr>
           <a:xfrm>
-            <a:off x="8962101" y="3335874"/>
-            <a:ext cx="2448234" cy="923330"/>
+            <a:off x="1848465" y="4755478"/>
+            <a:ext cx="6097554" cy="369332"/>
           </a:xfrm>
           <a:prstGeom prst="rect">
             <a:avLst/>
@@ -6529,77 +6949,15 @@
           <a:p>
             <a:r>
               <a:rPr lang="fr-FR" dirty="0"/>
-              <a:t>« application BOM »</a:t>
-            </a:r>
-          </a:p>
-          <a:p>
-            <a:r>
-              <a:rPr lang="fr-FR" dirty="0"/>
-              <a:t>ET (!)</a:t>
-            </a:r>
-          </a:p>
-          <a:p>
-            <a:r>
-              <a:rPr lang="fr-FR" dirty="0"/>
-              <a:t>«  container BOM »</a:t>
-            </a:r>
-          </a:p>
-        </p:txBody>
-      </p:sp>
-      <p:sp>
-        <p:nvSpPr>
-          <p:cNvPr id="19" name="ZoneTexte 18">
-            <a:extLst>
-              <a:ext uri="{FF2B5EF4-FFF2-40B4-BE49-F238E27FC236}">
-                <a16:creationId xmlns:a16="http://schemas.microsoft.com/office/drawing/2014/main" id="{B3BF7D86-4053-C382-FF57-72EA75E65C1B}"/>
-              </a:ext>
-            </a:extLst>
-          </p:cNvPr>
-          <p:cNvSpPr txBox="1"/>
-          <p:nvPr/>
-        </p:nvSpPr>
-        <p:spPr>
-          <a:xfrm>
-            <a:off x="801330" y="6044701"/>
-            <a:ext cx="8190270" cy="369332"/>
-          </a:xfrm>
-          <a:prstGeom prst="rect">
-            <a:avLst/>
-          </a:prstGeom>
-          <a:noFill/>
-        </p:spPr>
-        <p:txBody>
-          <a:bodyPr wrap="square">
-            <a:spAutoFit/>
-          </a:bodyPr>
-          <a:lstStyle/>
-          <a:p>
-            <a:r>
-              <a:rPr lang="fr-FR" dirty="0">
-                <a:sym typeface="Wingdings" panose="05000000000000000000" pitchFamily="2" charset="2"/>
-              </a:rPr>
-              <a:t> </a:t>
-            </a:r>
-            <a:r>
-              <a:rPr lang="fr-FR" dirty="0" err="1">
-                <a:sym typeface="Wingdings" panose="05000000000000000000" pitchFamily="2" charset="2"/>
-              </a:rPr>
-              <a:t>préco</a:t>
-            </a:r>
-            <a:r>
-              <a:rPr lang="fr-FR" dirty="0">
-                <a:sym typeface="Wingdings" panose="05000000000000000000" pitchFamily="2" charset="2"/>
-              </a:rPr>
-              <a:t>, séparer et faire les deux (?)</a:t>
-            </a:r>
-            <a:endParaRPr lang="fr-FR" dirty="0"/>
+              <a:t>https://docs.dependencytrack.org/integrations/rest-api/</a:t>
+            </a:r>
           </a:p>
         </p:txBody>
       </p:sp>
     </p:spTree>
     <p:extLst>
       <p:ext uri="{BB962C8B-B14F-4D97-AF65-F5344CB8AC3E}">
-        <p14:creationId xmlns:p14="http://schemas.microsoft.com/office/powerpoint/2010/main" val="1495783257"/>
+        <p14:creationId xmlns:p14="http://schemas.microsoft.com/office/powerpoint/2010/main" val="3623553007"/>
       </p:ext>
     </p:extLst>
   </p:cSld>

--- a/SBOM.pptx
+++ b/SBOM.pptx
@@ -5,7 +5,7 @@
     <p:sldMasterId id="2147483648" r:id="rId1"/>
   </p:sldMasterIdLst>
   <p:notesMasterIdLst>
-    <p:notesMasterId r:id="rId17"/>
+    <p:notesMasterId r:id="rId19"/>
   </p:notesMasterIdLst>
   <p:sldIdLst>
     <p:sldId id="262" r:id="rId2"/>
@@ -19,10 +19,12 @@
     <p:sldId id="257" r:id="rId10"/>
     <p:sldId id="259" r:id="rId11"/>
     <p:sldId id="270" r:id="rId12"/>
-    <p:sldId id="265" r:id="rId13"/>
-    <p:sldId id="266" r:id="rId14"/>
-    <p:sldId id="268" r:id="rId15"/>
-    <p:sldId id="269" r:id="rId16"/>
+    <p:sldId id="272" r:id="rId13"/>
+    <p:sldId id="265" r:id="rId14"/>
+    <p:sldId id="273" r:id="rId15"/>
+    <p:sldId id="266" r:id="rId16"/>
+    <p:sldId id="268" r:id="rId17"/>
+    <p:sldId id="269" r:id="rId18"/>
   </p:sldIdLst>
   <p:sldSz cx="12192000" cy="6858000"/>
   <p:notesSz cx="6858000" cy="9144000"/>
@@ -3945,7 +3947,7 @@
                   <a:srgbClr val="FFFF00"/>
                 </a:highlight>
               </a:rPr>
-              <a:t>Scans dépendances vs scans de conteneurs</a:t>
+              <a:t>Scans de dépendances vs scans de conteneurs</a:t>
             </a:r>
           </a:p>
         </p:txBody>
@@ -4778,10 +4780,10 @@
       </p:grpSpPr>
       <p:sp>
         <p:nvSpPr>
-          <p:cNvPr id="2" name="ZoneTexte 1">
-            <a:extLst>
-              <a:ext uri="{FF2B5EF4-FFF2-40B4-BE49-F238E27FC236}">
-                <a16:creationId xmlns:a16="http://schemas.microsoft.com/office/drawing/2014/main" id="{1B4E4D6B-0658-6F40-8E41-935019B56265}"/>
+          <p:cNvPr id="3" name="ZoneTexte 2">
+            <a:extLst>
+              <a:ext uri="{FF2B5EF4-FFF2-40B4-BE49-F238E27FC236}">
+                <a16:creationId xmlns:a16="http://schemas.microsoft.com/office/drawing/2014/main" id="{4E1F8F2E-6062-BB93-AA91-F0DFB3EFD17E}"/>
               </a:ext>
             </a:extLst>
           </p:cNvPr>
@@ -4790,8 +4792,8 @@
         </p:nvSpPr>
         <p:spPr>
           <a:xfrm>
-            <a:off x="1651820" y="1809136"/>
-            <a:ext cx="6096000" cy="369332"/>
+            <a:off x="2218354" y="1305341"/>
+            <a:ext cx="6097554" cy="4247317"/>
           </a:xfrm>
           <a:prstGeom prst="rect">
             <a:avLst/>
@@ -4805,72 +4807,32 @@
           <a:lstStyle/>
           <a:p>
             <a:r>
-              <a:rPr lang="fr-FR" dirty="0"/>
-              <a:t>! SBOM vs « formulation »</a:t>
-            </a:r>
-          </a:p>
-        </p:txBody>
-      </p:sp>
-      <p:sp>
-        <p:nvSpPr>
-          <p:cNvPr id="4" name="ZoneTexte 3">
-            <a:extLst>
-              <a:ext uri="{FF2B5EF4-FFF2-40B4-BE49-F238E27FC236}">
-                <a16:creationId xmlns:a16="http://schemas.microsoft.com/office/drawing/2014/main" id="{89AD204F-5B5B-4F7F-BA72-2899CE4ECFB8}"/>
-              </a:ext>
-            </a:extLst>
-          </p:cNvPr>
-          <p:cNvSpPr txBox="1"/>
-          <p:nvPr/>
-        </p:nvSpPr>
-        <p:spPr>
-          <a:xfrm>
-            <a:off x="3048000" y="3108293"/>
-            <a:ext cx="6096000" cy="923330"/>
-          </a:xfrm>
-          <a:prstGeom prst="rect">
-            <a:avLst/>
-          </a:prstGeom>
-          <a:noFill/>
-        </p:spPr>
-        <p:txBody>
-          <a:bodyPr wrap="square">
-            <a:spAutoFit/>
-          </a:bodyPr>
-          <a:lstStyle/>
-          <a:p>
-            <a:r>
-              <a:rPr lang="en-US" b="1" dirty="0"/>
-              <a:t>Formulation (new to </a:t>
-            </a:r>
-            <a:r>
-              <a:rPr lang="en-US" b="1" dirty="0" err="1"/>
-              <a:t>CycloneDX</a:t>
-            </a:r>
-            <a:r>
-              <a:rPr lang="en-US" b="1" dirty="0"/>
-              <a:t> v1.5)</a:t>
-            </a:r>
-            <a:r>
               <a:rPr lang="en-US" dirty="0"/>
-              <a:t>: Describes how something was deployed or manufactured</a:t>
-            </a:r>
+              <a:t>Another observation I made in practice – when using common tools, you are frequently not getting the same result when generating an SBOM from the source code vs generating it from a container image built on top of the source code.</a:t>
+            </a:r>
+          </a:p>
+          <a:p>
+            <a:endParaRPr lang="en-US" dirty="0"/>
           </a:p>
           <a:p>
             <a:r>
               <a:rPr lang="en-US" dirty="0"/>
-              <a:t>(</a:t>
-            </a:r>
-            <a:r>
-              <a:rPr lang="en-US" dirty="0">
+              <a:t>So a practical choice would be to build a bill of materials from the source code and another one from container. It is further possible to split the source code SBOM into several parts – for example, one including test dependencies and the one without those. </a:t>
+            </a:r>
+          </a:p>
+          <a:p>
+            <a:endParaRPr lang="en-US" dirty="0"/>
+          </a:p>
+          <a:p>
+            <a:r>
+              <a:rPr lang="fr-FR" dirty="0">
                 <a:hlinkClick r:id="rId2"/>
               </a:rPr>
-              <a:t>src</a:t>
-            </a:r>
-            <a:r>
-              <a:rPr lang="en-US" dirty="0"/>
-              <a:t>)</a:t>
-            </a:r>
+              <a:t>https://worklifenotes.com/2025/01/14/why-a-single-sbom-is-never-enough/</a:t>
+            </a:r>
+            <a:endParaRPr lang="en-US" dirty="0"/>
+          </a:p>
+          <a:p>
             <a:endParaRPr lang="fr-FR" dirty="0"/>
           </a:p>
         </p:txBody>
@@ -4878,7 +4840,7 @@
     </p:spTree>
     <p:extLst>
       <p:ext uri="{BB962C8B-B14F-4D97-AF65-F5344CB8AC3E}">
-        <p14:creationId xmlns:p14="http://schemas.microsoft.com/office/powerpoint/2010/main" val="2513760589"/>
+        <p14:creationId xmlns:p14="http://schemas.microsoft.com/office/powerpoint/2010/main" val="1522654574"/>
       </p:ext>
     </p:extLst>
   </p:cSld>
@@ -4910,7 +4872,7 @@
           <p:cNvPr id="2" name="ZoneTexte 1">
             <a:extLst>
               <a:ext uri="{FF2B5EF4-FFF2-40B4-BE49-F238E27FC236}">
-                <a16:creationId xmlns:a16="http://schemas.microsoft.com/office/drawing/2014/main" id="{4D064E9D-C4AC-4B5D-2B29-EEA0E904000A}"/>
+                <a16:creationId xmlns:a16="http://schemas.microsoft.com/office/drawing/2014/main" id="{1B4E4D6B-0658-6F40-8E41-935019B56265}"/>
               </a:ext>
             </a:extLst>
           </p:cNvPr>
@@ -4934,20 +4896,80 @@
           <a:lstStyle/>
           <a:p>
             <a:r>
-              <a:rPr lang="fr-FR" dirty="0" err="1"/>
-              <a:t>Dependency</a:t>
-            </a:r>
-            <a:r>
               <a:rPr lang="fr-FR" dirty="0"/>
-              <a:t>-Track, use cases…</a:t>
-            </a:r>
+              <a:t>! SBOM vs « formulation »</a:t>
+            </a:r>
+          </a:p>
+        </p:txBody>
+      </p:sp>
+      <p:sp>
+        <p:nvSpPr>
+          <p:cNvPr id="4" name="ZoneTexte 3">
+            <a:extLst>
+              <a:ext uri="{FF2B5EF4-FFF2-40B4-BE49-F238E27FC236}">
+                <a16:creationId xmlns:a16="http://schemas.microsoft.com/office/drawing/2014/main" id="{89AD204F-5B5B-4F7F-BA72-2899CE4ECFB8}"/>
+              </a:ext>
+            </a:extLst>
+          </p:cNvPr>
+          <p:cNvSpPr txBox="1"/>
+          <p:nvPr/>
+        </p:nvSpPr>
+        <p:spPr>
+          <a:xfrm>
+            <a:off x="3048000" y="3108293"/>
+            <a:ext cx="6096000" cy="923330"/>
+          </a:xfrm>
+          <a:prstGeom prst="rect">
+            <a:avLst/>
+          </a:prstGeom>
+          <a:noFill/>
+        </p:spPr>
+        <p:txBody>
+          <a:bodyPr wrap="square">
+            <a:spAutoFit/>
+          </a:bodyPr>
+          <a:lstStyle/>
+          <a:p>
+            <a:r>
+              <a:rPr lang="en-US" b="1" dirty="0"/>
+              <a:t>Formulation (new to </a:t>
+            </a:r>
+            <a:r>
+              <a:rPr lang="en-US" b="1" dirty="0" err="1"/>
+              <a:t>CycloneDX</a:t>
+            </a:r>
+            <a:r>
+              <a:rPr lang="en-US" b="1" dirty="0"/>
+              <a:t> v1.5)</a:t>
+            </a:r>
+            <a:r>
+              <a:rPr lang="en-US" dirty="0"/>
+              <a:t>: Describes how something was deployed or manufactured</a:t>
+            </a:r>
+          </a:p>
+          <a:p>
+            <a:r>
+              <a:rPr lang="en-US" dirty="0"/>
+              <a:t>(</a:t>
+            </a:r>
+            <a:r>
+              <a:rPr lang="en-US" dirty="0">
+                <a:hlinkClick r:id="rId2"/>
+              </a:rPr>
+              <a:t>src</a:t>
+            </a:r>
+            <a:r>
+              <a:rPr lang="en-US" dirty="0"/>
+              <a:t>)</a:t>
+            </a:r>
+            <a:endParaRPr lang="fr-FR" dirty="0"/>
           </a:p>
         </p:txBody>
       </p:sp>
     </p:spTree>
     <p:extLst>
       <p:ext uri="{BB962C8B-B14F-4D97-AF65-F5344CB8AC3E}">
-        <p14:creationId xmlns:p14="http://schemas.microsoft.com/office/powerpoint/2010/main" val="3755981226"/>
+        <p14:creationId xmlns:p14="http://schemas.microsoft.com/office/powerpoint/2010/main" val="2513760589"/>
       </p:ext>
     </p:extLst>
   </p:cSld>
@@ -4976,6 +4998,175 @@
       </p:grpSpPr>
       <p:sp>
         <p:nvSpPr>
+          <p:cNvPr id="3" name="ZoneTexte 2">
+            <a:extLst>
+              <a:ext uri="{FF2B5EF4-FFF2-40B4-BE49-F238E27FC236}">
+                <a16:creationId xmlns:a16="http://schemas.microsoft.com/office/drawing/2014/main" id="{8F9F9F5B-4118-3FAB-DEEE-D7AC3BAA829C}"/>
+              </a:ext>
+            </a:extLst>
+          </p:cNvPr>
+          <p:cNvSpPr txBox="1"/>
+          <p:nvPr/>
+        </p:nvSpPr>
+        <p:spPr>
+          <a:xfrm>
+            <a:off x="3048778" y="3244334"/>
+            <a:ext cx="6097554" cy="369332"/>
+          </a:xfrm>
+          <a:prstGeom prst="rect">
+            <a:avLst/>
+          </a:prstGeom>
+          <a:noFill/>
+        </p:spPr>
+        <p:txBody>
+          <a:bodyPr wrap="square">
+            <a:spAutoFit/>
+          </a:bodyPr>
+          <a:lstStyle/>
+          <a:p>
+            <a:r>
+              <a:rPr lang="fr-FR" dirty="0"/>
+              <a:t>https://cyclonedx.org/capabilities/obom/</a:t>
+            </a:r>
+          </a:p>
+        </p:txBody>
+      </p:sp>
+      <p:sp>
+        <p:nvSpPr>
+          <p:cNvPr id="4" name="ZoneTexte 3">
+            <a:extLst>
+              <a:ext uri="{FF2B5EF4-FFF2-40B4-BE49-F238E27FC236}">
+                <a16:creationId xmlns:a16="http://schemas.microsoft.com/office/drawing/2014/main" id="{3E62F911-E238-625F-085F-76BC08F2CD79}"/>
+              </a:ext>
+            </a:extLst>
+          </p:cNvPr>
+          <p:cNvSpPr txBox="1"/>
+          <p:nvPr/>
+        </p:nvSpPr>
+        <p:spPr>
+          <a:xfrm>
+            <a:off x="1651820" y="1809136"/>
+            <a:ext cx="6096000" cy="369332"/>
+          </a:xfrm>
+          <a:prstGeom prst="rect">
+            <a:avLst/>
+          </a:prstGeom>
+          <a:noFill/>
+        </p:spPr>
+        <p:txBody>
+          <a:bodyPr wrap="square">
+            <a:spAutoFit/>
+          </a:bodyPr>
+          <a:lstStyle/>
+          <a:p>
+            <a:r>
+              <a:rPr lang="fr-FR" dirty="0"/>
+              <a:t>? SBOM vs OBOM ?</a:t>
+            </a:r>
+          </a:p>
+        </p:txBody>
+      </p:sp>
+    </p:spTree>
+    <p:extLst>
+      <p:ext uri="{BB962C8B-B14F-4D97-AF65-F5344CB8AC3E}">
+        <p14:creationId xmlns:p14="http://schemas.microsoft.com/office/powerpoint/2010/main" val="895074413"/>
+      </p:ext>
+    </p:extLst>
+  </p:cSld>
+  <p:clrMapOvr>
+    <a:masterClrMapping/>
+  </p:clrMapOvr>
+</p:sld>
+</file>
+
+<file path=ppt/slides/slide15.xml><?xml version="1.0" encoding="utf-8"?>
+<p:sld xmlns:a="http://schemas.openxmlformats.org/drawingml/2006/main" xmlns:r="http://schemas.openxmlformats.org/officeDocument/2006/relationships" xmlns:p="http://schemas.openxmlformats.org/presentationml/2006/main">
+  <p:cSld>
+    <p:spTree>
+      <p:nvGrpSpPr>
+        <p:cNvPr id="1" name=""/>
+        <p:cNvGrpSpPr/>
+        <p:nvPr/>
+      </p:nvGrpSpPr>
+      <p:grpSpPr>
+        <a:xfrm>
+          <a:off x="0" y="0"/>
+          <a:ext cx="0" cy="0"/>
+          <a:chOff x="0" y="0"/>
+          <a:chExt cx="0" cy="0"/>
+        </a:xfrm>
+      </p:grpSpPr>
+      <p:sp>
+        <p:nvSpPr>
+          <p:cNvPr id="2" name="ZoneTexte 1">
+            <a:extLst>
+              <a:ext uri="{FF2B5EF4-FFF2-40B4-BE49-F238E27FC236}">
+                <a16:creationId xmlns:a16="http://schemas.microsoft.com/office/drawing/2014/main" id="{4D064E9D-C4AC-4B5D-2B29-EEA0E904000A}"/>
+              </a:ext>
+            </a:extLst>
+          </p:cNvPr>
+          <p:cNvSpPr txBox="1"/>
+          <p:nvPr/>
+        </p:nvSpPr>
+        <p:spPr>
+          <a:xfrm>
+            <a:off x="1651820" y="1809136"/>
+            <a:ext cx="6096000" cy="369332"/>
+          </a:xfrm>
+          <a:prstGeom prst="rect">
+            <a:avLst/>
+          </a:prstGeom>
+          <a:noFill/>
+        </p:spPr>
+        <p:txBody>
+          <a:bodyPr wrap="square">
+            <a:spAutoFit/>
+          </a:bodyPr>
+          <a:lstStyle/>
+          <a:p>
+            <a:r>
+              <a:rPr lang="fr-FR" dirty="0" err="1"/>
+              <a:t>Dependency</a:t>
+            </a:r>
+            <a:r>
+              <a:rPr lang="fr-FR" dirty="0"/>
+              <a:t>-Track, use cases…</a:t>
+            </a:r>
+          </a:p>
+        </p:txBody>
+      </p:sp>
+    </p:spTree>
+    <p:extLst>
+      <p:ext uri="{BB962C8B-B14F-4D97-AF65-F5344CB8AC3E}">
+        <p14:creationId xmlns:p14="http://schemas.microsoft.com/office/powerpoint/2010/main" val="3755981226"/>
+      </p:ext>
+    </p:extLst>
+  </p:cSld>
+  <p:clrMapOvr>
+    <a:masterClrMapping/>
+  </p:clrMapOvr>
+</p:sld>
+</file>
+
+<file path=ppt/slides/slide16.xml><?xml version="1.0" encoding="utf-8"?>
+<p:sld xmlns:a="http://schemas.openxmlformats.org/drawingml/2006/main" xmlns:r="http://schemas.openxmlformats.org/officeDocument/2006/relationships" xmlns:p="http://schemas.openxmlformats.org/presentationml/2006/main">
+  <p:cSld>
+    <p:spTree>
+      <p:nvGrpSpPr>
+        <p:cNvPr id="1" name=""/>
+        <p:cNvGrpSpPr/>
+        <p:nvPr/>
+      </p:nvGrpSpPr>
+      <p:grpSpPr>
+        <a:xfrm>
+          <a:off x="0" y="0"/>
+          <a:ext cx="0" cy="0"/>
+          <a:chOff x="0" y="0"/>
+          <a:chExt cx="0" cy="0"/>
+        </a:xfrm>
+      </p:grpSpPr>
+      <p:sp>
+        <p:nvSpPr>
           <p:cNvPr id="2" name="Titre 1">
             <a:extLst>
               <a:ext uri="{FF2B5EF4-FFF2-40B4-BE49-F238E27FC236}">
@@ -5043,7 +5234,7 @@
 </p:sld>
 </file>
 
-<file path=ppt/slides/slide15.xml><?xml version="1.0" encoding="utf-8"?>
+<file path=ppt/slides/slide17.xml><?xml version="1.0" encoding="utf-8"?>
 <p:sld xmlns:a="http://schemas.openxmlformats.org/drawingml/2006/main" xmlns:r="http://schemas.openxmlformats.org/officeDocument/2006/relationships" xmlns:p="http://schemas.openxmlformats.org/presentationml/2006/main">
   <p:cSld>
     <p:spTree>
@@ -6150,7 +6341,7 @@
         </p:blipFill>
         <p:spPr>
           <a:xfrm>
-            <a:off x="2068481" y="1542886"/>
+            <a:off x="1797893" y="2649953"/>
             <a:ext cx="8055038" cy="3772227"/>
           </a:xfrm>
           <a:prstGeom prst="rect">
@@ -6158,6 +6349,69 @@
           </a:prstGeom>
         </p:spPr>
       </p:pic>
+      <p:sp>
+        <p:nvSpPr>
+          <p:cNvPr id="4" name="ZoneTexte 3">
+            <a:extLst>
+              <a:ext uri="{FF2B5EF4-FFF2-40B4-BE49-F238E27FC236}">
+                <a16:creationId xmlns:a16="http://schemas.microsoft.com/office/drawing/2014/main" id="{6E8E8F98-3728-1FA7-5D2B-089ACD48642B}"/>
+              </a:ext>
+            </a:extLst>
+          </p:cNvPr>
+          <p:cNvSpPr txBox="1"/>
+          <p:nvPr/>
+        </p:nvSpPr>
+        <p:spPr>
+          <a:xfrm>
+            <a:off x="1098679" y="435820"/>
+            <a:ext cx="9342275" cy="1754326"/>
+          </a:xfrm>
+          <a:prstGeom prst="rect">
+            <a:avLst/>
+          </a:prstGeom>
+          <a:noFill/>
+        </p:spPr>
+        <p:txBody>
+          <a:bodyPr wrap="square">
+            <a:spAutoFit/>
+          </a:bodyPr>
+          <a:lstStyle/>
+          <a:p>
+            <a:r>
+              <a:rPr lang="en-US" dirty="0"/>
+              <a:t>Dependency-Track does not store raw SBOMs.</a:t>
+            </a:r>
+          </a:p>
+          <a:p>
+            <a:r>
+              <a:rPr lang="en-US" dirty="0"/>
+              <a:t>“Audit requirements – this is when we need to “go back in time” and request SBOM for a specific older version of our project capturing older states. This may happen for any reason, in example, </a:t>
+            </a:r>
+            <a:r>
+              <a:rPr lang="en-US" dirty="0">
+                <a:hlinkClick r:id="rId3"/>
+              </a:rPr>
+              <a:t>European CRA</a:t>
+            </a:r>
+            <a:r>
+              <a:rPr lang="en-US" dirty="0"/>
+              <a:t> is going to make this a legal requirement.”</a:t>
+            </a:r>
+          </a:p>
+          <a:p>
+            <a:r>
+              <a:rPr lang="fr-FR" dirty="0">
+                <a:hlinkClick r:id="rId4"/>
+              </a:rPr>
+              <a:t>https://worklifenotes.com/2025/01/14/why-a-single-sbom-is-never-enough/</a:t>
+            </a:r>
+            <a:endParaRPr lang="en-US" dirty="0"/>
+          </a:p>
+          <a:p>
+            <a:endParaRPr lang="fr-FR" dirty="0"/>
+          </a:p>
+        </p:txBody>
+      </p:sp>
     </p:spTree>
     <p:extLst>
       <p:ext uri="{BB962C8B-B14F-4D97-AF65-F5344CB8AC3E}">

--- a/SBOM.pptx
+++ b/SBOM.pptx
@@ -5,26 +5,30 @@
     <p:sldMasterId id="2147483648" r:id="rId1"/>
   </p:sldMasterIdLst>
   <p:notesMasterIdLst>
-    <p:notesMasterId r:id="rId19"/>
+    <p:notesMasterId r:id="rId23"/>
   </p:notesMasterIdLst>
   <p:sldIdLst>
     <p:sldId id="262" r:id="rId2"/>
-    <p:sldId id="263" r:id="rId3"/>
-    <p:sldId id="271" r:id="rId4"/>
-    <p:sldId id="264" r:id="rId5"/>
-    <p:sldId id="267" r:id="rId6"/>
-    <p:sldId id="260" r:id="rId7"/>
-    <p:sldId id="261" r:id="rId8"/>
-    <p:sldId id="256" r:id="rId9"/>
-    <p:sldId id="257" r:id="rId10"/>
-    <p:sldId id="259" r:id="rId11"/>
-    <p:sldId id="270" r:id="rId12"/>
-    <p:sldId id="272" r:id="rId13"/>
-    <p:sldId id="265" r:id="rId14"/>
-    <p:sldId id="273" r:id="rId15"/>
-    <p:sldId id="266" r:id="rId16"/>
-    <p:sldId id="268" r:id="rId17"/>
-    <p:sldId id="269" r:id="rId18"/>
+    <p:sldId id="274" r:id="rId3"/>
+    <p:sldId id="275" r:id="rId4"/>
+    <p:sldId id="276" r:id="rId5"/>
+    <p:sldId id="277" r:id="rId6"/>
+    <p:sldId id="263" r:id="rId7"/>
+    <p:sldId id="271" r:id="rId8"/>
+    <p:sldId id="264" r:id="rId9"/>
+    <p:sldId id="267" r:id="rId10"/>
+    <p:sldId id="260" r:id="rId11"/>
+    <p:sldId id="261" r:id="rId12"/>
+    <p:sldId id="256" r:id="rId13"/>
+    <p:sldId id="257" r:id="rId14"/>
+    <p:sldId id="259" r:id="rId15"/>
+    <p:sldId id="270" r:id="rId16"/>
+    <p:sldId id="272" r:id="rId17"/>
+    <p:sldId id="265" r:id="rId18"/>
+    <p:sldId id="273" r:id="rId19"/>
+    <p:sldId id="266" r:id="rId20"/>
+    <p:sldId id="268" r:id="rId21"/>
+    <p:sldId id="269" r:id="rId22"/>
   </p:sldIdLst>
   <p:sldSz cx="12192000" cy="6858000"/>
   <p:notesSz cx="6858000" cy="9144000"/>
@@ -545,7 +549,7 @@
           <a:p>
             <a:fld id="{7CCB60AB-D80B-41E5-945E-FBDC6A21DB68}" type="slidenum">
               <a:rPr lang="fr-FR" smtClean="0"/>
-              <a:t>11</a:t>
+              <a:t>15</a:t>
             </a:fld>
             <a:endParaRPr lang="fr-FR"/>
           </a:p>
@@ -3913,51 +3917,12 @@
           <a:chExt cx="0" cy="0"/>
         </a:xfrm>
       </p:grpSpPr>
-      <p:sp>
-        <p:nvSpPr>
-          <p:cNvPr id="3" name="ZoneTexte 2">
-            <a:extLst>
-              <a:ext uri="{FF2B5EF4-FFF2-40B4-BE49-F238E27FC236}">
-                <a16:creationId xmlns:a16="http://schemas.microsoft.com/office/drawing/2014/main" id="{0297286C-0F92-6A93-E325-CE426B4FA2DC}"/>
-              </a:ext>
-            </a:extLst>
-          </p:cNvPr>
-          <p:cNvSpPr txBox="1"/>
-          <p:nvPr/>
-        </p:nvSpPr>
-        <p:spPr>
-          <a:xfrm>
-            <a:off x="1848465" y="512575"/>
-            <a:ext cx="6096000" cy="369332"/>
-          </a:xfrm>
-          <a:prstGeom prst="rect">
-            <a:avLst/>
-          </a:prstGeom>
-          <a:noFill/>
-        </p:spPr>
-        <p:txBody>
-          <a:bodyPr wrap="square">
-            <a:spAutoFit/>
-          </a:bodyPr>
-          <a:lstStyle/>
-          <a:p>
-            <a:r>
-              <a:rPr lang="fr-FR" dirty="0">
-                <a:highlight>
-                  <a:srgbClr val="FFFF00"/>
-                </a:highlight>
-              </a:rPr>
-              <a:t>Scans de dépendances vs scans de conteneurs</a:t>
-            </a:r>
-          </a:p>
-        </p:txBody>
-      </p:sp>
       <p:pic>
         <p:nvPicPr>
-          <p:cNvPr id="4" name="Image 3">
-            <a:extLst>
-              <a:ext uri="{FF2B5EF4-FFF2-40B4-BE49-F238E27FC236}">
-                <a16:creationId xmlns:a16="http://schemas.microsoft.com/office/drawing/2014/main" id="{AA36139E-0C05-DBBD-4118-4332D5B8B480}"/>
+          <p:cNvPr id="5" name="Image 4">
+            <a:extLst>
+              <a:ext uri="{FF2B5EF4-FFF2-40B4-BE49-F238E27FC236}">
+                <a16:creationId xmlns:a16="http://schemas.microsoft.com/office/drawing/2014/main" id="{63EF9FAC-1610-7127-CD78-B72A579B9890}"/>
               </a:ext>
             </a:extLst>
           </p:cNvPr>
@@ -3974,8 +3939,8 @@
         </p:blipFill>
         <p:spPr>
           <a:xfrm>
-            <a:off x="910595" y="1148476"/>
-            <a:ext cx="7033870" cy="1257409"/>
+            <a:off x="1237908" y="822440"/>
+            <a:ext cx="7887383" cy="3482642"/>
           </a:xfrm>
           <a:prstGeom prst="rect">
             <a:avLst/>
@@ -3984,10 +3949,10 @@
       </p:pic>
       <p:sp>
         <p:nvSpPr>
-          <p:cNvPr id="5" name="ZoneTexte 4">
-            <a:extLst>
-              <a:ext uri="{FF2B5EF4-FFF2-40B4-BE49-F238E27FC236}">
-                <a16:creationId xmlns:a16="http://schemas.microsoft.com/office/drawing/2014/main" id="{38AA057C-8ADD-DBDD-DD9A-80F5C65E178C}"/>
+          <p:cNvPr id="6" name="ZoneTexte 5">
+            <a:extLst>
+              <a:ext uri="{FF2B5EF4-FFF2-40B4-BE49-F238E27FC236}">
+                <a16:creationId xmlns:a16="http://schemas.microsoft.com/office/drawing/2014/main" id="{5D393DD0-C07F-A0BC-604B-6629B62362BB}"/>
               </a:ext>
             </a:extLst>
           </p:cNvPr>
@@ -3996,8 +3961,8 @@
         </p:nvSpPr>
         <p:spPr>
           <a:xfrm>
-            <a:off x="910595" y="2567518"/>
-            <a:ext cx="6096000" cy="369332"/>
+            <a:off x="1347020" y="4996086"/>
+            <a:ext cx="6096000" cy="923330"/>
           </a:xfrm>
           <a:prstGeom prst="rect">
             <a:avLst/>
@@ -4011,410 +3976,53 @@
           <a:lstStyle/>
           <a:p>
             <a:r>
-              <a:rPr lang="fr-FR" dirty="0"/>
-              <a:t>…</a:t>
-            </a:r>
-          </a:p>
-        </p:txBody>
-      </p:sp>
-      <p:pic>
-        <p:nvPicPr>
-          <p:cNvPr id="9" name="Image 8">
-            <a:extLst>
-              <a:ext uri="{FF2B5EF4-FFF2-40B4-BE49-F238E27FC236}">
-                <a16:creationId xmlns:a16="http://schemas.microsoft.com/office/drawing/2014/main" id="{92D8D691-901D-BA5A-278A-E025438E7931}"/>
-              </a:ext>
-            </a:extLst>
-          </p:cNvPr>
-          <p:cNvPicPr>
-            <a:picLocks noChangeAspect="1"/>
-          </p:cNvPicPr>
-          <p:nvPr/>
-        </p:nvPicPr>
-        <p:blipFill>
-          <a:blip r:embed="rId3"/>
-          <a:stretch>
-            <a:fillRect/>
-          </a:stretch>
-        </p:blipFill>
-        <p:spPr>
-          <a:xfrm>
-            <a:off x="910595" y="3098483"/>
-            <a:ext cx="7049111" cy="937341"/>
-          </a:xfrm>
-          <a:prstGeom prst="rect">
-            <a:avLst/>
-          </a:prstGeom>
-        </p:spPr>
-      </p:pic>
-      <p:sp>
-        <p:nvSpPr>
-          <p:cNvPr id="10" name="ZoneTexte 9">
-            <a:extLst>
-              <a:ext uri="{FF2B5EF4-FFF2-40B4-BE49-F238E27FC236}">
-                <a16:creationId xmlns:a16="http://schemas.microsoft.com/office/drawing/2014/main" id="{3FC58421-6198-EBBD-5A85-0F8A38DC89A4}"/>
-              </a:ext>
-            </a:extLst>
-          </p:cNvPr>
-          <p:cNvSpPr txBox="1"/>
-          <p:nvPr/>
-        </p:nvSpPr>
-        <p:spPr>
-          <a:xfrm>
-            <a:off x="910595" y="4197457"/>
-            <a:ext cx="6096000" cy="369332"/>
-          </a:xfrm>
-          <a:prstGeom prst="rect">
-            <a:avLst/>
-          </a:prstGeom>
-          <a:noFill/>
-        </p:spPr>
-        <p:txBody>
-          <a:bodyPr wrap="square">
-            <a:spAutoFit/>
-          </a:bodyPr>
-          <a:lstStyle/>
-          <a:p>
-            <a:r>
-              <a:rPr lang="fr-FR" dirty="0"/>
-              <a:t>…</a:t>
-            </a:r>
-          </a:p>
-        </p:txBody>
-      </p:sp>
-      <p:pic>
-        <p:nvPicPr>
-          <p:cNvPr id="12" name="Image 11">
-            <a:extLst>
-              <a:ext uri="{FF2B5EF4-FFF2-40B4-BE49-F238E27FC236}">
-                <a16:creationId xmlns:a16="http://schemas.microsoft.com/office/drawing/2014/main" id="{1A17F1EC-A935-FA65-9204-CDFE91EA03A7}"/>
-              </a:ext>
-            </a:extLst>
-          </p:cNvPr>
-          <p:cNvPicPr>
-            <a:picLocks noChangeAspect="1"/>
-          </p:cNvPicPr>
-          <p:nvPr/>
-        </p:nvPicPr>
-        <p:blipFill>
-          <a:blip r:embed="rId4"/>
-          <a:stretch>
-            <a:fillRect/>
-          </a:stretch>
-        </p:blipFill>
-        <p:spPr>
-          <a:xfrm>
-            <a:off x="910595" y="4728422"/>
-            <a:ext cx="7064352" cy="739204"/>
-          </a:xfrm>
-          <a:prstGeom prst="rect">
-            <a:avLst/>
-          </a:prstGeom>
-        </p:spPr>
-      </p:pic>
-      <p:sp>
-        <p:nvSpPr>
-          <p:cNvPr id="13" name="Accolade fermante 12">
-            <a:extLst>
-              <a:ext uri="{FF2B5EF4-FFF2-40B4-BE49-F238E27FC236}">
-                <a16:creationId xmlns:a16="http://schemas.microsoft.com/office/drawing/2014/main" id="{A4ACB707-4B4E-F231-8BFF-005465E8BCEB}"/>
-              </a:ext>
-            </a:extLst>
-          </p:cNvPr>
-          <p:cNvSpPr/>
-          <p:nvPr/>
-        </p:nvSpPr>
-        <p:spPr>
-          <a:xfrm>
-            <a:off x="8303341" y="1052051"/>
-            <a:ext cx="403123" cy="1353833"/>
-          </a:xfrm>
-          <a:prstGeom prst="rightBrace">
-            <a:avLst/>
-          </a:prstGeom>
-        </p:spPr>
-        <p:style>
-          <a:lnRef idx="2">
-            <a:schemeClr val="accent1"/>
-          </a:lnRef>
-          <a:fillRef idx="0">
-            <a:schemeClr val="accent1"/>
-          </a:fillRef>
-          <a:effectRef idx="1">
-            <a:schemeClr val="accent1"/>
-          </a:effectRef>
-          <a:fontRef idx="minor">
-            <a:schemeClr val="tx1"/>
-          </a:fontRef>
-        </p:style>
-        <p:txBody>
-          <a:bodyPr rtlCol="0" anchor="ctr"/>
-          <a:lstStyle/>
-          <a:p>
-            <a:pPr algn="ctr"/>
-            <a:endParaRPr lang="fr-FR"/>
-          </a:p>
-        </p:txBody>
-      </p:sp>
-      <p:sp>
-        <p:nvSpPr>
-          <p:cNvPr id="14" name="Accolade fermante 13">
-            <a:extLst>
-              <a:ext uri="{FF2B5EF4-FFF2-40B4-BE49-F238E27FC236}">
-                <a16:creationId xmlns:a16="http://schemas.microsoft.com/office/drawing/2014/main" id="{A7182EEC-74DE-1E9F-1D40-EC06FA759E09}"/>
-              </a:ext>
-            </a:extLst>
-          </p:cNvPr>
-          <p:cNvSpPr/>
-          <p:nvPr/>
-        </p:nvSpPr>
-        <p:spPr>
-          <a:xfrm>
-            <a:off x="8303341" y="2843624"/>
-            <a:ext cx="403123" cy="1353833"/>
-          </a:xfrm>
-          <a:prstGeom prst="rightBrace">
-            <a:avLst/>
-          </a:prstGeom>
-        </p:spPr>
-        <p:style>
-          <a:lnRef idx="2">
-            <a:schemeClr val="accent1"/>
-          </a:lnRef>
-          <a:fillRef idx="0">
-            <a:schemeClr val="accent1"/>
-          </a:fillRef>
-          <a:effectRef idx="1">
-            <a:schemeClr val="accent1"/>
-          </a:effectRef>
-          <a:fontRef idx="minor">
-            <a:schemeClr val="tx1"/>
-          </a:fontRef>
-        </p:style>
-        <p:txBody>
-          <a:bodyPr rtlCol="0" anchor="ctr"/>
-          <a:lstStyle/>
-          <a:p>
-            <a:pPr algn="ctr"/>
-            <a:endParaRPr lang="fr-FR"/>
-          </a:p>
-        </p:txBody>
-      </p:sp>
-      <p:sp>
-        <p:nvSpPr>
-          <p:cNvPr id="15" name="Accolade fermante 14">
-            <a:extLst>
-              <a:ext uri="{FF2B5EF4-FFF2-40B4-BE49-F238E27FC236}">
-                <a16:creationId xmlns:a16="http://schemas.microsoft.com/office/drawing/2014/main" id="{7C0F2BD6-BD4D-5C2E-4059-5780286D5268}"/>
-              </a:ext>
-            </a:extLst>
-          </p:cNvPr>
-          <p:cNvSpPr/>
-          <p:nvPr/>
-        </p:nvSpPr>
-        <p:spPr>
-          <a:xfrm>
-            <a:off x="8303341" y="4421107"/>
-            <a:ext cx="403123" cy="1353833"/>
-          </a:xfrm>
-          <a:prstGeom prst="rightBrace">
-            <a:avLst/>
-          </a:prstGeom>
-        </p:spPr>
-        <p:style>
-          <a:lnRef idx="2">
-            <a:schemeClr val="accent1"/>
-          </a:lnRef>
-          <a:fillRef idx="0">
-            <a:schemeClr val="accent1"/>
-          </a:fillRef>
-          <a:effectRef idx="1">
-            <a:schemeClr val="accent1"/>
-          </a:effectRef>
-          <a:fontRef idx="minor">
-            <a:schemeClr val="tx1"/>
-          </a:fontRef>
-        </p:style>
-        <p:txBody>
-          <a:bodyPr rtlCol="0" anchor="ctr"/>
-          <a:lstStyle/>
-          <a:p>
-            <a:pPr algn="ctr"/>
-            <a:endParaRPr lang="fr-FR"/>
-          </a:p>
-        </p:txBody>
-      </p:sp>
-      <p:sp>
-        <p:nvSpPr>
-          <p:cNvPr id="16" name="ZoneTexte 15">
-            <a:extLst>
-              <a:ext uri="{FF2B5EF4-FFF2-40B4-BE49-F238E27FC236}">
-                <a16:creationId xmlns:a16="http://schemas.microsoft.com/office/drawing/2014/main" id="{32B1ACC3-6F1C-2965-17E7-9F71B7FAA4F3}"/>
-              </a:ext>
-            </a:extLst>
-          </p:cNvPr>
-          <p:cNvSpPr txBox="1"/>
-          <p:nvPr/>
-        </p:nvSpPr>
-        <p:spPr>
-          <a:xfrm>
-            <a:off x="9065340" y="1544301"/>
-            <a:ext cx="2448234" cy="369332"/>
-          </a:xfrm>
-          <a:prstGeom prst="rect">
-            <a:avLst/>
-          </a:prstGeom>
-          <a:noFill/>
-        </p:spPr>
-        <p:txBody>
-          <a:bodyPr wrap="square">
-            <a:spAutoFit/>
-          </a:bodyPr>
-          <a:lstStyle/>
-          <a:p>
-            <a:r>
-              <a:rPr lang="fr-FR" dirty="0"/>
-              <a:t>«  application BOM »</a:t>
-            </a:r>
-          </a:p>
-        </p:txBody>
-      </p:sp>
-      <p:sp>
-        <p:nvSpPr>
-          <p:cNvPr id="17" name="ZoneTexte 16">
-            <a:extLst>
-              <a:ext uri="{FF2B5EF4-FFF2-40B4-BE49-F238E27FC236}">
-                <a16:creationId xmlns:a16="http://schemas.microsoft.com/office/drawing/2014/main" id="{B174EE1E-AD51-5E1A-C35D-036F7A989B8C}"/>
-              </a:ext>
-            </a:extLst>
-          </p:cNvPr>
-          <p:cNvSpPr txBox="1"/>
-          <p:nvPr/>
-        </p:nvSpPr>
-        <p:spPr>
-          <a:xfrm>
-            <a:off x="8962101" y="4913357"/>
-            <a:ext cx="2448234" cy="369332"/>
-          </a:xfrm>
-          <a:prstGeom prst="rect">
-            <a:avLst/>
-          </a:prstGeom>
-          <a:noFill/>
-        </p:spPr>
-        <p:txBody>
-          <a:bodyPr wrap="square">
-            <a:spAutoFit/>
-          </a:bodyPr>
-          <a:lstStyle/>
-          <a:p>
-            <a:r>
-              <a:rPr lang="fr-FR" dirty="0"/>
-              <a:t>«  container BOM »</a:t>
-            </a:r>
-          </a:p>
-        </p:txBody>
-      </p:sp>
-      <p:sp>
-        <p:nvSpPr>
-          <p:cNvPr id="18" name="ZoneTexte 17">
-            <a:extLst>
-              <a:ext uri="{FF2B5EF4-FFF2-40B4-BE49-F238E27FC236}">
-                <a16:creationId xmlns:a16="http://schemas.microsoft.com/office/drawing/2014/main" id="{CDC8ED83-3E95-071F-255F-254F3B5E61A7}"/>
-              </a:ext>
-            </a:extLst>
-          </p:cNvPr>
-          <p:cNvSpPr txBox="1"/>
-          <p:nvPr/>
-        </p:nvSpPr>
-        <p:spPr>
-          <a:xfrm>
-            <a:off x="8962101" y="3335874"/>
-            <a:ext cx="2448234" cy="923330"/>
-          </a:xfrm>
-          <a:prstGeom prst="rect">
-            <a:avLst/>
-          </a:prstGeom>
-          <a:noFill/>
-        </p:spPr>
-        <p:txBody>
-          <a:bodyPr wrap="square">
-            <a:spAutoFit/>
-          </a:bodyPr>
-          <a:lstStyle/>
-          <a:p>
-            <a:r>
-              <a:rPr lang="fr-FR" dirty="0"/>
-              <a:t>« application BOM »</a:t>
-            </a:r>
-          </a:p>
-          <a:p>
-            <a:r>
-              <a:rPr lang="fr-FR" dirty="0"/>
-              <a:t>ET (!)</a:t>
-            </a:r>
-          </a:p>
-          <a:p>
-            <a:r>
-              <a:rPr lang="fr-FR" dirty="0"/>
-              <a:t>«  container BOM »</a:t>
-            </a:r>
-          </a:p>
-        </p:txBody>
-      </p:sp>
-      <p:sp>
-        <p:nvSpPr>
-          <p:cNvPr id="19" name="ZoneTexte 18">
-            <a:extLst>
-              <a:ext uri="{FF2B5EF4-FFF2-40B4-BE49-F238E27FC236}">
-                <a16:creationId xmlns:a16="http://schemas.microsoft.com/office/drawing/2014/main" id="{B3BF7D86-4053-C382-FF57-72EA75E65C1B}"/>
-              </a:ext>
-            </a:extLst>
-          </p:cNvPr>
-          <p:cNvSpPr txBox="1"/>
-          <p:nvPr/>
-        </p:nvSpPr>
-        <p:spPr>
-          <a:xfrm>
-            <a:off x="801330" y="6044701"/>
-            <a:ext cx="8190270" cy="369332"/>
-          </a:xfrm>
-          <a:prstGeom prst="rect">
-            <a:avLst/>
-          </a:prstGeom>
-          <a:noFill/>
-        </p:spPr>
-        <p:txBody>
-          <a:bodyPr wrap="square">
-            <a:spAutoFit/>
-          </a:bodyPr>
-          <a:lstStyle/>
-          <a:p>
-            <a:r>
               <a:rPr lang="fr-FR" dirty="0">
                 <a:sym typeface="Wingdings" panose="05000000000000000000" pitchFamily="2" charset="2"/>
               </a:rPr>
-              <a:t> </a:t>
-            </a:r>
-            <a:r>
-              <a:rPr lang="fr-FR" dirty="0" err="1">
-                <a:sym typeface="Wingdings" panose="05000000000000000000" pitchFamily="2" charset="2"/>
-              </a:rPr>
-              <a:t>préco</a:t>
+              <a:t>Contexte BNP PF  </a:t>
+            </a:r>
+            <a:r>
+              <a:rPr lang="fr-FR" dirty="0" err="1"/>
+              <a:t>GitLab</a:t>
+            </a:r>
+            <a:r>
+              <a:rPr lang="fr-FR" dirty="0"/>
+              <a:t>, </a:t>
+            </a:r>
+            <a:r>
+              <a:rPr lang="fr-FR" dirty="0" err="1"/>
+              <a:t>gitlab</a:t>
+            </a:r>
+            <a:r>
+              <a:rPr lang="fr-FR" dirty="0"/>
+              <a:t>-ci</a:t>
+            </a:r>
+          </a:p>
+          <a:p>
+            <a:endParaRPr lang="fr-FR" dirty="0"/>
+          </a:p>
+          <a:p>
+            <a:r>
+              <a:rPr lang="fr-FR" dirty="0"/>
+              <a:t>Reproductibilité </a:t>
             </a:r>
             <a:r>
               <a:rPr lang="fr-FR" dirty="0">
                 <a:sym typeface="Wingdings" panose="05000000000000000000" pitchFamily="2" charset="2"/>
               </a:rPr>
-              <a:t>, séparer et faire les deux (?)</a:t>
-            </a:r>
-            <a:endParaRPr lang="fr-FR" dirty="0"/>
+              <a:t> </a:t>
+            </a:r>
+            <a:r>
+              <a:rPr lang="fr-FR" dirty="0"/>
+              <a:t>Docker</a:t>
+            </a:r>
           </a:p>
         </p:txBody>
       </p:sp>
     </p:spTree>
     <p:extLst>
       <p:ext uri="{BB962C8B-B14F-4D97-AF65-F5344CB8AC3E}">
-        <p14:creationId xmlns:p14="http://schemas.microsoft.com/office/powerpoint/2010/main" val="1495783257"/>
+        <p14:creationId xmlns:p14="http://schemas.microsoft.com/office/powerpoint/2010/main" val="4170334686"/>
       </p:ext>
     </p:extLst>
   </p:cSld>
@@ -4441,205 +4049,12 @@
           <a:chExt cx="0" cy="0"/>
         </a:xfrm>
       </p:grpSpPr>
-      <p:sp>
-        <p:nvSpPr>
-          <p:cNvPr id="3" name="ZoneTexte 2">
-            <a:extLst>
-              <a:ext uri="{FF2B5EF4-FFF2-40B4-BE49-F238E27FC236}">
-                <a16:creationId xmlns:a16="http://schemas.microsoft.com/office/drawing/2014/main" id="{0297286C-0F92-6A93-E325-CE426B4FA2DC}"/>
-              </a:ext>
-            </a:extLst>
-          </p:cNvPr>
-          <p:cNvSpPr txBox="1"/>
-          <p:nvPr/>
-        </p:nvSpPr>
-        <p:spPr>
-          <a:xfrm>
-            <a:off x="1848465" y="512575"/>
-            <a:ext cx="6096000" cy="369332"/>
-          </a:xfrm>
-          <a:prstGeom prst="rect">
-            <a:avLst/>
-          </a:prstGeom>
-          <a:noFill/>
-        </p:spPr>
-        <p:txBody>
-          <a:bodyPr wrap="square">
-            <a:spAutoFit/>
-          </a:bodyPr>
-          <a:lstStyle/>
-          <a:p>
-            <a:r>
-              <a:rPr lang="fr-FR" dirty="0">
-                <a:highlight>
-                  <a:srgbClr val="FFFF00"/>
-                </a:highlight>
-              </a:rPr>
-              <a:t>Dev </a:t>
-            </a:r>
-            <a:r>
-              <a:rPr lang="fr-FR" dirty="0" err="1">
-                <a:highlight>
-                  <a:srgbClr val="FFFF00"/>
-                </a:highlight>
-              </a:rPr>
-              <a:t>dependencies</a:t>
-            </a:r>
-            <a:r>
-              <a:rPr lang="fr-FR" dirty="0">
-                <a:highlight>
-                  <a:srgbClr val="FFFF00"/>
-                </a:highlight>
-              </a:rPr>
-              <a:t> vs production </a:t>
-            </a:r>
-            <a:r>
-              <a:rPr lang="fr-FR" dirty="0" err="1">
-                <a:highlight>
-                  <a:srgbClr val="FFFF00"/>
-                </a:highlight>
-              </a:rPr>
-              <a:t>dependencies</a:t>
-            </a:r>
-            <a:endParaRPr lang="fr-FR" dirty="0">
-              <a:highlight>
-                <a:srgbClr val="FFFF00"/>
-              </a:highlight>
-            </a:endParaRPr>
-          </a:p>
-        </p:txBody>
-      </p:sp>
-      <p:sp>
-        <p:nvSpPr>
-          <p:cNvPr id="19" name="ZoneTexte 18">
-            <a:extLst>
-              <a:ext uri="{FF2B5EF4-FFF2-40B4-BE49-F238E27FC236}">
-                <a16:creationId xmlns:a16="http://schemas.microsoft.com/office/drawing/2014/main" id="{B3BF7D86-4053-C382-FF57-72EA75E65C1B}"/>
-              </a:ext>
-            </a:extLst>
-          </p:cNvPr>
-          <p:cNvSpPr txBox="1"/>
-          <p:nvPr/>
-        </p:nvSpPr>
-        <p:spPr>
-          <a:xfrm>
-            <a:off x="1120876" y="5840234"/>
-            <a:ext cx="8190270" cy="369332"/>
-          </a:xfrm>
-          <a:prstGeom prst="rect">
-            <a:avLst/>
-          </a:prstGeom>
-          <a:noFill/>
-        </p:spPr>
-        <p:txBody>
-          <a:bodyPr wrap="square">
-            <a:spAutoFit/>
-          </a:bodyPr>
-          <a:lstStyle/>
-          <a:p>
-            <a:r>
-              <a:rPr lang="fr-FR" dirty="0">
-                <a:sym typeface="Wingdings" panose="05000000000000000000" pitchFamily="2" charset="2"/>
-              </a:rPr>
-              <a:t> </a:t>
-            </a:r>
-            <a:r>
-              <a:rPr lang="fr-FR" dirty="0" err="1">
-                <a:sym typeface="Wingdings" panose="05000000000000000000" pitchFamily="2" charset="2"/>
-              </a:rPr>
-              <a:t>préco</a:t>
-            </a:r>
-            <a:r>
-              <a:rPr lang="fr-FR" dirty="0">
-                <a:sym typeface="Wingdings" panose="05000000000000000000" pitchFamily="2" charset="2"/>
-              </a:rPr>
-              <a:t>, séparer et faire les deux (?)</a:t>
-            </a:r>
-            <a:endParaRPr lang="fr-FR" dirty="0"/>
-          </a:p>
-        </p:txBody>
-      </p:sp>
-      <p:sp>
-        <p:nvSpPr>
-          <p:cNvPr id="6" name="ZoneTexte 5">
-            <a:extLst>
-              <a:ext uri="{FF2B5EF4-FFF2-40B4-BE49-F238E27FC236}">
-                <a16:creationId xmlns:a16="http://schemas.microsoft.com/office/drawing/2014/main" id="{8EFB6E95-C4DB-CC81-5DEF-7883A76B1420}"/>
-              </a:ext>
-            </a:extLst>
-          </p:cNvPr>
-          <p:cNvSpPr txBox="1"/>
-          <p:nvPr/>
-        </p:nvSpPr>
-        <p:spPr>
-          <a:xfrm>
-            <a:off x="1120877" y="1624469"/>
-            <a:ext cx="6096000" cy="369332"/>
-          </a:xfrm>
-          <a:prstGeom prst="rect">
-            <a:avLst/>
-          </a:prstGeom>
-          <a:noFill/>
-        </p:spPr>
-        <p:txBody>
-          <a:bodyPr wrap="square">
-            <a:spAutoFit/>
-          </a:bodyPr>
-          <a:lstStyle/>
-          <a:p>
-            <a:r>
-              <a:rPr lang="fr-FR" dirty="0"/>
-              <a:t>https://github.com/CycloneDX/cdxgen</a:t>
-            </a:r>
-          </a:p>
-        </p:txBody>
-      </p:sp>
-      <p:sp>
-        <p:nvSpPr>
-          <p:cNvPr id="8" name="ZoneTexte 7">
-            <a:extLst>
-              <a:ext uri="{FF2B5EF4-FFF2-40B4-BE49-F238E27FC236}">
-                <a16:creationId xmlns:a16="http://schemas.microsoft.com/office/drawing/2014/main" id="{A3E71C09-0495-7C35-4E57-7312D84E80A3}"/>
-              </a:ext>
-            </a:extLst>
-          </p:cNvPr>
-          <p:cNvSpPr txBox="1"/>
-          <p:nvPr/>
-        </p:nvSpPr>
-        <p:spPr>
-          <a:xfrm>
-            <a:off x="1120876" y="2367031"/>
-            <a:ext cx="9379975" cy="830997"/>
-          </a:xfrm>
-          <a:prstGeom prst="rect">
-            <a:avLst/>
-          </a:prstGeom>
-          <a:noFill/>
-        </p:spPr>
-        <p:txBody>
-          <a:bodyPr wrap="square">
-            <a:spAutoFit/>
-          </a:bodyPr>
-          <a:lstStyle/>
-          <a:p>
-            <a:r>
-              <a:rPr lang="en-US" dirty="0"/>
-              <a:t>With the argument --required-only, you can limit the SBOM only to include packages with the scope "required", commonly called production or non-dev dependencies. </a:t>
-            </a:r>
-            <a:r>
-              <a:rPr lang="en-US" sz="1200" dirty="0"/>
-              <a:t>(Combine with --no-babel to limit this list to only non-dev dependencies based on the dev attribute being false in the lock files.)</a:t>
-            </a:r>
-            <a:endParaRPr lang="fr-FR" sz="1200" dirty="0"/>
-          </a:p>
-        </p:txBody>
-      </p:sp>
       <p:pic>
         <p:nvPicPr>
-          <p:cNvPr id="4" name="Image 3">
-            <a:extLst>
-              <a:ext uri="{FF2B5EF4-FFF2-40B4-BE49-F238E27FC236}">
-                <a16:creationId xmlns:a16="http://schemas.microsoft.com/office/drawing/2014/main" id="{C9B6CAE9-ABCE-236F-EB96-460B8D1DBB67}"/>
+          <p:cNvPr id="3" name="Image 2">
+            <a:extLst>
+              <a:ext uri="{FF2B5EF4-FFF2-40B4-BE49-F238E27FC236}">
+                <a16:creationId xmlns:a16="http://schemas.microsoft.com/office/drawing/2014/main" id="{660B18C7-E99F-DD32-BBA9-2B1843F444B1}"/>
               </a:ext>
             </a:extLst>
           </p:cNvPr>
@@ -4649,15 +4064,15 @@
           <p:nvPr/>
         </p:nvPicPr>
         <p:blipFill>
-          <a:blip r:embed="rId3"/>
+          <a:blip r:embed="rId2"/>
           <a:stretch>
             <a:fillRect/>
           </a:stretch>
         </p:blipFill>
         <p:spPr>
           <a:xfrm>
-            <a:off x="1120876" y="3659973"/>
-            <a:ext cx="5281118" cy="1272650"/>
+            <a:off x="1797893" y="2649953"/>
+            <a:ext cx="8055038" cy="3772227"/>
           </a:xfrm>
           <a:prstGeom prst="rect">
             <a:avLst/>
@@ -4666,54 +4081,10 @@
       </p:pic>
       <p:sp>
         <p:nvSpPr>
-          <p:cNvPr id="5" name="Accolade fermante 4">
-            <a:extLst>
-              <a:ext uri="{FF2B5EF4-FFF2-40B4-BE49-F238E27FC236}">
-                <a16:creationId xmlns:a16="http://schemas.microsoft.com/office/drawing/2014/main" id="{8ABF1BA2-22EF-518E-676F-82DF10482AD7}"/>
-              </a:ext>
-            </a:extLst>
-          </p:cNvPr>
-          <p:cNvSpPr/>
-          <p:nvPr/>
-        </p:nvSpPr>
-        <p:spPr>
-          <a:xfrm>
-            <a:off x="6829105" y="3591837"/>
-            <a:ext cx="403123" cy="1353833"/>
-          </a:xfrm>
-          <a:prstGeom prst="rightBrace">
-            <a:avLst/>
-          </a:prstGeom>
-        </p:spPr>
-        <p:style>
-          <a:lnRef idx="2">
-            <a:schemeClr val="accent1"/>
-          </a:lnRef>
-          <a:fillRef idx="0">
-            <a:schemeClr val="accent1"/>
-          </a:fillRef>
-          <a:effectRef idx="1">
-            <a:schemeClr val="accent1"/>
-          </a:effectRef>
-          <a:fontRef idx="minor">
-            <a:schemeClr val="tx1"/>
-          </a:fontRef>
-        </p:style>
-        <p:txBody>
-          <a:bodyPr rtlCol="0" anchor="ctr"/>
-          <a:lstStyle/>
-          <a:p>
-            <a:pPr algn="ctr"/>
-            <a:endParaRPr lang="fr-FR"/>
-          </a:p>
-        </p:txBody>
-      </p:sp>
-      <p:sp>
-        <p:nvSpPr>
-          <p:cNvPr id="7" name="ZoneTexte 6">
-            <a:extLst>
-              <a:ext uri="{FF2B5EF4-FFF2-40B4-BE49-F238E27FC236}">
-                <a16:creationId xmlns:a16="http://schemas.microsoft.com/office/drawing/2014/main" id="{6B30B2D9-D2C2-8BC8-E4B6-4296973072B7}"/>
+          <p:cNvPr id="4" name="ZoneTexte 3">
+            <a:extLst>
+              <a:ext uri="{FF2B5EF4-FFF2-40B4-BE49-F238E27FC236}">
+                <a16:creationId xmlns:a16="http://schemas.microsoft.com/office/drawing/2014/main" id="{6E8E8F98-3728-1FA7-5D2B-089ACD48642B}"/>
               </a:ext>
             </a:extLst>
           </p:cNvPr>
@@ -4722,8 +4093,8 @@
         </p:nvSpPr>
         <p:spPr>
           <a:xfrm>
-            <a:off x="7591104" y="4084087"/>
-            <a:ext cx="2448234" cy="369332"/>
+            <a:off x="1098679" y="435820"/>
+            <a:ext cx="9342275" cy="1754326"/>
           </a:xfrm>
           <a:prstGeom prst="rect">
             <a:avLst/>
@@ -4737,13 +4108,36 @@
           <a:lstStyle/>
           <a:p>
             <a:r>
-              <a:rPr lang="fr-FR" dirty="0"/>
-              <a:t>100% </a:t>
-            </a:r>
-            <a:r>
-              <a:rPr lang="fr-FR" dirty="0" err="1"/>
-              <a:t>present</a:t>
-            </a:r>
+              <a:rPr lang="en-US" dirty="0"/>
+              <a:t>Dependency-Track does not store raw SBOMs.</a:t>
+            </a:r>
+          </a:p>
+          <a:p>
+            <a:r>
+              <a:rPr lang="en-US" dirty="0"/>
+              <a:t>“Audit requirements – this is when we need to “go back in time” and request SBOM for a specific older version of our project capturing older states. This may happen for any reason, in example, </a:t>
+            </a:r>
+            <a:r>
+              <a:rPr lang="en-US" dirty="0">
+                <a:hlinkClick r:id="rId3"/>
+              </a:rPr>
+              <a:t>European CRA</a:t>
+            </a:r>
+            <a:r>
+              <a:rPr lang="en-US" dirty="0"/>
+              <a:t> is going to make this a legal requirement.”</a:t>
+            </a:r>
+          </a:p>
+          <a:p>
+            <a:r>
+              <a:rPr lang="fr-FR" dirty="0">
+                <a:hlinkClick r:id="rId4"/>
+              </a:rPr>
+              <a:t>https://worklifenotes.com/2025/01/14/why-a-single-sbom-is-never-enough/</a:t>
+            </a:r>
+            <a:endParaRPr lang="en-US" dirty="0"/>
+          </a:p>
+          <a:p>
             <a:endParaRPr lang="fr-FR" dirty="0"/>
           </a:p>
         </p:txBody>
@@ -4751,7 +4145,7 @@
     </p:spTree>
     <p:extLst>
       <p:ext uri="{BB962C8B-B14F-4D97-AF65-F5344CB8AC3E}">
-        <p14:creationId xmlns:p14="http://schemas.microsoft.com/office/powerpoint/2010/main" val="3901385023"/>
+        <p14:creationId xmlns:p14="http://schemas.microsoft.com/office/powerpoint/2010/main" val="3213758159"/>
       </p:ext>
     </p:extLst>
   </p:cSld>
@@ -4780,10 +4174,10 @@
       </p:grpSpPr>
       <p:sp>
         <p:nvSpPr>
-          <p:cNvPr id="3" name="ZoneTexte 2">
-            <a:extLst>
-              <a:ext uri="{FF2B5EF4-FFF2-40B4-BE49-F238E27FC236}">
-                <a16:creationId xmlns:a16="http://schemas.microsoft.com/office/drawing/2014/main" id="{4E1F8F2E-6062-BB93-AA91-F0DFB3EFD17E}"/>
+          <p:cNvPr id="5" name="ZoneTexte 4">
+            <a:extLst>
+              <a:ext uri="{FF2B5EF4-FFF2-40B4-BE49-F238E27FC236}">
+                <a16:creationId xmlns:a16="http://schemas.microsoft.com/office/drawing/2014/main" id="{E96A7969-8ED7-E84B-6D5B-ABFAA0C884EF}"/>
               </a:ext>
             </a:extLst>
           </p:cNvPr>
@@ -4792,8 +4186,8 @@
         </p:nvSpPr>
         <p:spPr>
           <a:xfrm>
-            <a:off x="2218354" y="1305341"/>
-            <a:ext cx="6097554" cy="4247317"/>
+            <a:off x="1199182" y="1746129"/>
+            <a:ext cx="1346907" cy="369332"/>
           </a:xfrm>
           <a:prstGeom prst="rect">
             <a:avLst/>
@@ -4801,46 +4195,500 @@
           <a:noFill/>
         </p:spPr>
         <p:txBody>
-          <a:bodyPr wrap="square">
+          <a:bodyPr wrap="none" rtlCol="0">
             <a:spAutoFit/>
           </a:bodyPr>
           <a:lstStyle/>
           <a:p>
             <a:r>
-              <a:rPr lang="en-US" dirty="0"/>
-              <a:t>Another observation I made in practice – when using common tools, you are frequently not getting the same result when generating an SBOM from the source code vs generating it from a container image built on top of the source code.</a:t>
-            </a:r>
-          </a:p>
-          <a:p>
-            <a:endParaRPr lang="en-US" dirty="0"/>
-          </a:p>
-          <a:p>
-            <a:r>
-              <a:rPr lang="en-US" dirty="0"/>
-              <a:t>So a practical choice would be to build a bill of materials from the source code and another one from container. It is further possible to split the source code SBOM into several parts – for example, one including test dependencies and the one without those. </a:t>
-            </a:r>
-          </a:p>
-          <a:p>
-            <a:endParaRPr lang="en-US" dirty="0"/>
-          </a:p>
-          <a:p>
-            <a:r>
-              <a:rPr lang="fr-FR" dirty="0">
-                <a:hlinkClick r:id="rId2"/>
-              </a:rPr>
-              <a:t>https://worklifenotes.com/2025/01/14/why-a-single-sbom-is-never-enough/</a:t>
-            </a:r>
-            <a:endParaRPr lang="en-US" dirty="0"/>
-          </a:p>
-          <a:p>
+              <a:rPr lang="fr-FR" dirty="0"/>
+              <a:t>GitLab.com</a:t>
+            </a:r>
+          </a:p>
+        </p:txBody>
+      </p:sp>
+      <p:sp>
+        <p:nvSpPr>
+          <p:cNvPr id="6" name="ZoneTexte 5">
+            <a:extLst>
+              <a:ext uri="{FF2B5EF4-FFF2-40B4-BE49-F238E27FC236}">
+                <a16:creationId xmlns:a16="http://schemas.microsoft.com/office/drawing/2014/main" id="{8849C785-B586-8BEE-413E-901C3A071AEB}"/>
+              </a:ext>
+            </a:extLst>
+          </p:cNvPr>
+          <p:cNvSpPr txBox="1"/>
+          <p:nvPr/>
+        </p:nvSpPr>
+        <p:spPr>
+          <a:xfrm>
+            <a:off x="3909805" y="3429000"/>
+            <a:ext cx="2638479" cy="646331"/>
+          </a:xfrm>
+          <a:prstGeom prst="rect">
+            <a:avLst/>
+          </a:prstGeom>
+          <a:noFill/>
+        </p:spPr>
+        <p:txBody>
+          <a:bodyPr wrap="none" rtlCol="0">
+            <a:spAutoFit/>
+          </a:bodyPr>
+          <a:lstStyle/>
+          <a:p>
+            <a:r>
+              <a:rPr lang="fr-FR" dirty="0" err="1"/>
+              <a:t>cdxgen</a:t>
+            </a:r>
+            <a:r>
+              <a:rPr lang="fr-FR" dirty="0"/>
+              <a:t> </a:t>
+            </a:r>
+            <a:r>
+              <a:rPr lang="fr-FR" strike="sngStrike" dirty="0"/>
+              <a:t>server</a:t>
+            </a:r>
+          </a:p>
+          <a:p>
+            <a:r>
+              <a:rPr lang="fr-FR" strike="sngStrike" dirty="0" err="1"/>
+              <a:t>Listens</a:t>
+            </a:r>
+            <a:r>
+              <a:rPr lang="fr-FR" strike="sngStrike" dirty="0"/>
+              <a:t> on localhost </a:t>
+            </a:r>
+            <a:r>
+              <a:rPr lang="fr-FR" strike="sngStrike" dirty="0" err="1"/>
+              <a:t>only</a:t>
+            </a:r>
+            <a:endParaRPr lang="fr-FR" strike="sngStrike" dirty="0"/>
+          </a:p>
+        </p:txBody>
+      </p:sp>
+      <p:sp>
+        <p:nvSpPr>
+          <p:cNvPr id="7" name="ZoneTexte 6">
+            <a:extLst>
+              <a:ext uri="{FF2B5EF4-FFF2-40B4-BE49-F238E27FC236}">
+                <a16:creationId xmlns:a16="http://schemas.microsoft.com/office/drawing/2014/main" id="{383A96C4-163D-8B8C-B562-937B2BFF7322}"/>
+              </a:ext>
+            </a:extLst>
+          </p:cNvPr>
+          <p:cNvSpPr txBox="1"/>
+          <p:nvPr/>
+        </p:nvSpPr>
+        <p:spPr>
+          <a:xfrm>
+            <a:off x="8538717" y="1746129"/>
+            <a:ext cx="1996637" cy="369332"/>
+          </a:xfrm>
+          <a:prstGeom prst="rect">
+            <a:avLst/>
+          </a:prstGeom>
+          <a:noFill/>
+        </p:spPr>
+        <p:txBody>
+          <a:bodyPr wrap="none" rtlCol="0">
+            <a:spAutoFit/>
+          </a:bodyPr>
+          <a:lstStyle/>
+          <a:p>
+            <a:r>
+              <a:rPr lang="fr-FR" dirty="0" err="1"/>
+              <a:t>Dependency</a:t>
+            </a:r>
+            <a:r>
+              <a:rPr lang="fr-FR" dirty="0"/>
+              <a:t> </a:t>
+            </a:r>
+            <a:r>
+              <a:rPr lang="fr-FR" dirty="0" err="1"/>
+              <a:t>track</a:t>
+            </a:r>
             <a:endParaRPr lang="fr-FR" dirty="0"/>
+          </a:p>
+        </p:txBody>
+      </p:sp>
+      <p:sp>
+        <p:nvSpPr>
+          <p:cNvPr id="9" name="ZoneTexte 8">
+            <a:extLst>
+              <a:ext uri="{FF2B5EF4-FFF2-40B4-BE49-F238E27FC236}">
+                <a16:creationId xmlns:a16="http://schemas.microsoft.com/office/drawing/2014/main" id="{C7CB557F-1586-909E-AF96-5C75DA8A5591}"/>
+              </a:ext>
+            </a:extLst>
+          </p:cNvPr>
+          <p:cNvSpPr txBox="1"/>
+          <p:nvPr/>
+        </p:nvSpPr>
+        <p:spPr>
+          <a:xfrm>
+            <a:off x="4481039" y="1746129"/>
+            <a:ext cx="1494320" cy="369332"/>
+          </a:xfrm>
+          <a:prstGeom prst="rect">
+            <a:avLst/>
+          </a:prstGeom>
+          <a:noFill/>
+        </p:spPr>
+        <p:txBody>
+          <a:bodyPr wrap="none" rtlCol="0">
+            <a:spAutoFit/>
+          </a:bodyPr>
+          <a:lstStyle/>
+          <a:p>
+            <a:r>
+              <a:rPr lang="fr-FR" dirty="0" err="1"/>
+              <a:t>Gitlab</a:t>
+            </a:r>
+            <a:r>
+              <a:rPr lang="fr-FR" dirty="0"/>
+              <a:t> </a:t>
+            </a:r>
+            <a:r>
+              <a:rPr lang="fr-FR" dirty="0" err="1"/>
+              <a:t>runner</a:t>
+            </a:r>
+            <a:endParaRPr lang="fr-FR" dirty="0"/>
+          </a:p>
+        </p:txBody>
+      </p:sp>
+      <p:cxnSp>
+        <p:nvCxnSpPr>
+          <p:cNvPr id="11" name="Connecteur droit avec flèche 10">
+            <a:extLst>
+              <a:ext uri="{FF2B5EF4-FFF2-40B4-BE49-F238E27FC236}">
+                <a16:creationId xmlns:a16="http://schemas.microsoft.com/office/drawing/2014/main" id="{E83A9019-04D0-5895-884F-181A035311AD}"/>
+              </a:ext>
+            </a:extLst>
+          </p:cNvPr>
+          <p:cNvCxnSpPr>
+            <a:cxnSpLocks/>
+            <a:stCxn id="9" idx="1"/>
+            <a:endCxn id="5" idx="3"/>
+          </p:cNvCxnSpPr>
+          <p:nvPr/>
+        </p:nvCxnSpPr>
+        <p:spPr>
+          <a:xfrm flipH="1">
+            <a:off x="2546089" y="1930795"/>
+            <a:ext cx="1934950" cy="0"/>
+          </a:xfrm>
+          <a:prstGeom prst="straightConnector1">
+            <a:avLst/>
+          </a:prstGeom>
+          <a:ln>
+            <a:tailEnd type="triangle"/>
+          </a:ln>
+        </p:spPr>
+        <p:style>
+          <a:lnRef idx="2">
+            <a:schemeClr val="accent1"/>
+          </a:lnRef>
+          <a:fillRef idx="0">
+            <a:schemeClr val="accent1"/>
+          </a:fillRef>
+          <a:effectRef idx="1">
+            <a:schemeClr val="accent1"/>
+          </a:effectRef>
+          <a:fontRef idx="minor">
+            <a:schemeClr val="tx1"/>
+          </a:fontRef>
+        </p:style>
+      </p:cxnSp>
+      <p:cxnSp>
+        <p:nvCxnSpPr>
+          <p:cNvPr id="17" name="Connecteur droit avec flèche 16">
+            <a:extLst>
+              <a:ext uri="{FF2B5EF4-FFF2-40B4-BE49-F238E27FC236}">
+                <a16:creationId xmlns:a16="http://schemas.microsoft.com/office/drawing/2014/main" id="{CE9CEE6F-5099-3E02-31F1-D42079ECAC87}"/>
+              </a:ext>
+            </a:extLst>
+          </p:cNvPr>
+          <p:cNvCxnSpPr>
+            <a:cxnSpLocks/>
+            <a:stCxn id="9" idx="3"/>
+            <a:endCxn id="7" idx="1"/>
+          </p:cNvCxnSpPr>
+          <p:nvPr/>
+        </p:nvCxnSpPr>
+        <p:spPr>
+          <a:xfrm>
+            <a:off x="5975359" y="1930795"/>
+            <a:ext cx="2563358" cy="0"/>
+          </a:xfrm>
+          <a:prstGeom prst="straightConnector1">
+            <a:avLst/>
+          </a:prstGeom>
+          <a:ln>
+            <a:tailEnd type="triangle"/>
+          </a:ln>
+        </p:spPr>
+        <p:style>
+          <a:lnRef idx="2">
+            <a:schemeClr val="accent1"/>
+          </a:lnRef>
+          <a:fillRef idx="0">
+            <a:schemeClr val="accent1"/>
+          </a:fillRef>
+          <a:effectRef idx="1">
+            <a:schemeClr val="accent1"/>
+          </a:effectRef>
+          <a:fontRef idx="minor">
+            <a:schemeClr val="tx1"/>
+          </a:fontRef>
+        </p:style>
+      </p:cxnSp>
+      <p:cxnSp>
+        <p:nvCxnSpPr>
+          <p:cNvPr id="19" name="Connecteur droit avec flèche 18">
+            <a:extLst>
+              <a:ext uri="{FF2B5EF4-FFF2-40B4-BE49-F238E27FC236}">
+                <a16:creationId xmlns:a16="http://schemas.microsoft.com/office/drawing/2014/main" id="{03CA1387-50CF-AF97-F053-1C97EB551336}"/>
+              </a:ext>
+            </a:extLst>
+          </p:cNvPr>
+          <p:cNvCxnSpPr>
+            <a:cxnSpLocks/>
+            <a:stCxn id="9" idx="2"/>
+            <a:endCxn id="6" idx="0"/>
+          </p:cNvCxnSpPr>
+          <p:nvPr/>
+        </p:nvCxnSpPr>
+        <p:spPr>
+          <a:xfrm>
+            <a:off x="5228199" y="2115461"/>
+            <a:ext cx="846" cy="1313539"/>
+          </a:xfrm>
+          <a:prstGeom prst="straightConnector1">
+            <a:avLst/>
+          </a:prstGeom>
+          <a:ln>
+            <a:tailEnd type="triangle"/>
+          </a:ln>
+        </p:spPr>
+        <p:style>
+          <a:lnRef idx="2">
+            <a:schemeClr val="accent1"/>
+          </a:lnRef>
+          <a:fillRef idx="0">
+            <a:schemeClr val="accent1"/>
+          </a:fillRef>
+          <a:effectRef idx="1">
+            <a:schemeClr val="accent1"/>
+          </a:effectRef>
+          <a:fontRef idx="minor">
+            <a:schemeClr val="tx1"/>
+          </a:fontRef>
+        </p:style>
+      </p:cxnSp>
+      <p:sp>
+        <p:nvSpPr>
+          <p:cNvPr id="22" name="ZoneTexte 21">
+            <a:extLst>
+              <a:ext uri="{FF2B5EF4-FFF2-40B4-BE49-F238E27FC236}">
+                <a16:creationId xmlns:a16="http://schemas.microsoft.com/office/drawing/2014/main" id="{B608BD25-14A0-CAF0-BA1B-3AACAB8A8864}"/>
+              </a:ext>
+            </a:extLst>
+          </p:cNvPr>
+          <p:cNvSpPr txBox="1"/>
+          <p:nvPr/>
+        </p:nvSpPr>
+        <p:spPr>
+          <a:xfrm>
+            <a:off x="5391345" y="2589104"/>
+            <a:ext cx="308098" cy="369332"/>
+          </a:xfrm>
+          <a:prstGeom prst="rect">
+            <a:avLst/>
+          </a:prstGeom>
+          <a:noFill/>
+        </p:spPr>
+        <p:txBody>
+          <a:bodyPr wrap="none" rtlCol="0">
+            <a:spAutoFit/>
+          </a:bodyPr>
+          <a:lstStyle/>
+          <a:p>
+            <a:r>
+              <a:rPr lang="fr-FR" dirty="0"/>
+              <a:t>1</a:t>
+            </a:r>
+          </a:p>
+        </p:txBody>
+      </p:sp>
+      <p:sp>
+        <p:nvSpPr>
+          <p:cNvPr id="23" name="ZoneTexte 22">
+            <a:extLst>
+              <a:ext uri="{FF2B5EF4-FFF2-40B4-BE49-F238E27FC236}">
+                <a16:creationId xmlns:a16="http://schemas.microsoft.com/office/drawing/2014/main" id="{A077DC13-C75A-A0B4-3DE2-7562A4938CD2}"/>
+              </a:ext>
+            </a:extLst>
+          </p:cNvPr>
+          <p:cNvSpPr txBox="1"/>
+          <p:nvPr/>
+        </p:nvSpPr>
+        <p:spPr>
+          <a:xfrm>
+            <a:off x="7114696" y="2115461"/>
+            <a:ext cx="308098" cy="369332"/>
+          </a:xfrm>
+          <a:prstGeom prst="rect">
+            <a:avLst/>
+          </a:prstGeom>
+          <a:noFill/>
+        </p:spPr>
+        <p:txBody>
+          <a:bodyPr wrap="square" rtlCol="0">
+            <a:spAutoFit/>
+          </a:bodyPr>
+          <a:lstStyle/>
+          <a:p>
+            <a:r>
+              <a:rPr lang="fr-FR" dirty="0"/>
+              <a:t>2</a:t>
+            </a:r>
+          </a:p>
+        </p:txBody>
+      </p:sp>
+      <p:sp>
+        <p:nvSpPr>
+          <p:cNvPr id="30" name="ZoneTexte 29">
+            <a:extLst>
+              <a:ext uri="{FF2B5EF4-FFF2-40B4-BE49-F238E27FC236}">
+                <a16:creationId xmlns:a16="http://schemas.microsoft.com/office/drawing/2014/main" id="{8D458BBA-D2DC-D8CE-CAA6-133001DFE478}"/>
+              </a:ext>
+            </a:extLst>
+          </p:cNvPr>
+          <p:cNvSpPr txBox="1"/>
+          <p:nvPr/>
+        </p:nvSpPr>
+        <p:spPr>
+          <a:xfrm>
+            <a:off x="6519426" y="1537675"/>
+            <a:ext cx="1546129" cy="369332"/>
+          </a:xfrm>
+          <a:prstGeom prst="rect">
+            <a:avLst/>
+          </a:prstGeom>
+          <a:noFill/>
+        </p:spPr>
+        <p:txBody>
+          <a:bodyPr wrap="none" rtlCol="0">
+            <a:spAutoFit/>
+          </a:bodyPr>
+          <a:lstStyle/>
+          <a:p>
+            <a:r>
+              <a:rPr lang="fr-FR" i="1" dirty="0" err="1"/>
+              <a:t>curl</a:t>
+            </a:r>
+            <a:r>
+              <a:rPr lang="fr-FR" i="1" dirty="0"/>
+              <a:t> localhost</a:t>
+            </a:r>
+          </a:p>
+        </p:txBody>
+      </p:sp>
+      <p:sp>
+        <p:nvSpPr>
+          <p:cNvPr id="31" name="Rectangle 30">
+            <a:extLst>
+              <a:ext uri="{FF2B5EF4-FFF2-40B4-BE49-F238E27FC236}">
+                <a16:creationId xmlns:a16="http://schemas.microsoft.com/office/drawing/2014/main" id="{AA1B25AC-8A00-2FC3-E344-9D77D069BD24}"/>
+              </a:ext>
+            </a:extLst>
+          </p:cNvPr>
+          <p:cNvSpPr/>
+          <p:nvPr/>
+        </p:nvSpPr>
+        <p:spPr>
+          <a:xfrm>
+            <a:off x="3729322" y="1288026"/>
+            <a:ext cx="7046835" cy="2995759"/>
+          </a:xfrm>
+          <a:prstGeom prst="rect">
+            <a:avLst/>
+          </a:prstGeom>
+          <a:noFill/>
+        </p:spPr>
+        <p:style>
+          <a:lnRef idx="2">
+            <a:schemeClr val="accent1">
+              <a:shade val="15000"/>
+            </a:schemeClr>
+          </a:lnRef>
+          <a:fillRef idx="1">
+            <a:schemeClr val="accent1"/>
+          </a:fillRef>
+          <a:effectRef idx="0">
+            <a:schemeClr val="accent1"/>
+          </a:effectRef>
+          <a:fontRef idx="minor">
+            <a:schemeClr val="lt1"/>
+          </a:fontRef>
+        </p:style>
+        <p:txBody>
+          <a:bodyPr rtlCol="0" anchor="ctr"/>
+          <a:lstStyle/>
+          <a:p>
+            <a:pPr algn="ctr"/>
+            <a:endParaRPr lang="fr-FR"/>
+          </a:p>
+        </p:txBody>
+      </p:sp>
+      <p:sp>
+        <p:nvSpPr>
+          <p:cNvPr id="10" name="Nuage 9">
+            <a:extLst>
+              <a:ext uri="{FF2B5EF4-FFF2-40B4-BE49-F238E27FC236}">
+                <a16:creationId xmlns:a16="http://schemas.microsoft.com/office/drawing/2014/main" id="{95C6DCEF-69C0-2D5A-B4AF-36EA8F503950}"/>
+              </a:ext>
+            </a:extLst>
+          </p:cNvPr>
+          <p:cNvSpPr/>
+          <p:nvPr/>
+        </p:nvSpPr>
+        <p:spPr>
+          <a:xfrm>
+            <a:off x="-2261418" y="-157316"/>
+            <a:ext cx="5446674" cy="5378245"/>
+          </a:xfrm>
+          <a:prstGeom prst="cloud">
+            <a:avLst/>
+          </a:prstGeom>
+          <a:noFill/>
+        </p:spPr>
+        <p:style>
+          <a:lnRef idx="2">
+            <a:schemeClr val="accent1">
+              <a:shade val="15000"/>
+            </a:schemeClr>
+          </a:lnRef>
+          <a:fillRef idx="1">
+            <a:schemeClr val="accent1"/>
+          </a:fillRef>
+          <a:effectRef idx="0">
+            <a:schemeClr val="accent1"/>
+          </a:effectRef>
+          <a:fontRef idx="minor">
+            <a:schemeClr val="lt1"/>
+          </a:fontRef>
+        </p:style>
+        <p:txBody>
+          <a:bodyPr rtlCol="0" anchor="ctr"/>
+          <a:lstStyle/>
+          <a:p>
+            <a:pPr algn="ctr"/>
+            <a:endParaRPr lang="fr-FR"/>
           </a:p>
         </p:txBody>
       </p:sp>
     </p:spTree>
     <p:extLst>
       <p:ext uri="{BB962C8B-B14F-4D97-AF65-F5344CB8AC3E}">
-        <p14:creationId xmlns:p14="http://schemas.microsoft.com/office/powerpoint/2010/main" val="1522654574"/>
+        <p14:creationId xmlns:p14="http://schemas.microsoft.com/office/powerpoint/2010/main" val="972507685"/>
       </p:ext>
     </p:extLst>
   </p:cSld>
@@ -4869,10 +4717,10 @@
       </p:grpSpPr>
       <p:sp>
         <p:nvSpPr>
-          <p:cNvPr id="2" name="ZoneTexte 1">
-            <a:extLst>
-              <a:ext uri="{FF2B5EF4-FFF2-40B4-BE49-F238E27FC236}">
-                <a16:creationId xmlns:a16="http://schemas.microsoft.com/office/drawing/2014/main" id="{1B4E4D6B-0658-6F40-8E41-935019B56265}"/>
+          <p:cNvPr id="3" name="ZoneTexte 2">
+            <a:extLst>
+              <a:ext uri="{FF2B5EF4-FFF2-40B4-BE49-F238E27FC236}">
+                <a16:creationId xmlns:a16="http://schemas.microsoft.com/office/drawing/2014/main" id="{0297286C-0F92-6A93-E325-CE426B4FA2DC}"/>
               </a:ext>
             </a:extLst>
           </p:cNvPr>
@@ -4881,8 +4729,8 @@
         </p:nvSpPr>
         <p:spPr>
           <a:xfrm>
-            <a:off x="1651820" y="1809136"/>
-            <a:ext cx="6096000" cy="369332"/>
+            <a:off x="1848465" y="1210667"/>
+            <a:ext cx="8405878" cy="369332"/>
           </a:xfrm>
           <a:prstGeom prst="rect">
             <a:avLst/>
@@ -4897,17 +4745,30 @@
           <a:p>
             <a:r>
               <a:rPr lang="fr-FR" dirty="0"/>
-              <a:t>! SBOM vs « formulation »</a:t>
-            </a:r>
-          </a:p>
-        </p:txBody>
-      </p:sp>
-      <p:sp>
-        <p:nvSpPr>
-          <p:cNvPr id="4" name="ZoneTexte 3">
-            <a:extLst>
-              <a:ext uri="{FF2B5EF4-FFF2-40B4-BE49-F238E27FC236}">
-                <a16:creationId xmlns:a16="http://schemas.microsoft.com/office/drawing/2014/main" id="{89AD204F-5B5B-4F7F-BA72-2899CE4ECFB8}"/>
+              <a:t>docker run -p 80:8080 docker.swagger.io/</a:t>
+            </a:r>
+            <a:r>
+              <a:rPr lang="fr-FR" dirty="0" err="1"/>
+              <a:t>swaggerapi</a:t>
+            </a:r>
+            <a:r>
+              <a:rPr lang="fr-FR" dirty="0"/>
+              <a:t>/</a:t>
+            </a:r>
+            <a:r>
+              <a:rPr lang="fr-FR" dirty="0" err="1"/>
+              <a:t>swagger-ui</a:t>
+            </a:r>
+            <a:endParaRPr lang="fr-FR" dirty="0"/>
+          </a:p>
+        </p:txBody>
+      </p:sp>
+      <p:sp>
+        <p:nvSpPr>
+          <p:cNvPr id="5" name="ZoneTexte 4">
+            <a:extLst>
+              <a:ext uri="{FF2B5EF4-FFF2-40B4-BE49-F238E27FC236}">
+                <a16:creationId xmlns:a16="http://schemas.microsoft.com/office/drawing/2014/main" id="{49235465-AB8C-2BCE-99FA-05B7471D98A9}"/>
               </a:ext>
             </a:extLst>
           </p:cNvPr>
@@ -4916,8 +4777,8 @@
         </p:nvSpPr>
         <p:spPr>
           <a:xfrm>
-            <a:off x="3048000" y="3108293"/>
-            <a:ext cx="6096000" cy="923330"/>
+            <a:off x="1966451" y="2155412"/>
+            <a:ext cx="6096000" cy="369332"/>
           </a:xfrm>
           <a:prstGeom prst="rect">
             <a:avLst/>
@@ -4931,45 +4792,156 @@
           <a:lstStyle/>
           <a:p>
             <a:r>
-              <a:rPr lang="en-US" b="1" dirty="0"/>
-              <a:t>Formulation (new to </a:t>
-            </a:r>
-            <a:r>
-              <a:rPr lang="en-US" b="1" dirty="0" err="1"/>
-              <a:t>CycloneDX</a:t>
-            </a:r>
-            <a:r>
-              <a:rPr lang="en-US" b="1" dirty="0"/>
-              <a:t> v1.5)</a:t>
-            </a:r>
-            <a:r>
-              <a:rPr lang="en-US" dirty="0"/>
-              <a:t>: Describes how something was deployed or manufactured</a:t>
-            </a:r>
-          </a:p>
-          <a:p>
-            <a:r>
-              <a:rPr lang="en-US" dirty="0"/>
-              <a:t>(</a:t>
-            </a:r>
-            <a:r>
-              <a:rPr lang="en-US" dirty="0">
-                <a:hlinkClick r:id="rId2"/>
-              </a:rPr>
-              <a:t>src</a:t>
-            </a:r>
-            <a:r>
-              <a:rPr lang="en-US" dirty="0"/>
-              <a:t>)</a:t>
-            </a:r>
-            <a:endParaRPr lang="fr-FR" dirty="0"/>
+              <a:rPr lang="fr-FR" dirty="0"/>
+              <a:t>http://localhost/</a:t>
+            </a:r>
+          </a:p>
+        </p:txBody>
+      </p:sp>
+      <p:sp>
+        <p:nvSpPr>
+          <p:cNvPr id="7" name="ZoneTexte 6">
+            <a:extLst>
+              <a:ext uri="{FF2B5EF4-FFF2-40B4-BE49-F238E27FC236}">
+                <a16:creationId xmlns:a16="http://schemas.microsoft.com/office/drawing/2014/main" id="{7F9BDB1D-231A-9C37-5615-DF13F7065327}"/>
+              </a:ext>
+            </a:extLst>
+          </p:cNvPr>
+          <p:cNvSpPr txBox="1"/>
+          <p:nvPr/>
+        </p:nvSpPr>
+        <p:spPr>
+          <a:xfrm>
+            <a:off x="1799304" y="2823158"/>
+            <a:ext cx="6096000" cy="369332"/>
+          </a:xfrm>
+          <a:prstGeom prst="rect">
+            <a:avLst/>
+          </a:prstGeom>
+          <a:noFill/>
+        </p:spPr>
+        <p:txBody>
+          <a:bodyPr wrap="square">
+            <a:spAutoFit/>
+          </a:bodyPr>
+          <a:lstStyle/>
+          <a:p>
+            <a:r>
+              <a:rPr lang="fr-FR" dirty="0"/>
+              <a:t>http://138.68.93.168:8080/api/openapi.json</a:t>
+            </a:r>
+          </a:p>
+        </p:txBody>
+      </p:sp>
+      <p:sp>
+        <p:nvSpPr>
+          <p:cNvPr id="2" name="ZoneTexte 1">
+            <a:extLst>
+              <a:ext uri="{FF2B5EF4-FFF2-40B4-BE49-F238E27FC236}">
+                <a16:creationId xmlns:a16="http://schemas.microsoft.com/office/drawing/2014/main" id="{43C9D213-72F0-F084-60C3-53F8E12D839F}"/>
+              </a:ext>
+            </a:extLst>
+          </p:cNvPr>
+          <p:cNvSpPr txBox="1"/>
+          <p:nvPr/>
+        </p:nvSpPr>
+        <p:spPr>
+          <a:xfrm>
+            <a:off x="1799304" y="727587"/>
+            <a:ext cx="6096000" cy="369332"/>
+          </a:xfrm>
+          <a:prstGeom prst="rect">
+            <a:avLst/>
+          </a:prstGeom>
+          <a:noFill/>
+        </p:spPr>
+        <p:txBody>
+          <a:bodyPr wrap="square">
+            <a:spAutoFit/>
+          </a:bodyPr>
+          <a:lstStyle/>
+          <a:p>
+            <a:r>
+              <a:rPr lang="fr-FR" dirty="0"/>
+              <a:t>API</a:t>
+            </a:r>
+          </a:p>
+        </p:txBody>
+      </p:sp>
+      <p:sp>
+        <p:nvSpPr>
+          <p:cNvPr id="6" name="ZoneTexte 5">
+            <a:extLst>
+              <a:ext uri="{FF2B5EF4-FFF2-40B4-BE49-F238E27FC236}">
+                <a16:creationId xmlns:a16="http://schemas.microsoft.com/office/drawing/2014/main" id="{877B1438-7E7B-C99C-8E8E-36BEAA992A0F}"/>
+              </a:ext>
+            </a:extLst>
+          </p:cNvPr>
+          <p:cNvSpPr txBox="1"/>
+          <p:nvPr/>
+        </p:nvSpPr>
+        <p:spPr>
+          <a:xfrm>
+            <a:off x="1848465" y="3789318"/>
+            <a:ext cx="8190270" cy="369332"/>
+          </a:xfrm>
+          <a:prstGeom prst="rect">
+            <a:avLst/>
+          </a:prstGeom>
+          <a:noFill/>
+        </p:spPr>
+        <p:txBody>
+          <a:bodyPr wrap="square">
+            <a:spAutoFit/>
+          </a:bodyPr>
+          <a:lstStyle/>
+          <a:p>
+            <a:r>
+              <a:rPr lang="fr-FR" dirty="0"/>
+              <a:t>Exemple : https://gitlab.com/sbom-demo/dependency-track-export</a:t>
+            </a:r>
+          </a:p>
+        </p:txBody>
+      </p:sp>
+      <p:sp>
+        <p:nvSpPr>
+          <p:cNvPr id="8" name="ZoneTexte 7">
+            <a:extLst>
+              <a:ext uri="{FF2B5EF4-FFF2-40B4-BE49-F238E27FC236}">
+                <a16:creationId xmlns:a16="http://schemas.microsoft.com/office/drawing/2014/main" id="{61A7900A-F4A7-60ED-8967-7EDC246E8E09}"/>
+              </a:ext>
+            </a:extLst>
+          </p:cNvPr>
+          <p:cNvSpPr txBox="1"/>
+          <p:nvPr/>
+        </p:nvSpPr>
+        <p:spPr>
+          <a:xfrm>
+            <a:off x="1848465" y="4755478"/>
+            <a:ext cx="6097554" cy="369332"/>
+          </a:xfrm>
+          <a:prstGeom prst="rect">
+            <a:avLst/>
+          </a:prstGeom>
+          <a:noFill/>
+        </p:spPr>
+        <p:txBody>
+          <a:bodyPr wrap="square">
+            <a:spAutoFit/>
+          </a:bodyPr>
+          <a:lstStyle/>
+          <a:p>
+            <a:r>
+              <a:rPr lang="fr-FR" dirty="0"/>
+              <a:t>https://docs.dependencytrack.org/integrations/rest-api/</a:t>
+            </a:r>
           </a:p>
         </p:txBody>
       </p:sp>
     </p:spTree>
     <p:extLst>
       <p:ext uri="{BB962C8B-B14F-4D97-AF65-F5344CB8AC3E}">
-        <p14:creationId xmlns:p14="http://schemas.microsoft.com/office/powerpoint/2010/main" val="2513760589"/>
+        <p14:creationId xmlns:p14="http://schemas.microsoft.com/office/powerpoint/2010/main" val="3623553007"/>
       </p:ext>
     </p:extLst>
   </p:cSld>
@@ -5001,7 +4973,7 @@
           <p:cNvPr id="3" name="ZoneTexte 2">
             <a:extLst>
               <a:ext uri="{FF2B5EF4-FFF2-40B4-BE49-F238E27FC236}">
-                <a16:creationId xmlns:a16="http://schemas.microsoft.com/office/drawing/2014/main" id="{8F9F9F5B-4118-3FAB-DEEE-D7AC3BAA829C}"/>
+                <a16:creationId xmlns:a16="http://schemas.microsoft.com/office/drawing/2014/main" id="{0297286C-0F92-6A93-E325-CE426B4FA2DC}"/>
               </a:ext>
             </a:extLst>
           </p:cNvPr>
@@ -5010,8 +4982,8 @@
         </p:nvSpPr>
         <p:spPr>
           <a:xfrm>
-            <a:off x="3048778" y="3244334"/>
-            <a:ext cx="6097554" cy="369332"/>
+            <a:off x="1848465" y="512575"/>
+            <a:ext cx="6096000" cy="369332"/>
           </a:xfrm>
           <a:prstGeom prst="rect">
             <a:avLst/>
@@ -5025,18 +4997,52 @@
           <a:lstStyle/>
           <a:p>
             <a:r>
-              <a:rPr lang="fr-FR" dirty="0"/>
-              <a:t>https://cyclonedx.org/capabilities/obom/</a:t>
-            </a:r>
-          </a:p>
-        </p:txBody>
-      </p:sp>
-      <p:sp>
-        <p:nvSpPr>
-          <p:cNvPr id="4" name="ZoneTexte 3">
-            <a:extLst>
-              <a:ext uri="{FF2B5EF4-FFF2-40B4-BE49-F238E27FC236}">
-                <a16:creationId xmlns:a16="http://schemas.microsoft.com/office/drawing/2014/main" id="{3E62F911-E238-625F-085F-76BC08F2CD79}"/>
+              <a:rPr lang="fr-FR" dirty="0">
+                <a:highlight>
+                  <a:srgbClr val="FFFF00"/>
+                </a:highlight>
+              </a:rPr>
+              <a:t>Scans de dépendances vs scans de conteneurs</a:t>
+            </a:r>
+          </a:p>
+        </p:txBody>
+      </p:sp>
+      <p:pic>
+        <p:nvPicPr>
+          <p:cNvPr id="4" name="Image 3">
+            <a:extLst>
+              <a:ext uri="{FF2B5EF4-FFF2-40B4-BE49-F238E27FC236}">
+                <a16:creationId xmlns:a16="http://schemas.microsoft.com/office/drawing/2014/main" id="{AA36139E-0C05-DBBD-4118-4332D5B8B480}"/>
+              </a:ext>
+            </a:extLst>
+          </p:cNvPr>
+          <p:cNvPicPr>
+            <a:picLocks noChangeAspect="1"/>
+          </p:cNvPicPr>
+          <p:nvPr/>
+        </p:nvPicPr>
+        <p:blipFill>
+          <a:blip r:embed="rId2"/>
+          <a:stretch>
+            <a:fillRect/>
+          </a:stretch>
+        </p:blipFill>
+        <p:spPr>
+          <a:xfrm>
+            <a:off x="910595" y="1148476"/>
+            <a:ext cx="7033870" cy="1257409"/>
+          </a:xfrm>
+          <a:prstGeom prst="rect">
+            <a:avLst/>
+          </a:prstGeom>
+        </p:spPr>
+      </p:pic>
+      <p:sp>
+        <p:nvSpPr>
+          <p:cNvPr id="5" name="ZoneTexte 4">
+            <a:extLst>
+              <a:ext uri="{FF2B5EF4-FFF2-40B4-BE49-F238E27FC236}">
+                <a16:creationId xmlns:a16="http://schemas.microsoft.com/office/drawing/2014/main" id="{38AA057C-8ADD-DBDD-DD9A-80F5C65E178C}"/>
               </a:ext>
             </a:extLst>
           </p:cNvPr>
@@ -5045,7 +5051,7 @@
         </p:nvSpPr>
         <p:spPr>
           <a:xfrm>
-            <a:off x="1651820" y="1809136"/>
+            <a:off x="910595" y="2567518"/>
             <a:ext cx="6096000" cy="369332"/>
           </a:xfrm>
           <a:prstGeom prst="rect">
@@ -5061,15 +5067,409 @@
           <a:p>
             <a:r>
               <a:rPr lang="fr-FR" dirty="0"/>
-              <a:t>? SBOM vs OBOM ?</a:t>
-            </a:r>
+              <a:t>…</a:t>
+            </a:r>
+          </a:p>
+        </p:txBody>
+      </p:sp>
+      <p:pic>
+        <p:nvPicPr>
+          <p:cNvPr id="9" name="Image 8">
+            <a:extLst>
+              <a:ext uri="{FF2B5EF4-FFF2-40B4-BE49-F238E27FC236}">
+                <a16:creationId xmlns:a16="http://schemas.microsoft.com/office/drawing/2014/main" id="{92D8D691-901D-BA5A-278A-E025438E7931}"/>
+              </a:ext>
+            </a:extLst>
+          </p:cNvPr>
+          <p:cNvPicPr>
+            <a:picLocks noChangeAspect="1"/>
+          </p:cNvPicPr>
+          <p:nvPr/>
+        </p:nvPicPr>
+        <p:blipFill>
+          <a:blip r:embed="rId3"/>
+          <a:stretch>
+            <a:fillRect/>
+          </a:stretch>
+        </p:blipFill>
+        <p:spPr>
+          <a:xfrm>
+            <a:off x="910595" y="3098483"/>
+            <a:ext cx="7049111" cy="937341"/>
+          </a:xfrm>
+          <a:prstGeom prst="rect">
+            <a:avLst/>
+          </a:prstGeom>
+        </p:spPr>
+      </p:pic>
+      <p:sp>
+        <p:nvSpPr>
+          <p:cNvPr id="10" name="ZoneTexte 9">
+            <a:extLst>
+              <a:ext uri="{FF2B5EF4-FFF2-40B4-BE49-F238E27FC236}">
+                <a16:creationId xmlns:a16="http://schemas.microsoft.com/office/drawing/2014/main" id="{3FC58421-6198-EBBD-5A85-0F8A38DC89A4}"/>
+              </a:ext>
+            </a:extLst>
+          </p:cNvPr>
+          <p:cNvSpPr txBox="1"/>
+          <p:nvPr/>
+        </p:nvSpPr>
+        <p:spPr>
+          <a:xfrm>
+            <a:off x="910595" y="4197457"/>
+            <a:ext cx="6096000" cy="369332"/>
+          </a:xfrm>
+          <a:prstGeom prst="rect">
+            <a:avLst/>
+          </a:prstGeom>
+          <a:noFill/>
+        </p:spPr>
+        <p:txBody>
+          <a:bodyPr wrap="square">
+            <a:spAutoFit/>
+          </a:bodyPr>
+          <a:lstStyle/>
+          <a:p>
+            <a:r>
+              <a:rPr lang="fr-FR" dirty="0"/>
+              <a:t>…</a:t>
+            </a:r>
+          </a:p>
+        </p:txBody>
+      </p:sp>
+      <p:pic>
+        <p:nvPicPr>
+          <p:cNvPr id="12" name="Image 11">
+            <a:extLst>
+              <a:ext uri="{FF2B5EF4-FFF2-40B4-BE49-F238E27FC236}">
+                <a16:creationId xmlns:a16="http://schemas.microsoft.com/office/drawing/2014/main" id="{1A17F1EC-A935-FA65-9204-CDFE91EA03A7}"/>
+              </a:ext>
+            </a:extLst>
+          </p:cNvPr>
+          <p:cNvPicPr>
+            <a:picLocks noChangeAspect="1"/>
+          </p:cNvPicPr>
+          <p:nvPr/>
+        </p:nvPicPr>
+        <p:blipFill>
+          <a:blip r:embed="rId4"/>
+          <a:stretch>
+            <a:fillRect/>
+          </a:stretch>
+        </p:blipFill>
+        <p:spPr>
+          <a:xfrm>
+            <a:off x="910595" y="4728422"/>
+            <a:ext cx="7064352" cy="739204"/>
+          </a:xfrm>
+          <a:prstGeom prst="rect">
+            <a:avLst/>
+          </a:prstGeom>
+        </p:spPr>
+      </p:pic>
+      <p:sp>
+        <p:nvSpPr>
+          <p:cNvPr id="13" name="Accolade fermante 12">
+            <a:extLst>
+              <a:ext uri="{FF2B5EF4-FFF2-40B4-BE49-F238E27FC236}">
+                <a16:creationId xmlns:a16="http://schemas.microsoft.com/office/drawing/2014/main" id="{A4ACB707-4B4E-F231-8BFF-005465E8BCEB}"/>
+              </a:ext>
+            </a:extLst>
+          </p:cNvPr>
+          <p:cNvSpPr/>
+          <p:nvPr/>
+        </p:nvSpPr>
+        <p:spPr>
+          <a:xfrm>
+            <a:off x="8303341" y="1052051"/>
+            <a:ext cx="403123" cy="1353833"/>
+          </a:xfrm>
+          <a:prstGeom prst="rightBrace">
+            <a:avLst/>
+          </a:prstGeom>
+        </p:spPr>
+        <p:style>
+          <a:lnRef idx="2">
+            <a:schemeClr val="accent1"/>
+          </a:lnRef>
+          <a:fillRef idx="0">
+            <a:schemeClr val="accent1"/>
+          </a:fillRef>
+          <a:effectRef idx="1">
+            <a:schemeClr val="accent1"/>
+          </a:effectRef>
+          <a:fontRef idx="minor">
+            <a:schemeClr val="tx1"/>
+          </a:fontRef>
+        </p:style>
+        <p:txBody>
+          <a:bodyPr rtlCol="0" anchor="ctr"/>
+          <a:lstStyle/>
+          <a:p>
+            <a:pPr algn="ctr"/>
+            <a:endParaRPr lang="fr-FR"/>
+          </a:p>
+        </p:txBody>
+      </p:sp>
+      <p:sp>
+        <p:nvSpPr>
+          <p:cNvPr id="14" name="Accolade fermante 13">
+            <a:extLst>
+              <a:ext uri="{FF2B5EF4-FFF2-40B4-BE49-F238E27FC236}">
+                <a16:creationId xmlns:a16="http://schemas.microsoft.com/office/drawing/2014/main" id="{A7182EEC-74DE-1E9F-1D40-EC06FA759E09}"/>
+              </a:ext>
+            </a:extLst>
+          </p:cNvPr>
+          <p:cNvSpPr/>
+          <p:nvPr/>
+        </p:nvSpPr>
+        <p:spPr>
+          <a:xfrm>
+            <a:off x="8303341" y="2843624"/>
+            <a:ext cx="403123" cy="1353833"/>
+          </a:xfrm>
+          <a:prstGeom prst="rightBrace">
+            <a:avLst/>
+          </a:prstGeom>
+        </p:spPr>
+        <p:style>
+          <a:lnRef idx="2">
+            <a:schemeClr val="accent1"/>
+          </a:lnRef>
+          <a:fillRef idx="0">
+            <a:schemeClr val="accent1"/>
+          </a:fillRef>
+          <a:effectRef idx="1">
+            <a:schemeClr val="accent1"/>
+          </a:effectRef>
+          <a:fontRef idx="minor">
+            <a:schemeClr val="tx1"/>
+          </a:fontRef>
+        </p:style>
+        <p:txBody>
+          <a:bodyPr rtlCol="0" anchor="ctr"/>
+          <a:lstStyle/>
+          <a:p>
+            <a:pPr algn="ctr"/>
+            <a:endParaRPr lang="fr-FR"/>
+          </a:p>
+        </p:txBody>
+      </p:sp>
+      <p:sp>
+        <p:nvSpPr>
+          <p:cNvPr id="15" name="Accolade fermante 14">
+            <a:extLst>
+              <a:ext uri="{FF2B5EF4-FFF2-40B4-BE49-F238E27FC236}">
+                <a16:creationId xmlns:a16="http://schemas.microsoft.com/office/drawing/2014/main" id="{7C0F2BD6-BD4D-5C2E-4059-5780286D5268}"/>
+              </a:ext>
+            </a:extLst>
+          </p:cNvPr>
+          <p:cNvSpPr/>
+          <p:nvPr/>
+        </p:nvSpPr>
+        <p:spPr>
+          <a:xfrm>
+            <a:off x="8303341" y="4421107"/>
+            <a:ext cx="403123" cy="1353833"/>
+          </a:xfrm>
+          <a:prstGeom prst="rightBrace">
+            <a:avLst/>
+          </a:prstGeom>
+        </p:spPr>
+        <p:style>
+          <a:lnRef idx="2">
+            <a:schemeClr val="accent1"/>
+          </a:lnRef>
+          <a:fillRef idx="0">
+            <a:schemeClr val="accent1"/>
+          </a:fillRef>
+          <a:effectRef idx="1">
+            <a:schemeClr val="accent1"/>
+          </a:effectRef>
+          <a:fontRef idx="minor">
+            <a:schemeClr val="tx1"/>
+          </a:fontRef>
+        </p:style>
+        <p:txBody>
+          <a:bodyPr rtlCol="0" anchor="ctr"/>
+          <a:lstStyle/>
+          <a:p>
+            <a:pPr algn="ctr"/>
+            <a:endParaRPr lang="fr-FR"/>
+          </a:p>
+        </p:txBody>
+      </p:sp>
+      <p:sp>
+        <p:nvSpPr>
+          <p:cNvPr id="16" name="ZoneTexte 15">
+            <a:extLst>
+              <a:ext uri="{FF2B5EF4-FFF2-40B4-BE49-F238E27FC236}">
+                <a16:creationId xmlns:a16="http://schemas.microsoft.com/office/drawing/2014/main" id="{32B1ACC3-6F1C-2965-17E7-9F71B7FAA4F3}"/>
+              </a:ext>
+            </a:extLst>
+          </p:cNvPr>
+          <p:cNvSpPr txBox="1"/>
+          <p:nvPr/>
+        </p:nvSpPr>
+        <p:spPr>
+          <a:xfrm>
+            <a:off x="9065340" y="1544301"/>
+            <a:ext cx="2448234" cy="369332"/>
+          </a:xfrm>
+          <a:prstGeom prst="rect">
+            <a:avLst/>
+          </a:prstGeom>
+          <a:noFill/>
+        </p:spPr>
+        <p:txBody>
+          <a:bodyPr wrap="square">
+            <a:spAutoFit/>
+          </a:bodyPr>
+          <a:lstStyle/>
+          <a:p>
+            <a:r>
+              <a:rPr lang="fr-FR" dirty="0"/>
+              <a:t>«  application BOM »</a:t>
+            </a:r>
+          </a:p>
+        </p:txBody>
+      </p:sp>
+      <p:sp>
+        <p:nvSpPr>
+          <p:cNvPr id="17" name="ZoneTexte 16">
+            <a:extLst>
+              <a:ext uri="{FF2B5EF4-FFF2-40B4-BE49-F238E27FC236}">
+                <a16:creationId xmlns:a16="http://schemas.microsoft.com/office/drawing/2014/main" id="{B174EE1E-AD51-5E1A-C35D-036F7A989B8C}"/>
+              </a:ext>
+            </a:extLst>
+          </p:cNvPr>
+          <p:cNvSpPr txBox="1"/>
+          <p:nvPr/>
+        </p:nvSpPr>
+        <p:spPr>
+          <a:xfrm>
+            <a:off x="8962101" y="4913357"/>
+            <a:ext cx="2448234" cy="369332"/>
+          </a:xfrm>
+          <a:prstGeom prst="rect">
+            <a:avLst/>
+          </a:prstGeom>
+          <a:noFill/>
+        </p:spPr>
+        <p:txBody>
+          <a:bodyPr wrap="square">
+            <a:spAutoFit/>
+          </a:bodyPr>
+          <a:lstStyle/>
+          <a:p>
+            <a:r>
+              <a:rPr lang="fr-FR" dirty="0"/>
+              <a:t>«  container BOM »</a:t>
+            </a:r>
+          </a:p>
+        </p:txBody>
+      </p:sp>
+      <p:sp>
+        <p:nvSpPr>
+          <p:cNvPr id="18" name="ZoneTexte 17">
+            <a:extLst>
+              <a:ext uri="{FF2B5EF4-FFF2-40B4-BE49-F238E27FC236}">
+                <a16:creationId xmlns:a16="http://schemas.microsoft.com/office/drawing/2014/main" id="{CDC8ED83-3E95-071F-255F-254F3B5E61A7}"/>
+              </a:ext>
+            </a:extLst>
+          </p:cNvPr>
+          <p:cNvSpPr txBox="1"/>
+          <p:nvPr/>
+        </p:nvSpPr>
+        <p:spPr>
+          <a:xfrm>
+            <a:off x="8962101" y="3335874"/>
+            <a:ext cx="2448234" cy="923330"/>
+          </a:xfrm>
+          <a:prstGeom prst="rect">
+            <a:avLst/>
+          </a:prstGeom>
+          <a:noFill/>
+        </p:spPr>
+        <p:txBody>
+          <a:bodyPr wrap="square">
+            <a:spAutoFit/>
+          </a:bodyPr>
+          <a:lstStyle/>
+          <a:p>
+            <a:r>
+              <a:rPr lang="fr-FR" dirty="0"/>
+              <a:t>« application BOM »</a:t>
+            </a:r>
+          </a:p>
+          <a:p>
+            <a:r>
+              <a:rPr lang="fr-FR" dirty="0"/>
+              <a:t>ET (!)</a:t>
+            </a:r>
+          </a:p>
+          <a:p>
+            <a:r>
+              <a:rPr lang="fr-FR" dirty="0"/>
+              <a:t>«  container BOM »</a:t>
+            </a:r>
+          </a:p>
+        </p:txBody>
+      </p:sp>
+      <p:sp>
+        <p:nvSpPr>
+          <p:cNvPr id="19" name="ZoneTexte 18">
+            <a:extLst>
+              <a:ext uri="{FF2B5EF4-FFF2-40B4-BE49-F238E27FC236}">
+                <a16:creationId xmlns:a16="http://schemas.microsoft.com/office/drawing/2014/main" id="{B3BF7D86-4053-C382-FF57-72EA75E65C1B}"/>
+              </a:ext>
+            </a:extLst>
+          </p:cNvPr>
+          <p:cNvSpPr txBox="1"/>
+          <p:nvPr/>
+        </p:nvSpPr>
+        <p:spPr>
+          <a:xfrm>
+            <a:off x="801330" y="6044701"/>
+            <a:ext cx="8190270" cy="369332"/>
+          </a:xfrm>
+          <a:prstGeom prst="rect">
+            <a:avLst/>
+          </a:prstGeom>
+          <a:noFill/>
+        </p:spPr>
+        <p:txBody>
+          <a:bodyPr wrap="square">
+            <a:spAutoFit/>
+          </a:bodyPr>
+          <a:lstStyle/>
+          <a:p>
+            <a:r>
+              <a:rPr lang="fr-FR" dirty="0">
+                <a:sym typeface="Wingdings" panose="05000000000000000000" pitchFamily="2" charset="2"/>
+              </a:rPr>
+              <a:t> </a:t>
+            </a:r>
+            <a:r>
+              <a:rPr lang="fr-FR" dirty="0" err="1">
+                <a:sym typeface="Wingdings" panose="05000000000000000000" pitchFamily="2" charset="2"/>
+              </a:rPr>
+              <a:t>préco</a:t>
+            </a:r>
+            <a:r>
+              <a:rPr lang="fr-FR" dirty="0">
+                <a:sym typeface="Wingdings" panose="05000000000000000000" pitchFamily="2" charset="2"/>
+              </a:rPr>
+              <a:t>, séparer et faire les deux (?)</a:t>
+            </a:r>
+            <a:endParaRPr lang="fr-FR" dirty="0"/>
           </a:p>
         </p:txBody>
       </p:sp>
     </p:spTree>
     <p:extLst>
       <p:ext uri="{BB962C8B-B14F-4D97-AF65-F5344CB8AC3E}">
-        <p14:creationId xmlns:p14="http://schemas.microsoft.com/office/powerpoint/2010/main" val="895074413"/>
+        <p14:creationId xmlns:p14="http://schemas.microsoft.com/office/powerpoint/2010/main" val="1495783257"/>
       </p:ext>
     </p:extLst>
   </p:cSld>
@@ -5098,10 +5498,10 @@
       </p:grpSpPr>
       <p:sp>
         <p:nvSpPr>
-          <p:cNvPr id="2" name="ZoneTexte 1">
-            <a:extLst>
-              <a:ext uri="{FF2B5EF4-FFF2-40B4-BE49-F238E27FC236}">
-                <a16:creationId xmlns:a16="http://schemas.microsoft.com/office/drawing/2014/main" id="{4D064E9D-C4AC-4B5D-2B29-EEA0E904000A}"/>
+          <p:cNvPr id="3" name="ZoneTexte 2">
+            <a:extLst>
+              <a:ext uri="{FF2B5EF4-FFF2-40B4-BE49-F238E27FC236}">
+                <a16:creationId xmlns:a16="http://schemas.microsoft.com/office/drawing/2014/main" id="{0297286C-0F92-6A93-E325-CE426B4FA2DC}"/>
               </a:ext>
             </a:extLst>
           </p:cNvPr>
@@ -5110,7 +5510,7 @@
         </p:nvSpPr>
         <p:spPr>
           <a:xfrm>
-            <a:off x="1651820" y="1809136"/>
+            <a:off x="1848465" y="512575"/>
             <a:ext cx="6096000" cy="369332"/>
           </a:xfrm>
           <a:prstGeom prst="rect">
@@ -5125,20 +5525,288 @@
           <a:lstStyle/>
           <a:p>
             <a:r>
+              <a:rPr lang="fr-FR" dirty="0">
+                <a:highlight>
+                  <a:srgbClr val="FFFF00"/>
+                </a:highlight>
+              </a:rPr>
+              <a:t>Dev </a:t>
+            </a:r>
+            <a:r>
+              <a:rPr lang="fr-FR" dirty="0" err="1">
+                <a:highlight>
+                  <a:srgbClr val="FFFF00"/>
+                </a:highlight>
+              </a:rPr>
+              <a:t>dependencies</a:t>
+            </a:r>
+            <a:r>
+              <a:rPr lang="fr-FR" dirty="0">
+                <a:highlight>
+                  <a:srgbClr val="FFFF00"/>
+                </a:highlight>
+              </a:rPr>
+              <a:t> vs production </a:t>
+            </a:r>
+            <a:r>
+              <a:rPr lang="fr-FR" dirty="0" err="1">
+                <a:highlight>
+                  <a:srgbClr val="FFFF00"/>
+                </a:highlight>
+              </a:rPr>
+              <a:t>dependencies</a:t>
+            </a:r>
+            <a:endParaRPr lang="fr-FR" dirty="0">
+              <a:highlight>
+                <a:srgbClr val="FFFF00"/>
+              </a:highlight>
+            </a:endParaRPr>
+          </a:p>
+        </p:txBody>
+      </p:sp>
+      <p:sp>
+        <p:nvSpPr>
+          <p:cNvPr id="19" name="ZoneTexte 18">
+            <a:extLst>
+              <a:ext uri="{FF2B5EF4-FFF2-40B4-BE49-F238E27FC236}">
+                <a16:creationId xmlns:a16="http://schemas.microsoft.com/office/drawing/2014/main" id="{B3BF7D86-4053-C382-FF57-72EA75E65C1B}"/>
+              </a:ext>
+            </a:extLst>
+          </p:cNvPr>
+          <p:cNvSpPr txBox="1"/>
+          <p:nvPr/>
+        </p:nvSpPr>
+        <p:spPr>
+          <a:xfrm>
+            <a:off x="1120876" y="5840234"/>
+            <a:ext cx="8190270" cy="369332"/>
+          </a:xfrm>
+          <a:prstGeom prst="rect">
+            <a:avLst/>
+          </a:prstGeom>
+          <a:noFill/>
+        </p:spPr>
+        <p:txBody>
+          <a:bodyPr wrap="square">
+            <a:spAutoFit/>
+          </a:bodyPr>
+          <a:lstStyle/>
+          <a:p>
+            <a:r>
+              <a:rPr lang="fr-FR" dirty="0">
+                <a:sym typeface="Wingdings" panose="05000000000000000000" pitchFamily="2" charset="2"/>
+              </a:rPr>
+              <a:t> </a:t>
+            </a:r>
+            <a:r>
+              <a:rPr lang="fr-FR" dirty="0" err="1">
+                <a:sym typeface="Wingdings" panose="05000000000000000000" pitchFamily="2" charset="2"/>
+              </a:rPr>
+              <a:t>préco</a:t>
+            </a:r>
+            <a:r>
+              <a:rPr lang="fr-FR" dirty="0">
+                <a:sym typeface="Wingdings" panose="05000000000000000000" pitchFamily="2" charset="2"/>
+              </a:rPr>
+              <a:t>, séparer et faire les deux (?)</a:t>
+            </a:r>
+            <a:endParaRPr lang="fr-FR" dirty="0"/>
+          </a:p>
+        </p:txBody>
+      </p:sp>
+      <p:sp>
+        <p:nvSpPr>
+          <p:cNvPr id="6" name="ZoneTexte 5">
+            <a:extLst>
+              <a:ext uri="{FF2B5EF4-FFF2-40B4-BE49-F238E27FC236}">
+                <a16:creationId xmlns:a16="http://schemas.microsoft.com/office/drawing/2014/main" id="{8EFB6E95-C4DB-CC81-5DEF-7883A76B1420}"/>
+              </a:ext>
+            </a:extLst>
+          </p:cNvPr>
+          <p:cNvSpPr txBox="1"/>
+          <p:nvPr/>
+        </p:nvSpPr>
+        <p:spPr>
+          <a:xfrm>
+            <a:off x="1120877" y="1624469"/>
+            <a:ext cx="6096000" cy="369332"/>
+          </a:xfrm>
+          <a:prstGeom prst="rect">
+            <a:avLst/>
+          </a:prstGeom>
+          <a:noFill/>
+        </p:spPr>
+        <p:txBody>
+          <a:bodyPr wrap="square">
+            <a:spAutoFit/>
+          </a:bodyPr>
+          <a:lstStyle/>
+          <a:p>
+            <a:r>
+              <a:rPr lang="fr-FR" dirty="0"/>
+              <a:t>https://github.com/CycloneDX/cdxgen</a:t>
+            </a:r>
+          </a:p>
+        </p:txBody>
+      </p:sp>
+      <p:sp>
+        <p:nvSpPr>
+          <p:cNvPr id="8" name="ZoneTexte 7">
+            <a:extLst>
+              <a:ext uri="{FF2B5EF4-FFF2-40B4-BE49-F238E27FC236}">
+                <a16:creationId xmlns:a16="http://schemas.microsoft.com/office/drawing/2014/main" id="{A3E71C09-0495-7C35-4E57-7312D84E80A3}"/>
+              </a:ext>
+            </a:extLst>
+          </p:cNvPr>
+          <p:cNvSpPr txBox="1"/>
+          <p:nvPr/>
+        </p:nvSpPr>
+        <p:spPr>
+          <a:xfrm>
+            <a:off x="1120876" y="2367031"/>
+            <a:ext cx="9379975" cy="830997"/>
+          </a:xfrm>
+          <a:prstGeom prst="rect">
+            <a:avLst/>
+          </a:prstGeom>
+          <a:noFill/>
+        </p:spPr>
+        <p:txBody>
+          <a:bodyPr wrap="square">
+            <a:spAutoFit/>
+          </a:bodyPr>
+          <a:lstStyle/>
+          <a:p>
+            <a:r>
+              <a:rPr lang="en-US" dirty="0"/>
+              <a:t>With the argument --required-only, you can limit the SBOM only to include packages with the scope "required", commonly called production or non-dev dependencies. </a:t>
+            </a:r>
+            <a:r>
+              <a:rPr lang="en-US" sz="1200" dirty="0"/>
+              <a:t>(Combine with --no-babel to limit this list to only non-dev dependencies based on the dev attribute being false in the lock files.)</a:t>
+            </a:r>
+            <a:endParaRPr lang="fr-FR" sz="1200" dirty="0"/>
+          </a:p>
+        </p:txBody>
+      </p:sp>
+      <p:pic>
+        <p:nvPicPr>
+          <p:cNvPr id="4" name="Image 3">
+            <a:extLst>
+              <a:ext uri="{FF2B5EF4-FFF2-40B4-BE49-F238E27FC236}">
+                <a16:creationId xmlns:a16="http://schemas.microsoft.com/office/drawing/2014/main" id="{C9B6CAE9-ABCE-236F-EB96-460B8D1DBB67}"/>
+              </a:ext>
+            </a:extLst>
+          </p:cNvPr>
+          <p:cNvPicPr>
+            <a:picLocks noChangeAspect="1"/>
+          </p:cNvPicPr>
+          <p:nvPr/>
+        </p:nvPicPr>
+        <p:blipFill>
+          <a:blip r:embed="rId3"/>
+          <a:stretch>
+            <a:fillRect/>
+          </a:stretch>
+        </p:blipFill>
+        <p:spPr>
+          <a:xfrm>
+            <a:off x="1120876" y="3659973"/>
+            <a:ext cx="5281118" cy="1272650"/>
+          </a:xfrm>
+          <a:prstGeom prst="rect">
+            <a:avLst/>
+          </a:prstGeom>
+        </p:spPr>
+      </p:pic>
+      <p:sp>
+        <p:nvSpPr>
+          <p:cNvPr id="5" name="Accolade fermante 4">
+            <a:extLst>
+              <a:ext uri="{FF2B5EF4-FFF2-40B4-BE49-F238E27FC236}">
+                <a16:creationId xmlns:a16="http://schemas.microsoft.com/office/drawing/2014/main" id="{8ABF1BA2-22EF-518E-676F-82DF10482AD7}"/>
+              </a:ext>
+            </a:extLst>
+          </p:cNvPr>
+          <p:cNvSpPr/>
+          <p:nvPr/>
+        </p:nvSpPr>
+        <p:spPr>
+          <a:xfrm>
+            <a:off x="6829105" y="3591837"/>
+            <a:ext cx="403123" cy="1353833"/>
+          </a:xfrm>
+          <a:prstGeom prst="rightBrace">
+            <a:avLst/>
+          </a:prstGeom>
+        </p:spPr>
+        <p:style>
+          <a:lnRef idx="2">
+            <a:schemeClr val="accent1"/>
+          </a:lnRef>
+          <a:fillRef idx="0">
+            <a:schemeClr val="accent1"/>
+          </a:fillRef>
+          <a:effectRef idx="1">
+            <a:schemeClr val="accent1"/>
+          </a:effectRef>
+          <a:fontRef idx="minor">
+            <a:schemeClr val="tx1"/>
+          </a:fontRef>
+        </p:style>
+        <p:txBody>
+          <a:bodyPr rtlCol="0" anchor="ctr"/>
+          <a:lstStyle/>
+          <a:p>
+            <a:pPr algn="ctr"/>
+            <a:endParaRPr lang="fr-FR"/>
+          </a:p>
+        </p:txBody>
+      </p:sp>
+      <p:sp>
+        <p:nvSpPr>
+          <p:cNvPr id="7" name="ZoneTexte 6">
+            <a:extLst>
+              <a:ext uri="{FF2B5EF4-FFF2-40B4-BE49-F238E27FC236}">
+                <a16:creationId xmlns:a16="http://schemas.microsoft.com/office/drawing/2014/main" id="{6B30B2D9-D2C2-8BC8-E4B6-4296973072B7}"/>
+              </a:ext>
+            </a:extLst>
+          </p:cNvPr>
+          <p:cNvSpPr txBox="1"/>
+          <p:nvPr/>
+        </p:nvSpPr>
+        <p:spPr>
+          <a:xfrm>
+            <a:off x="7591104" y="4084087"/>
+            <a:ext cx="2448234" cy="369332"/>
+          </a:xfrm>
+          <a:prstGeom prst="rect">
+            <a:avLst/>
+          </a:prstGeom>
+          <a:noFill/>
+        </p:spPr>
+        <p:txBody>
+          <a:bodyPr wrap="square">
+            <a:spAutoFit/>
+          </a:bodyPr>
+          <a:lstStyle/>
+          <a:p>
+            <a:r>
+              <a:rPr lang="fr-FR" dirty="0"/>
+              <a:t>100% </a:t>
+            </a:r>
+            <a:r>
               <a:rPr lang="fr-FR" dirty="0" err="1"/>
-              <a:t>Dependency</a:t>
-            </a:r>
-            <a:r>
-              <a:rPr lang="fr-FR" dirty="0"/>
-              <a:t>-Track, use cases…</a:t>
-            </a:r>
+              <a:t>present</a:t>
+            </a:r>
+            <a:endParaRPr lang="fr-FR" dirty="0"/>
           </a:p>
         </p:txBody>
       </p:sp>
     </p:spTree>
     <p:extLst>
       <p:ext uri="{BB962C8B-B14F-4D97-AF65-F5344CB8AC3E}">
-        <p14:creationId xmlns:p14="http://schemas.microsoft.com/office/powerpoint/2010/main" val="3755981226"/>
+        <p14:creationId xmlns:p14="http://schemas.microsoft.com/office/powerpoint/2010/main" val="3901385023"/>
       </p:ext>
     </p:extLst>
   </p:cSld>
@@ -5167,64 +5835,67 @@
       </p:grpSpPr>
       <p:sp>
         <p:nvSpPr>
-          <p:cNvPr id="2" name="Titre 1">
-            <a:extLst>
-              <a:ext uri="{FF2B5EF4-FFF2-40B4-BE49-F238E27FC236}">
-                <a16:creationId xmlns:a16="http://schemas.microsoft.com/office/drawing/2014/main" id="{6A64B89D-CCF4-D906-7DEA-1879B71A475E}"/>
-              </a:ext>
-            </a:extLst>
-          </p:cNvPr>
-          <p:cNvSpPr>
-            <a:spLocks noGrp="1"/>
-          </p:cNvSpPr>
-          <p:nvPr>
-            <p:ph type="title"/>
-          </p:nvPr>
-        </p:nvSpPr>
-        <p:spPr/>
-        <p:txBody>
-          <a:bodyPr/>
-          <a:lstStyle/>
-          <a:p>
-            <a:r>
-              <a:rPr lang="fr-FR" dirty="0"/>
-              <a:t>2. Prérequis (!)</a:t>
-            </a:r>
-          </a:p>
-        </p:txBody>
-      </p:sp>
-      <p:sp>
-        <p:nvSpPr>
-          <p:cNvPr id="3" name="Espace réservé du texte 2">
-            <a:extLst>
-              <a:ext uri="{FF2B5EF4-FFF2-40B4-BE49-F238E27FC236}">
-                <a16:creationId xmlns:a16="http://schemas.microsoft.com/office/drawing/2014/main" id="{E23DCB19-E38E-ABB7-E1F3-9112A1290E0C}"/>
-              </a:ext>
-            </a:extLst>
-          </p:cNvPr>
-          <p:cNvSpPr>
-            <a:spLocks noGrp="1"/>
-          </p:cNvSpPr>
-          <p:nvPr>
-            <p:ph type="body" idx="1"/>
-          </p:nvPr>
-        </p:nvSpPr>
-        <p:spPr/>
-        <p:txBody>
-          <a:bodyPr/>
-          <a:lstStyle/>
-          <a:p>
-            <a:r>
-              <a:rPr lang="fr-FR" dirty="0"/>
-              <a:t>… contexte BNP PF</a:t>
-            </a:r>
+          <p:cNvPr id="3" name="ZoneTexte 2">
+            <a:extLst>
+              <a:ext uri="{FF2B5EF4-FFF2-40B4-BE49-F238E27FC236}">
+                <a16:creationId xmlns:a16="http://schemas.microsoft.com/office/drawing/2014/main" id="{4E1F8F2E-6062-BB93-AA91-F0DFB3EFD17E}"/>
+              </a:ext>
+            </a:extLst>
+          </p:cNvPr>
+          <p:cNvSpPr txBox="1"/>
+          <p:nvPr/>
+        </p:nvSpPr>
+        <p:spPr>
+          <a:xfrm>
+            <a:off x="2218354" y="1305341"/>
+            <a:ext cx="6097554" cy="4247317"/>
+          </a:xfrm>
+          <a:prstGeom prst="rect">
+            <a:avLst/>
+          </a:prstGeom>
+          <a:noFill/>
+        </p:spPr>
+        <p:txBody>
+          <a:bodyPr wrap="square">
+            <a:spAutoFit/>
+          </a:bodyPr>
+          <a:lstStyle/>
+          <a:p>
+            <a:r>
+              <a:rPr lang="en-US" dirty="0"/>
+              <a:t>Another observation I made in practice – when using common tools, you are frequently not getting the same result when generating an SBOM from the source code vs generating it from a container image built on top of the source code.</a:t>
+            </a:r>
+          </a:p>
+          <a:p>
+            <a:endParaRPr lang="en-US" dirty="0"/>
+          </a:p>
+          <a:p>
+            <a:r>
+              <a:rPr lang="en-US" dirty="0"/>
+              <a:t>So a practical choice would be to build a bill of materials from the source code and another one from container. It is further possible to split the source code SBOM into several parts – for example, one including test dependencies and the one without those. </a:t>
+            </a:r>
+          </a:p>
+          <a:p>
+            <a:endParaRPr lang="en-US" dirty="0"/>
+          </a:p>
+          <a:p>
+            <a:r>
+              <a:rPr lang="fr-FR" dirty="0">
+                <a:hlinkClick r:id="rId2"/>
+              </a:rPr>
+              <a:t>https://worklifenotes.com/2025/01/14/why-a-single-sbom-is-never-enough/</a:t>
+            </a:r>
+            <a:endParaRPr lang="en-US" dirty="0"/>
+          </a:p>
+          <a:p>
+            <a:endParaRPr lang="fr-FR" dirty="0"/>
           </a:p>
         </p:txBody>
       </p:sp>
     </p:spTree>
     <p:extLst>
       <p:ext uri="{BB962C8B-B14F-4D97-AF65-F5344CB8AC3E}">
-        <p14:creationId xmlns:p14="http://schemas.microsoft.com/office/powerpoint/2010/main" val="3043849637"/>
+        <p14:creationId xmlns:p14="http://schemas.microsoft.com/office/powerpoint/2010/main" val="1522654574"/>
       </p:ext>
     </p:extLst>
   </p:cSld>
@@ -5251,48 +5922,12 @@
           <a:chExt cx="0" cy="0"/>
         </a:xfrm>
       </p:grpSpPr>
-      <p:pic>
-        <p:nvPicPr>
-          <p:cNvPr id="5" name="Image 4">
-            <a:extLst>
-              <a:ext uri="{FF2B5EF4-FFF2-40B4-BE49-F238E27FC236}">
-                <a16:creationId xmlns:a16="http://schemas.microsoft.com/office/drawing/2014/main" id="{BBA3AF8F-2974-7006-7015-B44676D79259}"/>
-              </a:ext>
-            </a:extLst>
-          </p:cNvPr>
-          <p:cNvPicPr>
-            <a:picLocks noChangeAspect="1"/>
-          </p:cNvPicPr>
-          <p:nvPr/>
-        </p:nvPicPr>
-        <p:blipFill>
-          <a:blip r:embed="rId2">
-            <a:extLst>
-              <a:ext uri="{28A0092B-C50C-407E-A947-70E740481C1C}">
-                <a14:useLocalDpi xmlns:a14="http://schemas.microsoft.com/office/drawing/2010/main" val="0"/>
-              </a:ext>
-            </a:extLst>
-          </a:blip>
-          <a:stretch>
-            <a:fillRect/>
-          </a:stretch>
-        </p:blipFill>
-        <p:spPr>
-          <a:xfrm>
-            <a:off x="6409016" y="0"/>
-            <a:ext cx="5175000" cy="6858000"/>
-          </a:xfrm>
-          <a:prstGeom prst="rect">
-            <a:avLst/>
-          </a:prstGeom>
-        </p:spPr>
-      </p:pic>
-      <p:sp>
-        <p:nvSpPr>
-          <p:cNvPr id="6" name="ZoneTexte 5">
-            <a:extLst>
-              <a:ext uri="{FF2B5EF4-FFF2-40B4-BE49-F238E27FC236}">
-                <a16:creationId xmlns:a16="http://schemas.microsoft.com/office/drawing/2014/main" id="{1E567FA1-B4F3-0255-30E2-968851DCFDFA}"/>
+      <p:sp>
+        <p:nvSpPr>
+          <p:cNvPr id="2" name="ZoneTexte 1">
+            <a:extLst>
+              <a:ext uri="{FF2B5EF4-FFF2-40B4-BE49-F238E27FC236}">
+                <a16:creationId xmlns:a16="http://schemas.microsoft.com/office/drawing/2014/main" id="{1B4E4D6B-0658-6F40-8E41-935019B56265}"/>
               </a:ext>
             </a:extLst>
           </p:cNvPr>
@@ -5301,8 +5936,8 @@
         </p:nvSpPr>
         <p:spPr>
           <a:xfrm>
-            <a:off x="924233" y="1209368"/>
-            <a:ext cx="4267199" cy="646331"/>
+            <a:off x="1651820" y="1809136"/>
+            <a:ext cx="6096000" cy="369332"/>
           </a:xfrm>
           <a:prstGeom prst="rect">
             <a:avLst/>
@@ -5317,17 +5952,17 @@
           <a:p>
             <a:r>
               <a:rPr lang="fr-FR" dirty="0"/>
-              <a:t>En amont, il faut générer les SBOM pour tous les tags candidats à MEP</a:t>
-            </a:r>
-          </a:p>
-        </p:txBody>
-      </p:sp>
-      <p:sp>
-        <p:nvSpPr>
-          <p:cNvPr id="7" name="ZoneTexte 6">
-            <a:extLst>
-              <a:ext uri="{FF2B5EF4-FFF2-40B4-BE49-F238E27FC236}">
-                <a16:creationId xmlns:a16="http://schemas.microsoft.com/office/drawing/2014/main" id="{42C989B3-13B1-F3C6-0E0D-7B43450DC85F}"/>
+              <a:t>! SBOM vs « formulation »</a:t>
+            </a:r>
+          </a:p>
+        </p:txBody>
+      </p:sp>
+      <p:sp>
+        <p:nvSpPr>
+          <p:cNvPr id="4" name="ZoneTexte 3">
+            <a:extLst>
+              <a:ext uri="{FF2B5EF4-FFF2-40B4-BE49-F238E27FC236}">
+                <a16:creationId xmlns:a16="http://schemas.microsoft.com/office/drawing/2014/main" id="{89AD204F-5B5B-4F7F-BA72-2899CE4ECFB8}"/>
               </a:ext>
             </a:extLst>
           </p:cNvPr>
@@ -5336,8 +5971,8 @@
         </p:nvSpPr>
         <p:spPr>
           <a:xfrm>
-            <a:off x="924231" y="4832556"/>
-            <a:ext cx="4267199" cy="1200329"/>
+            <a:off x="3048000" y="3108293"/>
+            <a:ext cx="6096000" cy="923330"/>
           </a:xfrm>
           <a:prstGeom prst="rect">
             <a:avLst/>
@@ -5351,32 +5986,77 @@
           <a:lstStyle/>
           <a:p>
             <a:r>
-              <a:rPr lang="fr-FR" dirty="0">
-                <a:sym typeface="Wingdings" panose="05000000000000000000" pitchFamily="2" charset="2"/>
-              </a:rPr>
-              <a:t> </a:t>
-            </a:r>
-            <a:r>
-              <a:rPr lang="fr-FR" dirty="0"/>
-              <a:t>Il faut une gestion des environnements, pour savoir quelle version est déployée dans quel </a:t>
-            </a:r>
-            <a:r>
-              <a:rPr lang="fr-FR" dirty="0" err="1"/>
-              <a:t>env</a:t>
-            </a:r>
-            <a:r>
-              <a:rPr lang="fr-FR" dirty="0"/>
-              <a:t> (dont prod)</a:t>
-            </a:r>
-          </a:p>
-        </p:txBody>
-      </p:sp>
-      <p:sp>
-        <p:nvSpPr>
-          <p:cNvPr id="8" name="ZoneTexte 7">
-            <a:extLst>
-              <a:ext uri="{FF2B5EF4-FFF2-40B4-BE49-F238E27FC236}">
-                <a16:creationId xmlns:a16="http://schemas.microsoft.com/office/drawing/2014/main" id="{28D194AB-6326-DB82-A91C-CA9C125CDC63}"/>
+              <a:rPr lang="en-US" b="1" dirty="0"/>
+              <a:t>Formulation (new to </a:t>
+            </a:r>
+            <a:r>
+              <a:rPr lang="en-US" b="1" dirty="0" err="1"/>
+              <a:t>CycloneDX</a:t>
+            </a:r>
+            <a:r>
+              <a:rPr lang="en-US" b="1" dirty="0"/>
+              <a:t> v1.5)</a:t>
+            </a:r>
+            <a:r>
+              <a:rPr lang="en-US" dirty="0"/>
+              <a:t>: Describes how something was deployed or manufactured</a:t>
+            </a:r>
+          </a:p>
+          <a:p>
+            <a:r>
+              <a:rPr lang="en-US" dirty="0"/>
+              <a:t>(</a:t>
+            </a:r>
+            <a:r>
+              <a:rPr lang="en-US" dirty="0">
+                <a:hlinkClick r:id="rId2"/>
+              </a:rPr>
+              <a:t>src</a:t>
+            </a:r>
+            <a:r>
+              <a:rPr lang="en-US" dirty="0"/>
+              <a:t>)</a:t>
+            </a:r>
+            <a:endParaRPr lang="fr-FR" dirty="0"/>
+          </a:p>
+        </p:txBody>
+      </p:sp>
+    </p:spTree>
+    <p:extLst>
+      <p:ext uri="{BB962C8B-B14F-4D97-AF65-F5344CB8AC3E}">
+        <p14:creationId xmlns:p14="http://schemas.microsoft.com/office/powerpoint/2010/main" val="2513760589"/>
+      </p:ext>
+    </p:extLst>
+  </p:cSld>
+  <p:clrMapOvr>
+    <a:masterClrMapping/>
+  </p:clrMapOvr>
+</p:sld>
+</file>
+
+<file path=ppt/slides/slide18.xml><?xml version="1.0" encoding="utf-8"?>
+<p:sld xmlns:a="http://schemas.openxmlformats.org/drawingml/2006/main" xmlns:r="http://schemas.openxmlformats.org/officeDocument/2006/relationships" xmlns:p="http://schemas.openxmlformats.org/presentationml/2006/main">
+  <p:cSld>
+    <p:spTree>
+      <p:nvGrpSpPr>
+        <p:cNvPr id="1" name=""/>
+        <p:cNvGrpSpPr/>
+        <p:nvPr/>
+      </p:nvGrpSpPr>
+      <p:grpSpPr>
+        <a:xfrm>
+          <a:off x="0" y="0"/>
+          <a:ext cx="0" cy="0"/>
+          <a:chOff x="0" y="0"/>
+          <a:chExt cx="0" cy="0"/>
+        </a:xfrm>
+      </p:grpSpPr>
+      <p:sp>
+        <p:nvSpPr>
+          <p:cNvPr id="3" name="ZoneTexte 2">
+            <a:extLst>
+              <a:ext uri="{FF2B5EF4-FFF2-40B4-BE49-F238E27FC236}">
+                <a16:creationId xmlns:a16="http://schemas.microsoft.com/office/drawing/2014/main" id="{8F9F9F5B-4118-3FAB-DEEE-D7AC3BAA829C}"/>
               </a:ext>
             </a:extLst>
           </p:cNvPr>
@@ -5385,8 +6065,8 @@
         </p:nvSpPr>
         <p:spPr>
           <a:xfrm>
-            <a:off x="924233" y="2161937"/>
-            <a:ext cx="4267199" cy="923330"/>
+            <a:off x="3048778" y="3244334"/>
+            <a:ext cx="6097554" cy="369332"/>
           </a:xfrm>
           <a:prstGeom prst="rect">
             <a:avLst/>
@@ -5401,25 +6081,17 @@
           <a:p>
             <a:r>
               <a:rPr lang="fr-FR" dirty="0"/>
-              <a:t>Risque : alimentation excessive du </a:t>
-            </a:r>
-            <a:r>
-              <a:rPr lang="fr-FR" dirty="0" err="1"/>
-              <a:t>dependency-track</a:t>
-            </a:r>
-            <a:r>
-              <a:rPr lang="fr-FR" dirty="0"/>
-              <a:t>, avec des SBOM qui n’ont jamais atteint la production</a:t>
-            </a:r>
-          </a:p>
-        </p:txBody>
-      </p:sp>
-      <p:sp>
-        <p:nvSpPr>
-          <p:cNvPr id="9" name="ZoneTexte 8">
-            <a:extLst>
-              <a:ext uri="{FF2B5EF4-FFF2-40B4-BE49-F238E27FC236}">
-                <a16:creationId xmlns:a16="http://schemas.microsoft.com/office/drawing/2014/main" id="{5D92E6DD-B5FE-F1CE-9C17-7BC6480C3B9B}"/>
+              <a:t>https://cyclonedx.org/capabilities/obom/</a:t>
+            </a:r>
+          </a:p>
+        </p:txBody>
+      </p:sp>
+      <p:sp>
+        <p:nvSpPr>
+          <p:cNvPr id="4" name="ZoneTexte 3">
+            <a:extLst>
+              <a:ext uri="{FF2B5EF4-FFF2-40B4-BE49-F238E27FC236}">
+                <a16:creationId xmlns:a16="http://schemas.microsoft.com/office/drawing/2014/main" id="{3E62F911-E238-625F-085F-76BC08F2CD79}"/>
               </a:ext>
             </a:extLst>
           </p:cNvPr>
@@ -5428,8 +6100,8 @@
         </p:nvSpPr>
         <p:spPr>
           <a:xfrm>
-            <a:off x="924232" y="3301449"/>
-            <a:ext cx="4267199" cy="1200329"/>
+            <a:off x="1651820" y="1809136"/>
+            <a:ext cx="6096000" cy="369332"/>
           </a:xfrm>
           <a:prstGeom prst="rect">
             <a:avLst/>
@@ -5443,187 +6115,85 @@
           <a:lstStyle/>
           <a:p>
             <a:r>
-              <a:rPr lang="fr-FR" dirty="0">
-                <a:sym typeface="Wingdings" panose="05000000000000000000" pitchFamily="2" charset="2"/>
-              </a:rPr>
-              <a:t> Il faut une rigueur dans les workflows de </a:t>
-            </a:r>
-            <a:r>
-              <a:rPr lang="fr-FR" dirty="0" err="1">
-                <a:sym typeface="Wingdings" panose="05000000000000000000" pitchFamily="2" charset="2"/>
-              </a:rPr>
-              <a:t>dév</a:t>
-            </a:r>
-            <a:r>
-              <a:rPr lang="fr-FR" dirty="0">
-                <a:sym typeface="Wingdings" panose="05000000000000000000" pitchFamily="2" charset="2"/>
-              </a:rPr>
-              <a:t>. Merge sur master + tag quand on est certain d’aller en prod (au « dernier moment »)</a:t>
-            </a:r>
-            <a:endParaRPr lang="fr-FR" dirty="0"/>
-          </a:p>
-        </p:txBody>
-      </p:sp>
-      <p:sp>
-        <p:nvSpPr>
-          <p:cNvPr id="10" name="Rectangle 9">
-            <a:extLst>
-              <a:ext uri="{FF2B5EF4-FFF2-40B4-BE49-F238E27FC236}">
-                <a16:creationId xmlns:a16="http://schemas.microsoft.com/office/drawing/2014/main" id="{CDACD7A4-5E73-13AC-1F21-46F156C79F0A}"/>
-              </a:ext>
-            </a:extLst>
-          </p:cNvPr>
-          <p:cNvSpPr/>
+              <a:rPr lang="fr-FR" dirty="0"/>
+              <a:t>? SBOM vs OBOM ?</a:t>
+            </a:r>
+          </a:p>
+        </p:txBody>
+      </p:sp>
+    </p:spTree>
+    <p:extLst>
+      <p:ext uri="{BB962C8B-B14F-4D97-AF65-F5344CB8AC3E}">
+        <p14:creationId xmlns:p14="http://schemas.microsoft.com/office/powerpoint/2010/main" val="895074413"/>
+      </p:ext>
+    </p:extLst>
+  </p:cSld>
+  <p:clrMapOvr>
+    <a:masterClrMapping/>
+  </p:clrMapOvr>
+</p:sld>
+</file>
+
+<file path=ppt/slides/slide19.xml><?xml version="1.0" encoding="utf-8"?>
+<p:sld xmlns:a="http://schemas.openxmlformats.org/drawingml/2006/main" xmlns:r="http://schemas.openxmlformats.org/officeDocument/2006/relationships" xmlns:p="http://schemas.openxmlformats.org/presentationml/2006/main">
+  <p:cSld>
+    <p:spTree>
+      <p:nvGrpSpPr>
+        <p:cNvPr id="1" name=""/>
+        <p:cNvGrpSpPr/>
+        <p:nvPr/>
+      </p:nvGrpSpPr>
+      <p:grpSpPr>
+        <a:xfrm>
+          <a:off x="0" y="0"/>
+          <a:ext cx="0" cy="0"/>
+          <a:chOff x="0" y="0"/>
+          <a:chExt cx="0" cy="0"/>
+        </a:xfrm>
+      </p:grpSpPr>
+      <p:sp>
+        <p:nvSpPr>
+          <p:cNvPr id="2" name="ZoneTexte 1">
+            <a:extLst>
+              <a:ext uri="{FF2B5EF4-FFF2-40B4-BE49-F238E27FC236}">
+                <a16:creationId xmlns:a16="http://schemas.microsoft.com/office/drawing/2014/main" id="{4D064E9D-C4AC-4B5D-2B29-EEA0E904000A}"/>
+              </a:ext>
+            </a:extLst>
+          </p:cNvPr>
+          <p:cNvSpPr txBox="1"/>
           <p:nvPr/>
         </p:nvSpPr>
         <p:spPr>
           <a:xfrm>
-            <a:off x="10186219" y="5152103"/>
-            <a:ext cx="766916" cy="688258"/>
+            <a:off x="1651820" y="1809136"/>
+            <a:ext cx="6096000" cy="369332"/>
           </a:xfrm>
           <a:prstGeom prst="rect">
             <a:avLst/>
           </a:prstGeom>
           <a:noFill/>
-          <a:ln w="76200">
-            <a:solidFill>
-              <a:srgbClr val="92D050"/>
-            </a:solidFill>
-          </a:ln>
-        </p:spPr>
-        <p:style>
-          <a:lnRef idx="2">
-            <a:schemeClr val="accent1">
-              <a:shade val="15000"/>
-            </a:schemeClr>
-          </a:lnRef>
-          <a:fillRef idx="1">
-            <a:schemeClr val="accent1"/>
-          </a:fillRef>
-          <a:effectRef idx="0">
-            <a:schemeClr val="accent1"/>
-          </a:effectRef>
-          <a:fontRef idx="minor">
-            <a:schemeClr val="lt1"/>
-          </a:fontRef>
-        </p:style>
-        <p:txBody>
-          <a:bodyPr rtlCol="0" anchor="ctr"/>
-          <a:lstStyle/>
-          <a:p>
-            <a:pPr algn="ctr"/>
-            <a:endParaRPr lang="fr-FR"/>
-          </a:p>
-        </p:txBody>
-      </p:sp>
-      <p:sp>
-        <p:nvSpPr>
-          <p:cNvPr id="11" name="Rectangle 10">
-            <a:extLst>
-              <a:ext uri="{FF2B5EF4-FFF2-40B4-BE49-F238E27FC236}">
-                <a16:creationId xmlns:a16="http://schemas.microsoft.com/office/drawing/2014/main" id="{F8242104-976B-15F9-1466-13079A6E47CA}"/>
-              </a:ext>
-            </a:extLst>
-          </p:cNvPr>
-          <p:cNvSpPr/>
-          <p:nvPr/>
-        </p:nvSpPr>
-        <p:spPr>
-          <a:xfrm>
-            <a:off x="10161638" y="2231923"/>
-            <a:ext cx="766916" cy="688258"/>
-          </a:xfrm>
-          <a:prstGeom prst="rect">
-            <a:avLst/>
-          </a:prstGeom>
-          <a:noFill/>
-          <a:ln w="76200">
-            <a:solidFill>
-              <a:srgbClr val="92D050"/>
-            </a:solidFill>
-          </a:ln>
-        </p:spPr>
-        <p:style>
-          <a:lnRef idx="2">
-            <a:schemeClr val="accent1">
-              <a:shade val="15000"/>
-            </a:schemeClr>
-          </a:lnRef>
-          <a:fillRef idx="1">
-            <a:schemeClr val="accent1"/>
-          </a:fillRef>
-          <a:effectRef idx="0">
-            <a:schemeClr val="accent1"/>
-          </a:effectRef>
-          <a:fontRef idx="minor">
-            <a:schemeClr val="lt1"/>
-          </a:fontRef>
-        </p:style>
-        <p:txBody>
-          <a:bodyPr rtlCol="0" anchor="ctr"/>
-          <a:lstStyle/>
-          <a:p>
-            <a:pPr algn="ctr"/>
-            <a:endParaRPr lang="fr-FR"/>
-          </a:p>
-        </p:txBody>
-      </p:sp>
-      <p:sp>
-        <p:nvSpPr>
-          <p:cNvPr id="12" name="Rectangle 11">
-            <a:extLst>
-              <a:ext uri="{FF2B5EF4-FFF2-40B4-BE49-F238E27FC236}">
-                <a16:creationId xmlns:a16="http://schemas.microsoft.com/office/drawing/2014/main" id="{9C31D541-F307-1601-10E1-369D11EEEE87}"/>
-              </a:ext>
-            </a:extLst>
-          </p:cNvPr>
-          <p:cNvSpPr/>
-          <p:nvPr/>
-        </p:nvSpPr>
-        <p:spPr>
-          <a:xfrm>
-            <a:off x="10161638" y="521110"/>
-            <a:ext cx="766916" cy="688258"/>
-          </a:xfrm>
-          <a:prstGeom prst="rect">
-            <a:avLst/>
-          </a:prstGeom>
-          <a:noFill/>
-          <a:ln w="76200">
-            <a:solidFill>
-              <a:srgbClr val="92D050"/>
-            </a:solidFill>
-          </a:ln>
-        </p:spPr>
-        <p:style>
-          <a:lnRef idx="2">
-            <a:schemeClr val="accent1">
-              <a:shade val="15000"/>
-            </a:schemeClr>
-          </a:lnRef>
-          <a:fillRef idx="1">
-            <a:schemeClr val="accent1"/>
-          </a:fillRef>
-          <a:effectRef idx="0">
-            <a:schemeClr val="accent1"/>
-          </a:effectRef>
-          <a:fontRef idx="minor">
-            <a:schemeClr val="lt1"/>
-          </a:fontRef>
-        </p:style>
-        <p:txBody>
-          <a:bodyPr rtlCol="0" anchor="ctr"/>
-          <a:lstStyle/>
-          <a:p>
-            <a:pPr algn="ctr"/>
-            <a:endParaRPr lang="fr-FR"/>
+        </p:spPr>
+        <p:txBody>
+          <a:bodyPr wrap="square">
+            <a:spAutoFit/>
+          </a:bodyPr>
+          <a:lstStyle/>
+          <a:p>
+            <a:r>
+              <a:rPr lang="fr-FR" dirty="0" err="1"/>
+              <a:t>Dependency</a:t>
+            </a:r>
+            <a:r>
+              <a:rPr lang="fr-FR" dirty="0"/>
+              <a:t>-Track, use cases…</a:t>
+            </a:r>
           </a:p>
         </p:txBody>
       </p:sp>
     </p:spTree>
     <p:extLst>
       <p:ext uri="{BB962C8B-B14F-4D97-AF65-F5344CB8AC3E}">
-        <p14:creationId xmlns:p14="http://schemas.microsoft.com/office/powerpoint/2010/main" val="1981858791"/>
+        <p14:creationId xmlns:p14="http://schemas.microsoft.com/office/powerpoint/2010/main" val="3755981226"/>
       </p:ext>
     </p:extLst>
   </p:cSld>
@@ -5652,6 +6222,487 @@
       </p:grpSpPr>
       <p:sp>
         <p:nvSpPr>
+          <p:cNvPr id="3" name="ZoneTexte 2">
+            <a:extLst>
+              <a:ext uri="{FF2B5EF4-FFF2-40B4-BE49-F238E27FC236}">
+                <a16:creationId xmlns:a16="http://schemas.microsoft.com/office/drawing/2014/main" id="{66AB5E23-119F-05D2-DFA0-1F42E92D1C18}"/>
+              </a:ext>
+            </a:extLst>
+          </p:cNvPr>
+          <p:cNvSpPr txBox="1"/>
+          <p:nvPr/>
+        </p:nvSpPr>
+        <p:spPr>
+          <a:xfrm>
+            <a:off x="813707" y="1443841"/>
+            <a:ext cx="10321990" cy="4247317"/>
+          </a:xfrm>
+          <a:prstGeom prst="rect">
+            <a:avLst/>
+          </a:prstGeom>
+          <a:noFill/>
+        </p:spPr>
+        <p:txBody>
+          <a:bodyPr wrap="square">
+            <a:spAutoFit/>
+          </a:bodyPr>
+          <a:lstStyle/>
+          <a:p>
+            <a:r>
+              <a:rPr lang="fr-FR" sz="1800" dirty="0" err="1">
+                <a:solidFill>
+                  <a:srgbClr val="000000"/>
+                </a:solidFill>
+                <a:effectLst/>
+                <a:latin typeface="Aptos" panose="020B0004020202020204" pitchFamily="34" charset="0"/>
+                <a:hlinkClick r:id="rId2" tooltip="https://cyclonedx.org/specification/overview/"/>
+              </a:rPr>
+              <a:t>Specification</a:t>
+            </a:r>
+            <a:r>
+              <a:rPr lang="fr-FR" sz="1800" dirty="0">
+                <a:solidFill>
+                  <a:srgbClr val="000000"/>
+                </a:solidFill>
+                <a:effectLst/>
+                <a:latin typeface="Aptos" panose="020B0004020202020204" pitchFamily="34" charset="0"/>
+                <a:hlinkClick r:id="rId2" tooltip="https://cyclonedx.org/specification/overview/"/>
+              </a:rPr>
+              <a:t> </a:t>
+            </a:r>
+            <a:r>
+              <a:rPr lang="fr-FR" sz="1800" dirty="0" err="1">
+                <a:solidFill>
+                  <a:srgbClr val="000000"/>
+                </a:solidFill>
+                <a:effectLst/>
+                <a:latin typeface="Aptos" panose="020B0004020202020204" pitchFamily="34" charset="0"/>
+                <a:hlinkClick r:id="rId2" tooltip="https://cyclonedx.org/specification/overview/"/>
+              </a:rPr>
+              <a:t>Overview</a:t>
+            </a:r>
+            <a:r>
+              <a:rPr lang="fr-FR" sz="1800" dirty="0">
+                <a:solidFill>
+                  <a:srgbClr val="000000"/>
+                </a:solidFill>
+                <a:effectLst/>
+                <a:latin typeface="Aptos" panose="020B0004020202020204" pitchFamily="34" charset="0"/>
+                <a:hlinkClick r:id="rId2" tooltip="https://cyclonedx.org/specification/overview/"/>
+              </a:rPr>
+              <a:t> | </a:t>
+            </a:r>
+            <a:r>
+              <a:rPr lang="fr-FR" sz="1800" dirty="0" err="1">
+                <a:solidFill>
+                  <a:srgbClr val="000000"/>
+                </a:solidFill>
+                <a:effectLst/>
+                <a:latin typeface="Aptos" panose="020B0004020202020204" pitchFamily="34" charset="0"/>
+                <a:hlinkClick r:id="rId2" tooltip="https://cyclonedx.org/specification/overview/"/>
+              </a:rPr>
+              <a:t>CycloneDX</a:t>
+            </a:r>
+            <a:endParaRPr lang="fr-FR" sz="1800" dirty="0">
+              <a:solidFill>
+                <a:srgbClr val="000000"/>
+              </a:solidFill>
+              <a:effectLst/>
+              <a:latin typeface="Aptos" panose="020B0004020202020204" pitchFamily="34" charset="0"/>
+            </a:endParaRPr>
+          </a:p>
+          <a:p>
+            <a:r>
+              <a:rPr lang="fr-FR" sz="1800" dirty="0" err="1">
+                <a:solidFill>
+                  <a:srgbClr val="000000"/>
+                </a:solidFill>
+                <a:effectLst/>
+                <a:latin typeface="Aptos" panose="020B0004020202020204" pitchFamily="34" charset="0"/>
+                <a:hlinkClick r:id="rId3" tooltip="https://cyclonedx.org/tool-center/"/>
+              </a:rPr>
+              <a:t>CycloneDX</a:t>
+            </a:r>
+            <a:r>
+              <a:rPr lang="fr-FR" sz="1800" dirty="0">
+                <a:solidFill>
+                  <a:srgbClr val="000000"/>
+                </a:solidFill>
+                <a:effectLst/>
+                <a:latin typeface="Aptos" panose="020B0004020202020204" pitchFamily="34" charset="0"/>
+                <a:hlinkClick r:id="rId3" tooltip="https://cyclonedx.org/tool-center/"/>
+              </a:rPr>
+              <a:t> Tool Center | </a:t>
+            </a:r>
+            <a:r>
+              <a:rPr lang="fr-FR" sz="1800" dirty="0" err="1">
+                <a:solidFill>
+                  <a:srgbClr val="000000"/>
+                </a:solidFill>
+                <a:effectLst/>
+                <a:latin typeface="Aptos" panose="020B0004020202020204" pitchFamily="34" charset="0"/>
+                <a:hlinkClick r:id="rId3" tooltip="https://cyclonedx.org/tool-center/"/>
+              </a:rPr>
+              <a:t>CycloneDX</a:t>
+            </a:r>
+            <a:endParaRPr lang="fr-FR" sz="1800" dirty="0">
+              <a:solidFill>
+                <a:srgbClr val="000000"/>
+              </a:solidFill>
+              <a:effectLst/>
+              <a:latin typeface="Aptos" panose="020B0004020202020204" pitchFamily="34" charset="0"/>
+            </a:endParaRPr>
+          </a:p>
+          <a:p>
+            <a:r>
+              <a:rPr lang="fr-FR" sz="1800" dirty="0" err="1">
+                <a:solidFill>
+                  <a:srgbClr val="000000"/>
+                </a:solidFill>
+                <a:effectLst/>
+                <a:latin typeface="Aptos" panose="020B0004020202020204" pitchFamily="34" charset="0"/>
+                <a:hlinkClick r:id="rId4" tooltip="https://cyclonedx.org/capabilities/cbom/"/>
+              </a:rPr>
+              <a:t>Cryptography</a:t>
+            </a:r>
+            <a:r>
+              <a:rPr lang="fr-FR" sz="1800" dirty="0">
+                <a:solidFill>
+                  <a:srgbClr val="000000"/>
+                </a:solidFill>
+                <a:effectLst/>
+                <a:latin typeface="Aptos" panose="020B0004020202020204" pitchFamily="34" charset="0"/>
+                <a:hlinkClick r:id="rId4" tooltip="https://cyclonedx.org/capabilities/cbom/"/>
+              </a:rPr>
+              <a:t> Bill of Materials (CBOM) | </a:t>
+            </a:r>
+            <a:r>
+              <a:rPr lang="fr-FR" sz="1800" dirty="0" err="1">
+                <a:solidFill>
+                  <a:srgbClr val="000000"/>
+                </a:solidFill>
+                <a:effectLst/>
+                <a:latin typeface="Aptos" panose="020B0004020202020204" pitchFamily="34" charset="0"/>
+                <a:hlinkClick r:id="rId4" tooltip="https://cyclonedx.org/capabilities/cbom/"/>
+              </a:rPr>
+              <a:t>CycloneDX</a:t>
+            </a:r>
+            <a:r>
+              <a:rPr lang="fr-FR" sz="1800" dirty="0">
+                <a:solidFill>
+                  <a:srgbClr val="000000"/>
+                </a:solidFill>
+                <a:effectLst/>
+                <a:latin typeface="Aptos" panose="020B0004020202020204" pitchFamily="34" charset="0"/>
+              </a:rPr>
+              <a:t> : pour identifier quels algos sont utilisés et où, demain pour répondre aux avancées de l'informatique quantique, ou lorsqu'un algo est cassé.</a:t>
+            </a:r>
+          </a:p>
+          <a:p>
+            <a:endParaRPr lang="fr-FR" sz="1800" dirty="0">
+              <a:solidFill>
+                <a:srgbClr val="000000"/>
+              </a:solidFill>
+              <a:effectLst/>
+              <a:latin typeface="Aptos" panose="020B0004020202020204" pitchFamily="34" charset="0"/>
+            </a:endParaRPr>
+          </a:p>
+          <a:p>
+            <a:r>
+              <a:rPr lang="fr-FR" sz="1800" dirty="0">
+                <a:solidFill>
+                  <a:srgbClr val="000000"/>
+                </a:solidFill>
+                <a:effectLst/>
+                <a:latin typeface="Aptos" panose="020B0004020202020204" pitchFamily="34" charset="0"/>
+              </a:rPr>
+              <a:t>Sources</a:t>
+            </a:r>
+          </a:p>
+          <a:p>
+            <a:pPr lvl="1"/>
+            <a:r>
+              <a:rPr lang="fr-FR" dirty="0">
+                <a:solidFill>
+                  <a:srgbClr val="000000"/>
+                </a:solidFill>
+                <a:effectLst/>
+                <a:latin typeface="Aptos" panose="020B0004020202020204" pitchFamily="34" charset="0"/>
+              </a:rPr>
+              <a:t>La conférence de Damien LUCAS, </a:t>
+            </a:r>
+            <a:r>
+              <a:rPr lang="fr-FR" dirty="0" err="1">
+                <a:solidFill>
+                  <a:srgbClr val="000000"/>
+                </a:solidFill>
+                <a:effectLst/>
+                <a:latin typeface="Aptos" panose="020B0004020202020204" pitchFamily="34" charset="0"/>
+              </a:rPr>
+              <a:t>Devoxx</a:t>
+            </a:r>
+            <a:r>
+              <a:rPr lang="fr-FR" dirty="0">
+                <a:solidFill>
+                  <a:srgbClr val="000000"/>
+                </a:solidFill>
+                <a:effectLst/>
+                <a:latin typeface="Aptos" panose="020B0004020202020204" pitchFamily="34" charset="0"/>
+              </a:rPr>
+              <a:t> 2025, 16 avril "Vol au-dessus d'un nid de vulnérabilités"</a:t>
+            </a:r>
+          </a:p>
+          <a:p>
+            <a:pPr lvl="1"/>
+            <a:r>
+              <a:rPr lang="fr-FR" dirty="0">
+                <a:solidFill>
+                  <a:srgbClr val="000000"/>
+                </a:solidFill>
+                <a:effectLst/>
+                <a:latin typeface="Aptos" panose="020B0004020202020204" pitchFamily="34" charset="0"/>
+              </a:rPr>
+              <a:t>Articles de </a:t>
+            </a:r>
+            <a:r>
+              <a:rPr lang="fr-FR" dirty="0" err="1">
+                <a:solidFill>
+                  <a:srgbClr val="000000"/>
+                </a:solidFill>
+                <a:effectLst/>
+                <a:latin typeface="Aptos" panose="020B0004020202020204" pitchFamily="34" charset="0"/>
+              </a:rPr>
+              <a:t>worklifenotes</a:t>
+            </a:r>
+            <a:r>
+              <a:rPr lang="fr-FR" dirty="0">
+                <a:solidFill>
+                  <a:srgbClr val="000000"/>
+                </a:solidFill>
+                <a:effectLst/>
+                <a:latin typeface="Aptos" panose="020B0004020202020204" pitchFamily="34" charset="0"/>
+              </a:rPr>
+              <a:t>, janvier 2025</a:t>
+            </a:r>
+          </a:p>
+          <a:p>
+            <a:pPr lvl="1"/>
+            <a:r>
+              <a:rPr lang="fr-FR" dirty="0">
+                <a:solidFill>
+                  <a:srgbClr val="000000"/>
+                </a:solidFill>
+                <a:effectLst/>
+                <a:latin typeface="Aptos" panose="020B0004020202020204" pitchFamily="34" charset="0"/>
+              </a:rPr>
+              <a:t>Article nexusconnect.io, décembre 2024</a:t>
+            </a:r>
+          </a:p>
+          <a:p>
+            <a:pPr lvl="1"/>
+            <a:r>
+              <a:rPr lang="fr-FR" dirty="0">
+                <a:solidFill>
+                  <a:srgbClr val="000000"/>
+                </a:solidFill>
+                <a:effectLst/>
+                <a:latin typeface="Aptos" panose="020B0004020202020204" pitchFamily="34" charset="0"/>
+              </a:rPr>
+              <a:t>Documentation OWASP </a:t>
+            </a:r>
+            <a:r>
+              <a:rPr lang="fr-FR" dirty="0" err="1">
+                <a:solidFill>
+                  <a:srgbClr val="000000"/>
+                </a:solidFill>
+                <a:effectLst/>
+                <a:latin typeface="Aptos" panose="020B0004020202020204" pitchFamily="34" charset="0"/>
+              </a:rPr>
+              <a:t>CycloneDX</a:t>
+            </a:r>
+            <a:endParaRPr lang="fr-FR" dirty="0">
+              <a:solidFill>
+                <a:srgbClr val="000000"/>
+              </a:solidFill>
+              <a:effectLst/>
+              <a:latin typeface="Aptos" panose="020B0004020202020204" pitchFamily="34" charset="0"/>
+            </a:endParaRPr>
+          </a:p>
+          <a:p>
+            <a:pPr lvl="1"/>
+            <a:r>
+              <a:rPr lang="fr-FR" dirty="0">
+                <a:solidFill>
+                  <a:srgbClr val="000000"/>
+                </a:solidFill>
+                <a:effectLst/>
+                <a:latin typeface="Aptos" panose="020B0004020202020204" pitchFamily="34" charset="0"/>
+              </a:rPr>
+              <a:t>Documentation OWASP </a:t>
+            </a:r>
+            <a:r>
+              <a:rPr lang="fr-FR" dirty="0" err="1">
+                <a:solidFill>
+                  <a:srgbClr val="000000"/>
+                </a:solidFill>
+                <a:effectLst/>
+                <a:latin typeface="Aptos" panose="020B0004020202020204" pitchFamily="34" charset="0"/>
+              </a:rPr>
+              <a:t>Dependency</a:t>
+            </a:r>
+            <a:r>
+              <a:rPr lang="fr-FR" dirty="0">
+                <a:solidFill>
+                  <a:srgbClr val="000000"/>
+                </a:solidFill>
+                <a:effectLst/>
+                <a:latin typeface="Aptos" panose="020B0004020202020204" pitchFamily="34" charset="0"/>
+              </a:rPr>
+              <a:t>-Track</a:t>
+            </a:r>
+          </a:p>
+          <a:p>
+            <a:r>
+              <a:rPr lang="fr-FR" sz="1800" dirty="0">
+                <a:solidFill>
+                  <a:srgbClr val="000000"/>
+                </a:solidFill>
+                <a:effectLst/>
+                <a:latin typeface="Aptos" panose="020B0004020202020204" pitchFamily="34" charset="0"/>
+              </a:rPr>
+              <a:t>Besoin / pourquoi les </a:t>
+            </a:r>
+            <a:r>
+              <a:rPr lang="fr-FR" sz="1800" dirty="0" err="1">
+                <a:solidFill>
+                  <a:srgbClr val="000000"/>
+                </a:solidFill>
+                <a:effectLst/>
+                <a:latin typeface="Aptos" panose="020B0004020202020204" pitchFamily="34" charset="0"/>
+              </a:rPr>
+              <a:t>SBOMs</a:t>
+            </a:r>
+            <a:endParaRPr lang="fr-FR" sz="1800" dirty="0">
+              <a:solidFill>
+                <a:srgbClr val="000000"/>
+              </a:solidFill>
+              <a:effectLst/>
+              <a:latin typeface="Aptos" panose="020B0004020202020204" pitchFamily="34" charset="0"/>
+            </a:endParaRPr>
+          </a:p>
+          <a:p>
+            <a:pPr lvl="1"/>
+            <a:r>
+              <a:rPr lang="fr-FR" dirty="0">
+                <a:solidFill>
+                  <a:srgbClr val="000000"/>
+                </a:solidFill>
+                <a:effectLst/>
+                <a:latin typeface="Aptos" panose="020B0004020202020204" pitchFamily="34" charset="0"/>
+              </a:rPr>
+              <a:t>Avoir une vision globale SCA de la production</a:t>
+            </a:r>
+          </a:p>
+          <a:p>
+            <a:pPr lvl="1"/>
+            <a:r>
+              <a:rPr lang="fr-FR" dirty="0">
+                <a:solidFill>
+                  <a:srgbClr val="000000"/>
+                </a:solidFill>
+                <a:effectLst/>
+                <a:latin typeface="Aptos" panose="020B0004020202020204" pitchFamily="34" charset="0"/>
+              </a:rPr>
+              <a:t>Identifier les composants / générer des alertes en cas de CVE publiée</a:t>
+            </a:r>
+          </a:p>
+          <a:p>
+            <a:pPr lvl="1"/>
+            <a:r>
+              <a:rPr lang="fr-FR" dirty="0">
+                <a:solidFill>
+                  <a:srgbClr val="000000"/>
+                </a:solidFill>
+                <a:effectLst/>
+                <a:latin typeface="Aptos" panose="020B0004020202020204" pitchFamily="34" charset="0"/>
+              </a:rPr>
+              <a:t>Avoir un historique auditable des états de prod (Cyber </a:t>
+            </a:r>
+            <a:r>
+              <a:rPr lang="fr-FR" dirty="0" err="1">
+                <a:solidFill>
+                  <a:srgbClr val="000000"/>
+                </a:solidFill>
+                <a:effectLst/>
+                <a:latin typeface="Aptos" panose="020B0004020202020204" pitchFamily="34" charset="0"/>
+              </a:rPr>
+              <a:t>Resilience</a:t>
+            </a:r>
+            <a:r>
+              <a:rPr lang="fr-FR" dirty="0">
+                <a:solidFill>
+                  <a:srgbClr val="000000"/>
+                </a:solidFill>
+                <a:effectLst/>
+                <a:latin typeface="Aptos" panose="020B0004020202020204" pitchFamily="34" charset="0"/>
+              </a:rPr>
+              <a:t> </a:t>
+            </a:r>
+            <a:r>
+              <a:rPr lang="fr-FR" dirty="0" err="1">
+                <a:solidFill>
+                  <a:srgbClr val="000000"/>
+                </a:solidFill>
+                <a:effectLst/>
+                <a:latin typeface="Aptos" panose="020B0004020202020204" pitchFamily="34" charset="0"/>
+              </a:rPr>
+              <a:t>Act</a:t>
+            </a:r>
+            <a:r>
+              <a:rPr lang="fr-FR" dirty="0">
+                <a:solidFill>
+                  <a:srgbClr val="000000"/>
+                </a:solidFill>
+                <a:effectLst/>
+                <a:latin typeface="Aptos" panose="020B0004020202020204" pitchFamily="34" charset="0"/>
+              </a:rPr>
+              <a:t>)</a:t>
+            </a:r>
+          </a:p>
+        </p:txBody>
+      </p:sp>
+    </p:spTree>
+    <p:extLst>
+      <p:ext uri="{BB962C8B-B14F-4D97-AF65-F5344CB8AC3E}">
+        <p14:creationId xmlns:p14="http://schemas.microsoft.com/office/powerpoint/2010/main" val="2212537058"/>
+      </p:ext>
+    </p:extLst>
+  </p:cSld>
+  <p:clrMapOvr>
+    <a:masterClrMapping/>
+  </p:clrMapOvr>
+</p:sld>
+</file>
+
+<file path=ppt/slides/slide20.xml><?xml version="1.0" encoding="utf-8"?>
+<p:sld xmlns:a="http://schemas.openxmlformats.org/drawingml/2006/main" xmlns:r="http://schemas.openxmlformats.org/officeDocument/2006/relationships" xmlns:p="http://schemas.openxmlformats.org/presentationml/2006/main">
+  <p:cSld>
+    <p:spTree>
+      <p:nvGrpSpPr>
+        <p:cNvPr id="1" name=""/>
+        <p:cNvGrpSpPr/>
+        <p:nvPr/>
+      </p:nvGrpSpPr>
+      <p:grpSpPr>
+        <a:xfrm>
+          <a:off x="0" y="0"/>
+          <a:ext cx="0" cy="0"/>
+          <a:chOff x="0" y="0"/>
+          <a:chExt cx="0" cy="0"/>
+        </a:xfrm>
+      </p:grpSpPr>
+      <p:sp>
+        <p:nvSpPr>
           <p:cNvPr id="2" name="Titre 1">
             <a:extLst>
               <a:ext uri="{FF2B5EF4-FFF2-40B4-BE49-F238E27FC236}">
@@ -5673,7 +6724,7 @@
           <a:p>
             <a:r>
               <a:rPr lang="fr-FR" dirty="0"/>
-              <a:t>1. La conférence </a:t>
+              <a:t>2. Prérequis (!)</a:t>
             </a:r>
           </a:p>
         </p:txBody>
@@ -5701,7 +6752,7 @@
           <a:p>
             <a:r>
               <a:rPr lang="fr-FR" dirty="0"/>
-              <a:t>…</a:t>
+              <a:t>… contexte BNP PF</a:t>
             </a:r>
           </a:p>
         </p:txBody>
@@ -5709,7 +6760,406 @@
     </p:spTree>
     <p:extLst>
       <p:ext uri="{BB962C8B-B14F-4D97-AF65-F5344CB8AC3E}">
-        <p14:creationId xmlns:p14="http://schemas.microsoft.com/office/powerpoint/2010/main" val="4139742507"/>
+        <p14:creationId xmlns:p14="http://schemas.microsoft.com/office/powerpoint/2010/main" val="3043849637"/>
+      </p:ext>
+    </p:extLst>
+  </p:cSld>
+  <p:clrMapOvr>
+    <a:masterClrMapping/>
+  </p:clrMapOvr>
+</p:sld>
+</file>
+
+<file path=ppt/slides/slide21.xml><?xml version="1.0" encoding="utf-8"?>
+<p:sld xmlns:a="http://schemas.openxmlformats.org/drawingml/2006/main" xmlns:r="http://schemas.openxmlformats.org/officeDocument/2006/relationships" xmlns:p="http://schemas.openxmlformats.org/presentationml/2006/main">
+  <p:cSld>
+    <p:spTree>
+      <p:nvGrpSpPr>
+        <p:cNvPr id="1" name=""/>
+        <p:cNvGrpSpPr/>
+        <p:nvPr/>
+      </p:nvGrpSpPr>
+      <p:grpSpPr>
+        <a:xfrm>
+          <a:off x="0" y="0"/>
+          <a:ext cx="0" cy="0"/>
+          <a:chOff x="0" y="0"/>
+          <a:chExt cx="0" cy="0"/>
+        </a:xfrm>
+      </p:grpSpPr>
+      <p:pic>
+        <p:nvPicPr>
+          <p:cNvPr id="5" name="Image 4">
+            <a:extLst>
+              <a:ext uri="{FF2B5EF4-FFF2-40B4-BE49-F238E27FC236}">
+                <a16:creationId xmlns:a16="http://schemas.microsoft.com/office/drawing/2014/main" id="{BBA3AF8F-2974-7006-7015-B44676D79259}"/>
+              </a:ext>
+            </a:extLst>
+          </p:cNvPr>
+          <p:cNvPicPr>
+            <a:picLocks noChangeAspect="1"/>
+          </p:cNvPicPr>
+          <p:nvPr/>
+        </p:nvPicPr>
+        <p:blipFill>
+          <a:blip r:embed="rId2">
+            <a:extLst>
+              <a:ext uri="{28A0092B-C50C-407E-A947-70E740481C1C}">
+                <a14:useLocalDpi xmlns:a14="http://schemas.microsoft.com/office/drawing/2010/main" val="0"/>
+              </a:ext>
+            </a:extLst>
+          </a:blip>
+          <a:stretch>
+            <a:fillRect/>
+          </a:stretch>
+        </p:blipFill>
+        <p:spPr>
+          <a:xfrm>
+            <a:off x="6409016" y="0"/>
+            <a:ext cx="5175000" cy="6858000"/>
+          </a:xfrm>
+          <a:prstGeom prst="rect">
+            <a:avLst/>
+          </a:prstGeom>
+        </p:spPr>
+      </p:pic>
+      <p:sp>
+        <p:nvSpPr>
+          <p:cNvPr id="6" name="ZoneTexte 5">
+            <a:extLst>
+              <a:ext uri="{FF2B5EF4-FFF2-40B4-BE49-F238E27FC236}">
+                <a16:creationId xmlns:a16="http://schemas.microsoft.com/office/drawing/2014/main" id="{1E567FA1-B4F3-0255-30E2-968851DCFDFA}"/>
+              </a:ext>
+            </a:extLst>
+          </p:cNvPr>
+          <p:cNvSpPr txBox="1"/>
+          <p:nvPr/>
+        </p:nvSpPr>
+        <p:spPr>
+          <a:xfrm>
+            <a:off x="924233" y="1209368"/>
+            <a:ext cx="4267199" cy="646331"/>
+          </a:xfrm>
+          <a:prstGeom prst="rect">
+            <a:avLst/>
+          </a:prstGeom>
+          <a:noFill/>
+        </p:spPr>
+        <p:txBody>
+          <a:bodyPr wrap="square">
+            <a:spAutoFit/>
+          </a:bodyPr>
+          <a:lstStyle/>
+          <a:p>
+            <a:r>
+              <a:rPr lang="fr-FR" dirty="0"/>
+              <a:t>En amont, il faut générer les SBOM pour tous les tags candidats à MEP</a:t>
+            </a:r>
+          </a:p>
+        </p:txBody>
+      </p:sp>
+      <p:sp>
+        <p:nvSpPr>
+          <p:cNvPr id="7" name="ZoneTexte 6">
+            <a:extLst>
+              <a:ext uri="{FF2B5EF4-FFF2-40B4-BE49-F238E27FC236}">
+                <a16:creationId xmlns:a16="http://schemas.microsoft.com/office/drawing/2014/main" id="{42C989B3-13B1-F3C6-0E0D-7B43450DC85F}"/>
+              </a:ext>
+            </a:extLst>
+          </p:cNvPr>
+          <p:cNvSpPr txBox="1"/>
+          <p:nvPr/>
+        </p:nvSpPr>
+        <p:spPr>
+          <a:xfrm>
+            <a:off x="924231" y="4832556"/>
+            <a:ext cx="4267199" cy="1200329"/>
+          </a:xfrm>
+          <a:prstGeom prst="rect">
+            <a:avLst/>
+          </a:prstGeom>
+          <a:noFill/>
+        </p:spPr>
+        <p:txBody>
+          <a:bodyPr wrap="square">
+            <a:spAutoFit/>
+          </a:bodyPr>
+          <a:lstStyle/>
+          <a:p>
+            <a:r>
+              <a:rPr lang="fr-FR" dirty="0">
+                <a:sym typeface="Wingdings" panose="05000000000000000000" pitchFamily="2" charset="2"/>
+              </a:rPr>
+              <a:t> </a:t>
+            </a:r>
+            <a:r>
+              <a:rPr lang="fr-FR" dirty="0"/>
+              <a:t>Il faut une gestion des environnements, pour savoir quelle version est déployée dans quel </a:t>
+            </a:r>
+            <a:r>
+              <a:rPr lang="fr-FR" dirty="0" err="1"/>
+              <a:t>env</a:t>
+            </a:r>
+            <a:r>
+              <a:rPr lang="fr-FR" dirty="0"/>
+              <a:t> (dont prod)</a:t>
+            </a:r>
+          </a:p>
+        </p:txBody>
+      </p:sp>
+      <p:sp>
+        <p:nvSpPr>
+          <p:cNvPr id="8" name="ZoneTexte 7">
+            <a:extLst>
+              <a:ext uri="{FF2B5EF4-FFF2-40B4-BE49-F238E27FC236}">
+                <a16:creationId xmlns:a16="http://schemas.microsoft.com/office/drawing/2014/main" id="{28D194AB-6326-DB82-A91C-CA9C125CDC63}"/>
+              </a:ext>
+            </a:extLst>
+          </p:cNvPr>
+          <p:cNvSpPr txBox="1"/>
+          <p:nvPr/>
+        </p:nvSpPr>
+        <p:spPr>
+          <a:xfrm>
+            <a:off x="924233" y="2161937"/>
+            <a:ext cx="4267199" cy="923330"/>
+          </a:xfrm>
+          <a:prstGeom prst="rect">
+            <a:avLst/>
+          </a:prstGeom>
+          <a:noFill/>
+        </p:spPr>
+        <p:txBody>
+          <a:bodyPr wrap="square">
+            <a:spAutoFit/>
+          </a:bodyPr>
+          <a:lstStyle/>
+          <a:p>
+            <a:r>
+              <a:rPr lang="fr-FR" dirty="0"/>
+              <a:t>Risque : alimentation excessive du </a:t>
+            </a:r>
+            <a:r>
+              <a:rPr lang="fr-FR" dirty="0" err="1"/>
+              <a:t>dependency-track</a:t>
+            </a:r>
+            <a:r>
+              <a:rPr lang="fr-FR" dirty="0"/>
+              <a:t>, avec des SBOM qui n’ont jamais atteint la production</a:t>
+            </a:r>
+          </a:p>
+        </p:txBody>
+      </p:sp>
+      <p:sp>
+        <p:nvSpPr>
+          <p:cNvPr id="9" name="ZoneTexte 8">
+            <a:extLst>
+              <a:ext uri="{FF2B5EF4-FFF2-40B4-BE49-F238E27FC236}">
+                <a16:creationId xmlns:a16="http://schemas.microsoft.com/office/drawing/2014/main" id="{5D92E6DD-B5FE-F1CE-9C17-7BC6480C3B9B}"/>
+              </a:ext>
+            </a:extLst>
+          </p:cNvPr>
+          <p:cNvSpPr txBox="1"/>
+          <p:nvPr/>
+        </p:nvSpPr>
+        <p:spPr>
+          <a:xfrm>
+            <a:off x="924232" y="3301449"/>
+            <a:ext cx="4267199" cy="1200329"/>
+          </a:xfrm>
+          <a:prstGeom prst="rect">
+            <a:avLst/>
+          </a:prstGeom>
+          <a:noFill/>
+        </p:spPr>
+        <p:txBody>
+          <a:bodyPr wrap="square">
+            <a:spAutoFit/>
+          </a:bodyPr>
+          <a:lstStyle/>
+          <a:p>
+            <a:r>
+              <a:rPr lang="fr-FR" dirty="0">
+                <a:sym typeface="Wingdings" panose="05000000000000000000" pitchFamily="2" charset="2"/>
+              </a:rPr>
+              <a:t> Il faut une rigueur dans les workflows de </a:t>
+            </a:r>
+            <a:r>
+              <a:rPr lang="fr-FR" dirty="0" err="1">
+                <a:sym typeface="Wingdings" panose="05000000000000000000" pitchFamily="2" charset="2"/>
+              </a:rPr>
+              <a:t>dév</a:t>
+            </a:r>
+            <a:r>
+              <a:rPr lang="fr-FR" dirty="0">
+                <a:sym typeface="Wingdings" panose="05000000000000000000" pitchFamily="2" charset="2"/>
+              </a:rPr>
+              <a:t>. Merge sur master + tag quand on est certain d’aller en prod (au « dernier moment »)</a:t>
+            </a:r>
+            <a:endParaRPr lang="fr-FR" dirty="0"/>
+          </a:p>
+        </p:txBody>
+      </p:sp>
+      <p:sp>
+        <p:nvSpPr>
+          <p:cNvPr id="10" name="Rectangle 9">
+            <a:extLst>
+              <a:ext uri="{FF2B5EF4-FFF2-40B4-BE49-F238E27FC236}">
+                <a16:creationId xmlns:a16="http://schemas.microsoft.com/office/drawing/2014/main" id="{CDACD7A4-5E73-13AC-1F21-46F156C79F0A}"/>
+              </a:ext>
+            </a:extLst>
+          </p:cNvPr>
+          <p:cNvSpPr/>
+          <p:nvPr/>
+        </p:nvSpPr>
+        <p:spPr>
+          <a:xfrm>
+            <a:off x="10186219" y="5152103"/>
+            <a:ext cx="766916" cy="688258"/>
+          </a:xfrm>
+          <a:prstGeom prst="rect">
+            <a:avLst/>
+          </a:prstGeom>
+          <a:noFill/>
+          <a:ln w="76200">
+            <a:solidFill>
+              <a:srgbClr val="92D050"/>
+            </a:solidFill>
+          </a:ln>
+        </p:spPr>
+        <p:style>
+          <a:lnRef idx="2">
+            <a:schemeClr val="accent1">
+              <a:shade val="15000"/>
+            </a:schemeClr>
+          </a:lnRef>
+          <a:fillRef idx="1">
+            <a:schemeClr val="accent1"/>
+          </a:fillRef>
+          <a:effectRef idx="0">
+            <a:schemeClr val="accent1"/>
+          </a:effectRef>
+          <a:fontRef idx="minor">
+            <a:schemeClr val="lt1"/>
+          </a:fontRef>
+        </p:style>
+        <p:txBody>
+          <a:bodyPr rtlCol="0" anchor="ctr"/>
+          <a:lstStyle/>
+          <a:p>
+            <a:pPr algn="ctr"/>
+            <a:endParaRPr lang="fr-FR"/>
+          </a:p>
+        </p:txBody>
+      </p:sp>
+      <p:sp>
+        <p:nvSpPr>
+          <p:cNvPr id="11" name="Rectangle 10">
+            <a:extLst>
+              <a:ext uri="{FF2B5EF4-FFF2-40B4-BE49-F238E27FC236}">
+                <a16:creationId xmlns:a16="http://schemas.microsoft.com/office/drawing/2014/main" id="{F8242104-976B-15F9-1466-13079A6E47CA}"/>
+              </a:ext>
+            </a:extLst>
+          </p:cNvPr>
+          <p:cNvSpPr/>
+          <p:nvPr/>
+        </p:nvSpPr>
+        <p:spPr>
+          <a:xfrm>
+            <a:off x="10161638" y="2231923"/>
+            <a:ext cx="766916" cy="688258"/>
+          </a:xfrm>
+          <a:prstGeom prst="rect">
+            <a:avLst/>
+          </a:prstGeom>
+          <a:noFill/>
+          <a:ln w="76200">
+            <a:solidFill>
+              <a:srgbClr val="92D050"/>
+            </a:solidFill>
+          </a:ln>
+        </p:spPr>
+        <p:style>
+          <a:lnRef idx="2">
+            <a:schemeClr val="accent1">
+              <a:shade val="15000"/>
+            </a:schemeClr>
+          </a:lnRef>
+          <a:fillRef idx="1">
+            <a:schemeClr val="accent1"/>
+          </a:fillRef>
+          <a:effectRef idx="0">
+            <a:schemeClr val="accent1"/>
+          </a:effectRef>
+          <a:fontRef idx="minor">
+            <a:schemeClr val="lt1"/>
+          </a:fontRef>
+        </p:style>
+        <p:txBody>
+          <a:bodyPr rtlCol="0" anchor="ctr"/>
+          <a:lstStyle/>
+          <a:p>
+            <a:pPr algn="ctr"/>
+            <a:endParaRPr lang="fr-FR"/>
+          </a:p>
+        </p:txBody>
+      </p:sp>
+      <p:sp>
+        <p:nvSpPr>
+          <p:cNvPr id="12" name="Rectangle 11">
+            <a:extLst>
+              <a:ext uri="{FF2B5EF4-FFF2-40B4-BE49-F238E27FC236}">
+                <a16:creationId xmlns:a16="http://schemas.microsoft.com/office/drawing/2014/main" id="{9C31D541-F307-1601-10E1-369D11EEEE87}"/>
+              </a:ext>
+            </a:extLst>
+          </p:cNvPr>
+          <p:cNvSpPr/>
+          <p:nvPr/>
+        </p:nvSpPr>
+        <p:spPr>
+          <a:xfrm>
+            <a:off x="10161638" y="521110"/>
+            <a:ext cx="766916" cy="688258"/>
+          </a:xfrm>
+          <a:prstGeom prst="rect">
+            <a:avLst/>
+          </a:prstGeom>
+          <a:noFill/>
+          <a:ln w="76200">
+            <a:solidFill>
+              <a:srgbClr val="92D050"/>
+            </a:solidFill>
+          </a:ln>
+        </p:spPr>
+        <p:style>
+          <a:lnRef idx="2">
+            <a:schemeClr val="accent1">
+              <a:shade val="15000"/>
+            </a:schemeClr>
+          </a:lnRef>
+          <a:fillRef idx="1">
+            <a:schemeClr val="accent1"/>
+          </a:fillRef>
+          <a:effectRef idx="0">
+            <a:schemeClr val="accent1"/>
+          </a:effectRef>
+          <a:fontRef idx="minor">
+            <a:schemeClr val="lt1"/>
+          </a:fontRef>
+        </p:style>
+        <p:txBody>
+          <a:bodyPr rtlCol="0" anchor="ctr"/>
+          <a:lstStyle/>
+          <a:p>
+            <a:pPr algn="ctr"/>
+            <a:endParaRPr lang="fr-FR"/>
+          </a:p>
+        </p:txBody>
+      </p:sp>
+    </p:spTree>
+    <p:extLst>
+      <p:ext uri="{BB962C8B-B14F-4D97-AF65-F5344CB8AC3E}">
+        <p14:creationId xmlns:p14="http://schemas.microsoft.com/office/powerpoint/2010/main" val="1981858791"/>
       </p:ext>
     </p:extLst>
   </p:cSld>
@@ -5738,10 +7188,10 @@
       </p:grpSpPr>
       <p:sp>
         <p:nvSpPr>
-          <p:cNvPr id="4" name="ZoneTexte 3">
-            <a:extLst>
-              <a:ext uri="{FF2B5EF4-FFF2-40B4-BE49-F238E27FC236}">
-                <a16:creationId xmlns:a16="http://schemas.microsoft.com/office/drawing/2014/main" id="{7F0C5016-1A34-7068-15EC-42003DA9FDEC}"/>
+          <p:cNvPr id="3" name="ZoneTexte 2">
+            <a:extLst>
+              <a:ext uri="{FF2B5EF4-FFF2-40B4-BE49-F238E27FC236}">
+                <a16:creationId xmlns:a16="http://schemas.microsoft.com/office/drawing/2014/main" id="{3E25FF46-F192-15BD-68E6-5678BFF4379D}"/>
               </a:ext>
             </a:extLst>
           </p:cNvPr>
@@ -5750,8 +7200,8 @@
         </p:nvSpPr>
         <p:spPr>
           <a:xfrm>
-            <a:off x="776748" y="1033686"/>
-            <a:ext cx="9704439" cy="369332"/>
+            <a:off x="1352939" y="750566"/>
+            <a:ext cx="10170367" cy="3970318"/>
           </a:xfrm>
           <a:prstGeom prst="rect">
             <a:avLst/>
@@ -5765,159 +7215,362 @@
           <a:lstStyle/>
           <a:p>
             <a:r>
-              <a:rPr lang="fr-FR" dirty="0"/>
-              <a:t>Pourquoi les SBOM</a:t>
-            </a:r>
-          </a:p>
-        </p:txBody>
-      </p:sp>
-      <p:sp>
-        <p:nvSpPr>
-          <p:cNvPr id="6" name="ZoneTexte 5">
-            <a:extLst>
-              <a:ext uri="{FF2B5EF4-FFF2-40B4-BE49-F238E27FC236}">
-                <a16:creationId xmlns:a16="http://schemas.microsoft.com/office/drawing/2014/main" id="{A4B26934-92D1-CBBB-AB49-B73B5C6B1360}"/>
-              </a:ext>
-            </a:extLst>
-          </p:cNvPr>
-          <p:cNvSpPr txBox="1"/>
-          <p:nvPr/>
-        </p:nvSpPr>
-        <p:spPr>
-          <a:xfrm>
-            <a:off x="776748" y="1995492"/>
-            <a:ext cx="8287916" cy="369332"/>
-          </a:xfrm>
-          <a:prstGeom prst="rect">
-            <a:avLst/>
-          </a:prstGeom>
-          <a:noFill/>
-        </p:spPr>
-        <p:txBody>
-          <a:bodyPr wrap="square">
-            <a:spAutoFit/>
-          </a:bodyPr>
-          <a:lstStyle/>
-          <a:p>
-            <a:r>
-              <a:rPr lang="fr-FR" dirty="0"/>
-              <a:t>https://worklifenotes.com/2025/01/14/why-a-single-sbom-is-never-enough/</a:t>
-            </a:r>
-          </a:p>
-        </p:txBody>
-      </p:sp>
-      <p:pic>
-        <p:nvPicPr>
-          <p:cNvPr id="8" name="Image 7">
-            <a:extLst>
-              <a:ext uri="{FF2B5EF4-FFF2-40B4-BE49-F238E27FC236}">
-                <a16:creationId xmlns:a16="http://schemas.microsoft.com/office/drawing/2014/main" id="{815C5B30-0C47-F796-0B13-4C94CD43B075}"/>
-              </a:ext>
-            </a:extLst>
-          </p:cNvPr>
-          <p:cNvPicPr>
-            <a:picLocks noChangeAspect="1"/>
-          </p:cNvPicPr>
-          <p:nvPr/>
-        </p:nvPicPr>
-        <p:blipFill>
-          <a:blip r:embed="rId2"/>
-          <a:stretch>
-            <a:fillRect/>
-          </a:stretch>
-        </p:blipFill>
-        <p:spPr>
-          <a:xfrm>
-            <a:off x="776748" y="2798675"/>
-            <a:ext cx="4551097" cy="1740806"/>
-          </a:xfrm>
-          <a:prstGeom prst="rect">
-            <a:avLst/>
-          </a:prstGeom>
-        </p:spPr>
-      </p:pic>
-      <p:pic>
-        <p:nvPicPr>
-          <p:cNvPr id="10" name="Image 9">
-            <a:extLst>
-              <a:ext uri="{FF2B5EF4-FFF2-40B4-BE49-F238E27FC236}">
-                <a16:creationId xmlns:a16="http://schemas.microsoft.com/office/drawing/2014/main" id="{E52F2649-BACD-4503-57BE-4A39505FC12B}"/>
-              </a:ext>
-            </a:extLst>
-          </p:cNvPr>
-          <p:cNvPicPr>
-            <a:picLocks noChangeAspect="1"/>
-          </p:cNvPicPr>
-          <p:nvPr/>
-        </p:nvPicPr>
-        <p:blipFill>
-          <a:blip r:embed="rId3"/>
-          <a:stretch>
-            <a:fillRect/>
-          </a:stretch>
-        </p:blipFill>
-        <p:spPr>
-          <a:xfrm>
-            <a:off x="6102157" y="4106243"/>
-            <a:ext cx="4551097" cy="2224587"/>
-          </a:xfrm>
-          <a:prstGeom prst="rect">
-            <a:avLst/>
-          </a:prstGeom>
-        </p:spPr>
-      </p:pic>
-      <p:sp>
-        <p:nvSpPr>
-          <p:cNvPr id="11" name="ZoneTexte 10">
-            <a:extLst>
-              <a:ext uri="{FF2B5EF4-FFF2-40B4-BE49-F238E27FC236}">
-                <a16:creationId xmlns:a16="http://schemas.microsoft.com/office/drawing/2014/main" id="{2047110B-844F-D181-6A0E-2A839F397291}"/>
-              </a:ext>
-            </a:extLst>
-          </p:cNvPr>
-          <p:cNvSpPr txBox="1"/>
-          <p:nvPr/>
-        </p:nvSpPr>
-        <p:spPr>
-          <a:xfrm>
-            <a:off x="6027576" y="3643035"/>
-            <a:ext cx="4001252" cy="369332"/>
-          </a:xfrm>
-          <a:prstGeom prst="rect">
-            <a:avLst/>
-          </a:prstGeom>
-          <a:noFill/>
-        </p:spPr>
-        <p:txBody>
-          <a:bodyPr wrap="square">
-            <a:spAutoFit/>
-          </a:bodyPr>
-          <a:lstStyle/>
-          <a:p>
-            <a:r>
-              <a:rPr lang="fr-FR" dirty="0"/>
-              <a:t>Cyber </a:t>
-            </a:r>
-            <a:r>
-              <a:rPr lang="fr-FR" dirty="0" err="1"/>
-              <a:t>Resilience</a:t>
-            </a:r>
-            <a:r>
-              <a:rPr lang="fr-FR" dirty="0"/>
-              <a:t> </a:t>
-            </a:r>
-            <a:r>
-              <a:rPr lang="fr-FR" dirty="0" err="1"/>
-              <a:t>Act</a:t>
-            </a:r>
-            <a:endParaRPr lang="fr-FR" dirty="0"/>
+              <a:rPr lang="fr-FR" sz="1800" dirty="0">
+                <a:solidFill>
+                  <a:srgbClr val="000000"/>
+                </a:solidFill>
+                <a:effectLst/>
+                <a:latin typeface="Aptos" panose="020B0004020202020204" pitchFamily="34" charset="0"/>
+              </a:rPr>
+              <a:t>Standards et outils du marché</a:t>
+            </a:r>
+          </a:p>
+          <a:p>
+            <a:pPr lvl="1"/>
+            <a:r>
+              <a:rPr lang="fr-FR" dirty="0">
+                <a:solidFill>
+                  <a:srgbClr val="000000"/>
+                </a:solidFill>
+                <a:effectLst/>
+                <a:latin typeface="Aptos" panose="020B0004020202020204" pitchFamily="34" charset="0"/>
+              </a:rPr>
+              <a:t>Formats</a:t>
+            </a:r>
+          </a:p>
+          <a:p>
+            <a:pPr lvl="2"/>
+            <a:r>
+              <a:rPr lang="fr-FR" dirty="0">
+                <a:solidFill>
+                  <a:srgbClr val="000000"/>
+                </a:solidFill>
+                <a:effectLst/>
+                <a:latin typeface="Aptos" panose="020B0004020202020204" pitchFamily="34" charset="0"/>
+              </a:rPr>
+              <a:t>Linux SPDX vs OWASP </a:t>
+            </a:r>
+            <a:r>
+              <a:rPr lang="fr-FR" dirty="0" err="1">
+                <a:solidFill>
+                  <a:srgbClr val="000000"/>
+                </a:solidFill>
+                <a:effectLst/>
+                <a:latin typeface="Aptos" panose="020B0004020202020204" pitchFamily="34" charset="0"/>
+              </a:rPr>
+              <a:t>CycloneDX</a:t>
+            </a:r>
+            <a:endParaRPr lang="fr-FR" dirty="0">
+              <a:solidFill>
+                <a:srgbClr val="000000"/>
+              </a:solidFill>
+              <a:effectLst/>
+              <a:latin typeface="Aptos" panose="020B0004020202020204" pitchFamily="34" charset="0"/>
+            </a:endParaRPr>
+          </a:p>
+          <a:p>
+            <a:pPr lvl="1"/>
+            <a:r>
+              <a:rPr lang="fr-FR" dirty="0">
+                <a:solidFill>
+                  <a:srgbClr val="000000"/>
+                </a:solidFill>
+                <a:effectLst/>
+                <a:latin typeface="Aptos" panose="020B0004020202020204" pitchFamily="34" charset="0"/>
+              </a:rPr>
+              <a:t>Génération de </a:t>
+            </a:r>
+            <a:r>
+              <a:rPr lang="fr-FR" dirty="0" err="1">
+                <a:solidFill>
+                  <a:srgbClr val="000000"/>
+                </a:solidFill>
+                <a:effectLst/>
+                <a:latin typeface="Aptos" panose="020B0004020202020204" pitchFamily="34" charset="0"/>
+              </a:rPr>
+              <a:t>SBOMs</a:t>
+            </a:r>
+            <a:endParaRPr lang="fr-FR" dirty="0">
+              <a:solidFill>
+                <a:srgbClr val="000000"/>
+              </a:solidFill>
+              <a:effectLst/>
+              <a:latin typeface="Aptos" panose="020B0004020202020204" pitchFamily="34" charset="0"/>
+            </a:endParaRPr>
+          </a:p>
+          <a:p>
+            <a:pPr lvl="2"/>
+            <a:r>
+              <a:rPr lang="fr-FR" dirty="0" err="1">
+                <a:solidFill>
+                  <a:srgbClr val="000000"/>
+                </a:solidFill>
+                <a:effectLst/>
+                <a:latin typeface="Aptos" panose="020B0004020202020204" pitchFamily="34" charset="0"/>
+              </a:rPr>
+              <a:t>Syft</a:t>
+            </a:r>
+            <a:r>
+              <a:rPr lang="fr-FR" dirty="0">
+                <a:solidFill>
+                  <a:srgbClr val="000000"/>
+                </a:solidFill>
+                <a:effectLst/>
+                <a:latin typeface="Aptos" panose="020B0004020202020204" pitchFamily="34" charset="0"/>
+              </a:rPr>
+              <a:t>, </a:t>
+            </a:r>
+            <a:r>
+              <a:rPr lang="fr-FR" dirty="0" err="1">
+                <a:solidFill>
+                  <a:srgbClr val="000000"/>
+                </a:solidFill>
+                <a:effectLst/>
+                <a:latin typeface="Aptos" panose="020B0004020202020204" pitchFamily="34" charset="0"/>
+              </a:rPr>
+              <a:t>Gemnasium</a:t>
+            </a:r>
+            <a:r>
+              <a:rPr lang="fr-FR" dirty="0">
+                <a:solidFill>
+                  <a:srgbClr val="000000"/>
+                </a:solidFill>
+                <a:effectLst/>
+                <a:latin typeface="Aptos" panose="020B0004020202020204" pitchFamily="34" charset="0"/>
+              </a:rPr>
+              <a:t>, Trivy, Docker Scout, Microsoft </a:t>
+            </a:r>
+            <a:r>
+              <a:rPr lang="fr-FR" dirty="0" err="1">
+                <a:solidFill>
+                  <a:srgbClr val="000000"/>
+                </a:solidFill>
+                <a:effectLst/>
+                <a:latin typeface="Aptos" panose="020B0004020202020204" pitchFamily="34" charset="0"/>
+              </a:rPr>
+              <a:t>sbom-tool</a:t>
+            </a:r>
+            <a:r>
+              <a:rPr lang="fr-FR" dirty="0">
+                <a:solidFill>
+                  <a:srgbClr val="000000"/>
+                </a:solidFill>
+                <a:effectLst/>
+                <a:latin typeface="Aptos" panose="020B0004020202020204" pitchFamily="34" charset="0"/>
+              </a:rPr>
+              <a:t>, OWASP </a:t>
+            </a:r>
+            <a:r>
+              <a:rPr lang="fr-FR" dirty="0" err="1">
+                <a:solidFill>
+                  <a:srgbClr val="000000"/>
+                </a:solidFill>
+                <a:effectLst/>
+                <a:latin typeface="Aptos" panose="020B0004020202020204" pitchFamily="34" charset="0"/>
+              </a:rPr>
+              <a:t>cdxgen</a:t>
+            </a:r>
+            <a:endParaRPr lang="fr-FR" dirty="0">
+              <a:solidFill>
+                <a:srgbClr val="000000"/>
+              </a:solidFill>
+              <a:effectLst/>
+              <a:latin typeface="Aptos" panose="020B0004020202020204" pitchFamily="34" charset="0"/>
+            </a:endParaRPr>
+          </a:p>
+          <a:p>
+            <a:pPr lvl="1"/>
+            <a:r>
+              <a:rPr lang="fr-FR" dirty="0">
+                <a:solidFill>
+                  <a:srgbClr val="000000"/>
+                </a:solidFill>
+                <a:effectLst/>
+                <a:latin typeface="Aptos" panose="020B0004020202020204" pitchFamily="34" charset="0"/>
+              </a:rPr>
+              <a:t>Historisation des SBOM dans registre de binaires (</a:t>
+            </a:r>
+            <a:r>
+              <a:rPr lang="fr-FR" dirty="0" err="1">
+                <a:solidFill>
+                  <a:srgbClr val="000000"/>
+                </a:solidFill>
+                <a:effectLst/>
+                <a:latin typeface="Aptos" panose="020B0004020202020204" pitchFamily="34" charset="0"/>
+              </a:rPr>
+              <a:t>arti</a:t>
+            </a:r>
+            <a:r>
+              <a:rPr lang="fr-FR" dirty="0">
+                <a:solidFill>
+                  <a:srgbClr val="000000"/>
+                </a:solidFill>
+                <a:effectLst/>
+                <a:latin typeface="Aptos" panose="020B0004020202020204" pitchFamily="34" charset="0"/>
+              </a:rPr>
+              <a:t>)</a:t>
+            </a:r>
+          </a:p>
+          <a:p>
+            <a:pPr lvl="1"/>
+            <a:r>
+              <a:rPr lang="fr-FR" dirty="0">
+                <a:solidFill>
+                  <a:srgbClr val="000000"/>
+                </a:solidFill>
+                <a:effectLst/>
+                <a:latin typeface="Aptos" panose="020B0004020202020204" pitchFamily="34" charset="0"/>
+              </a:rPr>
+              <a:t>Agrégation et analyse des </a:t>
+            </a:r>
+            <a:r>
+              <a:rPr lang="fr-FR" dirty="0" err="1">
+                <a:solidFill>
+                  <a:srgbClr val="000000"/>
+                </a:solidFill>
+                <a:effectLst/>
+                <a:latin typeface="Aptos" panose="020B0004020202020204" pitchFamily="34" charset="0"/>
+              </a:rPr>
+              <a:t>SBOMs</a:t>
+            </a:r>
+            <a:endParaRPr lang="fr-FR" dirty="0">
+              <a:solidFill>
+                <a:srgbClr val="000000"/>
+              </a:solidFill>
+              <a:effectLst/>
+              <a:latin typeface="Aptos" panose="020B0004020202020204" pitchFamily="34" charset="0"/>
+            </a:endParaRPr>
+          </a:p>
+          <a:p>
+            <a:pPr lvl="2"/>
+            <a:r>
+              <a:rPr lang="fr-FR" dirty="0">
+                <a:solidFill>
+                  <a:srgbClr val="000000"/>
+                </a:solidFill>
+                <a:effectLst/>
+                <a:latin typeface="Aptos" panose="020B0004020202020204" pitchFamily="34" charset="0"/>
+              </a:rPr>
+              <a:t>OWASP </a:t>
+            </a:r>
+            <a:r>
+              <a:rPr lang="fr-FR" dirty="0" err="1">
+                <a:solidFill>
+                  <a:srgbClr val="000000"/>
+                </a:solidFill>
+                <a:effectLst/>
+                <a:latin typeface="Aptos" panose="020B0004020202020204" pitchFamily="34" charset="0"/>
+              </a:rPr>
+              <a:t>Dependency</a:t>
+            </a:r>
+            <a:r>
+              <a:rPr lang="fr-FR" dirty="0">
+                <a:solidFill>
+                  <a:srgbClr val="000000"/>
+                </a:solidFill>
+                <a:effectLst/>
+                <a:latin typeface="Aptos" panose="020B0004020202020204" pitchFamily="34" charset="0"/>
+              </a:rPr>
+              <a:t>-Track</a:t>
+            </a:r>
+          </a:p>
+          <a:p>
+            <a:r>
+              <a:rPr lang="fr-FR" sz="1800" dirty="0">
+                <a:solidFill>
+                  <a:srgbClr val="000000"/>
+                </a:solidFill>
+                <a:effectLst/>
+                <a:latin typeface="Aptos" panose="020B0004020202020204" pitchFamily="34" charset="0"/>
+              </a:rPr>
+              <a:t>Pourquoi plusieurs </a:t>
+            </a:r>
+            <a:r>
+              <a:rPr lang="fr-FR" sz="1800" dirty="0" err="1">
+                <a:solidFill>
+                  <a:srgbClr val="000000"/>
+                </a:solidFill>
+                <a:effectLst/>
+                <a:latin typeface="Aptos" panose="020B0004020202020204" pitchFamily="34" charset="0"/>
+              </a:rPr>
+              <a:t>SBOMs</a:t>
+            </a:r>
+            <a:r>
+              <a:rPr lang="fr-FR" sz="1800" dirty="0">
+                <a:solidFill>
+                  <a:srgbClr val="000000"/>
+                </a:solidFill>
+                <a:effectLst/>
+                <a:latin typeface="Aptos" panose="020B0004020202020204" pitchFamily="34" charset="0"/>
+              </a:rPr>
+              <a:t> par repo git</a:t>
+            </a:r>
+          </a:p>
+          <a:p>
+            <a:pPr lvl="1"/>
+            <a:r>
+              <a:rPr lang="fr-FR" dirty="0">
+                <a:solidFill>
+                  <a:srgbClr val="000000"/>
+                </a:solidFill>
+                <a:effectLst/>
+                <a:latin typeface="Aptos" panose="020B0004020202020204" pitchFamily="34" charset="0"/>
+              </a:rPr>
+              <a:t>Génération à partir du code source, génération à partir d'une image de conteneur</a:t>
+            </a:r>
+          </a:p>
+          <a:p>
+            <a:pPr lvl="1"/>
+            <a:r>
+              <a:rPr lang="fr-FR" dirty="0">
+                <a:solidFill>
+                  <a:srgbClr val="000000"/>
+                </a:solidFill>
+                <a:effectLst/>
+                <a:latin typeface="Aptos" panose="020B0004020202020204" pitchFamily="34" charset="0"/>
+              </a:rPr>
+              <a:t>Dépendances de développement et dépendances embarquées dans le livrable de production</a:t>
+            </a:r>
+          </a:p>
+          <a:p>
+            <a:r>
+              <a:rPr lang="fr-FR" sz="1800" dirty="0">
+                <a:solidFill>
+                  <a:srgbClr val="000000"/>
+                </a:solidFill>
+                <a:effectLst/>
+                <a:latin typeface="Aptos" panose="020B0004020202020204" pitchFamily="34" charset="0"/>
+              </a:rPr>
+              <a:t>SBOM vs "formulation"</a:t>
+            </a:r>
+          </a:p>
+          <a:p>
+            <a:r>
+              <a:rPr lang="fr-FR" sz="1800" dirty="0">
+                <a:solidFill>
+                  <a:srgbClr val="000000"/>
+                </a:solidFill>
+                <a:effectLst/>
+                <a:latin typeface="Aptos" panose="020B0004020202020204" pitchFamily="34" charset="0"/>
+              </a:rPr>
+              <a:t>Concept de "OBOM" (?)</a:t>
+            </a:r>
+          </a:p>
+          <a:p>
+            <a:endParaRPr lang="fr-FR" sz="1800" dirty="0">
+              <a:solidFill>
+                <a:srgbClr val="000000"/>
+              </a:solidFill>
+              <a:effectLst/>
+              <a:latin typeface="Aptos" panose="020B0004020202020204" pitchFamily="34" charset="0"/>
+            </a:endParaRPr>
           </a:p>
         </p:txBody>
       </p:sp>
     </p:spTree>
     <p:extLst>
       <p:ext uri="{BB962C8B-B14F-4D97-AF65-F5344CB8AC3E}">
-        <p14:creationId xmlns:p14="http://schemas.microsoft.com/office/powerpoint/2010/main" val="3728564838"/>
+        <p14:creationId xmlns:p14="http://schemas.microsoft.com/office/powerpoint/2010/main" val="3705933369"/>
       </p:ext>
     </p:extLst>
   </p:cSld>
@@ -5946,56 +7599,513 @@
       </p:grpSpPr>
       <p:sp>
         <p:nvSpPr>
-          <p:cNvPr id="2" name="Titre 1">
-            <a:extLst>
-              <a:ext uri="{FF2B5EF4-FFF2-40B4-BE49-F238E27FC236}">
-                <a16:creationId xmlns:a16="http://schemas.microsoft.com/office/drawing/2014/main" id="{6A64B89D-CCF4-D906-7DEA-1879B71A475E}"/>
-              </a:ext>
-            </a:extLst>
-          </p:cNvPr>
-          <p:cNvSpPr>
-            <a:spLocks noGrp="1"/>
-          </p:cNvSpPr>
-          <p:nvPr>
-            <p:ph type="title"/>
-          </p:nvPr>
-        </p:nvSpPr>
-        <p:spPr/>
-        <p:txBody>
-          <a:bodyPr/>
-          <a:lstStyle/>
-          <a:p>
-            <a:r>
-              <a:rPr lang="fr-FR" dirty="0"/>
-              <a:t>2. Analyse, POC</a:t>
-            </a:r>
-          </a:p>
-        </p:txBody>
-      </p:sp>
-      <p:sp>
-        <p:nvSpPr>
-          <p:cNvPr id="3" name="Espace réservé du texte 2">
-            <a:extLst>
-              <a:ext uri="{FF2B5EF4-FFF2-40B4-BE49-F238E27FC236}">
-                <a16:creationId xmlns:a16="http://schemas.microsoft.com/office/drawing/2014/main" id="{E23DCB19-E38E-ABB7-E1F3-9112A1290E0C}"/>
-              </a:ext>
-            </a:extLst>
-          </p:cNvPr>
-          <p:cNvSpPr>
-            <a:spLocks noGrp="1"/>
-          </p:cNvSpPr>
-          <p:nvPr>
-            <p:ph type="body" idx="1"/>
-          </p:nvPr>
-        </p:nvSpPr>
-        <p:spPr/>
-        <p:txBody>
-          <a:bodyPr/>
-          <a:lstStyle/>
-          <a:p>
-            <a:r>
-              <a:rPr lang="fr-FR" dirty="0"/>
-              <a:t>… contexte BNP PF</a:t>
+          <p:cNvPr id="3" name="ZoneTexte 2">
+            <a:extLst>
+              <a:ext uri="{FF2B5EF4-FFF2-40B4-BE49-F238E27FC236}">
+                <a16:creationId xmlns:a16="http://schemas.microsoft.com/office/drawing/2014/main" id="{EE59D221-3F0D-5B7E-9B3C-F7A2CCFE6771}"/>
+              </a:ext>
+            </a:extLst>
+          </p:cNvPr>
+          <p:cNvSpPr txBox="1"/>
+          <p:nvPr/>
+        </p:nvSpPr>
+        <p:spPr>
+          <a:xfrm>
+            <a:off x="867747" y="767714"/>
+            <a:ext cx="10394302" cy="5355312"/>
+          </a:xfrm>
+          <a:prstGeom prst="rect">
+            <a:avLst/>
+          </a:prstGeom>
+          <a:noFill/>
+        </p:spPr>
+        <p:txBody>
+          <a:bodyPr wrap="square">
+            <a:spAutoFit/>
+          </a:bodyPr>
+          <a:lstStyle/>
+          <a:p>
+            <a:r>
+              <a:rPr lang="fr-FR" sz="1800" dirty="0">
+                <a:solidFill>
+                  <a:srgbClr val="000000"/>
+                </a:solidFill>
+                <a:effectLst/>
+                <a:latin typeface="Aptos" panose="020B0004020202020204" pitchFamily="34" charset="0"/>
+              </a:rPr>
+              <a:t>POC / démo</a:t>
+            </a:r>
+          </a:p>
+          <a:p>
+            <a:pPr lvl="1"/>
+            <a:r>
+              <a:rPr lang="fr-FR" dirty="0">
+                <a:solidFill>
+                  <a:srgbClr val="000000"/>
+                </a:solidFill>
+                <a:effectLst/>
+                <a:latin typeface="Aptos" panose="020B0004020202020204" pitchFamily="34" charset="0"/>
+              </a:rPr>
+              <a:t>Critères pour le choix des technos</a:t>
+            </a:r>
+          </a:p>
+          <a:p>
+            <a:pPr lvl="2"/>
+            <a:r>
+              <a:rPr lang="fr-FR" dirty="0" err="1">
+                <a:solidFill>
+                  <a:srgbClr val="000000"/>
+                </a:solidFill>
+                <a:effectLst/>
+                <a:latin typeface="Aptos" panose="020B0004020202020204" pitchFamily="34" charset="0"/>
+              </a:rPr>
+              <a:t>Toolchain</a:t>
+            </a:r>
+            <a:r>
+              <a:rPr lang="fr-FR" dirty="0">
+                <a:solidFill>
+                  <a:srgbClr val="000000"/>
+                </a:solidFill>
+                <a:effectLst/>
+                <a:latin typeface="Aptos" panose="020B0004020202020204" pitchFamily="34" charset="0"/>
+              </a:rPr>
+              <a:t> mission</a:t>
+            </a:r>
+          </a:p>
+          <a:p>
+            <a:pPr lvl="3"/>
+            <a:r>
+              <a:rPr lang="fr-FR" dirty="0" err="1">
+                <a:solidFill>
+                  <a:srgbClr val="000000"/>
+                </a:solidFill>
+                <a:effectLst/>
+                <a:latin typeface="Aptos" panose="020B0004020202020204" pitchFamily="34" charset="0"/>
+              </a:rPr>
+              <a:t>GitLab</a:t>
+            </a:r>
+            <a:r>
+              <a:rPr lang="fr-FR" dirty="0">
+                <a:solidFill>
+                  <a:srgbClr val="000000"/>
+                </a:solidFill>
+                <a:effectLst/>
+                <a:latin typeface="Aptos" panose="020B0004020202020204" pitchFamily="34" charset="0"/>
+              </a:rPr>
+              <a:t>, </a:t>
+            </a:r>
+            <a:r>
+              <a:rPr lang="fr-FR" dirty="0" err="1">
+                <a:solidFill>
+                  <a:srgbClr val="000000"/>
+                </a:solidFill>
+                <a:effectLst/>
+                <a:latin typeface="Aptos" panose="020B0004020202020204" pitchFamily="34" charset="0"/>
+              </a:rPr>
+              <a:t>gitlab</a:t>
+            </a:r>
+            <a:r>
+              <a:rPr lang="fr-FR" dirty="0">
+                <a:solidFill>
+                  <a:srgbClr val="000000"/>
+                </a:solidFill>
+                <a:effectLst/>
+                <a:latin typeface="Aptos" panose="020B0004020202020204" pitchFamily="34" charset="0"/>
+              </a:rPr>
+              <a:t>-ci (mais facilement transposable sur Jenkins)</a:t>
+            </a:r>
+          </a:p>
+          <a:p>
+            <a:pPr lvl="2"/>
+            <a:r>
+              <a:rPr lang="fr-FR" dirty="0">
+                <a:solidFill>
+                  <a:srgbClr val="000000"/>
+                </a:solidFill>
+                <a:effectLst/>
+                <a:latin typeface="Aptos" panose="020B0004020202020204" pitchFamily="34" charset="0"/>
+              </a:rPr>
+              <a:t>Conteneurisation Docker</a:t>
+            </a:r>
+          </a:p>
+          <a:p>
+            <a:pPr lvl="2"/>
+            <a:r>
+              <a:rPr lang="fr-FR" dirty="0">
+                <a:solidFill>
+                  <a:srgbClr val="000000"/>
+                </a:solidFill>
+                <a:effectLst/>
+                <a:latin typeface="Aptos" panose="020B0004020202020204" pitchFamily="34" charset="0"/>
+              </a:rPr>
+              <a:t>OWASP </a:t>
+            </a:r>
+            <a:r>
+              <a:rPr lang="fr-FR" dirty="0" err="1">
+                <a:solidFill>
+                  <a:srgbClr val="000000"/>
+                </a:solidFill>
+                <a:effectLst/>
+                <a:latin typeface="Aptos" panose="020B0004020202020204" pitchFamily="34" charset="0"/>
+              </a:rPr>
+              <a:t>CycloneDX</a:t>
+            </a:r>
+            <a:endParaRPr lang="fr-FR" dirty="0">
+              <a:solidFill>
+                <a:srgbClr val="000000"/>
+              </a:solidFill>
+              <a:effectLst/>
+              <a:latin typeface="Aptos" panose="020B0004020202020204" pitchFamily="34" charset="0"/>
+            </a:endParaRPr>
+          </a:p>
+          <a:p>
+            <a:pPr lvl="2"/>
+            <a:r>
+              <a:rPr lang="fr-FR" dirty="0">
+                <a:solidFill>
+                  <a:srgbClr val="000000"/>
+                </a:solidFill>
+                <a:effectLst/>
+                <a:latin typeface="Aptos" panose="020B0004020202020204" pitchFamily="34" charset="0"/>
+              </a:rPr>
+              <a:t>OWASP </a:t>
+            </a:r>
+            <a:r>
+              <a:rPr lang="fr-FR" dirty="0" err="1">
+                <a:solidFill>
+                  <a:srgbClr val="000000"/>
+                </a:solidFill>
+                <a:effectLst/>
+                <a:latin typeface="Aptos" panose="020B0004020202020204" pitchFamily="34" charset="0"/>
+              </a:rPr>
+              <a:t>cdxgen</a:t>
+            </a:r>
+            <a:endParaRPr lang="fr-FR" dirty="0">
+              <a:solidFill>
+                <a:srgbClr val="000000"/>
+              </a:solidFill>
+              <a:effectLst/>
+              <a:latin typeface="Aptos" panose="020B0004020202020204" pitchFamily="34" charset="0"/>
+            </a:endParaRPr>
+          </a:p>
+          <a:p>
+            <a:pPr lvl="2"/>
+            <a:r>
+              <a:rPr lang="fr-FR" dirty="0">
+                <a:solidFill>
+                  <a:srgbClr val="000000"/>
+                </a:solidFill>
+                <a:effectLst/>
+                <a:latin typeface="Aptos" panose="020B0004020202020204" pitchFamily="34" charset="0"/>
+              </a:rPr>
+              <a:t>OWASP </a:t>
+            </a:r>
+            <a:r>
+              <a:rPr lang="fr-FR" dirty="0" err="1">
+                <a:solidFill>
+                  <a:srgbClr val="000000"/>
+                </a:solidFill>
+                <a:effectLst/>
+                <a:latin typeface="Aptos" panose="020B0004020202020204" pitchFamily="34" charset="0"/>
+              </a:rPr>
+              <a:t>Dependency</a:t>
+            </a:r>
+            <a:r>
+              <a:rPr lang="fr-FR" dirty="0">
+                <a:solidFill>
+                  <a:srgbClr val="000000"/>
+                </a:solidFill>
+                <a:effectLst/>
+                <a:latin typeface="Aptos" panose="020B0004020202020204" pitchFamily="34" charset="0"/>
+              </a:rPr>
+              <a:t>-Track</a:t>
+            </a:r>
+          </a:p>
+          <a:p>
+            <a:pPr lvl="1"/>
+            <a:r>
+              <a:rPr lang="fr-FR" dirty="0">
+                <a:solidFill>
+                  <a:srgbClr val="000000"/>
+                </a:solidFill>
+                <a:effectLst/>
+                <a:latin typeface="Aptos" panose="020B0004020202020204" pitchFamily="34" charset="0"/>
+              </a:rPr>
+              <a:t>Périmètre du POC</a:t>
+            </a:r>
+          </a:p>
+          <a:p>
+            <a:pPr lvl="2"/>
+            <a:r>
+              <a:rPr lang="fr-FR" dirty="0">
+                <a:solidFill>
+                  <a:srgbClr val="000000"/>
+                </a:solidFill>
+                <a:effectLst/>
+                <a:latin typeface="Aptos" panose="020B0004020202020204" pitchFamily="34" charset="0"/>
+              </a:rPr>
+              <a:t>Avoir un historique auditable des états de prod (Cyber </a:t>
+            </a:r>
+            <a:r>
+              <a:rPr lang="fr-FR" dirty="0" err="1">
+                <a:solidFill>
+                  <a:srgbClr val="000000"/>
+                </a:solidFill>
+                <a:effectLst/>
+                <a:latin typeface="Aptos" panose="020B0004020202020204" pitchFamily="34" charset="0"/>
+              </a:rPr>
+              <a:t>Resilience</a:t>
+            </a:r>
+            <a:r>
+              <a:rPr lang="fr-FR" dirty="0">
+                <a:solidFill>
+                  <a:srgbClr val="000000"/>
+                </a:solidFill>
+                <a:effectLst/>
+                <a:latin typeface="Aptos" panose="020B0004020202020204" pitchFamily="34" charset="0"/>
+              </a:rPr>
+              <a:t> </a:t>
+            </a:r>
+            <a:r>
+              <a:rPr lang="fr-FR" dirty="0" err="1">
+                <a:solidFill>
+                  <a:srgbClr val="000000"/>
+                </a:solidFill>
+                <a:effectLst/>
+                <a:latin typeface="Aptos" panose="020B0004020202020204" pitchFamily="34" charset="0"/>
+              </a:rPr>
+              <a:t>Act</a:t>
+            </a:r>
+            <a:r>
+              <a:rPr lang="fr-FR" dirty="0">
+                <a:solidFill>
+                  <a:srgbClr val="000000"/>
+                </a:solidFill>
+                <a:effectLst/>
+                <a:latin typeface="Aptos" panose="020B0004020202020204" pitchFamily="34" charset="0"/>
+              </a:rPr>
+              <a:t>)</a:t>
+            </a:r>
+          </a:p>
+          <a:p>
+            <a:pPr lvl="3"/>
+            <a:r>
+              <a:rPr lang="fr-FR" dirty="0">
+                <a:solidFill>
+                  <a:srgbClr val="000000"/>
+                </a:solidFill>
+                <a:effectLst/>
+                <a:latin typeface="Aptos" panose="020B0004020202020204" pitchFamily="34" charset="0"/>
+              </a:rPr>
+              <a:t>périmètre du CRA (exigences de cybersécurité applicables aux produits matériels et logiciels contenant des éléments numériques mis sur le marché de l'Union européenne)</a:t>
+            </a:r>
+          </a:p>
+          <a:p>
+            <a:pPr lvl="2"/>
+            <a:r>
+              <a:rPr lang="fr-FR" dirty="0">
+                <a:solidFill>
+                  <a:srgbClr val="000000"/>
+                </a:solidFill>
+                <a:effectLst/>
+                <a:latin typeface="Aptos" panose="020B0004020202020204" pitchFamily="34" charset="0"/>
+              </a:rPr>
+              <a:t>Génération de </a:t>
+            </a:r>
+            <a:r>
+              <a:rPr lang="fr-FR" dirty="0" err="1">
+                <a:solidFill>
+                  <a:srgbClr val="000000"/>
+                </a:solidFill>
+                <a:effectLst/>
+                <a:latin typeface="Aptos" panose="020B0004020202020204" pitchFamily="34" charset="0"/>
+              </a:rPr>
+              <a:t>SBOMs</a:t>
+            </a:r>
+            <a:r>
+              <a:rPr lang="fr-FR" dirty="0">
+                <a:solidFill>
+                  <a:srgbClr val="000000"/>
+                </a:solidFill>
+                <a:effectLst/>
+                <a:latin typeface="Aptos" panose="020B0004020202020204" pitchFamily="34" charset="0"/>
+              </a:rPr>
+              <a:t> depuis </a:t>
+            </a:r>
+            <a:r>
+              <a:rPr lang="fr-FR" dirty="0" err="1">
+                <a:solidFill>
+                  <a:srgbClr val="000000"/>
+                </a:solidFill>
+                <a:effectLst/>
+                <a:latin typeface="Aptos" panose="020B0004020202020204" pitchFamily="34" charset="0"/>
+              </a:rPr>
+              <a:t>gitlab</a:t>
+            </a:r>
+            <a:r>
+              <a:rPr lang="fr-FR" dirty="0">
+                <a:solidFill>
+                  <a:srgbClr val="000000"/>
+                </a:solidFill>
+                <a:effectLst/>
+                <a:latin typeface="Aptos" panose="020B0004020202020204" pitchFamily="34" charset="0"/>
+              </a:rPr>
+              <a:t>-ci</a:t>
+            </a:r>
+          </a:p>
+          <a:p>
+            <a:pPr lvl="3"/>
+            <a:r>
+              <a:rPr lang="fr-FR" dirty="0">
+                <a:solidFill>
+                  <a:srgbClr val="000000"/>
+                </a:solidFill>
+                <a:effectLst/>
+                <a:latin typeface="Aptos" panose="020B0004020202020204" pitchFamily="34" charset="0"/>
+              </a:rPr>
+              <a:t>Comparaison source code/image/merge des deux</a:t>
+            </a:r>
+          </a:p>
+          <a:p>
+            <a:pPr lvl="3"/>
+            <a:r>
+              <a:rPr lang="fr-FR" dirty="0">
+                <a:solidFill>
+                  <a:srgbClr val="000000"/>
+                </a:solidFill>
+                <a:effectLst/>
+                <a:latin typeface="Aptos" panose="020B0004020202020204" pitchFamily="34" charset="0"/>
+              </a:rPr>
+              <a:t>Distinction dev/prod </a:t>
+            </a:r>
+            <a:r>
+              <a:rPr lang="fr-FR" dirty="0" err="1">
+                <a:solidFill>
+                  <a:srgbClr val="000000"/>
+                </a:solidFill>
+                <a:effectLst/>
+                <a:latin typeface="Aptos" panose="020B0004020202020204" pitchFamily="34" charset="0"/>
+              </a:rPr>
+              <a:t>dependencies</a:t>
+            </a:r>
+            <a:endParaRPr lang="fr-FR" dirty="0">
+              <a:solidFill>
+                <a:srgbClr val="000000"/>
+              </a:solidFill>
+              <a:effectLst/>
+              <a:latin typeface="Aptos" panose="020B0004020202020204" pitchFamily="34" charset="0"/>
+            </a:endParaRPr>
+          </a:p>
+          <a:p>
+            <a:pPr lvl="2"/>
+            <a:r>
+              <a:rPr lang="fr-FR" dirty="0">
+                <a:solidFill>
+                  <a:srgbClr val="000000"/>
+                </a:solidFill>
+                <a:effectLst/>
+                <a:latin typeface="Aptos" panose="020B0004020202020204" pitchFamily="34" charset="0"/>
+              </a:rPr>
+              <a:t>Collecte dans </a:t>
+            </a:r>
+            <a:r>
+              <a:rPr lang="fr-FR" dirty="0" err="1">
+                <a:solidFill>
+                  <a:srgbClr val="000000"/>
+                </a:solidFill>
+                <a:effectLst/>
+                <a:latin typeface="Aptos" panose="020B0004020202020204" pitchFamily="34" charset="0"/>
+              </a:rPr>
+              <a:t>Dependency</a:t>
+            </a:r>
+            <a:r>
+              <a:rPr lang="fr-FR" dirty="0">
+                <a:solidFill>
+                  <a:srgbClr val="000000"/>
+                </a:solidFill>
+                <a:effectLst/>
+                <a:latin typeface="Aptos" panose="020B0004020202020204" pitchFamily="34" charset="0"/>
+              </a:rPr>
+              <a:t>-Track</a:t>
+            </a:r>
+          </a:p>
+          <a:p>
+            <a:pPr lvl="2"/>
+            <a:r>
+              <a:rPr lang="fr-FR" dirty="0">
+                <a:solidFill>
+                  <a:srgbClr val="000000"/>
+                </a:solidFill>
+                <a:effectLst/>
+                <a:latin typeface="Aptos" panose="020B0004020202020204" pitchFamily="34" charset="0"/>
+              </a:rPr>
+              <a:t>Utilisation de l'API </a:t>
+            </a:r>
+            <a:r>
+              <a:rPr lang="fr-FR" dirty="0" err="1">
+                <a:solidFill>
+                  <a:srgbClr val="000000"/>
+                </a:solidFill>
+                <a:effectLst/>
+                <a:latin typeface="Aptos" panose="020B0004020202020204" pitchFamily="34" charset="0"/>
+              </a:rPr>
+              <a:t>Dependency</a:t>
+            </a:r>
+            <a:r>
+              <a:rPr lang="fr-FR" dirty="0">
+                <a:solidFill>
+                  <a:srgbClr val="000000"/>
+                </a:solidFill>
+                <a:effectLst/>
+                <a:latin typeface="Aptos" panose="020B0004020202020204" pitchFamily="34" charset="0"/>
+              </a:rPr>
+              <a:t>-Track</a:t>
+            </a:r>
+          </a:p>
+          <a:p>
+            <a:pPr lvl="3"/>
+            <a:r>
+              <a:rPr lang="fr-FR" dirty="0">
+                <a:solidFill>
+                  <a:srgbClr val="000000"/>
+                </a:solidFill>
+                <a:effectLst/>
+                <a:latin typeface="Aptos" panose="020B0004020202020204" pitchFamily="34" charset="0"/>
+              </a:rPr>
+              <a:t>Export de "</a:t>
+            </a:r>
+            <a:r>
+              <a:rPr lang="fr-FR" dirty="0" err="1">
+                <a:solidFill>
+                  <a:srgbClr val="000000"/>
+                </a:solidFill>
+                <a:effectLst/>
+                <a:latin typeface="Aptos" panose="020B0004020202020204" pitchFamily="34" charset="0"/>
+              </a:rPr>
+              <a:t>findings</a:t>
+            </a:r>
+            <a:r>
+              <a:rPr lang="fr-FR" dirty="0">
+                <a:solidFill>
+                  <a:srgbClr val="000000"/>
+                </a:solidFill>
+                <a:effectLst/>
+                <a:latin typeface="Aptos" panose="020B0004020202020204" pitchFamily="34" charset="0"/>
+              </a:rPr>
+              <a:t>"</a:t>
+            </a:r>
+          </a:p>
+          <a:p>
+            <a:pPr lvl="3"/>
+            <a:r>
+              <a:rPr lang="fr-FR" dirty="0">
+                <a:solidFill>
+                  <a:srgbClr val="000000"/>
+                </a:solidFill>
+                <a:effectLst/>
+                <a:latin typeface="Aptos" panose="020B0004020202020204" pitchFamily="34" charset="0"/>
+              </a:rPr>
+              <a:t>Export de composants</a:t>
             </a:r>
           </a:p>
         </p:txBody>
@@ -6003,7 +8113,7 @@
     </p:spTree>
     <p:extLst>
       <p:ext uri="{BB962C8B-B14F-4D97-AF65-F5344CB8AC3E}">
-        <p14:creationId xmlns:p14="http://schemas.microsoft.com/office/powerpoint/2010/main" val="3131077612"/>
+        <p14:creationId xmlns:p14="http://schemas.microsoft.com/office/powerpoint/2010/main" val="349195617"/>
       </p:ext>
     </p:extLst>
   </p:cSld>
@@ -6032,10 +8142,10 @@
       </p:grpSpPr>
       <p:sp>
         <p:nvSpPr>
-          <p:cNvPr id="4" name="ZoneTexte 3">
-            <a:extLst>
-              <a:ext uri="{FF2B5EF4-FFF2-40B4-BE49-F238E27FC236}">
-                <a16:creationId xmlns:a16="http://schemas.microsoft.com/office/drawing/2014/main" id="{2AE31DD2-FA51-9E04-1100-7153D91AA77B}"/>
+          <p:cNvPr id="3" name="ZoneTexte 2">
+            <a:extLst>
+              <a:ext uri="{FF2B5EF4-FFF2-40B4-BE49-F238E27FC236}">
+                <a16:creationId xmlns:a16="http://schemas.microsoft.com/office/drawing/2014/main" id="{32363A7B-AC8F-BF94-0784-907D6528E758}"/>
               </a:ext>
             </a:extLst>
           </p:cNvPr>
@@ -6044,8 +8154,8 @@
         </p:nvSpPr>
         <p:spPr>
           <a:xfrm>
-            <a:off x="1700981" y="2133600"/>
-            <a:ext cx="6096000" cy="1477328"/>
+            <a:off x="1156996" y="612845"/>
+            <a:ext cx="10450286" cy="5078313"/>
           </a:xfrm>
           <a:prstGeom prst="rect">
             <a:avLst/>
@@ -6059,100 +8169,363 @@
           <a:lstStyle/>
           <a:p>
             <a:r>
-              <a:rPr lang="fr-FR" dirty="0"/>
-              <a:t>SPDX</a:t>
-            </a:r>
-          </a:p>
-          <a:p>
-            <a:r>
-              <a:rPr lang="fr-FR" dirty="0"/>
-              <a:t>Vs</a:t>
-            </a:r>
-          </a:p>
-          <a:p>
-            <a:r>
-              <a:rPr lang="fr-FR" dirty="0" err="1"/>
-              <a:t>CycloneDX</a:t>
-            </a:r>
-            <a:endParaRPr lang="fr-FR" dirty="0"/>
-          </a:p>
-          <a:p>
-            <a:endParaRPr lang="fr-FR" dirty="0"/>
-          </a:p>
-          <a:p>
-            <a:r>
-              <a:rPr lang="fr-FR" dirty="0"/>
-              <a:t>https://scvs.owasp.org/bom-maturity-model/</a:t>
-            </a:r>
-          </a:p>
-        </p:txBody>
-      </p:sp>
-      <p:sp>
-        <p:nvSpPr>
-          <p:cNvPr id="6" name="ZoneTexte 5">
-            <a:extLst>
-              <a:ext uri="{FF2B5EF4-FFF2-40B4-BE49-F238E27FC236}">
-                <a16:creationId xmlns:a16="http://schemas.microsoft.com/office/drawing/2014/main" id="{F5DB0E2B-45A4-713E-CE39-71D5DB4EAE22}"/>
-              </a:ext>
-            </a:extLst>
-          </p:cNvPr>
-          <p:cNvSpPr txBox="1"/>
-          <p:nvPr/>
-        </p:nvSpPr>
-        <p:spPr>
-          <a:xfrm>
-            <a:off x="1700981" y="3983364"/>
-            <a:ext cx="6096000" cy="646331"/>
-          </a:xfrm>
-          <a:prstGeom prst="rect">
-            <a:avLst/>
-          </a:prstGeom>
-          <a:noFill/>
-        </p:spPr>
-        <p:txBody>
-          <a:bodyPr wrap="square">
-            <a:spAutoFit/>
-          </a:bodyPr>
-          <a:lstStyle/>
-          <a:p>
-            <a:r>
-              <a:rPr lang="fr-FR" dirty="0"/>
-              <a:t>https://nexusconnect.io/articles/spdx-cyclonedx-or-swid-navigating-the-sbom-standard-landscape</a:t>
-            </a:r>
-          </a:p>
-        </p:txBody>
-      </p:sp>
-      <p:sp>
-        <p:nvSpPr>
-          <p:cNvPr id="8" name="ZoneTexte 7">
-            <a:extLst>
-              <a:ext uri="{FF2B5EF4-FFF2-40B4-BE49-F238E27FC236}">
-                <a16:creationId xmlns:a16="http://schemas.microsoft.com/office/drawing/2014/main" id="{84B4ADA9-7B08-3788-7895-EF1534329BD6}"/>
-              </a:ext>
-            </a:extLst>
-          </p:cNvPr>
-          <p:cNvSpPr txBox="1"/>
-          <p:nvPr/>
-        </p:nvSpPr>
-        <p:spPr>
-          <a:xfrm>
-            <a:off x="1700981" y="4848603"/>
-            <a:ext cx="6096000" cy="646331"/>
-          </a:xfrm>
-          <a:prstGeom prst="rect">
-            <a:avLst/>
-          </a:prstGeom>
-          <a:noFill/>
-        </p:spPr>
-        <p:txBody>
-          <a:bodyPr wrap="square">
-            <a:spAutoFit/>
-          </a:bodyPr>
-          <a:lstStyle/>
-          <a:p>
-            <a:r>
-              <a:rPr lang="fr-FR" dirty="0"/>
-              <a:t>https://worklifenotes.com/2025/01/21/why-we-chose-cyclonedx-over-spdx/</a:t>
+              <a:rPr lang="fr-FR" sz="1800" dirty="0">
+                <a:solidFill>
+                  <a:srgbClr val="000000"/>
+                </a:solidFill>
+                <a:effectLst/>
+                <a:latin typeface="Aptos" panose="020B0004020202020204" pitchFamily="34" charset="0"/>
+              </a:rPr>
+              <a:t>Résultats</a:t>
+            </a:r>
+          </a:p>
+          <a:p>
+            <a:pPr lvl="1"/>
+            <a:r>
+              <a:rPr lang="fr-FR" dirty="0">
+                <a:solidFill>
+                  <a:srgbClr val="000000"/>
+                </a:solidFill>
+                <a:effectLst/>
+                <a:latin typeface="Aptos" panose="020B0004020202020204" pitchFamily="34" charset="0"/>
+                <a:hlinkClick r:id="rId2" tooltip="https://gitlab.com/sbom-demo"/>
+              </a:rPr>
+              <a:t>https://gitlab.com/sbom-demo</a:t>
+            </a:r>
+            <a:endParaRPr lang="fr-FR" dirty="0">
+              <a:solidFill>
+                <a:srgbClr val="000000"/>
+              </a:solidFill>
+              <a:effectLst/>
+              <a:latin typeface="Aptos" panose="020B0004020202020204" pitchFamily="34" charset="0"/>
+            </a:endParaRPr>
+          </a:p>
+          <a:p>
+            <a:pPr lvl="1"/>
+            <a:r>
+              <a:rPr lang="fr-FR" dirty="0">
+                <a:solidFill>
+                  <a:srgbClr val="000000"/>
+                </a:solidFill>
+                <a:effectLst/>
+                <a:latin typeface="Aptos" panose="020B0004020202020204" pitchFamily="34" charset="0"/>
+                <a:hlinkClick r:id="rId3" tooltip="https://github.com/avergnaud/sboms"/>
+              </a:rPr>
+              <a:t>https://github.com/avergnaud/sboms</a:t>
+            </a:r>
+            <a:endParaRPr lang="fr-FR" dirty="0">
+              <a:solidFill>
+                <a:srgbClr val="000000"/>
+              </a:solidFill>
+              <a:effectLst/>
+              <a:latin typeface="Aptos" panose="020B0004020202020204" pitchFamily="34" charset="0"/>
+            </a:endParaRPr>
+          </a:p>
+          <a:p>
+            <a:pPr lvl="1"/>
+            <a:r>
+              <a:rPr lang="fr-FR" dirty="0">
+                <a:solidFill>
+                  <a:srgbClr val="000000"/>
+                </a:solidFill>
+                <a:effectLst/>
+                <a:latin typeface="Aptos" panose="020B0004020202020204" pitchFamily="34" charset="0"/>
+                <a:hlinkClick r:id="rId4" tooltip="http://138.68.93.168:8080"/>
+              </a:rPr>
+              <a:t>http://138.68.93.168:8080</a:t>
+            </a:r>
+            <a:endParaRPr lang="fr-FR" dirty="0">
+              <a:solidFill>
+                <a:srgbClr val="000000"/>
+              </a:solidFill>
+              <a:effectLst/>
+              <a:latin typeface="Aptos" panose="020B0004020202020204" pitchFamily="34" charset="0"/>
+            </a:endParaRPr>
+          </a:p>
+          <a:p>
+            <a:pPr lvl="1"/>
+            <a:r>
+              <a:rPr lang="fr-FR" dirty="0">
+                <a:solidFill>
+                  <a:srgbClr val="000000"/>
+                </a:solidFill>
+                <a:effectLst/>
+                <a:latin typeface="Aptos" panose="020B0004020202020204" pitchFamily="34" charset="0"/>
+              </a:rPr>
+              <a:t>Prérequis/facilitation</a:t>
+            </a:r>
+          </a:p>
+          <a:p>
+            <a:pPr lvl="2"/>
+            <a:r>
+              <a:rPr lang="fr-FR" dirty="0">
+                <a:solidFill>
+                  <a:srgbClr val="000000"/>
+                </a:solidFill>
+                <a:effectLst/>
+                <a:latin typeface="Aptos" panose="020B0004020202020204" pitchFamily="34" charset="0"/>
+              </a:rPr>
+              <a:t>Workflow de développement</a:t>
+            </a:r>
+          </a:p>
+          <a:p>
+            <a:pPr lvl="3"/>
+            <a:r>
+              <a:rPr lang="fr-FR" dirty="0">
+                <a:solidFill>
+                  <a:srgbClr val="000000"/>
+                </a:solidFill>
+                <a:effectLst/>
+                <a:latin typeface="Aptos" panose="020B0004020202020204" pitchFamily="34" charset="0"/>
+              </a:rPr>
+              <a:t>Normalisation des workflows au sein des équipes de </a:t>
+            </a:r>
+            <a:r>
+              <a:rPr lang="fr-FR" dirty="0" err="1">
+                <a:solidFill>
+                  <a:srgbClr val="000000"/>
+                </a:solidFill>
+                <a:effectLst/>
+                <a:latin typeface="Aptos" panose="020B0004020202020204" pitchFamily="34" charset="0"/>
+              </a:rPr>
+              <a:t>dév</a:t>
+            </a:r>
+            <a:endParaRPr lang="fr-FR" dirty="0">
+              <a:solidFill>
+                <a:srgbClr val="000000"/>
+              </a:solidFill>
+              <a:effectLst/>
+              <a:latin typeface="Aptos" panose="020B0004020202020204" pitchFamily="34" charset="0"/>
+            </a:endParaRPr>
+          </a:p>
+          <a:p>
+            <a:pPr lvl="3"/>
+            <a:r>
+              <a:rPr lang="fr-FR" dirty="0">
+                <a:solidFill>
+                  <a:srgbClr val="000000"/>
+                </a:solidFill>
+                <a:effectLst/>
+                <a:latin typeface="Aptos" panose="020B0004020202020204" pitchFamily="34" charset="0"/>
+              </a:rPr>
+              <a:t>Génération des </a:t>
+            </a:r>
+            <a:r>
+              <a:rPr lang="fr-FR" dirty="0" err="1">
+                <a:solidFill>
+                  <a:srgbClr val="000000"/>
+                </a:solidFill>
+                <a:effectLst/>
+                <a:latin typeface="Aptos" panose="020B0004020202020204" pitchFamily="34" charset="0"/>
+              </a:rPr>
+              <a:t>SBOMs</a:t>
+            </a:r>
+            <a:r>
+              <a:rPr lang="fr-FR" dirty="0">
+                <a:solidFill>
+                  <a:srgbClr val="000000"/>
+                </a:solidFill>
+                <a:effectLst/>
+                <a:latin typeface="Aptos" panose="020B0004020202020204" pitchFamily="34" charset="0"/>
+              </a:rPr>
+              <a:t> pour tous les tags release</a:t>
+            </a:r>
+          </a:p>
+          <a:p>
+            <a:pPr lvl="3"/>
+            <a:r>
+              <a:rPr lang="fr-FR" dirty="0">
+                <a:solidFill>
+                  <a:srgbClr val="000000"/>
+                </a:solidFill>
+                <a:effectLst/>
+                <a:latin typeface="Aptos" panose="020B0004020202020204" pitchFamily="34" charset="0"/>
+              </a:rPr>
+              <a:t>Réduire au maximum les tags release qui ne partent pas en prod</a:t>
+            </a:r>
+          </a:p>
+          <a:p>
+            <a:pPr lvl="2"/>
+            <a:r>
+              <a:rPr lang="fr-FR" dirty="0">
+                <a:solidFill>
+                  <a:srgbClr val="000000"/>
+                </a:solidFill>
+                <a:effectLst/>
+                <a:latin typeface="Aptos" panose="020B0004020202020204" pitchFamily="34" charset="0"/>
+              </a:rPr>
+              <a:t>Gestion des environnements</a:t>
+            </a:r>
+          </a:p>
+          <a:p>
+            <a:pPr lvl="3"/>
+            <a:r>
+              <a:rPr lang="fr-FR" dirty="0">
+                <a:solidFill>
+                  <a:srgbClr val="000000"/>
+                </a:solidFill>
+                <a:effectLst/>
+                <a:latin typeface="Aptos" panose="020B0004020202020204" pitchFamily="34" charset="0"/>
+              </a:rPr>
+              <a:t>Avantages d'un </a:t>
+            </a:r>
+            <a:r>
+              <a:rPr lang="fr-FR" dirty="0" err="1">
+                <a:solidFill>
+                  <a:srgbClr val="000000"/>
+                </a:solidFill>
+                <a:effectLst/>
+                <a:latin typeface="Aptos" panose="020B0004020202020204" pitchFamily="34" charset="0"/>
+              </a:rPr>
+              <a:t>outil+API</a:t>
+            </a:r>
+            <a:r>
+              <a:rPr lang="fr-FR" dirty="0">
+                <a:solidFill>
+                  <a:srgbClr val="000000"/>
+                </a:solidFill>
+                <a:effectLst/>
+                <a:latin typeface="Aptos" panose="020B0004020202020204" pitchFamily="34" charset="0"/>
+              </a:rPr>
+              <a:t> qui retourne la version de prod pour chaque process ou appli</a:t>
+            </a:r>
+          </a:p>
+          <a:p>
+            <a:pPr lvl="1"/>
+            <a:r>
+              <a:rPr lang="fr-FR" dirty="0">
+                <a:solidFill>
+                  <a:srgbClr val="000000"/>
+                </a:solidFill>
+                <a:effectLst/>
+                <a:latin typeface="Aptos" panose="020B0004020202020204" pitchFamily="34" charset="0"/>
+              </a:rPr>
+              <a:t>Performances</a:t>
+            </a:r>
+          </a:p>
+          <a:p>
+            <a:pPr lvl="2"/>
+            <a:r>
+              <a:rPr lang="fr-FR" dirty="0" err="1">
+                <a:solidFill>
+                  <a:srgbClr val="000000"/>
+                </a:solidFill>
+                <a:effectLst/>
+                <a:latin typeface="Aptos" panose="020B0004020202020204" pitchFamily="34" charset="0"/>
+              </a:rPr>
+              <a:t>cdxgen,cyclonedx</a:t>
+            </a:r>
+            <a:r>
+              <a:rPr lang="fr-FR" dirty="0">
+                <a:solidFill>
+                  <a:srgbClr val="000000"/>
+                </a:solidFill>
+                <a:effectLst/>
+                <a:latin typeface="Aptos" panose="020B0004020202020204" pitchFamily="34" charset="0"/>
+              </a:rPr>
+              <a:t>-cli/docker vs package </a:t>
+            </a:r>
+            <a:r>
+              <a:rPr lang="fr-FR" dirty="0" err="1">
+                <a:solidFill>
+                  <a:srgbClr val="000000"/>
+                </a:solidFill>
+                <a:effectLst/>
+                <a:latin typeface="Aptos" panose="020B0004020202020204" pitchFamily="34" charset="0"/>
+              </a:rPr>
+              <a:t>npm</a:t>
+            </a:r>
+            <a:endParaRPr lang="fr-FR" dirty="0">
+              <a:solidFill>
+                <a:srgbClr val="000000"/>
+              </a:solidFill>
+              <a:effectLst/>
+              <a:latin typeface="Aptos" panose="020B0004020202020204" pitchFamily="34" charset="0"/>
+            </a:endParaRPr>
+          </a:p>
+          <a:p>
+            <a:pPr lvl="1"/>
+            <a:r>
+              <a:rPr lang="fr-FR" dirty="0">
+                <a:solidFill>
+                  <a:srgbClr val="000000"/>
+                </a:solidFill>
+                <a:effectLst/>
+                <a:latin typeface="Aptos" panose="020B0004020202020204" pitchFamily="34" charset="0"/>
+              </a:rPr>
+              <a:t>Usages de </a:t>
+            </a:r>
+            <a:r>
+              <a:rPr lang="fr-FR" dirty="0" err="1">
+                <a:solidFill>
+                  <a:srgbClr val="000000"/>
+                </a:solidFill>
+                <a:effectLst/>
+                <a:latin typeface="Aptos" panose="020B0004020202020204" pitchFamily="34" charset="0"/>
+              </a:rPr>
+              <a:t>Dependency</a:t>
+            </a:r>
+            <a:r>
+              <a:rPr lang="fr-FR" dirty="0">
+                <a:solidFill>
+                  <a:srgbClr val="000000"/>
+                </a:solidFill>
+                <a:effectLst/>
+                <a:latin typeface="Aptos" panose="020B0004020202020204" pitchFamily="34" charset="0"/>
+              </a:rPr>
+              <a:t>-Track</a:t>
+            </a:r>
+          </a:p>
+          <a:p>
+            <a:pPr lvl="2"/>
+            <a:r>
+              <a:rPr lang="fr-FR" dirty="0">
+                <a:solidFill>
+                  <a:srgbClr val="000000"/>
+                </a:solidFill>
+                <a:effectLst/>
+                <a:latin typeface="Aptos" panose="020B0004020202020204" pitchFamily="34" charset="0"/>
+              </a:rPr>
+              <a:t>Avoir une vision globale de la production</a:t>
+            </a:r>
+          </a:p>
+          <a:p>
+            <a:pPr lvl="2"/>
+            <a:r>
+              <a:rPr lang="fr-FR" dirty="0">
+                <a:solidFill>
+                  <a:srgbClr val="000000"/>
+                </a:solidFill>
+                <a:effectLst/>
+                <a:latin typeface="Aptos" panose="020B0004020202020204" pitchFamily="34" charset="0"/>
+              </a:rPr>
+              <a:t>--&gt; à valider</a:t>
+            </a:r>
+          </a:p>
+          <a:p>
+            <a:pPr lvl="2"/>
+            <a:r>
+              <a:rPr lang="fr-FR" dirty="0">
+                <a:solidFill>
+                  <a:srgbClr val="000000"/>
+                </a:solidFill>
+                <a:effectLst/>
+                <a:latin typeface="Aptos" panose="020B0004020202020204" pitchFamily="34" charset="0"/>
+              </a:rPr>
+              <a:t>Générer des alertes en cas de CVE</a:t>
+            </a:r>
+          </a:p>
+          <a:p>
+            <a:pPr lvl="2"/>
+            <a:r>
+              <a:rPr lang="fr-FR" dirty="0">
+                <a:solidFill>
+                  <a:srgbClr val="000000"/>
+                </a:solidFill>
+                <a:effectLst/>
+                <a:latin typeface="Aptos" panose="020B0004020202020204" pitchFamily="34" charset="0"/>
+              </a:rPr>
+              <a:t>--&gt; à valider</a:t>
             </a:r>
           </a:p>
         </p:txBody>
@@ -6160,7 +8533,7 @@
     </p:spTree>
     <p:extLst>
       <p:ext uri="{BB962C8B-B14F-4D97-AF65-F5344CB8AC3E}">
-        <p14:creationId xmlns:p14="http://schemas.microsoft.com/office/powerpoint/2010/main" val="3193183728"/>
+        <p14:creationId xmlns:p14="http://schemas.microsoft.com/office/powerpoint/2010/main" val="449943391"/>
       </p:ext>
     </p:extLst>
   </p:cSld>
@@ -6187,104 +8560,58 @@
           <a:chExt cx="0" cy="0"/>
         </a:xfrm>
       </p:grpSpPr>
-      <p:pic>
-        <p:nvPicPr>
-          <p:cNvPr id="5" name="Image 4">
-            <a:extLst>
-              <a:ext uri="{FF2B5EF4-FFF2-40B4-BE49-F238E27FC236}">
-                <a16:creationId xmlns:a16="http://schemas.microsoft.com/office/drawing/2014/main" id="{63EF9FAC-1610-7127-CD78-B72A579B9890}"/>
-              </a:ext>
-            </a:extLst>
-          </p:cNvPr>
-          <p:cNvPicPr>
-            <a:picLocks noChangeAspect="1"/>
-          </p:cNvPicPr>
-          <p:nvPr/>
-        </p:nvPicPr>
-        <p:blipFill>
-          <a:blip r:embed="rId2"/>
-          <a:stretch>
-            <a:fillRect/>
-          </a:stretch>
-        </p:blipFill>
-        <p:spPr>
-          <a:xfrm>
-            <a:off x="1237908" y="822440"/>
-            <a:ext cx="7887383" cy="3482642"/>
-          </a:xfrm>
-          <a:prstGeom prst="rect">
-            <a:avLst/>
-          </a:prstGeom>
-        </p:spPr>
-      </p:pic>
-      <p:sp>
-        <p:nvSpPr>
-          <p:cNvPr id="6" name="ZoneTexte 5">
-            <a:extLst>
-              <a:ext uri="{FF2B5EF4-FFF2-40B4-BE49-F238E27FC236}">
-                <a16:creationId xmlns:a16="http://schemas.microsoft.com/office/drawing/2014/main" id="{5D393DD0-C07F-A0BC-604B-6629B62362BB}"/>
-              </a:ext>
-            </a:extLst>
-          </p:cNvPr>
-          <p:cNvSpPr txBox="1"/>
-          <p:nvPr/>
-        </p:nvSpPr>
-        <p:spPr>
-          <a:xfrm>
-            <a:off x="1347020" y="4996086"/>
-            <a:ext cx="6096000" cy="923330"/>
-          </a:xfrm>
-          <a:prstGeom prst="rect">
-            <a:avLst/>
-          </a:prstGeom>
-          <a:noFill/>
-        </p:spPr>
-        <p:txBody>
-          <a:bodyPr wrap="square">
-            <a:spAutoFit/>
-          </a:bodyPr>
-          <a:lstStyle/>
-          <a:p>
-            <a:r>
-              <a:rPr lang="fr-FR" dirty="0">
-                <a:sym typeface="Wingdings" panose="05000000000000000000" pitchFamily="2" charset="2"/>
-              </a:rPr>
-              <a:t>Contexte BNP PF  </a:t>
-            </a:r>
-            <a:r>
-              <a:rPr lang="fr-FR" dirty="0" err="1"/>
-              <a:t>GitLab</a:t>
-            </a:r>
+      <p:sp>
+        <p:nvSpPr>
+          <p:cNvPr id="2" name="Titre 1">
+            <a:extLst>
+              <a:ext uri="{FF2B5EF4-FFF2-40B4-BE49-F238E27FC236}">
+                <a16:creationId xmlns:a16="http://schemas.microsoft.com/office/drawing/2014/main" id="{6A64B89D-CCF4-D906-7DEA-1879B71A475E}"/>
+              </a:ext>
+            </a:extLst>
+          </p:cNvPr>
+          <p:cNvSpPr>
+            <a:spLocks noGrp="1"/>
+          </p:cNvSpPr>
+          <p:nvPr>
+            <p:ph type="title"/>
+          </p:nvPr>
+        </p:nvSpPr>
+        <p:spPr/>
+        <p:txBody>
+          <a:bodyPr/>
+          <a:lstStyle/>
+          <a:p>
             <a:r>
               <a:rPr lang="fr-FR" dirty="0"/>
-              <a:t>, </a:t>
-            </a:r>
-            <a:r>
-              <a:rPr lang="fr-FR" dirty="0" err="1"/>
-              <a:t>gitlab</a:t>
-            </a:r>
+              <a:t>1. La conférence </a:t>
+            </a:r>
+          </a:p>
+        </p:txBody>
+      </p:sp>
+      <p:sp>
+        <p:nvSpPr>
+          <p:cNvPr id="3" name="Espace réservé du texte 2">
+            <a:extLst>
+              <a:ext uri="{FF2B5EF4-FFF2-40B4-BE49-F238E27FC236}">
+                <a16:creationId xmlns:a16="http://schemas.microsoft.com/office/drawing/2014/main" id="{E23DCB19-E38E-ABB7-E1F3-9112A1290E0C}"/>
+              </a:ext>
+            </a:extLst>
+          </p:cNvPr>
+          <p:cNvSpPr>
+            <a:spLocks noGrp="1"/>
+          </p:cNvSpPr>
+          <p:nvPr>
+            <p:ph type="body" idx="1"/>
+          </p:nvPr>
+        </p:nvSpPr>
+        <p:spPr/>
+        <p:txBody>
+          <a:bodyPr/>
+          <a:lstStyle/>
+          <a:p>
             <a:r>
               <a:rPr lang="fr-FR" dirty="0"/>
-              <a:t>-ci</a:t>
-            </a:r>
-          </a:p>
-          <a:p>
-            <a:endParaRPr lang="fr-FR" dirty="0"/>
-          </a:p>
-          <a:p>
-            <a:r>
-              <a:rPr lang="fr-FR" dirty="0"/>
-              <a:t>Reproductibilité </a:t>
-            </a:r>
-            <a:r>
-              <a:rPr lang="fr-FR" dirty="0">
-                <a:sym typeface="Wingdings" panose="05000000000000000000" pitchFamily="2" charset="2"/>
-              </a:rPr>
-              <a:t> </a:t>
-            </a:r>
-            <a:r>
-              <a:rPr lang="fr-FR" dirty="0"/>
-              <a:t>Docker</a:t>
+              <a:t>…</a:t>
             </a:r>
           </a:p>
         </p:txBody>
@@ -6292,7 +8619,7 @@
     </p:spTree>
     <p:extLst>
       <p:ext uri="{BB962C8B-B14F-4D97-AF65-F5344CB8AC3E}">
-        <p14:creationId xmlns:p14="http://schemas.microsoft.com/office/powerpoint/2010/main" val="4170334686"/>
+        <p14:creationId xmlns:p14="http://schemas.microsoft.com/office/powerpoint/2010/main" val="4139742507"/>
       </p:ext>
     </p:extLst>
   </p:cSld>
@@ -6319,12 +8646,82 @@
           <a:chExt cx="0" cy="0"/>
         </a:xfrm>
       </p:grpSpPr>
+      <p:sp>
+        <p:nvSpPr>
+          <p:cNvPr id="4" name="ZoneTexte 3">
+            <a:extLst>
+              <a:ext uri="{FF2B5EF4-FFF2-40B4-BE49-F238E27FC236}">
+                <a16:creationId xmlns:a16="http://schemas.microsoft.com/office/drawing/2014/main" id="{7F0C5016-1A34-7068-15EC-42003DA9FDEC}"/>
+              </a:ext>
+            </a:extLst>
+          </p:cNvPr>
+          <p:cNvSpPr txBox="1"/>
+          <p:nvPr/>
+        </p:nvSpPr>
+        <p:spPr>
+          <a:xfrm>
+            <a:off x="776748" y="1033686"/>
+            <a:ext cx="9704439" cy="369332"/>
+          </a:xfrm>
+          <a:prstGeom prst="rect">
+            <a:avLst/>
+          </a:prstGeom>
+          <a:noFill/>
+        </p:spPr>
+        <p:txBody>
+          <a:bodyPr wrap="square">
+            <a:spAutoFit/>
+          </a:bodyPr>
+          <a:lstStyle/>
+          <a:p>
+            <a:r>
+              <a:rPr lang="fr-FR" dirty="0"/>
+              <a:t>Pourquoi les SBOM</a:t>
+            </a:r>
+          </a:p>
+        </p:txBody>
+      </p:sp>
+      <p:sp>
+        <p:nvSpPr>
+          <p:cNvPr id="6" name="ZoneTexte 5">
+            <a:extLst>
+              <a:ext uri="{FF2B5EF4-FFF2-40B4-BE49-F238E27FC236}">
+                <a16:creationId xmlns:a16="http://schemas.microsoft.com/office/drawing/2014/main" id="{A4B26934-92D1-CBBB-AB49-B73B5C6B1360}"/>
+              </a:ext>
+            </a:extLst>
+          </p:cNvPr>
+          <p:cNvSpPr txBox="1"/>
+          <p:nvPr/>
+        </p:nvSpPr>
+        <p:spPr>
+          <a:xfrm>
+            <a:off x="776748" y="1995492"/>
+            <a:ext cx="8287916" cy="369332"/>
+          </a:xfrm>
+          <a:prstGeom prst="rect">
+            <a:avLst/>
+          </a:prstGeom>
+          <a:noFill/>
+        </p:spPr>
+        <p:txBody>
+          <a:bodyPr wrap="square">
+            <a:spAutoFit/>
+          </a:bodyPr>
+          <a:lstStyle/>
+          <a:p>
+            <a:r>
+              <a:rPr lang="fr-FR" dirty="0"/>
+              <a:t>https://worklifenotes.com/2025/01/14/why-a-single-sbom-is-never-enough/</a:t>
+            </a:r>
+          </a:p>
+        </p:txBody>
+      </p:sp>
       <p:pic>
         <p:nvPicPr>
-          <p:cNvPr id="3" name="Image 2">
-            <a:extLst>
-              <a:ext uri="{FF2B5EF4-FFF2-40B4-BE49-F238E27FC236}">
-                <a16:creationId xmlns:a16="http://schemas.microsoft.com/office/drawing/2014/main" id="{660B18C7-E99F-DD32-BBA9-2B1843F444B1}"/>
+          <p:cNvPr id="8" name="Image 7">
+            <a:extLst>
+              <a:ext uri="{FF2B5EF4-FFF2-40B4-BE49-F238E27FC236}">
+                <a16:creationId xmlns:a16="http://schemas.microsoft.com/office/drawing/2014/main" id="{815C5B30-0C47-F796-0B13-4C94CD43B075}"/>
               </a:ext>
             </a:extLst>
           </p:cNvPr>
@@ -6341,20 +8738,50 @@
         </p:blipFill>
         <p:spPr>
           <a:xfrm>
-            <a:off x="1797893" y="2649953"/>
-            <a:ext cx="8055038" cy="3772227"/>
+            <a:off x="776748" y="2798675"/>
+            <a:ext cx="4551097" cy="1740806"/>
           </a:xfrm>
           <a:prstGeom prst="rect">
             <a:avLst/>
           </a:prstGeom>
         </p:spPr>
       </p:pic>
-      <p:sp>
-        <p:nvSpPr>
-          <p:cNvPr id="4" name="ZoneTexte 3">
-            <a:extLst>
-              <a:ext uri="{FF2B5EF4-FFF2-40B4-BE49-F238E27FC236}">
-                <a16:creationId xmlns:a16="http://schemas.microsoft.com/office/drawing/2014/main" id="{6E8E8F98-3728-1FA7-5D2B-089ACD48642B}"/>
+      <p:pic>
+        <p:nvPicPr>
+          <p:cNvPr id="10" name="Image 9">
+            <a:extLst>
+              <a:ext uri="{FF2B5EF4-FFF2-40B4-BE49-F238E27FC236}">
+                <a16:creationId xmlns:a16="http://schemas.microsoft.com/office/drawing/2014/main" id="{E52F2649-BACD-4503-57BE-4A39505FC12B}"/>
+              </a:ext>
+            </a:extLst>
+          </p:cNvPr>
+          <p:cNvPicPr>
+            <a:picLocks noChangeAspect="1"/>
+          </p:cNvPicPr>
+          <p:nvPr/>
+        </p:nvPicPr>
+        <p:blipFill>
+          <a:blip r:embed="rId3"/>
+          <a:stretch>
+            <a:fillRect/>
+          </a:stretch>
+        </p:blipFill>
+        <p:spPr>
+          <a:xfrm>
+            <a:off x="6102157" y="4106243"/>
+            <a:ext cx="4551097" cy="2224587"/>
+          </a:xfrm>
+          <a:prstGeom prst="rect">
+            <a:avLst/>
+          </a:prstGeom>
+        </p:spPr>
+      </p:pic>
+      <p:sp>
+        <p:nvSpPr>
+          <p:cNvPr id="11" name="ZoneTexte 10">
+            <a:extLst>
+              <a:ext uri="{FF2B5EF4-FFF2-40B4-BE49-F238E27FC236}">
+                <a16:creationId xmlns:a16="http://schemas.microsoft.com/office/drawing/2014/main" id="{2047110B-844F-D181-6A0E-2A839F397291}"/>
               </a:ext>
             </a:extLst>
           </p:cNvPr>
@@ -6363,8 +8790,8 @@
         </p:nvSpPr>
         <p:spPr>
           <a:xfrm>
-            <a:off x="1098679" y="435820"/>
-            <a:ext cx="9342275" cy="1754326"/>
+            <a:off x="6027576" y="3643035"/>
+            <a:ext cx="4001252" cy="369332"/>
           </a:xfrm>
           <a:prstGeom prst="rect">
             <a:avLst/>
@@ -6378,36 +8805,21 @@
           <a:lstStyle/>
           <a:p>
             <a:r>
-              <a:rPr lang="en-US" dirty="0"/>
-              <a:t>Dependency-Track does not store raw SBOMs.</a:t>
-            </a:r>
-          </a:p>
-          <a:p>
-            <a:r>
-              <a:rPr lang="en-US" dirty="0"/>
-              <a:t>“Audit requirements – this is when we need to “go back in time” and request SBOM for a specific older version of our project capturing older states. This may happen for any reason, in example, </a:t>
-            </a:r>
-            <a:r>
-              <a:rPr lang="en-US" dirty="0">
-                <a:hlinkClick r:id="rId3"/>
-              </a:rPr>
-              <a:t>European CRA</a:t>
-            </a:r>
-            <a:r>
-              <a:rPr lang="en-US" dirty="0"/>
-              <a:t> is going to make this a legal requirement.”</a:t>
-            </a:r>
-          </a:p>
-          <a:p>
-            <a:r>
-              <a:rPr lang="fr-FR" dirty="0">
-                <a:hlinkClick r:id="rId4"/>
-              </a:rPr>
-              <a:t>https://worklifenotes.com/2025/01/14/why-a-single-sbom-is-never-enough/</a:t>
-            </a:r>
-            <a:endParaRPr lang="en-US" dirty="0"/>
-          </a:p>
-          <a:p>
+              <a:rPr lang="fr-FR" dirty="0"/>
+              <a:t>Cyber </a:t>
+            </a:r>
+            <a:r>
+              <a:rPr lang="fr-FR" dirty="0" err="1"/>
+              <a:t>Resilience</a:t>
+            </a:r>
+            <a:r>
+              <a:rPr lang="fr-FR" dirty="0"/>
+              <a:t> </a:t>
+            </a:r>
+            <a:r>
+              <a:rPr lang="fr-FR" dirty="0" err="1"/>
+              <a:t>Act</a:t>
+            </a:r>
             <a:endParaRPr lang="fr-FR" dirty="0"/>
           </a:p>
         </p:txBody>
@@ -6415,7 +8827,7 @@
     </p:spTree>
     <p:extLst>
       <p:ext uri="{BB962C8B-B14F-4D97-AF65-F5344CB8AC3E}">
-        <p14:creationId xmlns:p14="http://schemas.microsoft.com/office/powerpoint/2010/main" val="3213758159"/>
+        <p14:creationId xmlns:p14="http://schemas.microsoft.com/office/powerpoint/2010/main" val="3728564838"/>
       </p:ext>
     </p:extLst>
   </p:cSld>
@@ -6444,521 +8856,64 @@
       </p:grpSpPr>
       <p:sp>
         <p:nvSpPr>
-          <p:cNvPr id="5" name="ZoneTexte 4">
-            <a:extLst>
-              <a:ext uri="{FF2B5EF4-FFF2-40B4-BE49-F238E27FC236}">
-                <a16:creationId xmlns:a16="http://schemas.microsoft.com/office/drawing/2014/main" id="{E96A7969-8ED7-E84B-6D5B-ABFAA0C884EF}"/>
-              </a:ext>
-            </a:extLst>
-          </p:cNvPr>
-          <p:cNvSpPr txBox="1"/>
-          <p:nvPr/>
-        </p:nvSpPr>
-        <p:spPr>
-          <a:xfrm>
-            <a:off x="1199182" y="1746129"/>
-            <a:ext cx="1346907" cy="369332"/>
-          </a:xfrm>
-          <a:prstGeom prst="rect">
-            <a:avLst/>
-          </a:prstGeom>
-          <a:noFill/>
-        </p:spPr>
-        <p:txBody>
-          <a:bodyPr wrap="none" rtlCol="0">
-            <a:spAutoFit/>
-          </a:bodyPr>
+          <p:cNvPr id="2" name="Titre 1">
+            <a:extLst>
+              <a:ext uri="{FF2B5EF4-FFF2-40B4-BE49-F238E27FC236}">
+                <a16:creationId xmlns:a16="http://schemas.microsoft.com/office/drawing/2014/main" id="{6A64B89D-CCF4-D906-7DEA-1879B71A475E}"/>
+              </a:ext>
+            </a:extLst>
+          </p:cNvPr>
+          <p:cNvSpPr>
+            <a:spLocks noGrp="1"/>
+          </p:cNvSpPr>
+          <p:nvPr>
+            <p:ph type="title"/>
+          </p:nvPr>
+        </p:nvSpPr>
+        <p:spPr/>
+        <p:txBody>
+          <a:bodyPr/>
           <a:lstStyle/>
           <a:p>
             <a:r>
               <a:rPr lang="fr-FR" dirty="0"/>
-              <a:t>GitLab.com</a:t>
-            </a:r>
-          </a:p>
-        </p:txBody>
-      </p:sp>
-      <p:sp>
-        <p:nvSpPr>
-          <p:cNvPr id="6" name="ZoneTexte 5">
-            <a:extLst>
-              <a:ext uri="{FF2B5EF4-FFF2-40B4-BE49-F238E27FC236}">
-                <a16:creationId xmlns:a16="http://schemas.microsoft.com/office/drawing/2014/main" id="{8849C785-B586-8BEE-413E-901C3A071AEB}"/>
-              </a:ext>
-            </a:extLst>
-          </p:cNvPr>
-          <p:cNvSpPr txBox="1"/>
-          <p:nvPr/>
-        </p:nvSpPr>
-        <p:spPr>
-          <a:xfrm>
-            <a:off x="3909805" y="3429000"/>
-            <a:ext cx="2638479" cy="646331"/>
-          </a:xfrm>
-          <a:prstGeom prst="rect">
-            <a:avLst/>
-          </a:prstGeom>
-          <a:noFill/>
-        </p:spPr>
-        <p:txBody>
-          <a:bodyPr wrap="none" rtlCol="0">
-            <a:spAutoFit/>
-          </a:bodyPr>
-          <a:lstStyle/>
-          <a:p>
-            <a:r>
-              <a:rPr lang="fr-FR" dirty="0" err="1"/>
-              <a:t>cdxgen</a:t>
-            </a:r>
+              <a:t>2. Analyse, POC</a:t>
+            </a:r>
+          </a:p>
+        </p:txBody>
+      </p:sp>
+      <p:sp>
+        <p:nvSpPr>
+          <p:cNvPr id="3" name="Espace réservé du texte 2">
+            <a:extLst>
+              <a:ext uri="{FF2B5EF4-FFF2-40B4-BE49-F238E27FC236}">
+                <a16:creationId xmlns:a16="http://schemas.microsoft.com/office/drawing/2014/main" id="{E23DCB19-E38E-ABB7-E1F3-9112A1290E0C}"/>
+              </a:ext>
+            </a:extLst>
+          </p:cNvPr>
+          <p:cNvSpPr>
+            <a:spLocks noGrp="1"/>
+          </p:cNvSpPr>
+          <p:nvPr>
+            <p:ph type="body" idx="1"/>
+          </p:nvPr>
+        </p:nvSpPr>
+        <p:spPr/>
+        <p:txBody>
+          <a:bodyPr/>
+          <a:lstStyle/>
+          <a:p>
             <a:r>
               <a:rPr lang="fr-FR" dirty="0"/>
-              <a:t> </a:t>
-            </a:r>
-            <a:r>
-              <a:rPr lang="fr-FR" strike="sngStrike" dirty="0"/>
-              <a:t>server</a:t>
-            </a:r>
-          </a:p>
-          <a:p>
-            <a:r>
-              <a:rPr lang="fr-FR" strike="sngStrike" dirty="0" err="1"/>
-              <a:t>Listens</a:t>
-            </a:r>
-            <a:r>
-              <a:rPr lang="fr-FR" strike="sngStrike" dirty="0"/>
-              <a:t> on localhost </a:t>
-            </a:r>
-            <a:r>
-              <a:rPr lang="fr-FR" strike="sngStrike" dirty="0" err="1"/>
-              <a:t>only</a:t>
-            </a:r>
-            <a:endParaRPr lang="fr-FR" strike="sngStrike" dirty="0"/>
-          </a:p>
-        </p:txBody>
-      </p:sp>
-      <p:sp>
-        <p:nvSpPr>
-          <p:cNvPr id="7" name="ZoneTexte 6">
-            <a:extLst>
-              <a:ext uri="{FF2B5EF4-FFF2-40B4-BE49-F238E27FC236}">
-                <a16:creationId xmlns:a16="http://schemas.microsoft.com/office/drawing/2014/main" id="{383A96C4-163D-8B8C-B562-937B2BFF7322}"/>
-              </a:ext>
-            </a:extLst>
-          </p:cNvPr>
-          <p:cNvSpPr txBox="1"/>
-          <p:nvPr/>
-        </p:nvSpPr>
-        <p:spPr>
-          <a:xfrm>
-            <a:off x="8538717" y="1746129"/>
-            <a:ext cx="1996637" cy="369332"/>
-          </a:xfrm>
-          <a:prstGeom prst="rect">
-            <a:avLst/>
-          </a:prstGeom>
-          <a:noFill/>
-        </p:spPr>
-        <p:txBody>
-          <a:bodyPr wrap="none" rtlCol="0">
-            <a:spAutoFit/>
-          </a:bodyPr>
-          <a:lstStyle/>
-          <a:p>
-            <a:r>
-              <a:rPr lang="fr-FR" dirty="0" err="1"/>
-              <a:t>Dependency</a:t>
-            </a:r>
-            <a:r>
-              <a:rPr lang="fr-FR" dirty="0"/>
-              <a:t> </a:t>
-            </a:r>
-            <a:r>
-              <a:rPr lang="fr-FR" dirty="0" err="1"/>
-              <a:t>track</a:t>
-            </a:r>
-            <a:endParaRPr lang="fr-FR" dirty="0"/>
-          </a:p>
-        </p:txBody>
-      </p:sp>
-      <p:sp>
-        <p:nvSpPr>
-          <p:cNvPr id="9" name="ZoneTexte 8">
-            <a:extLst>
-              <a:ext uri="{FF2B5EF4-FFF2-40B4-BE49-F238E27FC236}">
-                <a16:creationId xmlns:a16="http://schemas.microsoft.com/office/drawing/2014/main" id="{C7CB557F-1586-909E-AF96-5C75DA8A5591}"/>
-              </a:ext>
-            </a:extLst>
-          </p:cNvPr>
-          <p:cNvSpPr txBox="1"/>
-          <p:nvPr/>
-        </p:nvSpPr>
-        <p:spPr>
-          <a:xfrm>
-            <a:off x="4481039" y="1746129"/>
-            <a:ext cx="1494320" cy="369332"/>
-          </a:xfrm>
-          <a:prstGeom prst="rect">
-            <a:avLst/>
-          </a:prstGeom>
-          <a:noFill/>
-        </p:spPr>
-        <p:txBody>
-          <a:bodyPr wrap="none" rtlCol="0">
-            <a:spAutoFit/>
-          </a:bodyPr>
-          <a:lstStyle/>
-          <a:p>
-            <a:r>
-              <a:rPr lang="fr-FR" dirty="0" err="1"/>
-              <a:t>Gitlab</a:t>
-            </a:r>
-            <a:r>
-              <a:rPr lang="fr-FR" dirty="0"/>
-              <a:t> </a:t>
-            </a:r>
-            <a:r>
-              <a:rPr lang="fr-FR" dirty="0" err="1"/>
-              <a:t>runner</a:t>
-            </a:r>
-            <a:endParaRPr lang="fr-FR" dirty="0"/>
-          </a:p>
-        </p:txBody>
-      </p:sp>
-      <p:cxnSp>
-        <p:nvCxnSpPr>
-          <p:cNvPr id="11" name="Connecteur droit avec flèche 10">
-            <a:extLst>
-              <a:ext uri="{FF2B5EF4-FFF2-40B4-BE49-F238E27FC236}">
-                <a16:creationId xmlns:a16="http://schemas.microsoft.com/office/drawing/2014/main" id="{E83A9019-04D0-5895-884F-181A035311AD}"/>
-              </a:ext>
-            </a:extLst>
-          </p:cNvPr>
-          <p:cNvCxnSpPr>
-            <a:cxnSpLocks/>
-            <a:stCxn id="9" idx="1"/>
-            <a:endCxn id="5" idx="3"/>
-          </p:cNvCxnSpPr>
-          <p:nvPr/>
-        </p:nvCxnSpPr>
-        <p:spPr>
-          <a:xfrm flipH="1">
-            <a:off x="2546089" y="1930795"/>
-            <a:ext cx="1934950" cy="0"/>
-          </a:xfrm>
-          <a:prstGeom prst="straightConnector1">
-            <a:avLst/>
-          </a:prstGeom>
-          <a:ln>
-            <a:tailEnd type="triangle"/>
-          </a:ln>
-        </p:spPr>
-        <p:style>
-          <a:lnRef idx="2">
-            <a:schemeClr val="accent1"/>
-          </a:lnRef>
-          <a:fillRef idx="0">
-            <a:schemeClr val="accent1"/>
-          </a:fillRef>
-          <a:effectRef idx="1">
-            <a:schemeClr val="accent1"/>
-          </a:effectRef>
-          <a:fontRef idx="minor">
-            <a:schemeClr val="tx1"/>
-          </a:fontRef>
-        </p:style>
-      </p:cxnSp>
-      <p:cxnSp>
-        <p:nvCxnSpPr>
-          <p:cNvPr id="17" name="Connecteur droit avec flèche 16">
-            <a:extLst>
-              <a:ext uri="{FF2B5EF4-FFF2-40B4-BE49-F238E27FC236}">
-                <a16:creationId xmlns:a16="http://schemas.microsoft.com/office/drawing/2014/main" id="{CE9CEE6F-5099-3E02-31F1-D42079ECAC87}"/>
-              </a:ext>
-            </a:extLst>
-          </p:cNvPr>
-          <p:cNvCxnSpPr>
-            <a:cxnSpLocks/>
-            <a:stCxn id="9" idx="3"/>
-            <a:endCxn id="7" idx="1"/>
-          </p:cNvCxnSpPr>
-          <p:nvPr/>
-        </p:nvCxnSpPr>
-        <p:spPr>
-          <a:xfrm>
-            <a:off x="5975359" y="1930795"/>
-            <a:ext cx="2563358" cy="0"/>
-          </a:xfrm>
-          <a:prstGeom prst="straightConnector1">
-            <a:avLst/>
-          </a:prstGeom>
-          <a:ln>
-            <a:tailEnd type="triangle"/>
-          </a:ln>
-        </p:spPr>
-        <p:style>
-          <a:lnRef idx="2">
-            <a:schemeClr val="accent1"/>
-          </a:lnRef>
-          <a:fillRef idx="0">
-            <a:schemeClr val="accent1"/>
-          </a:fillRef>
-          <a:effectRef idx="1">
-            <a:schemeClr val="accent1"/>
-          </a:effectRef>
-          <a:fontRef idx="minor">
-            <a:schemeClr val="tx1"/>
-          </a:fontRef>
-        </p:style>
-      </p:cxnSp>
-      <p:cxnSp>
-        <p:nvCxnSpPr>
-          <p:cNvPr id="19" name="Connecteur droit avec flèche 18">
-            <a:extLst>
-              <a:ext uri="{FF2B5EF4-FFF2-40B4-BE49-F238E27FC236}">
-                <a16:creationId xmlns:a16="http://schemas.microsoft.com/office/drawing/2014/main" id="{03CA1387-50CF-AF97-F053-1C97EB551336}"/>
-              </a:ext>
-            </a:extLst>
-          </p:cNvPr>
-          <p:cNvCxnSpPr>
-            <a:cxnSpLocks/>
-            <a:stCxn id="9" idx="2"/>
-            <a:endCxn id="6" idx="0"/>
-          </p:cNvCxnSpPr>
-          <p:nvPr/>
-        </p:nvCxnSpPr>
-        <p:spPr>
-          <a:xfrm>
-            <a:off x="5228199" y="2115461"/>
-            <a:ext cx="846" cy="1313539"/>
-          </a:xfrm>
-          <a:prstGeom prst="straightConnector1">
-            <a:avLst/>
-          </a:prstGeom>
-          <a:ln>
-            <a:tailEnd type="triangle"/>
-          </a:ln>
-        </p:spPr>
-        <p:style>
-          <a:lnRef idx="2">
-            <a:schemeClr val="accent1"/>
-          </a:lnRef>
-          <a:fillRef idx="0">
-            <a:schemeClr val="accent1"/>
-          </a:fillRef>
-          <a:effectRef idx="1">
-            <a:schemeClr val="accent1"/>
-          </a:effectRef>
-          <a:fontRef idx="minor">
-            <a:schemeClr val="tx1"/>
-          </a:fontRef>
-        </p:style>
-      </p:cxnSp>
-      <p:sp>
-        <p:nvSpPr>
-          <p:cNvPr id="22" name="ZoneTexte 21">
-            <a:extLst>
-              <a:ext uri="{FF2B5EF4-FFF2-40B4-BE49-F238E27FC236}">
-                <a16:creationId xmlns:a16="http://schemas.microsoft.com/office/drawing/2014/main" id="{B608BD25-14A0-CAF0-BA1B-3AACAB8A8864}"/>
-              </a:ext>
-            </a:extLst>
-          </p:cNvPr>
-          <p:cNvSpPr txBox="1"/>
-          <p:nvPr/>
-        </p:nvSpPr>
-        <p:spPr>
-          <a:xfrm>
-            <a:off x="5391345" y="2589104"/>
-            <a:ext cx="308098" cy="369332"/>
-          </a:xfrm>
-          <a:prstGeom prst="rect">
-            <a:avLst/>
-          </a:prstGeom>
-          <a:noFill/>
-        </p:spPr>
-        <p:txBody>
-          <a:bodyPr wrap="none" rtlCol="0">
-            <a:spAutoFit/>
-          </a:bodyPr>
-          <a:lstStyle/>
-          <a:p>
-            <a:r>
-              <a:rPr lang="fr-FR" dirty="0"/>
-              <a:t>1</a:t>
-            </a:r>
-          </a:p>
-        </p:txBody>
-      </p:sp>
-      <p:sp>
-        <p:nvSpPr>
-          <p:cNvPr id="23" name="ZoneTexte 22">
-            <a:extLst>
-              <a:ext uri="{FF2B5EF4-FFF2-40B4-BE49-F238E27FC236}">
-                <a16:creationId xmlns:a16="http://schemas.microsoft.com/office/drawing/2014/main" id="{A077DC13-C75A-A0B4-3DE2-7562A4938CD2}"/>
-              </a:ext>
-            </a:extLst>
-          </p:cNvPr>
-          <p:cNvSpPr txBox="1"/>
-          <p:nvPr/>
-        </p:nvSpPr>
-        <p:spPr>
-          <a:xfrm>
-            <a:off x="7114696" y="2115461"/>
-            <a:ext cx="308098" cy="369332"/>
-          </a:xfrm>
-          <a:prstGeom prst="rect">
-            <a:avLst/>
-          </a:prstGeom>
-          <a:noFill/>
-        </p:spPr>
-        <p:txBody>
-          <a:bodyPr wrap="square" rtlCol="0">
-            <a:spAutoFit/>
-          </a:bodyPr>
-          <a:lstStyle/>
-          <a:p>
-            <a:r>
-              <a:rPr lang="fr-FR" dirty="0"/>
-              <a:t>2</a:t>
-            </a:r>
-          </a:p>
-        </p:txBody>
-      </p:sp>
-      <p:sp>
-        <p:nvSpPr>
-          <p:cNvPr id="30" name="ZoneTexte 29">
-            <a:extLst>
-              <a:ext uri="{FF2B5EF4-FFF2-40B4-BE49-F238E27FC236}">
-                <a16:creationId xmlns:a16="http://schemas.microsoft.com/office/drawing/2014/main" id="{8D458BBA-D2DC-D8CE-CAA6-133001DFE478}"/>
-              </a:ext>
-            </a:extLst>
-          </p:cNvPr>
-          <p:cNvSpPr txBox="1"/>
-          <p:nvPr/>
-        </p:nvSpPr>
-        <p:spPr>
-          <a:xfrm>
-            <a:off x="6519426" y="1537675"/>
-            <a:ext cx="1546129" cy="369332"/>
-          </a:xfrm>
-          <a:prstGeom prst="rect">
-            <a:avLst/>
-          </a:prstGeom>
-          <a:noFill/>
-        </p:spPr>
-        <p:txBody>
-          <a:bodyPr wrap="none" rtlCol="0">
-            <a:spAutoFit/>
-          </a:bodyPr>
-          <a:lstStyle/>
-          <a:p>
-            <a:r>
-              <a:rPr lang="fr-FR" i="1" dirty="0" err="1"/>
-              <a:t>curl</a:t>
-            </a:r>
-            <a:r>
-              <a:rPr lang="fr-FR" i="1" dirty="0"/>
-              <a:t> localhost</a:t>
-            </a:r>
-          </a:p>
-        </p:txBody>
-      </p:sp>
-      <p:sp>
-        <p:nvSpPr>
-          <p:cNvPr id="31" name="Rectangle 30">
-            <a:extLst>
-              <a:ext uri="{FF2B5EF4-FFF2-40B4-BE49-F238E27FC236}">
-                <a16:creationId xmlns:a16="http://schemas.microsoft.com/office/drawing/2014/main" id="{AA1B25AC-8A00-2FC3-E344-9D77D069BD24}"/>
-              </a:ext>
-            </a:extLst>
-          </p:cNvPr>
-          <p:cNvSpPr/>
-          <p:nvPr/>
-        </p:nvSpPr>
-        <p:spPr>
-          <a:xfrm>
-            <a:off x="3729322" y="1288026"/>
-            <a:ext cx="7046835" cy="2995759"/>
-          </a:xfrm>
-          <a:prstGeom prst="rect">
-            <a:avLst/>
-          </a:prstGeom>
-          <a:noFill/>
-        </p:spPr>
-        <p:style>
-          <a:lnRef idx="2">
-            <a:schemeClr val="accent1">
-              <a:shade val="15000"/>
-            </a:schemeClr>
-          </a:lnRef>
-          <a:fillRef idx="1">
-            <a:schemeClr val="accent1"/>
-          </a:fillRef>
-          <a:effectRef idx="0">
-            <a:schemeClr val="accent1"/>
-          </a:effectRef>
-          <a:fontRef idx="minor">
-            <a:schemeClr val="lt1"/>
-          </a:fontRef>
-        </p:style>
-        <p:txBody>
-          <a:bodyPr rtlCol="0" anchor="ctr"/>
-          <a:lstStyle/>
-          <a:p>
-            <a:pPr algn="ctr"/>
-            <a:endParaRPr lang="fr-FR"/>
-          </a:p>
-        </p:txBody>
-      </p:sp>
-      <p:sp>
-        <p:nvSpPr>
-          <p:cNvPr id="10" name="Nuage 9">
-            <a:extLst>
-              <a:ext uri="{FF2B5EF4-FFF2-40B4-BE49-F238E27FC236}">
-                <a16:creationId xmlns:a16="http://schemas.microsoft.com/office/drawing/2014/main" id="{95C6DCEF-69C0-2D5A-B4AF-36EA8F503950}"/>
-              </a:ext>
-            </a:extLst>
-          </p:cNvPr>
-          <p:cNvSpPr/>
-          <p:nvPr/>
-        </p:nvSpPr>
-        <p:spPr>
-          <a:xfrm>
-            <a:off x="-2261418" y="-157316"/>
-            <a:ext cx="5446674" cy="5378245"/>
-          </a:xfrm>
-          <a:prstGeom prst="cloud">
-            <a:avLst/>
-          </a:prstGeom>
-          <a:noFill/>
-        </p:spPr>
-        <p:style>
-          <a:lnRef idx="2">
-            <a:schemeClr val="accent1">
-              <a:shade val="15000"/>
-            </a:schemeClr>
-          </a:lnRef>
-          <a:fillRef idx="1">
-            <a:schemeClr val="accent1"/>
-          </a:fillRef>
-          <a:effectRef idx="0">
-            <a:schemeClr val="accent1"/>
-          </a:effectRef>
-          <a:fontRef idx="minor">
-            <a:schemeClr val="lt1"/>
-          </a:fontRef>
-        </p:style>
-        <p:txBody>
-          <a:bodyPr rtlCol="0" anchor="ctr"/>
-          <a:lstStyle/>
-          <a:p>
-            <a:pPr algn="ctr"/>
-            <a:endParaRPr lang="fr-FR"/>
+              <a:t>… contexte BNP PF</a:t>
+            </a:r>
           </a:p>
         </p:txBody>
       </p:sp>
     </p:spTree>
     <p:extLst>
       <p:ext uri="{BB962C8B-B14F-4D97-AF65-F5344CB8AC3E}">
-        <p14:creationId xmlns:p14="http://schemas.microsoft.com/office/powerpoint/2010/main" val="972507685"/>
+        <p14:creationId xmlns:p14="http://schemas.microsoft.com/office/powerpoint/2010/main" val="3131077612"/>
       </p:ext>
     </p:extLst>
   </p:cSld>
@@ -6987,10 +8942,10 @@
       </p:grpSpPr>
       <p:sp>
         <p:nvSpPr>
-          <p:cNvPr id="3" name="ZoneTexte 2">
-            <a:extLst>
-              <a:ext uri="{FF2B5EF4-FFF2-40B4-BE49-F238E27FC236}">
-                <a16:creationId xmlns:a16="http://schemas.microsoft.com/office/drawing/2014/main" id="{0297286C-0F92-6A93-E325-CE426B4FA2DC}"/>
+          <p:cNvPr id="4" name="ZoneTexte 3">
+            <a:extLst>
+              <a:ext uri="{FF2B5EF4-FFF2-40B4-BE49-F238E27FC236}">
+                <a16:creationId xmlns:a16="http://schemas.microsoft.com/office/drawing/2014/main" id="{2AE31DD2-FA51-9E04-1100-7153D91AA77B}"/>
               </a:ext>
             </a:extLst>
           </p:cNvPr>
@@ -6999,8 +8954,8 @@
         </p:nvSpPr>
         <p:spPr>
           <a:xfrm>
-            <a:off x="1848465" y="1210667"/>
-            <a:ext cx="8405878" cy="369332"/>
+            <a:off x="1700981" y="2133600"/>
+            <a:ext cx="6096000" cy="1477328"/>
           </a:xfrm>
           <a:prstGeom prst="rect">
             <a:avLst/>
@@ -7015,30 +8970,39 @@
           <a:p>
             <a:r>
               <a:rPr lang="fr-FR" dirty="0"/>
-              <a:t>docker run -p 80:8080 docker.swagger.io/</a:t>
-            </a:r>
+              <a:t>SPDX</a:t>
+            </a:r>
+          </a:p>
+          <a:p>
+            <a:r>
+              <a:rPr lang="fr-FR" dirty="0"/>
+              <a:t>Vs</a:t>
+            </a:r>
+          </a:p>
+          <a:p>
             <a:r>
               <a:rPr lang="fr-FR" dirty="0" err="1"/>
-              <a:t>swaggerapi</a:t>
-            </a:r>
+              <a:t>CycloneDX</a:t>
+            </a:r>
+            <a:endParaRPr lang="fr-FR" dirty="0"/>
+          </a:p>
+          <a:p>
+            <a:endParaRPr lang="fr-FR" dirty="0"/>
+          </a:p>
+          <a:p>
             <a:r>
               <a:rPr lang="fr-FR" dirty="0"/>
-              <a:t>/</a:t>
-            </a:r>
-            <a:r>
-              <a:rPr lang="fr-FR" dirty="0" err="1"/>
-              <a:t>swagger-ui</a:t>
-            </a:r>
-            <a:endParaRPr lang="fr-FR" dirty="0"/>
-          </a:p>
-        </p:txBody>
-      </p:sp>
-      <p:sp>
-        <p:nvSpPr>
-          <p:cNvPr id="5" name="ZoneTexte 4">
-            <a:extLst>
-              <a:ext uri="{FF2B5EF4-FFF2-40B4-BE49-F238E27FC236}">
-                <a16:creationId xmlns:a16="http://schemas.microsoft.com/office/drawing/2014/main" id="{49235465-AB8C-2BCE-99FA-05B7471D98A9}"/>
+              <a:t>https://scvs.owasp.org/bom-maturity-model/</a:t>
+            </a:r>
+          </a:p>
+        </p:txBody>
+      </p:sp>
+      <p:sp>
+        <p:nvSpPr>
+          <p:cNvPr id="6" name="ZoneTexte 5">
+            <a:extLst>
+              <a:ext uri="{FF2B5EF4-FFF2-40B4-BE49-F238E27FC236}">
+                <a16:creationId xmlns:a16="http://schemas.microsoft.com/office/drawing/2014/main" id="{F5DB0E2B-45A4-713E-CE39-71D5DB4EAE22}"/>
               </a:ext>
             </a:extLst>
           </p:cNvPr>
@@ -7047,8 +9011,8 @@
         </p:nvSpPr>
         <p:spPr>
           <a:xfrm>
-            <a:off x="1966451" y="2155412"/>
-            <a:ext cx="6096000" cy="369332"/>
+            <a:off x="1700981" y="3983364"/>
+            <a:ext cx="6096000" cy="646331"/>
           </a:xfrm>
           <a:prstGeom prst="rect">
             <a:avLst/>
@@ -7063,17 +9027,17 @@
           <a:p>
             <a:r>
               <a:rPr lang="fr-FR" dirty="0"/>
-              <a:t>http://localhost/</a:t>
-            </a:r>
-          </a:p>
-        </p:txBody>
-      </p:sp>
-      <p:sp>
-        <p:nvSpPr>
-          <p:cNvPr id="7" name="ZoneTexte 6">
-            <a:extLst>
-              <a:ext uri="{FF2B5EF4-FFF2-40B4-BE49-F238E27FC236}">
-                <a16:creationId xmlns:a16="http://schemas.microsoft.com/office/drawing/2014/main" id="{7F9BDB1D-231A-9C37-5615-DF13F7065327}"/>
+              <a:t>https://nexusconnect.io/articles/spdx-cyclonedx-or-swid-navigating-the-sbom-standard-landscape</a:t>
+            </a:r>
+          </a:p>
+        </p:txBody>
+      </p:sp>
+      <p:sp>
+        <p:nvSpPr>
+          <p:cNvPr id="8" name="ZoneTexte 7">
+            <a:extLst>
+              <a:ext uri="{FF2B5EF4-FFF2-40B4-BE49-F238E27FC236}">
+                <a16:creationId xmlns:a16="http://schemas.microsoft.com/office/drawing/2014/main" id="{84B4ADA9-7B08-3788-7895-EF1534329BD6}"/>
               </a:ext>
             </a:extLst>
           </p:cNvPr>
@@ -7082,8 +9046,8 @@
         </p:nvSpPr>
         <p:spPr>
           <a:xfrm>
-            <a:off x="1799304" y="2823158"/>
-            <a:ext cx="6096000" cy="369332"/>
+            <a:off x="1700981" y="4848603"/>
+            <a:ext cx="6096000" cy="646331"/>
           </a:xfrm>
           <a:prstGeom prst="rect">
             <a:avLst/>
@@ -7098,112 +9062,7 @@
           <a:p>
             <a:r>
               <a:rPr lang="fr-FR" dirty="0"/>
-              <a:t>http://138.68.93.168:8080/api/openapi.json</a:t>
-            </a:r>
-          </a:p>
-        </p:txBody>
-      </p:sp>
-      <p:sp>
-        <p:nvSpPr>
-          <p:cNvPr id="2" name="ZoneTexte 1">
-            <a:extLst>
-              <a:ext uri="{FF2B5EF4-FFF2-40B4-BE49-F238E27FC236}">
-                <a16:creationId xmlns:a16="http://schemas.microsoft.com/office/drawing/2014/main" id="{43C9D213-72F0-F084-60C3-53F8E12D839F}"/>
-              </a:ext>
-            </a:extLst>
-          </p:cNvPr>
-          <p:cNvSpPr txBox="1"/>
-          <p:nvPr/>
-        </p:nvSpPr>
-        <p:spPr>
-          <a:xfrm>
-            <a:off x="1799304" y="727587"/>
-            <a:ext cx="6096000" cy="369332"/>
-          </a:xfrm>
-          <a:prstGeom prst="rect">
-            <a:avLst/>
-          </a:prstGeom>
-          <a:noFill/>
-        </p:spPr>
-        <p:txBody>
-          <a:bodyPr wrap="square">
-            <a:spAutoFit/>
-          </a:bodyPr>
-          <a:lstStyle/>
-          <a:p>
-            <a:r>
-              <a:rPr lang="fr-FR" dirty="0"/>
-              <a:t>API</a:t>
-            </a:r>
-          </a:p>
-        </p:txBody>
-      </p:sp>
-      <p:sp>
-        <p:nvSpPr>
-          <p:cNvPr id="6" name="ZoneTexte 5">
-            <a:extLst>
-              <a:ext uri="{FF2B5EF4-FFF2-40B4-BE49-F238E27FC236}">
-                <a16:creationId xmlns:a16="http://schemas.microsoft.com/office/drawing/2014/main" id="{877B1438-7E7B-C99C-8E8E-36BEAA992A0F}"/>
-              </a:ext>
-            </a:extLst>
-          </p:cNvPr>
-          <p:cNvSpPr txBox="1"/>
-          <p:nvPr/>
-        </p:nvSpPr>
-        <p:spPr>
-          <a:xfrm>
-            <a:off x="1848465" y="3789318"/>
-            <a:ext cx="8190270" cy="369332"/>
-          </a:xfrm>
-          <a:prstGeom prst="rect">
-            <a:avLst/>
-          </a:prstGeom>
-          <a:noFill/>
-        </p:spPr>
-        <p:txBody>
-          <a:bodyPr wrap="square">
-            <a:spAutoFit/>
-          </a:bodyPr>
-          <a:lstStyle/>
-          <a:p>
-            <a:r>
-              <a:rPr lang="fr-FR" dirty="0"/>
-              <a:t>Exemple : https://gitlab.com/sbom-demo/dependency-track-export</a:t>
-            </a:r>
-          </a:p>
-        </p:txBody>
-      </p:sp>
-      <p:sp>
-        <p:nvSpPr>
-          <p:cNvPr id="8" name="ZoneTexte 7">
-            <a:extLst>
-              <a:ext uri="{FF2B5EF4-FFF2-40B4-BE49-F238E27FC236}">
-                <a16:creationId xmlns:a16="http://schemas.microsoft.com/office/drawing/2014/main" id="{61A7900A-F4A7-60ED-8967-7EDC246E8E09}"/>
-              </a:ext>
-            </a:extLst>
-          </p:cNvPr>
-          <p:cNvSpPr txBox="1"/>
-          <p:nvPr/>
-        </p:nvSpPr>
-        <p:spPr>
-          <a:xfrm>
-            <a:off x="1848465" y="4755478"/>
-            <a:ext cx="6097554" cy="369332"/>
-          </a:xfrm>
-          <a:prstGeom prst="rect">
-            <a:avLst/>
-          </a:prstGeom>
-          <a:noFill/>
-        </p:spPr>
-        <p:txBody>
-          <a:bodyPr wrap="square">
-            <a:spAutoFit/>
-          </a:bodyPr>
-          <a:lstStyle/>
-          <a:p>
-            <a:r>
-              <a:rPr lang="fr-FR" dirty="0"/>
-              <a:t>https://docs.dependencytrack.org/integrations/rest-api/</a:t>
+              <a:t>https://worklifenotes.com/2025/01/21/why-we-chose-cyclonedx-over-spdx/</a:t>
             </a:r>
           </a:p>
         </p:txBody>
@@ -7211,7 +9070,7 @@
     </p:spTree>
     <p:extLst>
       <p:ext uri="{BB962C8B-B14F-4D97-AF65-F5344CB8AC3E}">
-        <p14:creationId xmlns:p14="http://schemas.microsoft.com/office/powerpoint/2010/main" val="3623553007"/>
+        <p14:creationId xmlns:p14="http://schemas.microsoft.com/office/powerpoint/2010/main" val="3193183728"/>
       </p:ext>
     </p:extLst>
   </p:cSld>

--- a/SBOM.pptx
+++ b/SBOM.pptx
@@ -5,7 +5,7 @@
     <p:sldMasterId id="2147483648" r:id="rId1"/>
   </p:sldMasterIdLst>
   <p:notesMasterIdLst>
-    <p:notesMasterId r:id="rId23"/>
+    <p:notesMasterId r:id="rId24"/>
   </p:notesMasterIdLst>
   <p:sldIdLst>
     <p:sldId id="262" r:id="rId2"/>
@@ -29,6 +29,7 @@
     <p:sldId id="266" r:id="rId20"/>
     <p:sldId id="268" r:id="rId21"/>
     <p:sldId id="269" r:id="rId22"/>
+    <p:sldId id="278" r:id="rId23"/>
   </p:sldIdLst>
   <p:sldSz cx="12192000" cy="6858000"/>
   <p:notesSz cx="6858000" cy="9144000"/>
@@ -217,7 +218,7 @@
           <a:p>
             <a:fld id="{E217C213-E020-4648-B092-C4DB01800065}" type="datetimeFigureOut">
               <a:rPr lang="fr-FR" smtClean="0"/>
-              <a:t>27/04/2025</a:t>
+              <a:t>03/05/2025</a:t>
             </a:fld>
             <a:endParaRPr lang="fr-FR"/>
           </a:p>
@@ -715,7 +716,7 @@
           <a:p>
             <a:fld id="{B47C19A2-FEF7-4D78-8061-DDAEFB11027D}" type="datetimeFigureOut">
               <a:rPr lang="fr-FR" smtClean="0"/>
-              <a:t>27/04/2025</a:t>
+              <a:t>03/05/2025</a:t>
             </a:fld>
             <a:endParaRPr lang="fr-FR"/>
           </a:p>
@@ -913,7 +914,7 @@
           <a:p>
             <a:fld id="{B47C19A2-FEF7-4D78-8061-DDAEFB11027D}" type="datetimeFigureOut">
               <a:rPr lang="fr-FR" smtClean="0"/>
-              <a:t>27/04/2025</a:t>
+              <a:t>03/05/2025</a:t>
             </a:fld>
             <a:endParaRPr lang="fr-FR"/>
           </a:p>
@@ -1121,7 +1122,7 @@
           <a:p>
             <a:fld id="{B47C19A2-FEF7-4D78-8061-DDAEFB11027D}" type="datetimeFigureOut">
               <a:rPr lang="fr-FR" smtClean="0"/>
-              <a:t>27/04/2025</a:t>
+              <a:t>03/05/2025</a:t>
             </a:fld>
             <a:endParaRPr lang="fr-FR"/>
           </a:p>
@@ -1319,7 +1320,7 @@
           <a:p>
             <a:fld id="{B47C19A2-FEF7-4D78-8061-DDAEFB11027D}" type="datetimeFigureOut">
               <a:rPr lang="fr-FR" smtClean="0"/>
-              <a:t>27/04/2025</a:t>
+              <a:t>03/05/2025</a:t>
             </a:fld>
             <a:endParaRPr lang="fr-FR"/>
           </a:p>
@@ -1594,7 +1595,7 @@
           <a:p>
             <a:fld id="{B47C19A2-FEF7-4D78-8061-DDAEFB11027D}" type="datetimeFigureOut">
               <a:rPr lang="fr-FR" smtClean="0"/>
-              <a:t>27/04/2025</a:t>
+              <a:t>03/05/2025</a:t>
             </a:fld>
             <a:endParaRPr lang="fr-FR"/>
           </a:p>
@@ -1859,7 +1860,7 @@
           <a:p>
             <a:fld id="{B47C19A2-FEF7-4D78-8061-DDAEFB11027D}" type="datetimeFigureOut">
               <a:rPr lang="fr-FR" smtClean="0"/>
-              <a:t>27/04/2025</a:t>
+              <a:t>03/05/2025</a:t>
             </a:fld>
             <a:endParaRPr lang="fr-FR"/>
           </a:p>
@@ -2271,7 +2272,7 @@
           <a:p>
             <a:fld id="{B47C19A2-FEF7-4D78-8061-DDAEFB11027D}" type="datetimeFigureOut">
               <a:rPr lang="fr-FR" smtClean="0"/>
-              <a:t>27/04/2025</a:t>
+              <a:t>03/05/2025</a:t>
             </a:fld>
             <a:endParaRPr lang="fr-FR"/>
           </a:p>
@@ -2412,7 +2413,7 @@
           <a:p>
             <a:fld id="{B47C19A2-FEF7-4D78-8061-DDAEFB11027D}" type="datetimeFigureOut">
               <a:rPr lang="fr-FR" smtClean="0"/>
-              <a:t>27/04/2025</a:t>
+              <a:t>03/05/2025</a:t>
             </a:fld>
             <a:endParaRPr lang="fr-FR"/>
           </a:p>
@@ -2525,7 +2526,7 @@
           <a:p>
             <a:fld id="{B47C19A2-FEF7-4D78-8061-DDAEFB11027D}" type="datetimeFigureOut">
               <a:rPr lang="fr-FR" smtClean="0"/>
-              <a:t>27/04/2025</a:t>
+              <a:t>03/05/2025</a:t>
             </a:fld>
             <a:endParaRPr lang="fr-FR"/>
           </a:p>
@@ -2836,7 +2837,7 @@
           <a:p>
             <a:fld id="{B47C19A2-FEF7-4D78-8061-DDAEFB11027D}" type="datetimeFigureOut">
               <a:rPr lang="fr-FR" smtClean="0"/>
-              <a:t>27/04/2025</a:t>
+              <a:t>03/05/2025</a:t>
             </a:fld>
             <a:endParaRPr lang="fr-FR"/>
           </a:p>
@@ -3124,7 +3125,7 @@
           <a:p>
             <a:fld id="{B47C19A2-FEF7-4D78-8061-DDAEFB11027D}" type="datetimeFigureOut">
               <a:rPr lang="fr-FR" smtClean="0"/>
-              <a:t>27/04/2025</a:t>
+              <a:t>03/05/2025</a:t>
             </a:fld>
             <a:endParaRPr lang="fr-FR"/>
           </a:p>
@@ -3365,7 +3366,7 @@
           <a:p>
             <a:fld id="{B47C19A2-FEF7-4D78-8061-DDAEFB11027D}" type="datetimeFigureOut">
               <a:rPr lang="fr-FR" smtClean="0"/>
-              <a:t>27/04/2025</a:t>
+              <a:t>03/05/2025</a:t>
             </a:fld>
             <a:endParaRPr lang="fr-FR"/>
           </a:p>
@@ -4115,7 +4116,7 @@
           <a:p>
             <a:r>
               <a:rPr lang="en-US" dirty="0"/>
-              <a:t>“Audit requirements – this is when we need to “go back in time” and request SBOM for a specific older version of our project capturing older states. This may happen for any reason, in example, </a:t>
+              <a:t>Audit requirements – this is when we need to “go back in time” and request SBOM for a specific older version of our project capturing older states. This may happen for any reason, in example, </a:t>
             </a:r>
             <a:r>
               <a:rPr lang="en-US" dirty="0">
@@ -4125,7 +4126,7 @@
             </a:r>
             <a:r>
               <a:rPr lang="en-US" dirty="0"/>
-              <a:t> is going to make this a legal requirement.”</a:t>
+              <a:t> is going to make this a legal requirement.</a:t>
             </a:r>
           </a:p>
           <a:p>
@@ -6235,7 +6236,7 @@
         <p:spPr>
           <a:xfrm>
             <a:off x="813707" y="1443841"/>
-            <a:ext cx="10321990" cy="4247317"/>
+            <a:ext cx="10321990" cy="3139321"/>
           </a:xfrm>
           <a:prstGeom prst="rect">
             <a:avLst/>
@@ -6247,157 +6248,6 @@
             <a:spAutoFit/>
           </a:bodyPr>
           <a:lstStyle/>
-          <a:p>
-            <a:r>
-              <a:rPr lang="fr-FR" sz="1800" dirty="0" err="1">
-                <a:solidFill>
-                  <a:srgbClr val="000000"/>
-                </a:solidFill>
-                <a:effectLst/>
-                <a:latin typeface="Aptos" panose="020B0004020202020204" pitchFamily="34" charset="0"/>
-                <a:hlinkClick r:id="rId2" tooltip="https://cyclonedx.org/specification/overview/"/>
-              </a:rPr>
-              <a:t>Specification</a:t>
-            </a:r>
-            <a:r>
-              <a:rPr lang="fr-FR" sz="1800" dirty="0">
-                <a:solidFill>
-                  <a:srgbClr val="000000"/>
-                </a:solidFill>
-                <a:effectLst/>
-                <a:latin typeface="Aptos" panose="020B0004020202020204" pitchFamily="34" charset="0"/>
-                <a:hlinkClick r:id="rId2" tooltip="https://cyclonedx.org/specification/overview/"/>
-              </a:rPr>
-              <a:t> </a:t>
-            </a:r>
-            <a:r>
-              <a:rPr lang="fr-FR" sz="1800" dirty="0" err="1">
-                <a:solidFill>
-                  <a:srgbClr val="000000"/>
-                </a:solidFill>
-                <a:effectLst/>
-                <a:latin typeface="Aptos" panose="020B0004020202020204" pitchFamily="34" charset="0"/>
-                <a:hlinkClick r:id="rId2" tooltip="https://cyclonedx.org/specification/overview/"/>
-              </a:rPr>
-              <a:t>Overview</a:t>
-            </a:r>
-            <a:r>
-              <a:rPr lang="fr-FR" sz="1800" dirty="0">
-                <a:solidFill>
-                  <a:srgbClr val="000000"/>
-                </a:solidFill>
-                <a:effectLst/>
-                <a:latin typeface="Aptos" panose="020B0004020202020204" pitchFamily="34" charset="0"/>
-                <a:hlinkClick r:id="rId2" tooltip="https://cyclonedx.org/specification/overview/"/>
-              </a:rPr>
-              <a:t> | </a:t>
-            </a:r>
-            <a:r>
-              <a:rPr lang="fr-FR" sz="1800" dirty="0" err="1">
-                <a:solidFill>
-                  <a:srgbClr val="000000"/>
-                </a:solidFill>
-                <a:effectLst/>
-                <a:latin typeface="Aptos" panose="020B0004020202020204" pitchFamily="34" charset="0"/>
-                <a:hlinkClick r:id="rId2" tooltip="https://cyclonedx.org/specification/overview/"/>
-              </a:rPr>
-              <a:t>CycloneDX</a:t>
-            </a:r>
-            <a:endParaRPr lang="fr-FR" sz="1800" dirty="0">
-              <a:solidFill>
-                <a:srgbClr val="000000"/>
-              </a:solidFill>
-              <a:effectLst/>
-              <a:latin typeface="Aptos" panose="020B0004020202020204" pitchFamily="34" charset="0"/>
-            </a:endParaRPr>
-          </a:p>
-          <a:p>
-            <a:r>
-              <a:rPr lang="fr-FR" sz="1800" dirty="0" err="1">
-                <a:solidFill>
-                  <a:srgbClr val="000000"/>
-                </a:solidFill>
-                <a:effectLst/>
-                <a:latin typeface="Aptos" panose="020B0004020202020204" pitchFamily="34" charset="0"/>
-                <a:hlinkClick r:id="rId3" tooltip="https://cyclonedx.org/tool-center/"/>
-              </a:rPr>
-              <a:t>CycloneDX</a:t>
-            </a:r>
-            <a:r>
-              <a:rPr lang="fr-FR" sz="1800" dirty="0">
-                <a:solidFill>
-                  <a:srgbClr val="000000"/>
-                </a:solidFill>
-                <a:effectLst/>
-                <a:latin typeface="Aptos" panose="020B0004020202020204" pitchFamily="34" charset="0"/>
-                <a:hlinkClick r:id="rId3" tooltip="https://cyclonedx.org/tool-center/"/>
-              </a:rPr>
-              <a:t> Tool Center | </a:t>
-            </a:r>
-            <a:r>
-              <a:rPr lang="fr-FR" sz="1800" dirty="0" err="1">
-                <a:solidFill>
-                  <a:srgbClr val="000000"/>
-                </a:solidFill>
-                <a:effectLst/>
-                <a:latin typeface="Aptos" panose="020B0004020202020204" pitchFamily="34" charset="0"/>
-                <a:hlinkClick r:id="rId3" tooltip="https://cyclonedx.org/tool-center/"/>
-              </a:rPr>
-              <a:t>CycloneDX</a:t>
-            </a:r>
-            <a:endParaRPr lang="fr-FR" sz="1800" dirty="0">
-              <a:solidFill>
-                <a:srgbClr val="000000"/>
-              </a:solidFill>
-              <a:effectLst/>
-              <a:latin typeface="Aptos" panose="020B0004020202020204" pitchFamily="34" charset="0"/>
-            </a:endParaRPr>
-          </a:p>
-          <a:p>
-            <a:r>
-              <a:rPr lang="fr-FR" sz="1800" dirty="0" err="1">
-                <a:solidFill>
-                  <a:srgbClr val="000000"/>
-                </a:solidFill>
-                <a:effectLst/>
-                <a:latin typeface="Aptos" panose="020B0004020202020204" pitchFamily="34" charset="0"/>
-                <a:hlinkClick r:id="rId4" tooltip="https://cyclonedx.org/capabilities/cbom/"/>
-              </a:rPr>
-              <a:t>Cryptography</a:t>
-            </a:r>
-            <a:r>
-              <a:rPr lang="fr-FR" sz="1800" dirty="0">
-                <a:solidFill>
-                  <a:srgbClr val="000000"/>
-                </a:solidFill>
-                <a:effectLst/>
-                <a:latin typeface="Aptos" panose="020B0004020202020204" pitchFamily="34" charset="0"/>
-                <a:hlinkClick r:id="rId4" tooltip="https://cyclonedx.org/capabilities/cbom/"/>
-              </a:rPr>
-              <a:t> Bill of Materials (CBOM) | </a:t>
-            </a:r>
-            <a:r>
-              <a:rPr lang="fr-FR" sz="1800" dirty="0" err="1">
-                <a:solidFill>
-                  <a:srgbClr val="000000"/>
-                </a:solidFill>
-                <a:effectLst/>
-                <a:latin typeface="Aptos" panose="020B0004020202020204" pitchFamily="34" charset="0"/>
-                <a:hlinkClick r:id="rId4" tooltip="https://cyclonedx.org/capabilities/cbom/"/>
-              </a:rPr>
-              <a:t>CycloneDX</a:t>
-            </a:r>
-            <a:r>
-              <a:rPr lang="fr-FR" sz="1800" dirty="0">
-                <a:solidFill>
-                  <a:srgbClr val="000000"/>
-                </a:solidFill>
-                <a:effectLst/>
-                <a:latin typeface="Aptos" panose="020B0004020202020204" pitchFamily="34" charset="0"/>
-              </a:rPr>
-              <a:t> : pour identifier quels algos sont utilisés et où, demain pour répondre aux avancées de l'informatique quantique, ou lorsqu'un algo est cassé.</a:t>
-            </a:r>
-          </a:p>
           <a:p>
             <a:endParaRPr lang="fr-FR" sz="1800" dirty="0">
               <a:solidFill>
@@ -7160,6 +7010,216 @@
     <p:extLst>
       <p:ext uri="{BB962C8B-B14F-4D97-AF65-F5344CB8AC3E}">
         <p14:creationId xmlns:p14="http://schemas.microsoft.com/office/powerpoint/2010/main" val="1981858791"/>
+      </p:ext>
+    </p:extLst>
+  </p:cSld>
+  <p:clrMapOvr>
+    <a:masterClrMapping/>
+  </p:clrMapOvr>
+</p:sld>
+</file>
+
+<file path=ppt/slides/slide22.xml><?xml version="1.0" encoding="utf-8"?>
+<p:sld xmlns:a="http://schemas.openxmlformats.org/drawingml/2006/main" xmlns:r="http://schemas.openxmlformats.org/officeDocument/2006/relationships" xmlns:p="http://schemas.openxmlformats.org/presentationml/2006/main">
+  <p:cSld>
+    <p:spTree>
+      <p:nvGrpSpPr>
+        <p:cNvPr id="1" name=""/>
+        <p:cNvGrpSpPr/>
+        <p:nvPr/>
+      </p:nvGrpSpPr>
+      <p:grpSpPr>
+        <a:xfrm>
+          <a:off x="0" y="0"/>
+          <a:ext cx="0" cy="0"/>
+          <a:chOff x="0" y="0"/>
+          <a:chExt cx="0" cy="0"/>
+        </a:xfrm>
+      </p:grpSpPr>
+      <p:sp>
+        <p:nvSpPr>
+          <p:cNvPr id="3" name="ZoneTexte 2">
+            <a:extLst>
+              <a:ext uri="{FF2B5EF4-FFF2-40B4-BE49-F238E27FC236}">
+                <a16:creationId xmlns:a16="http://schemas.microsoft.com/office/drawing/2014/main" id="{0C0AC525-BFB3-E4C2-1C4A-2D27A4CD2468}"/>
+              </a:ext>
+            </a:extLst>
+          </p:cNvPr>
+          <p:cNvSpPr txBox="1"/>
+          <p:nvPr/>
+        </p:nvSpPr>
+        <p:spPr>
+          <a:xfrm>
+            <a:off x="774441" y="1502229"/>
+            <a:ext cx="10123714" cy="1200329"/>
+          </a:xfrm>
+          <a:prstGeom prst="rect">
+            <a:avLst/>
+          </a:prstGeom>
+          <a:noFill/>
+        </p:spPr>
+        <p:txBody>
+          <a:bodyPr wrap="square">
+            <a:spAutoFit/>
+          </a:bodyPr>
+          <a:lstStyle/>
+          <a:p>
+            <a:r>
+              <a:rPr lang="fr-FR" sz="1800" dirty="0" err="1">
+                <a:solidFill>
+                  <a:srgbClr val="000000"/>
+                </a:solidFill>
+                <a:effectLst/>
+                <a:latin typeface="Aptos" panose="020B0004020202020204" pitchFamily="34" charset="0"/>
+                <a:hlinkClick r:id="rId2" tooltip="https://cyclonedx.org/specification/overview/"/>
+              </a:rPr>
+              <a:t>Specification</a:t>
+            </a:r>
+            <a:r>
+              <a:rPr lang="fr-FR" sz="1800" dirty="0">
+                <a:solidFill>
+                  <a:srgbClr val="000000"/>
+                </a:solidFill>
+                <a:effectLst/>
+                <a:latin typeface="Aptos" panose="020B0004020202020204" pitchFamily="34" charset="0"/>
+                <a:hlinkClick r:id="rId2" tooltip="https://cyclonedx.org/specification/overview/"/>
+              </a:rPr>
+              <a:t> </a:t>
+            </a:r>
+            <a:r>
+              <a:rPr lang="fr-FR" sz="1800" dirty="0" err="1">
+                <a:solidFill>
+                  <a:srgbClr val="000000"/>
+                </a:solidFill>
+                <a:effectLst/>
+                <a:latin typeface="Aptos" panose="020B0004020202020204" pitchFamily="34" charset="0"/>
+                <a:hlinkClick r:id="rId2" tooltip="https://cyclonedx.org/specification/overview/"/>
+              </a:rPr>
+              <a:t>Overview</a:t>
+            </a:r>
+            <a:r>
+              <a:rPr lang="fr-FR" sz="1800" dirty="0">
+                <a:solidFill>
+                  <a:srgbClr val="000000"/>
+                </a:solidFill>
+                <a:effectLst/>
+                <a:latin typeface="Aptos" panose="020B0004020202020204" pitchFamily="34" charset="0"/>
+                <a:hlinkClick r:id="rId2" tooltip="https://cyclonedx.org/specification/overview/"/>
+              </a:rPr>
+              <a:t> | </a:t>
+            </a:r>
+            <a:r>
+              <a:rPr lang="fr-FR" sz="1800" dirty="0" err="1">
+                <a:solidFill>
+                  <a:srgbClr val="000000"/>
+                </a:solidFill>
+                <a:effectLst/>
+                <a:latin typeface="Aptos" panose="020B0004020202020204" pitchFamily="34" charset="0"/>
+                <a:hlinkClick r:id="rId2" tooltip="https://cyclonedx.org/specification/overview/"/>
+              </a:rPr>
+              <a:t>CycloneDX</a:t>
+            </a:r>
+            <a:endParaRPr lang="fr-FR" sz="1800" dirty="0">
+              <a:solidFill>
+                <a:srgbClr val="000000"/>
+              </a:solidFill>
+              <a:effectLst/>
+              <a:latin typeface="Aptos" panose="020B0004020202020204" pitchFamily="34" charset="0"/>
+            </a:endParaRPr>
+          </a:p>
+          <a:p>
+            <a:r>
+              <a:rPr lang="fr-FR" sz="1800" dirty="0" err="1">
+                <a:solidFill>
+                  <a:srgbClr val="000000"/>
+                </a:solidFill>
+                <a:effectLst/>
+                <a:latin typeface="Aptos" panose="020B0004020202020204" pitchFamily="34" charset="0"/>
+                <a:hlinkClick r:id="rId3" tooltip="https://cyclonedx.org/tool-center/"/>
+              </a:rPr>
+              <a:t>CycloneDX</a:t>
+            </a:r>
+            <a:r>
+              <a:rPr lang="fr-FR" sz="1800" dirty="0">
+                <a:solidFill>
+                  <a:srgbClr val="000000"/>
+                </a:solidFill>
+                <a:effectLst/>
+                <a:latin typeface="Aptos" panose="020B0004020202020204" pitchFamily="34" charset="0"/>
+                <a:hlinkClick r:id="rId3" tooltip="https://cyclonedx.org/tool-center/"/>
+              </a:rPr>
+              <a:t> Tool Center | </a:t>
+            </a:r>
+            <a:r>
+              <a:rPr lang="fr-FR" sz="1800" dirty="0" err="1">
+                <a:solidFill>
+                  <a:srgbClr val="000000"/>
+                </a:solidFill>
+                <a:effectLst/>
+                <a:latin typeface="Aptos" panose="020B0004020202020204" pitchFamily="34" charset="0"/>
+                <a:hlinkClick r:id="rId3" tooltip="https://cyclonedx.org/tool-center/"/>
+              </a:rPr>
+              <a:t>CycloneDX</a:t>
+            </a:r>
+            <a:endParaRPr lang="fr-FR" sz="1800" dirty="0">
+              <a:solidFill>
+                <a:srgbClr val="000000"/>
+              </a:solidFill>
+              <a:effectLst/>
+              <a:latin typeface="Aptos" panose="020B0004020202020204" pitchFamily="34" charset="0"/>
+            </a:endParaRPr>
+          </a:p>
+          <a:p>
+            <a:r>
+              <a:rPr lang="fr-FR" sz="1800" dirty="0" err="1">
+                <a:solidFill>
+                  <a:srgbClr val="000000"/>
+                </a:solidFill>
+                <a:effectLst/>
+                <a:latin typeface="Aptos" panose="020B0004020202020204" pitchFamily="34" charset="0"/>
+                <a:hlinkClick r:id="rId4" tooltip="https://cyclonedx.org/capabilities/cbom/"/>
+              </a:rPr>
+              <a:t>Cryptography</a:t>
+            </a:r>
+            <a:r>
+              <a:rPr lang="fr-FR" sz="1800" dirty="0">
+                <a:solidFill>
+                  <a:srgbClr val="000000"/>
+                </a:solidFill>
+                <a:effectLst/>
+                <a:latin typeface="Aptos" panose="020B0004020202020204" pitchFamily="34" charset="0"/>
+                <a:hlinkClick r:id="rId4" tooltip="https://cyclonedx.org/capabilities/cbom/"/>
+              </a:rPr>
+              <a:t> Bill of Materials (CBOM) | </a:t>
+            </a:r>
+            <a:r>
+              <a:rPr lang="fr-FR" sz="1800" dirty="0" err="1">
+                <a:solidFill>
+                  <a:srgbClr val="000000"/>
+                </a:solidFill>
+                <a:effectLst/>
+                <a:latin typeface="Aptos" panose="020B0004020202020204" pitchFamily="34" charset="0"/>
+                <a:hlinkClick r:id="rId4" tooltip="https://cyclonedx.org/capabilities/cbom/"/>
+              </a:rPr>
+              <a:t>CycloneDX</a:t>
+            </a:r>
+            <a:r>
+              <a:rPr lang="fr-FR" sz="1800" dirty="0">
+                <a:solidFill>
+                  <a:srgbClr val="000000"/>
+                </a:solidFill>
+                <a:effectLst/>
+                <a:latin typeface="Aptos" panose="020B0004020202020204" pitchFamily="34" charset="0"/>
+              </a:rPr>
+              <a:t> : pour identifier quels algos sont utilisés et où, demain pour répondre aux avancées de l'informatique quantique, ou lorsqu'un algo est cassé.</a:t>
+            </a:r>
+          </a:p>
+        </p:txBody>
+      </p:sp>
+    </p:spTree>
+    <p:extLst>
+      <p:ext uri="{BB962C8B-B14F-4D97-AF65-F5344CB8AC3E}">
+        <p14:creationId xmlns:p14="http://schemas.microsoft.com/office/powerpoint/2010/main" val="2575528431"/>
       </p:ext>
     </p:extLst>
   </p:cSld>
